--- a/Slides/05. 基礎觀念及知識.pptx
+++ b/Slides/05. 基礎觀念及知識.pptx
@@ -6,7 +6,7 @@
     <p:sldMasterId id="2147483660" r:id="rId2"/>
   </p:sldMasterIdLst>
   <p:notesMasterIdLst>
-    <p:notesMasterId r:id="rId36"/>
+    <p:notesMasterId r:id="rId48"/>
   </p:notesMasterIdLst>
   <p:sldIdLst>
     <p:sldId id="681" r:id="rId3"/>
@@ -42,6 +42,18 @@
     <p:sldId id="877" r:id="rId33"/>
     <p:sldId id="878" r:id="rId34"/>
     <p:sldId id="879" r:id="rId35"/>
+    <p:sldId id="887" r:id="rId36"/>
+    <p:sldId id="888" r:id="rId37"/>
+    <p:sldId id="889" r:id="rId38"/>
+    <p:sldId id="890" r:id="rId39"/>
+    <p:sldId id="891" r:id="rId40"/>
+    <p:sldId id="892" r:id="rId41"/>
+    <p:sldId id="893" r:id="rId42"/>
+    <p:sldId id="894" r:id="rId43"/>
+    <p:sldId id="895" r:id="rId44"/>
+    <p:sldId id="896" r:id="rId45"/>
+    <p:sldId id="897" r:id="rId46"/>
+    <p:sldId id="898" r:id="rId47"/>
   </p:sldIdLst>
   <p:sldSz cx="9144000" cy="6858000" type="screen4x3"/>
   <p:notesSz cx="6858000" cy="9144000"/>
@@ -1343,6 +1355,346 @@
     <p:extLst>
       <p:ext uri="{BB962C8B-B14F-4D97-AF65-F5344CB8AC3E}">
         <p14:creationId xmlns:p14="http://schemas.microsoft.com/office/powerpoint/2010/main" val="3429929227"/>
+      </p:ext>
+    </p:extLst>
+  </p:cSld>
+  <p:clrMapOvr>
+    <a:masterClrMapping/>
+  </p:clrMapOvr>
+</p:notes>
+</file>
+
+<file path=ppt/notesSlides/notesSlide16.xml><?xml version="1.0" encoding="utf-8"?>
+<p:notes xmlns:a="http://schemas.openxmlformats.org/drawingml/2006/main" xmlns:r="http://schemas.openxmlformats.org/officeDocument/2006/relationships" xmlns:p="http://schemas.openxmlformats.org/presentationml/2006/main">
+  <p:cSld>
+    <p:spTree>
+      <p:nvGrpSpPr>
+        <p:cNvPr id="1" name=""/>
+        <p:cNvGrpSpPr/>
+        <p:nvPr/>
+      </p:nvGrpSpPr>
+      <p:grpSpPr>
+        <a:xfrm>
+          <a:off x="0" y="0"/>
+          <a:ext cx="0" cy="0"/>
+          <a:chOff x="0" y="0"/>
+          <a:chExt cx="0" cy="0"/>
+        </a:xfrm>
+      </p:grpSpPr>
+      <p:sp>
+        <p:nvSpPr>
+          <p:cNvPr id="2" name="投影片圖像版面配置區 1"/>
+          <p:cNvSpPr>
+            <a:spLocks noGrp="1" noRot="1" noChangeAspect="1"/>
+          </p:cNvSpPr>
+          <p:nvPr>
+            <p:ph type="sldImg"/>
+          </p:nvPr>
+        </p:nvSpPr>
+        <p:spPr/>
+      </p:sp>
+      <p:sp>
+        <p:nvSpPr>
+          <p:cNvPr id="3" name="備忘稿版面配置區 2"/>
+          <p:cNvSpPr>
+            <a:spLocks noGrp="1"/>
+          </p:cNvSpPr>
+          <p:nvPr>
+            <p:ph type="body" idx="1"/>
+          </p:nvPr>
+        </p:nvSpPr>
+        <p:spPr/>
+        <p:txBody>
+          <a:bodyPr/>
+          <a:lstStyle/>
+          <a:p>
+            <a:endParaRPr lang="zh-TW" altLang="en-US" dirty="0"/>
+          </a:p>
+        </p:txBody>
+      </p:sp>
+      <p:sp>
+        <p:nvSpPr>
+          <p:cNvPr id="4" name="投影片編號版面配置區 3"/>
+          <p:cNvSpPr>
+            <a:spLocks noGrp="1"/>
+          </p:cNvSpPr>
+          <p:nvPr>
+            <p:ph type="sldNum" sz="quarter" idx="10"/>
+          </p:nvPr>
+        </p:nvSpPr>
+        <p:spPr/>
+        <p:txBody>
+          <a:bodyPr/>
+          <a:lstStyle/>
+          <a:p>
+            <a:fld id="{9B26CD33-4337-4529-948A-94F6960B2374}" type="slidenum">
+              <a:rPr lang="en-US" smtClean="0"/>
+              <a:pPr/>
+              <a:t>34</a:t>
+            </a:fld>
+            <a:endParaRPr lang="en-US" dirty="0"/>
+          </a:p>
+        </p:txBody>
+      </p:sp>
+    </p:spTree>
+    <p:extLst>
+      <p:ext uri="{BB962C8B-B14F-4D97-AF65-F5344CB8AC3E}">
+        <p14:creationId xmlns:p14="http://schemas.microsoft.com/office/powerpoint/2010/main" val="3771957476"/>
+      </p:ext>
+    </p:extLst>
+  </p:cSld>
+  <p:clrMapOvr>
+    <a:masterClrMapping/>
+  </p:clrMapOvr>
+</p:notes>
+</file>
+
+<file path=ppt/notesSlides/notesSlide17.xml><?xml version="1.0" encoding="utf-8"?>
+<p:notes xmlns:a="http://schemas.openxmlformats.org/drawingml/2006/main" xmlns:r="http://schemas.openxmlformats.org/officeDocument/2006/relationships" xmlns:p="http://schemas.openxmlformats.org/presentationml/2006/main">
+  <p:cSld>
+    <p:spTree>
+      <p:nvGrpSpPr>
+        <p:cNvPr id="1" name=""/>
+        <p:cNvGrpSpPr/>
+        <p:nvPr/>
+      </p:nvGrpSpPr>
+      <p:grpSpPr>
+        <a:xfrm>
+          <a:off x="0" y="0"/>
+          <a:ext cx="0" cy="0"/>
+          <a:chOff x="0" y="0"/>
+          <a:chExt cx="0" cy="0"/>
+        </a:xfrm>
+      </p:grpSpPr>
+      <p:sp>
+        <p:nvSpPr>
+          <p:cNvPr id="2" name="投影片圖像版面配置區 1"/>
+          <p:cNvSpPr>
+            <a:spLocks noGrp="1" noRot="1" noChangeAspect="1"/>
+          </p:cNvSpPr>
+          <p:nvPr>
+            <p:ph type="sldImg"/>
+          </p:nvPr>
+        </p:nvSpPr>
+        <p:spPr/>
+      </p:sp>
+      <p:sp>
+        <p:nvSpPr>
+          <p:cNvPr id="3" name="備忘稿版面配置區 2"/>
+          <p:cNvSpPr>
+            <a:spLocks noGrp="1"/>
+          </p:cNvSpPr>
+          <p:nvPr>
+            <p:ph type="body" idx="1"/>
+          </p:nvPr>
+        </p:nvSpPr>
+        <p:spPr/>
+        <p:txBody>
+          <a:bodyPr/>
+          <a:lstStyle/>
+          <a:p>
+            <a:endParaRPr lang="zh-TW" altLang="en-US" dirty="0"/>
+          </a:p>
+        </p:txBody>
+      </p:sp>
+      <p:sp>
+        <p:nvSpPr>
+          <p:cNvPr id="4" name="投影片編號版面配置區 3"/>
+          <p:cNvSpPr>
+            <a:spLocks noGrp="1"/>
+          </p:cNvSpPr>
+          <p:nvPr>
+            <p:ph type="sldNum" sz="quarter" idx="10"/>
+          </p:nvPr>
+        </p:nvSpPr>
+        <p:spPr/>
+        <p:txBody>
+          <a:bodyPr/>
+          <a:lstStyle/>
+          <a:p>
+            <a:fld id="{9B26CD33-4337-4529-948A-94F6960B2374}" type="slidenum">
+              <a:rPr lang="en-US" smtClean="0"/>
+              <a:pPr/>
+              <a:t>35</a:t>
+            </a:fld>
+            <a:endParaRPr lang="en-US" dirty="0"/>
+          </a:p>
+        </p:txBody>
+      </p:sp>
+    </p:spTree>
+    <p:extLst>
+      <p:ext uri="{BB962C8B-B14F-4D97-AF65-F5344CB8AC3E}">
+        <p14:creationId xmlns:p14="http://schemas.microsoft.com/office/powerpoint/2010/main" val="2409794574"/>
+      </p:ext>
+    </p:extLst>
+  </p:cSld>
+  <p:clrMapOvr>
+    <a:masterClrMapping/>
+  </p:clrMapOvr>
+</p:notes>
+</file>
+
+<file path=ppt/notesSlides/notesSlide18.xml><?xml version="1.0" encoding="utf-8"?>
+<p:notes xmlns:a="http://schemas.openxmlformats.org/drawingml/2006/main" xmlns:r="http://schemas.openxmlformats.org/officeDocument/2006/relationships" xmlns:p="http://schemas.openxmlformats.org/presentationml/2006/main">
+  <p:cSld>
+    <p:spTree>
+      <p:nvGrpSpPr>
+        <p:cNvPr id="1" name=""/>
+        <p:cNvGrpSpPr/>
+        <p:nvPr/>
+      </p:nvGrpSpPr>
+      <p:grpSpPr>
+        <a:xfrm>
+          <a:off x="0" y="0"/>
+          <a:ext cx="0" cy="0"/>
+          <a:chOff x="0" y="0"/>
+          <a:chExt cx="0" cy="0"/>
+        </a:xfrm>
+      </p:grpSpPr>
+      <p:sp>
+        <p:nvSpPr>
+          <p:cNvPr id="2" name="投影片圖像版面配置區 1"/>
+          <p:cNvSpPr>
+            <a:spLocks noGrp="1" noRot="1" noChangeAspect="1"/>
+          </p:cNvSpPr>
+          <p:nvPr>
+            <p:ph type="sldImg"/>
+          </p:nvPr>
+        </p:nvSpPr>
+        <p:spPr/>
+      </p:sp>
+      <p:sp>
+        <p:nvSpPr>
+          <p:cNvPr id="3" name="備忘稿版面配置區 2"/>
+          <p:cNvSpPr>
+            <a:spLocks noGrp="1"/>
+          </p:cNvSpPr>
+          <p:nvPr>
+            <p:ph type="body" idx="1"/>
+          </p:nvPr>
+        </p:nvSpPr>
+        <p:spPr/>
+        <p:txBody>
+          <a:bodyPr/>
+          <a:lstStyle/>
+          <a:p>
+            <a:endParaRPr lang="zh-TW" altLang="en-US" dirty="0"/>
+          </a:p>
+        </p:txBody>
+      </p:sp>
+      <p:sp>
+        <p:nvSpPr>
+          <p:cNvPr id="4" name="投影片編號版面配置區 3"/>
+          <p:cNvSpPr>
+            <a:spLocks noGrp="1"/>
+          </p:cNvSpPr>
+          <p:nvPr>
+            <p:ph type="sldNum" sz="quarter" idx="10"/>
+          </p:nvPr>
+        </p:nvSpPr>
+        <p:spPr/>
+        <p:txBody>
+          <a:bodyPr/>
+          <a:lstStyle/>
+          <a:p>
+            <a:fld id="{9B26CD33-4337-4529-948A-94F6960B2374}" type="slidenum">
+              <a:rPr lang="en-US" smtClean="0"/>
+              <a:pPr/>
+              <a:t>36</a:t>
+            </a:fld>
+            <a:endParaRPr lang="en-US" dirty="0"/>
+          </a:p>
+        </p:txBody>
+      </p:sp>
+    </p:spTree>
+    <p:extLst>
+      <p:ext uri="{BB962C8B-B14F-4D97-AF65-F5344CB8AC3E}">
+        <p14:creationId xmlns:p14="http://schemas.microsoft.com/office/powerpoint/2010/main" val="1299395394"/>
+      </p:ext>
+    </p:extLst>
+  </p:cSld>
+  <p:clrMapOvr>
+    <a:masterClrMapping/>
+  </p:clrMapOvr>
+</p:notes>
+</file>
+
+<file path=ppt/notesSlides/notesSlide19.xml><?xml version="1.0" encoding="utf-8"?>
+<p:notes xmlns:a="http://schemas.openxmlformats.org/drawingml/2006/main" xmlns:r="http://schemas.openxmlformats.org/officeDocument/2006/relationships" xmlns:p="http://schemas.openxmlformats.org/presentationml/2006/main">
+  <p:cSld>
+    <p:spTree>
+      <p:nvGrpSpPr>
+        <p:cNvPr id="1" name=""/>
+        <p:cNvGrpSpPr/>
+        <p:nvPr/>
+      </p:nvGrpSpPr>
+      <p:grpSpPr>
+        <a:xfrm>
+          <a:off x="0" y="0"/>
+          <a:ext cx="0" cy="0"/>
+          <a:chOff x="0" y="0"/>
+          <a:chExt cx="0" cy="0"/>
+        </a:xfrm>
+      </p:grpSpPr>
+      <p:sp>
+        <p:nvSpPr>
+          <p:cNvPr id="2" name="投影片圖像版面配置區 1"/>
+          <p:cNvSpPr>
+            <a:spLocks noGrp="1" noRot="1" noChangeAspect="1"/>
+          </p:cNvSpPr>
+          <p:nvPr>
+            <p:ph type="sldImg"/>
+          </p:nvPr>
+        </p:nvSpPr>
+        <p:spPr/>
+      </p:sp>
+      <p:sp>
+        <p:nvSpPr>
+          <p:cNvPr id="3" name="備忘稿版面配置區 2"/>
+          <p:cNvSpPr>
+            <a:spLocks noGrp="1"/>
+          </p:cNvSpPr>
+          <p:nvPr>
+            <p:ph type="body" idx="1"/>
+          </p:nvPr>
+        </p:nvSpPr>
+        <p:spPr/>
+        <p:txBody>
+          <a:bodyPr/>
+          <a:lstStyle/>
+          <a:p>
+            <a:endParaRPr lang="zh-TW" altLang="en-US" dirty="0"/>
+          </a:p>
+        </p:txBody>
+      </p:sp>
+      <p:sp>
+        <p:nvSpPr>
+          <p:cNvPr id="4" name="投影片編號版面配置區 3"/>
+          <p:cNvSpPr>
+            <a:spLocks noGrp="1"/>
+          </p:cNvSpPr>
+          <p:nvPr>
+            <p:ph type="sldNum" sz="quarter" idx="10"/>
+          </p:nvPr>
+        </p:nvSpPr>
+        <p:spPr/>
+        <p:txBody>
+          <a:bodyPr/>
+          <a:lstStyle/>
+          <a:p>
+            <a:fld id="{9B26CD33-4337-4529-948A-94F6960B2374}" type="slidenum">
+              <a:rPr lang="en-US" smtClean="0"/>
+              <a:pPr/>
+              <a:t>37</a:t>
+            </a:fld>
+            <a:endParaRPr lang="en-US" dirty="0"/>
+          </a:p>
+        </p:txBody>
+      </p:sp>
+    </p:spTree>
+    <p:extLst>
+      <p:ext uri="{BB962C8B-B14F-4D97-AF65-F5344CB8AC3E}">
+        <p14:creationId xmlns:p14="http://schemas.microsoft.com/office/powerpoint/2010/main" val="2255570356"/>
       </p:ext>
     </p:extLst>
   </p:cSld>
@@ -17741,6 +18093,2191 @@
 </p:sld>
 </file>
 
+<file path=ppt/slides/slide34.xml><?xml version="1.0" encoding="utf-8"?>
+<p:sld xmlns:a="http://schemas.openxmlformats.org/drawingml/2006/main" xmlns:r="http://schemas.openxmlformats.org/officeDocument/2006/relationships" xmlns:p="http://schemas.openxmlformats.org/presentationml/2006/main">
+  <p:cSld>
+    <p:spTree>
+      <p:nvGrpSpPr>
+        <p:cNvPr id="1" name=""/>
+        <p:cNvGrpSpPr/>
+        <p:nvPr/>
+      </p:nvGrpSpPr>
+      <p:grpSpPr>
+        <a:xfrm>
+          <a:off x="0" y="0"/>
+          <a:ext cx="0" cy="0"/>
+          <a:chOff x="0" y="0"/>
+          <a:chExt cx="0" cy="0"/>
+        </a:xfrm>
+      </p:grpSpPr>
+      <p:sp>
+        <p:nvSpPr>
+          <p:cNvPr id="3" name="文字版面配置區 2"/>
+          <p:cNvSpPr>
+            <a:spLocks noGrp="1"/>
+          </p:cNvSpPr>
+          <p:nvPr>
+            <p:ph type="body" sz="quarter" idx="11"/>
+          </p:nvPr>
+        </p:nvSpPr>
+        <p:spPr>
+          <a:xfrm>
+            <a:off x="2514600" y="3048000"/>
+            <a:ext cx="5410200" cy="990600"/>
+          </a:xfrm>
+        </p:spPr>
+        <p:txBody>
+          <a:bodyPr/>
+          <a:lstStyle/>
+          <a:p>
+            <a:pPr algn="just"/>
+            <a:r>
+              <a:rPr lang="en-US" altLang="zh-TW" sz="4800" b="1" dirty="0">
+                <a:solidFill>
+                  <a:srgbClr val="FFFF00"/>
+                </a:solidFill>
+                <a:effectLst>
+                  <a:outerShdw blurRad="38100" dist="38100" dir="2700000" algn="tl">
+                    <a:srgbClr val="000000">
+                      <a:alpha val="43137"/>
+                    </a:srgbClr>
+                  </a:outerShdw>
+                </a:effectLst>
+                <a:latin typeface="微軟正黑體" panose="020B0604030504040204" pitchFamily="34" charset="-120"/>
+                <a:ea typeface="微軟正黑體" panose="020B0604030504040204" pitchFamily="34" charset="-120"/>
+              </a:rPr>
+              <a:t>JSON</a:t>
+            </a:r>
+            <a:r>
+              <a:rPr lang="zh-TW" altLang="en-US" sz="4800" b="1" dirty="0">
+                <a:solidFill>
+                  <a:srgbClr val="FFFF00"/>
+                </a:solidFill>
+                <a:effectLst>
+                  <a:outerShdw blurRad="38100" dist="38100" dir="2700000" algn="tl">
+                    <a:srgbClr val="000000">
+                      <a:alpha val="43137"/>
+                    </a:srgbClr>
+                  </a:outerShdw>
+                </a:effectLst>
+                <a:latin typeface="微軟正黑體" panose="020B0604030504040204" pitchFamily="34" charset="-120"/>
+                <a:ea typeface="微軟正黑體" panose="020B0604030504040204" pitchFamily="34" charset="-120"/>
+              </a:rPr>
+              <a:t>資料格式</a:t>
+            </a:r>
+          </a:p>
+        </p:txBody>
+      </p:sp>
+      <p:sp>
+        <p:nvSpPr>
+          <p:cNvPr id="2" name="日期版面配置區 1">
+            <a:extLst>
+              <a:ext uri="{FF2B5EF4-FFF2-40B4-BE49-F238E27FC236}">
+                <a16:creationId xmlns:a16="http://schemas.microsoft.com/office/drawing/2014/main" id="{01ACAA0C-883C-C966-1259-350A7E7B3BAD}"/>
+              </a:ext>
+            </a:extLst>
+          </p:cNvPr>
+          <p:cNvSpPr>
+            <a:spLocks noGrp="1"/>
+          </p:cNvSpPr>
+          <p:nvPr>
+            <p:ph type="dt" sz="half" idx="12"/>
+          </p:nvPr>
+        </p:nvSpPr>
+        <p:spPr/>
+        <p:txBody>
+          <a:bodyPr/>
+          <a:lstStyle/>
+          <a:p>
+            <a:fld id="{11078AA6-C1A5-45A0-9956-BB8DA3AA2FCD}" type="datetime1">
+              <a:rPr kumimoji="0" lang="en-US" altLang="zh-TW" sz="1200" smtClean="0">
+                <a:solidFill>
+                  <a:schemeClr val="tx2"/>
+                </a:solidFill>
+              </a:rPr>
+              <a:t>5/12/2024</a:t>
+            </a:fld>
+            <a:endParaRPr kumimoji="0" lang="en-US" dirty="0"/>
+          </a:p>
+        </p:txBody>
+      </p:sp>
+      <p:sp>
+        <p:nvSpPr>
+          <p:cNvPr id="5" name="投影片編號版面配置區 4">
+            <a:extLst>
+              <a:ext uri="{FF2B5EF4-FFF2-40B4-BE49-F238E27FC236}">
+                <a16:creationId xmlns:a16="http://schemas.microsoft.com/office/drawing/2014/main" id="{C59AC5A1-68ED-EBAF-3E35-202A7D82E38E}"/>
+              </a:ext>
+            </a:extLst>
+          </p:cNvPr>
+          <p:cNvSpPr>
+            <a:spLocks noGrp="1"/>
+          </p:cNvSpPr>
+          <p:nvPr>
+            <p:ph type="sldNum" sz="quarter" idx="13"/>
+          </p:nvPr>
+        </p:nvSpPr>
+        <p:spPr/>
+        <p:txBody>
+          <a:bodyPr/>
+          <a:lstStyle/>
+          <a:p>
+            <a:pPr algn="r"/>
+            <a:fld id="{F99EC173-99AE-4773-AB25-02E469A13EAE}" type="slidenum">
+              <a:rPr kumimoji="0" lang="en-US" sz="1200" smtClean="0">
+                <a:solidFill>
+                  <a:schemeClr val="tx2"/>
+                </a:solidFill>
+              </a:rPr>
+              <a:pPr algn="r"/>
+              <a:t>34</a:t>
+            </a:fld>
+            <a:endParaRPr kumimoji="0" lang="en-US" dirty="0"/>
+          </a:p>
+        </p:txBody>
+      </p:sp>
+    </p:spTree>
+    <p:extLst>
+      <p:ext uri="{BB962C8B-B14F-4D97-AF65-F5344CB8AC3E}">
+        <p14:creationId xmlns:p14="http://schemas.microsoft.com/office/powerpoint/2010/main" val="3604617160"/>
+      </p:ext>
+    </p:extLst>
+  </p:cSld>
+  <p:clrMapOvr>
+    <a:masterClrMapping/>
+  </p:clrMapOvr>
+  <p:transition>
+    <p:fade/>
+  </p:transition>
+</p:sld>
+</file>
+
+<file path=ppt/slides/slide35.xml><?xml version="1.0" encoding="utf-8"?>
+<p:sld xmlns:a="http://schemas.openxmlformats.org/drawingml/2006/main" xmlns:r="http://schemas.openxmlformats.org/officeDocument/2006/relationships" xmlns:p="http://schemas.openxmlformats.org/presentationml/2006/main">
+  <p:cSld>
+    <p:spTree>
+      <p:nvGrpSpPr>
+        <p:cNvPr id="1" name=""/>
+        <p:cNvGrpSpPr/>
+        <p:nvPr/>
+      </p:nvGrpSpPr>
+      <p:grpSpPr>
+        <a:xfrm>
+          <a:off x="0" y="0"/>
+          <a:ext cx="0" cy="0"/>
+          <a:chOff x="0" y="0"/>
+          <a:chExt cx="0" cy="0"/>
+        </a:xfrm>
+      </p:grpSpPr>
+      <p:sp>
+        <p:nvSpPr>
+          <p:cNvPr id="4" name="文字版面配置區 2"/>
+          <p:cNvSpPr txBox="1">
+            <a:spLocks/>
+          </p:cNvSpPr>
+          <p:nvPr/>
+        </p:nvSpPr>
+        <p:spPr>
+          <a:xfrm>
+            <a:off x="2362200" y="228600"/>
+            <a:ext cx="5867400" cy="990600"/>
+          </a:xfrm>
+          <a:prstGeom prst="rect">
+            <a:avLst/>
+          </a:prstGeom>
+        </p:spPr>
+        <p:txBody>
+          <a:bodyPr tIns="91440" bIns="91440" anchor="b" anchorCtr="0">
+            <a:noAutofit/>
+          </a:bodyPr>
+          <a:lstStyle/>
+          <a:p>
+            <a:pPr marL="0" marR="0" lvl="0" indent="0" algn="just" defTabSz="914400" rtl="0" eaLnBrk="1" fontAlgn="auto" latinLnBrk="0" hangingPunct="1">
+              <a:lnSpc>
+                <a:spcPct val="100000"/>
+              </a:lnSpc>
+              <a:spcBef>
+                <a:spcPct val="20000"/>
+              </a:spcBef>
+              <a:spcAft>
+                <a:spcPts val="0"/>
+              </a:spcAft>
+              <a:buClrTx/>
+              <a:buSzTx/>
+              <a:buFontTx/>
+              <a:buNone/>
+              <a:tabLst/>
+              <a:defRPr/>
+            </a:pPr>
+            <a:r>
+              <a:rPr kumimoji="0" lang="en-US" altLang="zh-TW" sz="4800" b="1" i="0" u="none" strike="noStrike" kern="0" cap="none" spc="0" normalizeH="0" baseline="0" noProof="0" dirty="0">
+                <a:ln>
+                  <a:noFill/>
+                </a:ln>
+                <a:solidFill>
+                  <a:srgbClr val="00B0F0"/>
+                </a:solidFill>
+                <a:effectLst>
+                  <a:outerShdw blurRad="38100" dist="38100" dir="2700000" algn="tl">
+                    <a:srgbClr val="000000">
+                      <a:alpha val="43137"/>
+                    </a:srgbClr>
+                  </a:outerShdw>
+                </a:effectLst>
+                <a:uLnTx/>
+                <a:uFillTx/>
+                <a:latin typeface="微軟正黑體" panose="020B0604030504040204" pitchFamily="34" charset="-120"/>
+                <a:ea typeface="微軟正黑體" panose="020B0604030504040204" pitchFamily="34" charset="-120"/>
+                <a:cs typeface="+mn-cs"/>
+              </a:rPr>
+              <a:t>JSON</a:t>
+            </a:r>
+            <a:r>
+              <a:rPr kumimoji="0" lang="zh-TW" altLang="en-US" sz="4800" b="1" i="0" u="none" strike="noStrike" kern="0" cap="none" spc="0" normalizeH="0" baseline="0" noProof="0" dirty="0">
+                <a:ln>
+                  <a:noFill/>
+                </a:ln>
+                <a:solidFill>
+                  <a:srgbClr val="00B0F0"/>
+                </a:solidFill>
+                <a:effectLst>
+                  <a:outerShdw blurRad="38100" dist="38100" dir="2700000" algn="tl">
+                    <a:srgbClr val="000000">
+                      <a:alpha val="43137"/>
+                    </a:srgbClr>
+                  </a:outerShdw>
+                </a:effectLst>
+                <a:uLnTx/>
+                <a:uFillTx/>
+                <a:latin typeface="微軟正黑體" panose="020B0604030504040204" pitchFamily="34" charset="-120"/>
+                <a:ea typeface="微軟正黑體" panose="020B0604030504040204" pitchFamily="34" charset="-120"/>
+                <a:cs typeface="+mn-cs"/>
+              </a:rPr>
+              <a:t>資料格式</a:t>
+            </a:r>
+          </a:p>
+        </p:txBody>
+      </p:sp>
+      <p:sp>
+        <p:nvSpPr>
+          <p:cNvPr id="3" name="日期版面配置區 2">
+            <a:extLst>
+              <a:ext uri="{FF2B5EF4-FFF2-40B4-BE49-F238E27FC236}">
+                <a16:creationId xmlns:a16="http://schemas.microsoft.com/office/drawing/2014/main" id="{1C536CB5-3C58-6CF1-767E-952B76F12DEE}"/>
+              </a:ext>
+            </a:extLst>
+          </p:cNvPr>
+          <p:cNvSpPr>
+            <a:spLocks noGrp="1"/>
+          </p:cNvSpPr>
+          <p:nvPr>
+            <p:ph type="dt" sz="half" idx="12"/>
+          </p:nvPr>
+        </p:nvSpPr>
+        <p:spPr/>
+        <p:txBody>
+          <a:bodyPr/>
+          <a:lstStyle/>
+          <a:p>
+            <a:fld id="{0B520B05-2240-4566-BE2A-9338980FE8EB}" type="datetime1">
+              <a:rPr kumimoji="0" lang="en-US" altLang="zh-TW" sz="1200" smtClean="0">
+                <a:solidFill>
+                  <a:schemeClr val="tx2"/>
+                </a:solidFill>
+                <a:latin typeface="Arial" panose="020B0604020202020204" pitchFamily="34" charset="0"/>
+                <a:cs typeface="Arial" panose="020B0604020202020204" pitchFamily="34" charset="0"/>
+              </a:rPr>
+              <a:t>5/12/2024</a:t>
+            </a:fld>
+            <a:endParaRPr kumimoji="0" lang="en-US" dirty="0">
+              <a:latin typeface="Arial" panose="020B0604020202020204" pitchFamily="34" charset="0"/>
+              <a:cs typeface="Arial" panose="020B0604020202020204" pitchFamily="34" charset="0"/>
+            </a:endParaRPr>
+          </a:p>
+        </p:txBody>
+      </p:sp>
+      <p:sp>
+        <p:nvSpPr>
+          <p:cNvPr id="7" name="投影片編號版面配置區 6">
+            <a:extLst>
+              <a:ext uri="{FF2B5EF4-FFF2-40B4-BE49-F238E27FC236}">
+                <a16:creationId xmlns:a16="http://schemas.microsoft.com/office/drawing/2014/main" id="{DA316F56-AF12-D872-611F-78AE7ACCBF93}"/>
+              </a:ext>
+            </a:extLst>
+          </p:cNvPr>
+          <p:cNvSpPr>
+            <a:spLocks noGrp="1"/>
+          </p:cNvSpPr>
+          <p:nvPr>
+            <p:ph type="sldNum" sz="quarter" idx="13"/>
+          </p:nvPr>
+        </p:nvSpPr>
+        <p:spPr/>
+        <p:txBody>
+          <a:bodyPr/>
+          <a:lstStyle/>
+          <a:p>
+            <a:pPr algn="r"/>
+            <a:fld id="{F99EC173-99AE-4773-AB25-02E469A13EAE}" type="slidenum">
+              <a:rPr kumimoji="0" lang="en-US" sz="1200" smtClean="0">
+                <a:solidFill>
+                  <a:schemeClr val="tx2"/>
+                </a:solidFill>
+              </a:rPr>
+              <a:pPr algn="r"/>
+              <a:t>35</a:t>
+            </a:fld>
+            <a:endParaRPr kumimoji="0" lang="en-US" dirty="0"/>
+          </a:p>
+        </p:txBody>
+      </p:sp>
+      <p:sp>
+        <p:nvSpPr>
+          <p:cNvPr id="2" name="文字方塊 1">
+            <a:extLst>
+              <a:ext uri="{FF2B5EF4-FFF2-40B4-BE49-F238E27FC236}">
+                <a16:creationId xmlns:a16="http://schemas.microsoft.com/office/drawing/2014/main" id="{54D51629-6478-40B0-266D-C39EAC81C327}"/>
+              </a:ext>
+            </a:extLst>
+          </p:cNvPr>
+          <p:cNvSpPr txBox="1"/>
+          <p:nvPr/>
+        </p:nvSpPr>
+        <p:spPr>
+          <a:xfrm>
+            <a:off x="533400" y="1447800"/>
+            <a:ext cx="8305800" cy="5509200"/>
+          </a:xfrm>
+          <a:prstGeom prst="rect">
+            <a:avLst/>
+          </a:prstGeom>
+          <a:noFill/>
+        </p:spPr>
+        <p:txBody>
+          <a:bodyPr wrap="square" rtlCol="0">
+            <a:spAutoFit/>
+          </a:bodyPr>
+          <a:lstStyle/>
+          <a:p>
+            <a:pPr marL="358775" indent="-358775">
+              <a:buFont typeface="Arial" panose="020B0604020202020204" pitchFamily="34" charset="0"/>
+              <a:buChar char="•"/>
+            </a:pPr>
+            <a:r>
+              <a:rPr kumimoji="1" lang="zh-TW" altLang="en-US" sz="3200" dirty="0">
+                <a:effectLst>
+                  <a:outerShdw blurRad="38100" dist="38100" dir="2700000" algn="tl">
+                    <a:srgbClr val="000000">
+                      <a:alpha val="43137"/>
+                    </a:srgbClr>
+                  </a:outerShdw>
+                </a:effectLst>
+                <a:latin typeface="微軟正黑體" panose="020B0604030504040204" pitchFamily="34" charset="-120"/>
+                <a:ea typeface="微軟正黑體" panose="020B0604030504040204" pitchFamily="34" charset="-120"/>
+                <a:cs typeface="Heiti TC Light"/>
+              </a:rPr>
+              <a:t>絕大部分網站非靜態頁面，主要是動態載入資料庫中的資料</a:t>
+            </a:r>
+            <a:endParaRPr kumimoji="1" lang="en-US" altLang="zh-TW" sz="3200" dirty="0">
+              <a:effectLst>
+                <a:outerShdw blurRad="38100" dist="38100" dir="2700000" algn="tl">
+                  <a:srgbClr val="000000">
+                    <a:alpha val="43137"/>
+                  </a:srgbClr>
+                </a:outerShdw>
+              </a:effectLst>
+              <a:latin typeface="微軟正黑體" panose="020B0604030504040204" pitchFamily="34" charset="-120"/>
+              <a:ea typeface="微軟正黑體" panose="020B0604030504040204" pitchFamily="34" charset="-120"/>
+              <a:cs typeface="Heiti TC Light"/>
+            </a:endParaRPr>
+          </a:p>
+          <a:p>
+            <a:pPr marL="358775" indent="-358775">
+              <a:buFont typeface="Arial" panose="020B0604020202020204" pitchFamily="34" charset="0"/>
+              <a:buChar char="•"/>
+            </a:pPr>
+            <a:r>
+              <a:rPr kumimoji="1" lang="zh-TW" altLang="en-US" sz="3200" dirty="0">
+                <a:effectLst>
+                  <a:outerShdw blurRad="38100" dist="38100" dir="2700000" algn="tl">
+                    <a:srgbClr val="000000">
+                      <a:alpha val="43137"/>
+                    </a:srgbClr>
+                  </a:outerShdw>
+                </a:effectLst>
+                <a:latin typeface="微軟正黑體" panose="020B0604030504040204" pitchFamily="34" charset="-120"/>
+                <a:ea typeface="微軟正黑體" panose="020B0604030504040204" pitchFamily="34" charset="-120"/>
+                <a:cs typeface="Heiti TC Light"/>
+              </a:rPr>
+              <a:t>網站的目的是提供資料，但主要對象是人類</a:t>
+            </a:r>
+            <a:endParaRPr kumimoji="1" lang="en-US" altLang="zh-TW" sz="3200" dirty="0">
+              <a:effectLst>
+                <a:outerShdw blurRad="38100" dist="38100" dir="2700000" algn="tl">
+                  <a:srgbClr val="000000">
+                    <a:alpha val="43137"/>
+                  </a:srgbClr>
+                </a:outerShdw>
+              </a:effectLst>
+              <a:latin typeface="微軟正黑體" panose="020B0604030504040204" pitchFamily="34" charset="-120"/>
+              <a:ea typeface="微軟正黑體" panose="020B0604030504040204" pitchFamily="34" charset="-120"/>
+              <a:cs typeface="Heiti TC Light"/>
+            </a:endParaRPr>
+          </a:p>
+          <a:p>
+            <a:pPr marL="358775" indent="-358775">
+              <a:buFont typeface="Arial" panose="020B0604020202020204" pitchFamily="34" charset="0"/>
+              <a:buChar char="•"/>
+            </a:pPr>
+            <a:r>
+              <a:rPr kumimoji="1" lang="en-US" altLang="zh-TW" sz="3200" dirty="0">
+                <a:effectLst>
+                  <a:outerShdw blurRad="38100" dist="38100" dir="2700000" algn="tl">
+                    <a:srgbClr val="000000">
+                      <a:alpha val="43137"/>
+                    </a:srgbClr>
+                  </a:outerShdw>
+                </a:effectLst>
+                <a:latin typeface="微軟正黑體" panose="020B0604030504040204" pitchFamily="34" charset="-120"/>
+                <a:ea typeface="微軟正黑體" panose="020B0604030504040204" pitchFamily="34" charset="-120"/>
+                <a:cs typeface="Heiti TC Light"/>
+              </a:rPr>
+              <a:t>HTML&amp;CSS</a:t>
+            </a:r>
+            <a:r>
+              <a:rPr kumimoji="1" lang="zh-TW" altLang="en-US" sz="3200" dirty="0">
+                <a:effectLst>
+                  <a:outerShdw blurRad="38100" dist="38100" dir="2700000" algn="tl">
+                    <a:srgbClr val="000000">
+                      <a:alpha val="43137"/>
+                    </a:srgbClr>
+                  </a:outerShdw>
+                </a:effectLst>
+                <a:latin typeface="微軟正黑體" panose="020B0604030504040204" pitchFamily="34" charset="-120"/>
+                <a:ea typeface="微軟正黑體" panose="020B0604030504040204" pitchFamily="34" charset="-120"/>
+                <a:cs typeface="Heiti TC Light"/>
+              </a:rPr>
+              <a:t>的目的是方便人類觀看，主是一種「資料」的表現層</a:t>
+            </a:r>
+            <a:endParaRPr kumimoji="1" lang="en-US" altLang="zh-TW" sz="3200" dirty="0">
+              <a:effectLst>
+                <a:outerShdw blurRad="38100" dist="38100" dir="2700000" algn="tl">
+                  <a:srgbClr val="000000">
+                    <a:alpha val="43137"/>
+                  </a:srgbClr>
+                </a:outerShdw>
+              </a:effectLst>
+              <a:latin typeface="微軟正黑體" panose="020B0604030504040204" pitchFamily="34" charset="-120"/>
+              <a:ea typeface="微軟正黑體" panose="020B0604030504040204" pitchFamily="34" charset="-120"/>
+              <a:cs typeface="Heiti TC Light"/>
+            </a:endParaRPr>
+          </a:p>
+          <a:p>
+            <a:pPr marL="358775" indent="-358775">
+              <a:buFont typeface="Arial" panose="020B0604020202020204" pitchFamily="34" charset="0"/>
+              <a:buChar char="•"/>
+            </a:pPr>
+            <a:r>
+              <a:rPr kumimoji="1" lang="zh-TW" altLang="en-US" sz="3200" dirty="0">
+                <a:effectLst>
+                  <a:outerShdw blurRad="38100" dist="38100" dir="2700000" algn="tl">
+                    <a:srgbClr val="000000">
+                      <a:alpha val="43137"/>
+                    </a:srgbClr>
+                  </a:outerShdw>
+                </a:effectLst>
+                <a:latin typeface="微軟正黑體" panose="020B0604030504040204" pitchFamily="34" charset="-120"/>
+                <a:ea typeface="微軟正黑體" panose="020B0604030504040204" pitchFamily="34" charset="-120"/>
+                <a:cs typeface="Heiti TC Light"/>
+              </a:rPr>
+              <a:t>資料表現層有很多類型，如</a:t>
+            </a:r>
+            <a:r>
+              <a:rPr kumimoji="1" lang="en-US" altLang="zh-TW" sz="3200" dirty="0">
+                <a:effectLst>
+                  <a:outerShdw blurRad="38100" dist="38100" dir="2700000" algn="tl">
+                    <a:srgbClr val="000000">
+                      <a:alpha val="43137"/>
+                    </a:srgbClr>
+                  </a:outerShdw>
+                </a:effectLst>
+                <a:latin typeface="微軟正黑體" panose="020B0604030504040204" pitchFamily="34" charset="-120"/>
+                <a:ea typeface="微軟正黑體" panose="020B0604030504040204" pitchFamily="34" charset="-120"/>
+                <a:cs typeface="Heiti TC Light"/>
+              </a:rPr>
+              <a:t>html,</a:t>
+            </a:r>
+            <a:r>
+              <a:rPr kumimoji="1" lang="zh-TW" altLang="en-US" sz="3200" dirty="0">
+                <a:effectLst>
+                  <a:outerShdw blurRad="38100" dist="38100" dir="2700000" algn="tl">
+                    <a:srgbClr val="000000">
+                      <a:alpha val="43137"/>
+                    </a:srgbClr>
+                  </a:outerShdw>
+                </a:effectLst>
+                <a:latin typeface="微軟正黑體" panose="020B0604030504040204" pitchFamily="34" charset="-120"/>
+                <a:ea typeface="微軟正黑體" panose="020B0604030504040204" pitchFamily="34" charset="-120"/>
+                <a:cs typeface="Heiti TC Light"/>
+              </a:rPr>
+              <a:t> </a:t>
+            </a:r>
+            <a:r>
+              <a:rPr kumimoji="1" lang="en-US" altLang="zh-TW" sz="3200" dirty="0">
+                <a:effectLst>
+                  <a:outerShdw blurRad="38100" dist="38100" dir="2700000" algn="tl">
+                    <a:srgbClr val="000000">
+                      <a:alpha val="43137"/>
+                    </a:srgbClr>
+                  </a:outerShdw>
+                </a:effectLst>
+                <a:latin typeface="微軟正黑體" panose="020B0604030504040204" pitchFamily="34" charset="-120"/>
+                <a:ea typeface="微軟正黑體" panose="020B0604030504040204" pitchFamily="34" charset="-120"/>
+                <a:cs typeface="Heiti TC Light"/>
+              </a:rPr>
+              <a:t>txt,</a:t>
+            </a:r>
+            <a:r>
+              <a:rPr kumimoji="1" lang="zh-TW" altLang="en-US" sz="3200" dirty="0">
+                <a:effectLst>
+                  <a:outerShdw blurRad="38100" dist="38100" dir="2700000" algn="tl">
+                    <a:srgbClr val="000000">
+                      <a:alpha val="43137"/>
+                    </a:srgbClr>
+                  </a:outerShdw>
+                </a:effectLst>
+                <a:latin typeface="微軟正黑體" panose="020B0604030504040204" pitchFamily="34" charset="-120"/>
+                <a:ea typeface="微軟正黑體" panose="020B0604030504040204" pitchFamily="34" charset="-120"/>
+                <a:cs typeface="Heiti TC Light"/>
+              </a:rPr>
+              <a:t> </a:t>
+            </a:r>
+            <a:r>
+              <a:rPr kumimoji="1" lang="en-US" altLang="zh-TW" sz="3200" dirty="0">
+                <a:effectLst>
+                  <a:outerShdw blurRad="38100" dist="38100" dir="2700000" algn="tl">
+                    <a:srgbClr val="000000">
+                      <a:alpha val="43137"/>
+                    </a:srgbClr>
+                  </a:outerShdw>
+                </a:effectLst>
+                <a:latin typeface="微軟正黑體" panose="020B0604030504040204" pitchFamily="34" charset="-120"/>
+                <a:ea typeface="微軟正黑體" panose="020B0604030504040204" pitchFamily="34" charset="-120"/>
+                <a:cs typeface="Heiti TC Light"/>
+              </a:rPr>
+              <a:t>xml</a:t>
+            </a:r>
+            <a:r>
+              <a:rPr kumimoji="1" lang="zh-TW" altLang="en-US" sz="3200" dirty="0">
+                <a:effectLst>
+                  <a:outerShdw blurRad="38100" dist="38100" dir="2700000" algn="tl">
+                    <a:srgbClr val="000000">
+                      <a:alpha val="43137"/>
+                    </a:srgbClr>
+                  </a:outerShdw>
+                </a:effectLst>
+                <a:latin typeface="微軟正黑體" panose="020B0604030504040204" pitchFamily="34" charset="-120"/>
+                <a:ea typeface="微軟正黑體" panose="020B0604030504040204" pitchFamily="34" charset="-120"/>
+                <a:cs typeface="Heiti TC Light"/>
+              </a:rPr>
+              <a:t>等。</a:t>
+            </a:r>
+            <a:endParaRPr kumimoji="1" lang="en-US" altLang="zh-TW" sz="3200" dirty="0">
+              <a:effectLst>
+                <a:outerShdw blurRad="38100" dist="38100" dir="2700000" algn="tl">
+                  <a:srgbClr val="000000">
+                    <a:alpha val="43137"/>
+                  </a:srgbClr>
+                </a:outerShdw>
+              </a:effectLst>
+              <a:latin typeface="微軟正黑體" panose="020B0604030504040204" pitchFamily="34" charset="-120"/>
+              <a:ea typeface="微軟正黑體" panose="020B0604030504040204" pitchFamily="34" charset="-120"/>
+              <a:cs typeface="Heiti TC Light"/>
+            </a:endParaRPr>
+          </a:p>
+          <a:p>
+            <a:pPr marL="358775" indent="-358775">
+              <a:buFont typeface="Arial" panose="020B0604020202020204" pitchFamily="34" charset="0"/>
+              <a:buChar char="•"/>
+            </a:pPr>
+            <a:r>
+              <a:rPr kumimoji="1" lang="en-US" altLang="zh-TW" sz="3200" dirty="0">
+                <a:effectLst>
+                  <a:outerShdw blurRad="38100" dist="38100" dir="2700000" algn="tl">
+                    <a:srgbClr val="000000">
+                      <a:alpha val="43137"/>
+                    </a:srgbClr>
+                  </a:outerShdw>
+                </a:effectLst>
+                <a:latin typeface="微軟正黑體" panose="020B0604030504040204" pitchFamily="34" charset="-120"/>
+                <a:ea typeface="微軟正黑體" panose="020B0604030504040204" pitchFamily="34" charset="-120"/>
+                <a:cs typeface="Heiti TC Light"/>
+              </a:rPr>
+              <a:t>Webhook</a:t>
+            </a:r>
+            <a:r>
+              <a:rPr kumimoji="1" lang="zh-TW" altLang="en-US" sz="3200" dirty="0">
+                <a:effectLst>
+                  <a:outerShdw blurRad="38100" dist="38100" dir="2700000" algn="tl">
+                    <a:srgbClr val="000000">
+                      <a:alpha val="43137"/>
+                    </a:srgbClr>
+                  </a:outerShdw>
+                </a:effectLst>
+                <a:latin typeface="微軟正黑體" panose="020B0604030504040204" pitchFamily="34" charset="-120"/>
+                <a:ea typeface="微軟正黑體" panose="020B0604030504040204" pitchFamily="34" charset="-120"/>
+                <a:cs typeface="Heiti TC Light"/>
+              </a:rPr>
+              <a:t>是程式，通常不需要有表現層，方便網路資料交換即可</a:t>
+            </a:r>
+            <a:endParaRPr kumimoji="1" lang="en-US" altLang="zh-TW" sz="3200" dirty="0">
+              <a:effectLst>
+                <a:outerShdw blurRad="38100" dist="38100" dir="2700000" algn="tl">
+                  <a:srgbClr val="000000">
+                    <a:alpha val="43137"/>
+                  </a:srgbClr>
+                </a:outerShdw>
+              </a:effectLst>
+              <a:latin typeface="微軟正黑體" panose="020B0604030504040204" pitchFamily="34" charset="-120"/>
+              <a:ea typeface="微軟正黑體" panose="020B0604030504040204" pitchFamily="34" charset="-120"/>
+              <a:cs typeface="Heiti TC Light"/>
+            </a:endParaRPr>
+          </a:p>
+          <a:p>
+            <a:pPr marL="358775" indent="-358775">
+              <a:buFont typeface="Arial" panose="020B0604020202020204" pitchFamily="34" charset="0"/>
+              <a:buChar char="•"/>
+            </a:pPr>
+            <a:r>
+              <a:rPr kumimoji="1" lang="zh-TW" altLang="en-US" sz="3200" dirty="0">
+                <a:effectLst>
+                  <a:outerShdw blurRad="38100" dist="38100" dir="2700000" algn="tl">
+                    <a:srgbClr val="000000">
+                      <a:alpha val="43137"/>
+                    </a:srgbClr>
+                  </a:outerShdw>
+                </a:effectLst>
+                <a:latin typeface="微軟正黑體" panose="020B0604030504040204" pitchFamily="34" charset="-120"/>
+                <a:ea typeface="微軟正黑體" panose="020B0604030504040204" pitchFamily="34" charset="-120"/>
+                <a:cs typeface="Heiti TC Light"/>
+              </a:rPr>
+              <a:t>最常用的</a:t>
+            </a:r>
+            <a:r>
+              <a:rPr kumimoji="1" lang="zh-TW" altLang="en-US" sz="3200">
+                <a:effectLst>
+                  <a:outerShdw blurRad="38100" dist="38100" dir="2700000" algn="tl">
+                    <a:srgbClr val="000000">
+                      <a:alpha val="43137"/>
+                    </a:srgbClr>
+                  </a:outerShdw>
+                </a:effectLst>
+                <a:latin typeface="微軟正黑體" panose="020B0604030504040204" pitchFamily="34" charset="-120"/>
+                <a:ea typeface="微軟正黑體" panose="020B0604030504040204" pitchFamily="34" charset="-120"/>
+                <a:cs typeface="Heiti TC Light"/>
+              </a:rPr>
+              <a:t>伺服器和伺服器之間</a:t>
+            </a:r>
+            <a:r>
+              <a:rPr kumimoji="1" lang="zh-TW" altLang="en-US" sz="3200" dirty="0">
+                <a:effectLst>
+                  <a:outerShdw blurRad="38100" dist="38100" dir="2700000" algn="tl">
+                    <a:srgbClr val="000000">
+                      <a:alpha val="43137"/>
+                    </a:srgbClr>
+                  </a:outerShdw>
+                </a:effectLst>
+                <a:latin typeface="微軟正黑體" panose="020B0604030504040204" pitchFamily="34" charset="-120"/>
+                <a:ea typeface="微軟正黑體" panose="020B0604030504040204" pitchFamily="34" charset="-120"/>
+                <a:cs typeface="Heiti TC Light"/>
+              </a:rPr>
+              <a:t>交換資料的格式是使用</a:t>
+            </a:r>
+            <a:r>
+              <a:rPr kumimoji="1" lang="en-US" altLang="zh-TW" sz="3200" dirty="0">
+                <a:effectLst>
+                  <a:outerShdw blurRad="38100" dist="38100" dir="2700000" algn="tl">
+                    <a:srgbClr val="000000">
+                      <a:alpha val="43137"/>
+                    </a:srgbClr>
+                  </a:outerShdw>
+                </a:effectLst>
+                <a:latin typeface="微軟正黑體" panose="020B0604030504040204" pitchFamily="34" charset="-120"/>
+                <a:ea typeface="微軟正黑體" panose="020B0604030504040204" pitchFamily="34" charset="-120"/>
+                <a:cs typeface="Heiti TC Light"/>
+              </a:rPr>
+              <a:t>JSON</a:t>
+            </a:r>
+          </a:p>
+          <a:p>
+            <a:pPr marL="358775" indent="-358775">
+              <a:buFont typeface="Arial" panose="020B0604020202020204" pitchFamily="34" charset="0"/>
+              <a:buChar char="•"/>
+            </a:pPr>
+            <a:endParaRPr kumimoji="1" lang="en-US" altLang="zh-TW" sz="3200" dirty="0">
+              <a:effectLst>
+                <a:outerShdw blurRad="38100" dist="38100" dir="2700000" algn="tl">
+                  <a:srgbClr val="000000">
+                    <a:alpha val="43137"/>
+                  </a:srgbClr>
+                </a:outerShdw>
+              </a:effectLst>
+              <a:latin typeface="微軟正黑體" panose="020B0604030504040204" pitchFamily="34" charset="-120"/>
+              <a:ea typeface="微軟正黑體" panose="020B0604030504040204" pitchFamily="34" charset="-120"/>
+              <a:cs typeface="Heiti TC Light"/>
+            </a:endParaRPr>
+          </a:p>
+        </p:txBody>
+      </p:sp>
+    </p:spTree>
+    <p:extLst>
+      <p:ext uri="{BB962C8B-B14F-4D97-AF65-F5344CB8AC3E}">
+        <p14:creationId xmlns:p14="http://schemas.microsoft.com/office/powerpoint/2010/main" val="1206237531"/>
+      </p:ext>
+    </p:extLst>
+  </p:cSld>
+  <p:clrMapOvr>
+    <a:masterClrMapping/>
+  </p:clrMapOvr>
+  <p:transition>
+    <p:fade/>
+  </p:transition>
+</p:sld>
+</file>
+
+<file path=ppt/slides/slide36.xml><?xml version="1.0" encoding="utf-8"?>
+<p:sld xmlns:a="http://schemas.openxmlformats.org/drawingml/2006/main" xmlns:r="http://schemas.openxmlformats.org/officeDocument/2006/relationships" xmlns:p="http://schemas.openxmlformats.org/presentationml/2006/main">
+  <p:cSld>
+    <p:spTree>
+      <p:nvGrpSpPr>
+        <p:cNvPr id="1" name=""/>
+        <p:cNvGrpSpPr/>
+        <p:nvPr/>
+      </p:nvGrpSpPr>
+      <p:grpSpPr>
+        <a:xfrm>
+          <a:off x="0" y="0"/>
+          <a:ext cx="0" cy="0"/>
+          <a:chOff x="0" y="0"/>
+          <a:chExt cx="0" cy="0"/>
+        </a:xfrm>
+      </p:grpSpPr>
+      <p:sp>
+        <p:nvSpPr>
+          <p:cNvPr id="4" name="文字版面配置區 2"/>
+          <p:cNvSpPr txBox="1">
+            <a:spLocks/>
+          </p:cNvSpPr>
+          <p:nvPr/>
+        </p:nvSpPr>
+        <p:spPr>
+          <a:xfrm>
+            <a:off x="2362200" y="228600"/>
+            <a:ext cx="5867400" cy="990600"/>
+          </a:xfrm>
+          <a:prstGeom prst="rect">
+            <a:avLst/>
+          </a:prstGeom>
+        </p:spPr>
+        <p:txBody>
+          <a:bodyPr tIns="91440" bIns="91440" anchor="b" anchorCtr="0">
+            <a:noAutofit/>
+          </a:bodyPr>
+          <a:lstStyle/>
+          <a:p>
+            <a:pPr marL="0" marR="0" lvl="0" indent="0" algn="just" defTabSz="914400" rtl="0" eaLnBrk="1" fontAlgn="auto" latinLnBrk="0" hangingPunct="1">
+              <a:lnSpc>
+                <a:spcPct val="100000"/>
+              </a:lnSpc>
+              <a:spcBef>
+                <a:spcPct val="20000"/>
+              </a:spcBef>
+              <a:spcAft>
+                <a:spcPts val="0"/>
+              </a:spcAft>
+              <a:buClrTx/>
+              <a:buSzTx/>
+              <a:buFontTx/>
+              <a:buNone/>
+              <a:tabLst/>
+              <a:defRPr/>
+            </a:pPr>
+            <a:r>
+              <a:rPr kumimoji="0" lang="en-US" altLang="zh-TW" sz="4800" b="1" i="0" u="none" strike="noStrike" kern="0" cap="none" spc="0" normalizeH="0" baseline="0" noProof="0" dirty="0">
+                <a:ln>
+                  <a:noFill/>
+                </a:ln>
+                <a:solidFill>
+                  <a:srgbClr val="00B0F0"/>
+                </a:solidFill>
+                <a:effectLst>
+                  <a:outerShdw blurRad="38100" dist="38100" dir="2700000" algn="tl">
+                    <a:srgbClr val="000000">
+                      <a:alpha val="43137"/>
+                    </a:srgbClr>
+                  </a:outerShdw>
+                </a:effectLst>
+                <a:uLnTx/>
+                <a:uFillTx/>
+                <a:latin typeface="微軟正黑體" panose="020B0604030504040204" pitchFamily="34" charset="-120"/>
+                <a:ea typeface="微軟正黑體" panose="020B0604030504040204" pitchFamily="34" charset="-120"/>
+                <a:cs typeface="+mn-cs"/>
+              </a:rPr>
+              <a:t>JSON</a:t>
+            </a:r>
+            <a:r>
+              <a:rPr kumimoji="0" lang="zh-TW" altLang="en-US" sz="4800" b="1" i="0" u="none" strike="noStrike" kern="0" cap="none" spc="0" normalizeH="0" baseline="0" noProof="0" dirty="0">
+                <a:ln>
+                  <a:noFill/>
+                </a:ln>
+                <a:solidFill>
+                  <a:srgbClr val="00B0F0"/>
+                </a:solidFill>
+                <a:effectLst>
+                  <a:outerShdw blurRad="38100" dist="38100" dir="2700000" algn="tl">
+                    <a:srgbClr val="000000">
+                      <a:alpha val="43137"/>
+                    </a:srgbClr>
+                  </a:outerShdw>
+                </a:effectLst>
+                <a:uLnTx/>
+                <a:uFillTx/>
+                <a:latin typeface="微軟正黑體" panose="020B0604030504040204" pitchFamily="34" charset="-120"/>
+                <a:ea typeface="微軟正黑體" panose="020B0604030504040204" pitchFamily="34" charset="-120"/>
+                <a:cs typeface="+mn-cs"/>
+              </a:rPr>
+              <a:t>資料格式</a:t>
+            </a:r>
+          </a:p>
+        </p:txBody>
+      </p:sp>
+      <p:sp>
+        <p:nvSpPr>
+          <p:cNvPr id="3" name="日期版面配置區 2">
+            <a:extLst>
+              <a:ext uri="{FF2B5EF4-FFF2-40B4-BE49-F238E27FC236}">
+                <a16:creationId xmlns:a16="http://schemas.microsoft.com/office/drawing/2014/main" id="{1C536CB5-3C58-6CF1-767E-952B76F12DEE}"/>
+              </a:ext>
+            </a:extLst>
+          </p:cNvPr>
+          <p:cNvSpPr>
+            <a:spLocks noGrp="1"/>
+          </p:cNvSpPr>
+          <p:nvPr>
+            <p:ph type="dt" sz="half" idx="12"/>
+          </p:nvPr>
+        </p:nvSpPr>
+        <p:spPr/>
+        <p:txBody>
+          <a:bodyPr/>
+          <a:lstStyle/>
+          <a:p>
+            <a:fld id="{0B520B05-2240-4566-BE2A-9338980FE8EB}" type="datetime1">
+              <a:rPr kumimoji="0" lang="en-US" altLang="zh-TW" sz="1200" smtClean="0">
+                <a:solidFill>
+                  <a:schemeClr val="tx2"/>
+                </a:solidFill>
+                <a:latin typeface="Arial" panose="020B0604020202020204" pitchFamily="34" charset="0"/>
+                <a:cs typeface="Arial" panose="020B0604020202020204" pitchFamily="34" charset="0"/>
+              </a:rPr>
+              <a:t>5/12/2024</a:t>
+            </a:fld>
+            <a:endParaRPr kumimoji="0" lang="en-US" dirty="0">
+              <a:latin typeface="Arial" panose="020B0604020202020204" pitchFamily="34" charset="0"/>
+              <a:cs typeface="Arial" panose="020B0604020202020204" pitchFamily="34" charset="0"/>
+            </a:endParaRPr>
+          </a:p>
+        </p:txBody>
+      </p:sp>
+      <p:sp>
+        <p:nvSpPr>
+          <p:cNvPr id="7" name="投影片編號版面配置區 6">
+            <a:extLst>
+              <a:ext uri="{FF2B5EF4-FFF2-40B4-BE49-F238E27FC236}">
+                <a16:creationId xmlns:a16="http://schemas.microsoft.com/office/drawing/2014/main" id="{DA316F56-AF12-D872-611F-78AE7ACCBF93}"/>
+              </a:ext>
+            </a:extLst>
+          </p:cNvPr>
+          <p:cNvSpPr>
+            <a:spLocks noGrp="1"/>
+          </p:cNvSpPr>
+          <p:nvPr>
+            <p:ph type="sldNum" sz="quarter" idx="13"/>
+          </p:nvPr>
+        </p:nvSpPr>
+        <p:spPr/>
+        <p:txBody>
+          <a:bodyPr/>
+          <a:lstStyle/>
+          <a:p>
+            <a:pPr algn="r"/>
+            <a:fld id="{F99EC173-99AE-4773-AB25-02E469A13EAE}" type="slidenum">
+              <a:rPr kumimoji="0" lang="en-US" sz="1200" smtClean="0">
+                <a:solidFill>
+                  <a:schemeClr val="tx2"/>
+                </a:solidFill>
+              </a:rPr>
+              <a:pPr algn="r"/>
+              <a:t>36</a:t>
+            </a:fld>
+            <a:endParaRPr kumimoji="0" lang="en-US" dirty="0"/>
+          </a:p>
+        </p:txBody>
+      </p:sp>
+      <p:sp>
+        <p:nvSpPr>
+          <p:cNvPr id="2" name="文字方塊 1">
+            <a:extLst>
+              <a:ext uri="{FF2B5EF4-FFF2-40B4-BE49-F238E27FC236}">
+                <a16:creationId xmlns:a16="http://schemas.microsoft.com/office/drawing/2014/main" id="{54D51629-6478-40B0-266D-C39EAC81C327}"/>
+              </a:ext>
+            </a:extLst>
+          </p:cNvPr>
+          <p:cNvSpPr txBox="1"/>
+          <p:nvPr/>
+        </p:nvSpPr>
+        <p:spPr>
+          <a:xfrm>
+            <a:off x="533400" y="1447800"/>
+            <a:ext cx="8305800" cy="5016758"/>
+          </a:xfrm>
+          <a:prstGeom prst="rect">
+            <a:avLst/>
+          </a:prstGeom>
+          <a:noFill/>
+        </p:spPr>
+        <p:txBody>
+          <a:bodyPr wrap="square" rtlCol="0">
+            <a:spAutoFit/>
+          </a:bodyPr>
+          <a:lstStyle/>
+          <a:p>
+            <a:pPr marL="358775" indent="-358775">
+              <a:buFont typeface="Arial" panose="020B0604020202020204" pitchFamily="34" charset="0"/>
+              <a:buChar char="•"/>
+            </a:pPr>
+            <a:r>
+              <a:rPr kumimoji="1" lang="en-US" altLang="zh-TW" sz="3200" dirty="0">
+                <a:effectLst>
+                  <a:outerShdw blurRad="38100" dist="38100" dir="2700000" algn="tl">
+                    <a:srgbClr val="000000">
+                      <a:alpha val="43137"/>
+                    </a:srgbClr>
+                  </a:outerShdw>
+                </a:effectLst>
+                <a:latin typeface="微軟正黑體" panose="020B0604030504040204" pitchFamily="34" charset="-120"/>
+                <a:ea typeface="微軟正黑體" panose="020B0604030504040204" pitchFamily="34" charset="-120"/>
+                <a:cs typeface="Heiti TC Light"/>
+              </a:rPr>
+              <a:t>JavaScript Object Notion</a:t>
+            </a:r>
+            <a:r>
+              <a:rPr kumimoji="1" lang="zh-TW" altLang="en-US" sz="3200" dirty="0">
+                <a:effectLst>
+                  <a:outerShdw blurRad="38100" dist="38100" dir="2700000" algn="tl">
+                    <a:srgbClr val="000000">
+                      <a:alpha val="43137"/>
+                    </a:srgbClr>
+                  </a:outerShdw>
+                </a:effectLst>
+                <a:latin typeface="微軟正黑體" panose="020B0604030504040204" pitchFamily="34" charset="-120"/>
+                <a:ea typeface="微軟正黑體" panose="020B0604030504040204" pitchFamily="34" charset="-120"/>
+                <a:cs typeface="Heiti TC Light"/>
+              </a:rPr>
+              <a:t>為全稱</a:t>
+            </a:r>
+            <a:endParaRPr kumimoji="1" lang="en-US" altLang="zh-TW" sz="3200" dirty="0">
+              <a:effectLst>
+                <a:outerShdw blurRad="38100" dist="38100" dir="2700000" algn="tl">
+                  <a:srgbClr val="000000">
+                    <a:alpha val="43137"/>
+                  </a:srgbClr>
+                </a:outerShdw>
+              </a:effectLst>
+              <a:latin typeface="微軟正黑體" panose="020B0604030504040204" pitchFamily="34" charset="-120"/>
+              <a:ea typeface="微軟正黑體" panose="020B0604030504040204" pitchFamily="34" charset="-120"/>
+              <a:cs typeface="Heiti TC Light"/>
+            </a:endParaRPr>
+          </a:p>
+          <a:p>
+            <a:pPr marL="358775" indent="-358775">
+              <a:buFont typeface="Arial" panose="020B0604020202020204" pitchFamily="34" charset="0"/>
+              <a:buChar char="•"/>
+            </a:pPr>
+            <a:r>
+              <a:rPr kumimoji="1" lang="zh-TW" altLang="en-US" sz="3200" dirty="0">
+                <a:effectLst>
+                  <a:outerShdw blurRad="38100" dist="38100" dir="2700000" algn="tl">
+                    <a:srgbClr val="000000">
+                      <a:alpha val="43137"/>
+                    </a:srgbClr>
+                  </a:outerShdw>
+                </a:effectLst>
+                <a:latin typeface="微軟正黑體" panose="020B0604030504040204" pitchFamily="34" charset="-120"/>
+                <a:ea typeface="微軟正黑體" panose="020B0604030504040204" pitchFamily="34" charset="-120"/>
+                <a:cs typeface="Heiti TC Light"/>
+              </a:rPr>
+              <a:t>讀音為「</a:t>
+            </a:r>
+            <a:r>
+              <a:rPr kumimoji="1" lang="en-US" altLang="zh-TW" sz="3200" dirty="0">
+                <a:effectLst>
+                  <a:outerShdw blurRad="38100" dist="38100" dir="2700000" algn="tl">
+                    <a:srgbClr val="000000">
+                      <a:alpha val="43137"/>
+                    </a:srgbClr>
+                  </a:outerShdw>
+                </a:effectLst>
+                <a:latin typeface="微軟正黑體" panose="020B0604030504040204" pitchFamily="34" charset="-120"/>
+                <a:ea typeface="微軟正黑體" panose="020B0604030504040204" pitchFamily="34" charset="-120"/>
+                <a:cs typeface="Heiti TC Light"/>
+              </a:rPr>
+              <a:t>Jason(</a:t>
+            </a:r>
+            <a:r>
+              <a:rPr kumimoji="1" lang="zh-TW" altLang="en-US" sz="3200" dirty="0">
+                <a:effectLst>
+                  <a:outerShdw blurRad="38100" dist="38100" dir="2700000" algn="tl">
+                    <a:srgbClr val="000000">
+                      <a:alpha val="43137"/>
+                    </a:srgbClr>
+                  </a:outerShdw>
+                </a:effectLst>
+                <a:latin typeface="微軟正黑體" panose="020B0604030504040204" pitchFamily="34" charset="-120"/>
+                <a:ea typeface="微軟正黑體" panose="020B0604030504040204" pitchFamily="34" charset="-120"/>
+                <a:cs typeface="Heiti TC Light"/>
+              </a:rPr>
+              <a:t>街喪</a:t>
+            </a:r>
+            <a:r>
+              <a:rPr kumimoji="1" lang="en-US" altLang="zh-TW" sz="3200" dirty="0">
+                <a:effectLst>
+                  <a:outerShdw blurRad="38100" dist="38100" dir="2700000" algn="tl">
+                    <a:srgbClr val="000000">
+                      <a:alpha val="43137"/>
+                    </a:srgbClr>
+                  </a:outerShdw>
+                </a:effectLst>
+                <a:latin typeface="微軟正黑體" panose="020B0604030504040204" pitchFamily="34" charset="-120"/>
+                <a:ea typeface="微軟正黑體" panose="020B0604030504040204" pitchFamily="34" charset="-120"/>
+                <a:cs typeface="Heiti TC Light"/>
+              </a:rPr>
+              <a:t>)</a:t>
+            </a:r>
+            <a:r>
+              <a:rPr kumimoji="1" lang="zh-TW" altLang="en-US" sz="3200" dirty="0">
+                <a:effectLst>
+                  <a:outerShdw blurRad="38100" dist="38100" dir="2700000" algn="tl">
+                    <a:srgbClr val="000000">
+                      <a:alpha val="43137"/>
+                    </a:srgbClr>
+                  </a:outerShdw>
+                </a:effectLst>
+                <a:latin typeface="微軟正黑體" panose="020B0604030504040204" pitchFamily="34" charset="-120"/>
+                <a:ea typeface="微軟正黑體" panose="020B0604030504040204" pitchFamily="34" charset="-120"/>
+                <a:cs typeface="Heiti TC Light"/>
+              </a:rPr>
+              <a:t>」</a:t>
+            </a:r>
+            <a:endParaRPr kumimoji="1" lang="en-US" altLang="zh-TW" sz="3200" dirty="0">
+              <a:effectLst>
+                <a:outerShdw blurRad="38100" dist="38100" dir="2700000" algn="tl">
+                  <a:srgbClr val="000000">
+                    <a:alpha val="43137"/>
+                  </a:srgbClr>
+                </a:outerShdw>
+              </a:effectLst>
+              <a:latin typeface="微軟正黑體" panose="020B0604030504040204" pitchFamily="34" charset="-120"/>
+              <a:ea typeface="微軟正黑體" panose="020B0604030504040204" pitchFamily="34" charset="-120"/>
+              <a:cs typeface="Heiti TC Light"/>
+            </a:endParaRPr>
+          </a:p>
+          <a:p>
+            <a:pPr marL="358775" indent="-358775">
+              <a:buFont typeface="Arial" panose="020B0604020202020204" pitchFamily="34" charset="0"/>
+              <a:buChar char="•"/>
+            </a:pPr>
+            <a:r>
+              <a:rPr kumimoji="1" lang="zh-TW" altLang="en-US" sz="3200" dirty="0">
+                <a:effectLst>
+                  <a:outerShdw blurRad="38100" dist="38100" dir="2700000" algn="tl">
+                    <a:srgbClr val="000000">
+                      <a:alpha val="43137"/>
+                    </a:srgbClr>
+                  </a:outerShdw>
+                </a:effectLst>
+                <a:latin typeface="微軟正黑體" panose="020B0604030504040204" pitchFamily="34" charset="-120"/>
+                <a:ea typeface="微軟正黑體" panose="020B0604030504040204" pitchFamily="34" charset="-120"/>
+                <a:cs typeface="Heiti TC Light"/>
+              </a:rPr>
+              <a:t>不需要有</a:t>
+            </a:r>
+            <a:r>
+              <a:rPr kumimoji="1" lang="en-US" altLang="zh-TW" sz="3200" dirty="0">
+                <a:effectLst>
+                  <a:outerShdw blurRad="38100" dist="38100" dir="2700000" algn="tl">
+                    <a:srgbClr val="000000">
+                      <a:alpha val="43137"/>
+                    </a:srgbClr>
+                  </a:outerShdw>
+                </a:effectLst>
+                <a:latin typeface="微軟正黑體" panose="020B0604030504040204" pitchFamily="34" charset="-120"/>
+                <a:ea typeface="微軟正黑體" panose="020B0604030504040204" pitchFamily="34" charset="-120"/>
+                <a:cs typeface="Heiti TC Light"/>
+              </a:rPr>
+              <a:t>JavaScript</a:t>
+            </a:r>
+            <a:r>
+              <a:rPr kumimoji="1" lang="zh-TW" altLang="en-US" sz="3200" dirty="0">
+                <a:effectLst>
+                  <a:outerShdw blurRad="38100" dist="38100" dir="2700000" algn="tl">
+                    <a:srgbClr val="000000">
+                      <a:alpha val="43137"/>
+                    </a:srgbClr>
+                  </a:outerShdw>
+                </a:effectLst>
+                <a:latin typeface="微軟正黑體" panose="020B0604030504040204" pitchFamily="34" charset="-120"/>
+                <a:ea typeface="微軟正黑體" panose="020B0604030504040204" pitchFamily="34" charset="-120"/>
+                <a:cs typeface="Heiti TC Light"/>
+              </a:rPr>
+              <a:t>，本身即為一種常用的資料格式</a:t>
+            </a:r>
+            <a:endParaRPr kumimoji="1" lang="en-US" altLang="zh-TW" sz="3200" dirty="0">
+              <a:effectLst>
+                <a:outerShdw blurRad="38100" dist="38100" dir="2700000" algn="tl">
+                  <a:srgbClr val="000000">
+                    <a:alpha val="43137"/>
+                  </a:srgbClr>
+                </a:outerShdw>
+              </a:effectLst>
+              <a:latin typeface="微軟正黑體" panose="020B0604030504040204" pitchFamily="34" charset="-120"/>
+              <a:ea typeface="微軟正黑體" panose="020B0604030504040204" pitchFamily="34" charset="-120"/>
+              <a:cs typeface="Heiti TC Light"/>
+            </a:endParaRPr>
+          </a:p>
+          <a:p>
+            <a:pPr marL="358775" indent="-358775">
+              <a:buFont typeface="Arial" panose="020B0604020202020204" pitchFamily="34" charset="0"/>
+              <a:buChar char="•"/>
+            </a:pPr>
+            <a:r>
+              <a:rPr kumimoji="1" lang="zh-TW" altLang="en-US" sz="3200" dirty="0">
+                <a:effectLst>
+                  <a:outerShdw blurRad="38100" dist="38100" dir="2700000" algn="tl">
+                    <a:srgbClr val="000000">
+                      <a:alpha val="43137"/>
+                    </a:srgbClr>
+                  </a:outerShdw>
+                </a:effectLst>
+                <a:latin typeface="微軟正黑體" panose="020B0604030504040204" pitchFamily="34" charset="-120"/>
+                <a:ea typeface="微軟正黑體" panose="020B0604030504040204" pitchFamily="34" charset="-120"/>
+                <a:cs typeface="Heiti TC Light"/>
+              </a:rPr>
+              <a:t>用於程式之間</a:t>
+            </a:r>
+            <a:r>
+              <a:rPr kumimoji="1" lang="en-US" altLang="zh-TW" sz="3200" dirty="0">
+                <a:effectLst>
+                  <a:outerShdw blurRad="38100" dist="38100" dir="2700000" algn="tl">
+                    <a:srgbClr val="000000">
+                      <a:alpha val="43137"/>
+                    </a:srgbClr>
+                  </a:outerShdw>
+                </a:effectLst>
+                <a:latin typeface="微軟正黑體" panose="020B0604030504040204" pitchFamily="34" charset="-120"/>
+                <a:ea typeface="微軟正黑體" panose="020B0604030504040204" pitchFamily="34" charset="-120"/>
+                <a:cs typeface="Heiti TC Light"/>
+              </a:rPr>
+              <a:t>(</a:t>
+            </a:r>
+            <a:r>
+              <a:rPr kumimoji="1" lang="zh-TW" altLang="en-US" sz="3200" dirty="0">
+                <a:effectLst>
+                  <a:outerShdw blurRad="38100" dist="38100" dir="2700000" algn="tl">
+                    <a:srgbClr val="000000">
+                      <a:alpha val="43137"/>
+                    </a:srgbClr>
+                  </a:outerShdw>
+                </a:effectLst>
+                <a:latin typeface="微軟正黑體" panose="020B0604030504040204" pitchFamily="34" charset="-120"/>
+                <a:ea typeface="微軟正黑體" panose="020B0604030504040204" pitchFamily="34" charset="-120"/>
+                <a:cs typeface="Heiti TC Light"/>
+              </a:rPr>
+              <a:t>伺服器之間、伺服器和客戶端之間，客戶端之間</a:t>
+            </a:r>
+            <a:r>
+              <a:rPr kumimoji="1" lang="en-US" altLang="zh-TW" sz="3200" dirty="0">
+                <a:effectLst>
+                  <a:outerShdw blurRad="38100" dist="38100" dir="2700000" algn="tl">
+                    <a:srgbClr val="000000">
+                      <a:alpha val="43137"/>
+                    </a:srgbClr>
+                  </a:outerShdw>
+                </a:effectLst>
+                <a:latin typeface="微軟正黑體" panose="020B0604030504040204" pitchFamily="34" charset="-120"/>
+                <a:ea typeface="微軟正黑體" panose="020B0604030504040204" pitchFamily="34" charset="-120"/>
+                <a:cs typeface="Heiti TC Light"/>
+              </a:rPr>
+              <a:t>)</a:t>
+            </a:r>
+            <a:r>
+              <a:rPr kumimoji="1" lang="zh-TW" altLang="en-US" sz="3200" dirty="0">
+                <a:effectLst>
+                  <a:outerShdw blurRad="38100" dist="38100" dir="2700000" algn="tl">
+                    <a:srgbClr val="000000">
+                      <a:alpha val="43137"/>
+                    </a:srgbClr>
+                  </a:outerShdw>
+                </a:effectLst>
+                <a:latin typeface="微軟正黑體" panose="020B0604030504040204" pitchFamily="34" charset="-120"/>
+                <a:ea typeface="微軟正黑體" panose="020B0604030504040204" pitchFamily="34" charset="-120"/>
+                <a:cs typeface="Heiti TC Light"/>
+              </a:rPr>
+              <a:t>的資料交換</a:t>
+            </a:r>
+            <a:endParaRPr kumimoji="1" lang="en-US" altLang="zh-TW" sz="3200" dirty="0">
+              <a:effectLst>
+                <a:outerShdw blurRad="38100" dist="38100" dir="2700000" algn="tl">
+                  <a:srgbClr val="000000">
+                    <a:alpha val="43137"/>
+                  </a:srgbClr>
+                </a:outerShdw>
+              </a:effectLst>
+              <a:latin typeface="微軟正黑體" panose="020B0604030504040204" pitchFamily="34" charset="-120"/>
+              <a:ea typeface="微軟正黑體" panose="020B0604030504040204" pitchFamily="34" charset="-120"/>
+              <a:cs typeface="Heiti TC Light"/>
+            </a:endParaRPr>
+          </a:p>
+          <a:p>
+            <a:pPr marL="358775" indent="-358775">
+              <a:buFont typeface="Arial" panose="020B0604020202020204" pitchFamily="34" charset="0"/>
+              <a:buChar char="•"/>
+            </a:pPr>
+            <a:r>
+              <a:rPr kumimoji="1" lang="zh-TW" altLang="en-US" sz="3200" dirty="0">
+                <a:effectLst>
+                  <a:outerShdw blurRad="38100" dist="38100" dir="2700000" algn="tl">
+                    <a:srgbClr val="000000">
+                      <a:alpha val="43137"/>
+                    </a:srgbClr>
+                  </a:outerShdw>
+                </a:effectLst>
+                <a:latin typeface="微軟正黑體" panose="020B0604030504040204" pitchFamily="34" charset="-120"/>
+                <a:ea typeface="微軟正黑體" panose="020B0604030504040204" pitchFamily="34" charset="-120"/>
+                <a:cs typeface="Heiti TC Light"/>
+              </a:rPr>
+              <a:t>有些網站會準備</a:t>
+            </a:r>
+            <a:r>
+              <a:rPr kumimoji="1" lang="en-US" altLang="zh-TW" sz="3200" dirty="0">
+                <a:effectLst>
+                  <a:outerShdw blurRad="38100" dist="38100" dir="2700000" algn="tl">
+                    <a:srgbClr val="000000">
+                      <a:alpha val="43137"/>
+                    </a:srgbClr>
+                  </a:outerShdw>
+                </a:effectLst>
+                <a:latin typeface="微軟正黑體" panose="020B0604030504040204" pitchFamily="34" charset="-120"/>
+                <a:ea typeface="微軟正黑體" panose="020B0604030504040204" pitchFamily="34" charset="-120"/>
+                <a:cs typeface="Heiti TC Light"/>
+              </a:rPr>
+              <a:t>JSON</a:t>
+            </a:r>
+            <a:r>
+              <a:rPr kumimoji="1" lang="zh-TW" altLang="en-US" sz="3200" dirty="0">
+                <a:effectLst>
+                  <a:outerShdw blurRad="38100" dist="38100" dir="2700000" algn="tl">
+                    <a:srgbClr val="000000">
+                      <a:alpha val="43137"/>
+                    </a:srgbClr>
+                  </a:outerShdw>
+                </a:effectLst>
+                <a:latin typeface="微軟正黑體" panose="020B0604030504040204" pitchFamily="34" charset="-120"/>
+                <a:ea typeface="微軟正黑體" panose="020B0604030504040204" pitchFamily="34" charset="-120"/>
+                <a:cs typeface="Heiti TC Light"/>
+              </a:rPr>
+              <a:t>資料格式專門給網路爬蟲使用</a:t>
+            </a:r>
+            <a:endParaRPr kumimoji="1" lang="en-US" altLang="zh-TW" sz="3200" dirty="0">
+              <a:effectLst>
+                <a:outerShdw blurRad="38100" dist="38100" dir="2700000" algn="tl">
+                  <a:srgbClr val="000000">
+                    <a:alpha val="43137"/>
+                  </a:srgbClr>
+                </a:outerShdw>
+              </a:effectLst>
+              <a:latin typeface="微軟正黑體" panose="020B0604030504040204" pitchFamily="34" charset="-120"/>
+              <a:ea typeface="微軟正黑體" panose="020B0604030504040204" pitchFamily="34" charset="-120"/>
+              <a:cs typeface="Heiti TC Light"/>
+            </a:endParaRPr>
+          </a:p>
+          <a:p>
+            <a:pPr marL="358775" indent="-358775">
+              <a:buFont typeface="Arial" panose="020B0604020202020204" pitchFamily="34" charset="0"/>
+              <a:buChar char="•"/>
+            </a:pPr>
+            <a:r>
+              <a:rPr kumimoji="1" lang="zh-TW" altLang="en-US" sz="3200" dirty="0">
+                <a:effectLst>
+                  <a:outerShdw blurRad="38100" dist="38100" dir="2700000" algn="tl">
+                    <a:srgbClr val="000000">
+                      <a:alpha val="43137"/>
+                    </a:srgbClr>
+                  </a:outerShdw>
+                </a:effectLst>
+                <a:latin typeface="微軟正黑體" panose="020B0604030504040204" pitchFamily="34" charset="-120"/>
+                <a:ea typeface="微軟正黑體" panose="020B0604030504040204" pitchFamily="34" charset="-120"/>
+                <a:cs typeface="Heiti TC Light"/>
+              </a:rPr>
+              <a:t>也可做為平常資料儲存的格式</a:t>
+            </a:r>
+            <a:endParaRPr kumimoji="1" lang="en-US" altLang="zh-TW" sz="3200" dirty="0">
+              <a:effectLst>
+                <a:outerShdw blurRad="38100" dist="38100" dir="2700000" algn="tl">
+                  <a:srgbClr val="000000">
+                    <a:alpha val="43137"/>
+                  </a:srgbClr>
+                </a:outerShdw>
+              </a:effectLst>
+              <a:latin typeface="微軟正黑體" panose="020B0604030504040204" pitchFamily="34" charset="-120"/>
+              <a:ea typeface="微軟正黑體" panose="020B0604030504040204" pitchFamily="34" charset="-120"/>
+              <a:cs typeface="Heiti TC Light"/>
+            </a:endParaRPr>
+          </a:p>
+          <a:p>
+            <a:pPr marL="358775" indent="-358775">
+              <a:buFont typeface="Arial" panose="020B0604020202020204" pitchFamily="34" charset="0"/>
+              <a:buChar char="•"/>
+            </a:pPr>
+            <a:endParaRPr kumimoji="1" lang="en-US" altLang="zh-TW" sz="3200" dirty="0">
+              <a:effectLst>
+                <a:outerShdw blurRad="38100" dist="38100" dir="2700000" algn="tl">
+                  <a:srgbClr val="000000">
+                    <a:alpha val="43137"/>
+                  </a:srgbClr>
+                </a:outerShdw>
+              </a:effectLst>
+              <a:latin typeface="微軟正黑體" panose="020B0604030504040204" pitchFamily="34" charset="-120"/>
+              <a:ea typeface="微軟正黑體" panose="020B0604030504040204" pitchFamily="34" charset="-120"/>
+              <a:cs typeface="Heiti TC Light"/>
+            </a:endParaRPr>
+          </a:p>
+        </p:txBody>
+      </p:sp>
+    </p:spTree>
+    <p:extLst>
+      <p:ext uri="{BB962C8B-B14F-4D97-AF65-F5344CB8AC3E}">
+        <p14:creationId xmlns:p14="http://schemas.microsoft.com/office/powerpoint/2010/main" val="2621955823"/>
+      </p:ext>
+    </p:extLst>
+  </p:cSld>
+  <p:clrMapOvr>
+    <a:masterClrMapping/>
+  </p:clrMapOvr>
+  <p:transition>
+    <p:fade/>
+  </p:transition>
+</p:sld>
+</file>
+
+<file path=ppt/slides/slide37.xml><?xml version="1.0" encoding="utf-8"?>
+<p:sld xmlns:a="http://schemas.openxmlformats.org/drawingml/2006/main" xmlns:r="http://schemas.openxmlformats.org/officeDocument/2006/relationships" xmlns:p="http://schemas.openxmlformats.org/presentationml/2006/main">
+  <p:cSld>
+    <p:spTree>
+      <p:nvGrpSpPr>
+        <p:cNvPr id="1" name=""/>
+        <p:cNvGrpSpPr/>
+        <p:nvPr/>
+      </p:nvGrpSpPr>
+      <p:grpSpPr>
+        <a:xfrm>
+          <a:off x="0" y="0"/>
+          <a:ext cx="0" cy="0"/>
+          <a:chOff x="0" y="0"/>
+          <a:chExt cx="0" cy="0"/>
+        </a:xfrm>
+      </p:grpSpPr>
+      <p:sp>
+        <p:nvSpPr>
+          <p:cNvPr id="4" name="文字版面配置區 2"/>
+          <p:cNvSpPr txBox="1">
+            <a:spLocks/>
+          </p:cNvSpPr>
+          <p:nvPr/>
+        </p:nvSpPr>
+        <p:spPr>
+          <a:xfrm>
+            <a:off x="2362200" y="228600"/>
+            <a:ext cx="5867400" cy="990600"/>
+          </a:xfrm>
+          <a:prstGeom prst="rect">
+            <a:avLst/>
+          </a:prstGeom>
+        </p:spPr>
+        <p:txBody>
+          <a:bodyPr tIns="91440" bIns="91440" anchor="b" anchorCtr="0">
+            <a:noAutofit/>
+          </a:bodyPr>
+          <a:lstStyle/>
+          <a:p>
+            <a:pPr marL="0" marR="0" lvl="0" indent="0" algn="just" defTabSz="914400" rtl="0" eaLnBrk="1" fontAlgn="auto" latinLnBrk="0" hangingPunct="1">
+              <a:lnSpc>
+                <a:spcPct val="100000"/>
+              </a:lnSpc>
+              <a:spcBef>
+                <a:spcPct val="20000"/>
+              </a:spcBef>
+              <a:spcAft>
+                <a:spcPts val="0"/>
+              </a:spcAft>
+              <a:buClrTx/>
+              <a:buSzTx/>
+              <a:buFontTx/>
+              <a:buNone/>
+              <a:tabLst/>
+              <a:defRPr/>
+            </a:pPr>
+            <a:r>
+              <a:rPr kumimoji="0" lang="zh-TW" altLang="en-US" sz="4800" b="1" i="0" u="none" strike="noStrike" kern="0" cap="none" spc="0" normalizeH="0" baseline="0" noProof="0" dirty="0">
+                <a:ln>
+                  <a:noFill/>
+                </a:ln>
+                <a:solidFill>
+                  <a:srgbClr val="00B0F0"/>
+                </a:solidFill>
+                <a:effectLst>
+                  <a:outerShdw blurRad="38100" dist="38100" dir="2700000" algn="tl">
+                    <a:srgbClr val="000000">
+                      <a:alpha val="43137"/>
+                    </a:srgbClr>
+                  </a:outerShdw>
+                </a:effectLst>
+                <a:uLnTx/>
+                <a:uFillTx/>
+                <a:latin typeface="微軟正黑體" panose="020B0604030504040204" pitchFamily="34" charset="-120"/>
+                <a:ea typeface="微軟正黑體" panose="020B0604030504040204" pitchFamily="34" charset="-120"/>
+                <a:cs typeface="+mn-cs"/>
+              </a:rPr>
+              <a:t>一個</a:t>
+            </a:r>
+            <a:r>
+              <a:rPr kumimoji="0" lang="en-US" altLang="zh-TW" sz="4800" b="1" i="0" u="none" strike="noStrike" kern="0" cap="none" spc="0" normalizeH="0" baseline="0" noProof="0" dirty="0">
+                <a:ln>
+                  <a:noFill/>
+                </a:ln>
+                <a:solidFill>
+                  <a:srgbClr val="00B0F0"/>
+                </a:solidFill>
+                <a:effectLst>
+                  <a:outerShdw blurRad="38100" dist="38100" dir="2700000" algn="tl">
+                    <a:srgbClr val="000000">
+                      <a:alpha val="43137"/>
+                    </a:srgbClr>
+                  </a:outerShdw>
+                </a:effectLst>
+                <a:uLnTx/>
+                <a:uFillTx/>
+                <a:latin typeface="微軟正黑體" panose="020B0604030504040204" pitchFamily="34" charset="-120"/>
+                <a:ea typeface="微軟正黑體" panose="020B0604030504040204" pitchFamily="34" charset="-120"/>
+                <a:cs typeface="+mn-cs"/>
+              </a:rPr>
+              <a:t>JSON</a:t>
+            </a:r>
+            <a:r>
+              <a:rPr kumimoji="0" lang="zh-TW" altLang="en-US" sz="4800" b="1" i="0" u="none" strike="noStrike" kern="0" cap="none" spc="0" normalizeH="0" baseline="0" noProof="0" dirty="0">
+                <a:ln>
+                  <a:noFill/>
+                </a:ln>
+                <a:solidFill>
+                  <a:srgbClr val="00B0F0"/>
+                </a:solidFill>
+                <a:effectLst>
+                  <a:outerShdw blurRad="38100" dist="38100" dir="2700000" algn="tl">
+                    <a:srgbClr val="000000">
+                      <a:alpha val="43137"/>
+                    </a:srgbClr>
+                  </a:outerShdw>
+                </a:effectLst>
+                <a:uLnTx/>
+                <a:uFillTx/>
+                <a:latin typeface="微軟正黑體" panose="020B0604030504040204" pitchFamily="34" charset="-120"/>
+                <a:ea typeface="微軟正黑體" panose="020B0604030504040204" pitchFamily="34" charset="-120"/>
+                <a:cs typeface="+mn-cs"/>
+              </a:rPr>
+              <a:t>應用範例</a:t>
+            </a:r>
+          </a:p>
+        </p:txBody>
+      </p:sp>
+      <p:sp>
+        <p:nvSpPr>
+          <p:cNvPr id="3" name="日期版面配置區 2">
+            <a:extLst>
+              <a:ext uri="{FF2B5EF4-FFF2-40B4-BE49-F238E27FC236}">
+                <a16:creationId xmlns:a16="http://schemas.microsoft.com/office/drawing/2014/main" id="{1C536CB5-3C58-6CF1-767E-952B76F12DEE}"/>
+              </a:ext>
+            </a:extLst>
+          </p:cNvPr>
+          <p:cNvSpPr>
+            <a:spLocks noGrp="1"/>
+          </p:cNvSpPr>
+          <p:nvPr>
+            <p:ph type="dt" sz="half" idx="12"/>
+          </p:nvPr>
+        </p:nvSpPr>
+        <p:spPr/>
+        <p:txBody>
+          <a:bodyPr/>
+          <a:lstStyle/>
+          <a:p>
+            <a:fld id="{0B520B05-2240-4566-BE2A-9338980FE8EB}" type="datetime1">
+              <a:rPr kumimoji="0" lang="en-US" altLang="zh-TW" sz="1200" smtClean="0">
+                <a:solidFill>
+                  <a:schemeClr val="tx2"/>
+                </a:solidFill>
+                <a:latin typeface="Arial" panose="020B0604020202020204" pitchFamily="34" charset="0"/>
+                <a:cs typeface="Arial" panose="020B0604020202020204" pitchFamily="34" charset="0"/>
+              </a:rPr>
+              <a:t>5/12/2024</a:t>
+            </a:fld>
+            <a:endParaRPr kumimoji="0" lang="en-US" dirty="0">
+              <a:latin typeface="Arial" panose="020B0604020202020204" pitchFamily="34" charset="0"/>
+              <a:cs typeface="Arial" panose="020B0604020202020204" pitchFamily="34" charset="0"/>
+            </a:endParaRPr>
+          </a:p>
+        </p:txBody>
+      </p:sp>
+      <p:sp>
+        <p:nvSpPr>
+          <p:cNvPr id="7" name="投影片編號版面配置區 6">
+            <a:extLst>
+              <a:ext uri="{FF2B5EF4-FFF2-40B4-BE49-F238E27FC236}">
+                <a16:creationId xmlns:a16="http://schemas.microsoft.com/office/drawing/2014/main" id="{DA316F56-AF12-D872-611F-78AE7ACCBF93}"/>
+              </a:ext>
+            </a:extLst>
+          </p:cNvPr>
+          <p:cNvSpPr>
+            <a:spLocks noGrp="1"/>
+          </p:cNvSpPr>
+          <p:nvPr>
+            <p:ph type="sldNum" sz="quarter" idx="13"/>
+          </p:nvPr>
+        </p:nvSpPr>
+        <p:spPr/>
+        <p:txBody>
+          <a:bodyPr/>
+          <a:lstStyle/>
+          <a:p>
+            <a:pPr algn="r"/>
+            <a:fld id="{F99EC173-99AE-4773-AB25-02E469A13EAE}" type="slidenum">
+              <a:rPr kumimoji="0" lang="en-US" sz="1200" smtClean="0">
+                <a:solidFill>
+                  <a:schemeClr val="tx2"/>
+                </a:solidFill>
+              </a:rPr>
+              <a:pPr algn="r"/>
+              <a:t>37</a:t>
+            </a:fld>
+            <a:endParaRPr kumimoji="0" lang="en-US" dirty="0"/>
+          </a:p>
+        </p:txBody>
+      </p:sp>
+      <p:sp>
+        <p:nvSpPr>
+          <p:cNvPr id="2" name="文字方塊 1">
+            <a:extLst>
+              <a:ext uri="{FF2B5EF4-FFF2-40B4-BE49-F238E27FC236}">
+                <a16:creationId xmlns:a16="http://schemas.microsoft.com/office/drawing/2014/main" id="{54D51629-6478-40B0-266D-C39EAC81C327}"/>
+              </a:ext>
+            </a:extLst>
+          </p:cNvPr>
+          <p:cNvSpPr txBox="1"/>
+          <p:nvPr/>
+        </p:nvSpPr>
+        <p:spPr>
+          <a:xfrm>
+            <a:off x="533400" y="1447800"/>
+            <a:ext cx="8305800" cy="5078313"/>
+          </a:xfrm>
+          <a:prstGeom prst="rect">
+            <a:avLst/>
+          </a:prstGeom>
+          <a:noFill/>
+        </p:spPr>
+        <p:txBody>
+          <a:bodyPr wrap="square" rtlCol="0">
+            <a:spAutoFit/>
+          </a:bodyPr>
+          <a:lstStyle/>
+          <a:p>
+            <a:pPr marL="457200" indent="-457200" algn="l">
+              <a:buFont typeface="Arial" panose="020B0604020202020204" pitchFamily="34" charset="0"/>
+              <a:buChar char="•"/>
+            </a:pPr>
+            <a:r>
+              <a:rPr lang="en-US" altLang="zh-TW" sz="3200" b="0" i="0" dirty="0">
+                <a:effectLst/>
+                <a:latin typeface="微軟正黑體" panose="020B0604030504040204" pitchFamily="34" charset="-120"/>
+                <a:ea typeface="微軟正黑體" panose="020B0604030504040204" pitchFamily="34" charset="-120"/>
+              </a:rPr>
+              <a:t>JSON </a:t>
+            </a:r>
+            <a:r>
+              <a:rPr lang="zh-TW" altLang="en-US" sz="3200" b="0" i="0" dirty="0">
+                <a:effectLst/>
+                <a:latin typeface="微軟正黑體" panose="020B0604030504040204" pitchFamily="34" charset="-120"/>
+                <a:ea typeface="微軟正黑體" panose="020B0604030504040204" pitchFamily="34" charset="-120"/>
+              </a:rPr>
+              <a:t>最常用用在 </a:t>
+            </a:r>
+            <a:r>
+              <a:rPr lang="en-US" altLang="zh-TW" sz="3200" b="0" i="0" dirty="0">
+                <a:effectLst/>
+                <a:latin typeface="微軟正黑體" panose="020B0604030504040204" pitchFamily="34" charset="-120"/>
+                <a:ea typeface="微軟正黑體" panose="020B0604030504040204" pitchFamily="34" charset="-120"/>
+              </a:rPr>
+              <a:t>Web </a:t>
+            </a:r>
+            <a:r>
+              <a:rPr lang="zh-TW" altLang="en-US" sz="3200" b="0" i="0" dirty="0">
+                <a:effectLst/>
+                <a:latin typeface="微軟正黑體" panose="020B0604030504040204" pitchFamily="34" charset="-120"/>
+                <a:ea typeface="微軟正黑體" panose="020B0604030504040204" pitchFamily="34" charset="-120"/>
+              </a:rPr>
+              <a:t>網頁程式從 </a:t>
+            </a:r>
+            <a:r>
+              <a:rPr lang="en-US" altLang="zh-TW" sz="3200" b="0" i="0" dirty="0">
+                <a:effectLst/>
+                <a:latin typeface="微軟正黑體" panose="020B0604030504040204" pitchFamily="34" charset="-120"/>
+                <a:ea typeface="微軟正黑體" panose="020B0604030504040204" pitchFamily="34" charset="-120"/>
+              </a:rPr>
+              <a:t>Server </a:t>
+            </a:r>
+            <a:r>
+              <a:rPr lang="zh-TW" altLang="en-US" sz="3200" b="0" i="0" dirty="0">
+                <a:effectLst/>
+                <a:latin typeface="微軟正黑體" panose="020B0604030504040204" pitchFamily="34" charset="-120"/>
+                <a:ea typeface="微軟正黑體" panose="020B0604030504040204" pitchFamily="34" charset="-120"/>
+              </a:rPr>
+              <a:t>端傳送資料給 </a:t>
+            </a:r>
+            <a:r>
+              <a:rPr lang="en-US" altLang="zh-TW" sz="3200" b="0" i="0" dirty="0">
+                <a:effectLst/>
+                <a:latin typeface="微軟正黑體" panose="020B0604030504040204" pitchFamily="34" charset="-120"/>
+                <a:ea typeface="微軟正黑體" panose="020B0604030504040204" pitchFamily="34" charset="-120"/>
+              </a:rPr>
+              <a:t>browser</a:t>
+            </a:r>
+          </a:p>
+          <a:p>
+            <a:pPr marL="457200" indent="-457200" algn="l">
+              <a:buFont typeface="Arial" panose="020B0604020202020204" pitchFamily="34" charset="0"/>
+              <a:buChar char="•"/>
+            </a:pPr>
+            <a:r>
+              <a:rPr lang="zh-TW" altLang="en-US" sz="3200" b="0" i="0" dirty="0">
+                <a:effectLst/>
+                <a:latin typeface="微軟正黑體" panose="020B0604030504040204" pitchFamily="34" charset="-120"/>
+                <a:ea typeface="微軟正黑體" panose="020B0604030504040204" pitchFamily="34" charset="-120"/>
+              </a:rPr>
+              <a:t>典型範例就是透過 </a:t>
+            </a:r>
+            <a:r>
+              <a:rPr lang="en-US" altLang="zh-TW" sz="3200" b="0" i="0" dirty="0">
+                <a:effectLst/>
+                <a:latin typeface="微軟正黑體" panose="020B0604030504040204" pitchFamily="34" charset="-120"/>
+                <a:ea typeface="微軟正黑體" panose="020B0604030504040204" pitchFamily="34" charset="-120"/>
+              </a:rPr>
+              <a:t>AJAX </a:t>
+            </a:r>
+            <a:r>
+              <a:rPr lang="zh-TW" altLang="en-US" sz="3200" b="0" i="0" dirty="0">
+                <a:effectLst/>
+                <a:latin typeface="微軟正黑體" panose="020B0604030504040204" pitchFamily="34" charset="-120"/>
+                <a:ea typeface="微軟正黑體" panose="020B0604030504040204" pitchFamily="34" charset="-120"/>
+              </a:rPr>
+              <a:t>方式交換 </a:t>
+            </a:r>
+            <a:r>
+              <a:rPr lang="en-US" altLang="zh-TW" sz="3200" b="0" i="0" dirty="0">
+                <a:effectLst/>
+                <a:latin typeface="微軟正黑體" panose="020B0604030504040204" pitchFamily="34" charset="-120"/>
+                <a:ea typeface="微軟正黑體" panose="020B0604030504040204" pitchFamily="34" charset="-120"/>
+              </a:rPr>
+              <a:t>JSON </a:t>
+            </a:r>
+            <a:r>
+              <a:rPr lang="zh-TW" altLang="en-US" sz="3200" b="0" i="0" dirty="0">
+                <a:effectLst/>
+                <a:latin typeface="微軟正黑體" panose="020B0604030504040204" pitchFamily="34" charset="-120"/>
+                <a:ea typeface="微軟正黑體" panose="020B0604030504040204" pitchFamily="34" charset="-120"/>
+              </a:rPr>
+              <a:t>資料</a:t>
+            </a:r>
+            <a:r>
+              <a:rPr lang="en-US" altLang="zh-TW" sz="3200" b="0" i="0" dirty="0">
+                <a:effectLst/>
+                <a:latin typeface="微軟正黑體" panose="020B0604030504040204" pitchFamily="34" charset="-120"/>
+                <a:ea typeface="微軟正黑體" panose="020B0604030504040204" pitchFamily="34" charset="-120"/>
+              </a:rPr>
+              <a:t>(</a:t>
+            </a:r>
+            <a:r>
+              <a:rPr lang="zh-TW" altLang="en-US" sz="3200" b="0" i="0" dirty="0">
+                <a:effectLst/>
+                <a:latin typeface="微軟正黑體" panose="020B0604030504040204" pitchFamily="34" charset="-120"/>
+                <a:ea typeface="微軟正黑體" panose="020B0604030504040204" pitchFamily="34" charset="-120"/>
+              </a:rPr>
+              <a:t>動態更新頁面</a:t>
+            </a:r>
+            <a:r>
+              <a:rPr lang="en-US" altLang="zh-TW" sz="3200" b="0" i="0" dirty="0">
+                <a:effectLst/>
+                <a:latin typeface="微軟正黑體" panose="020B0604030504040204" pitchFamily="34" charset="-120"/>
+                <a:ea typeface="微軟正黑體" panose="020B0604030504040204" pitchFamily="34" charset="-120"/>
+              </a:rPr>
+              <a:t>)</a:t>
+            </a:r>
+            <a:endParaRPr lang="zh-TW" altLang="en-US" sz="3200" b="0" i="0" dirty="0">
+              <a:effectLst/>
+              <a:latin typeface="微軟正黑體" panose="020B0604030504040204" pitchFamily="34" charset="-120"/>
+              <a:ea typeface="微軟正黑體" panose="020B0604030504040204" pitchFamily="34" charset="-120"/>
+            </a:endParaRPr>
+          </a:p>
+          <a:p>
+            <a:pPr marL="914400" lvl="1" indent="-457200">
+              <a:buFont typeface="Arial" panose="020B0604020202020204" pitchFamily="34" charset="0"/>
+              <a:buChar char="•"/>
+            </a:pPr>
+            <a:r>
+              <a:rPr lang="zh-TW" altLang="en-US" sz="2800" b="0" i="0" dirty="0">
+                <a:solidFill>
+                  <a:srgbClr val="FFFF00"/>
+                </a:solidFill>
+                <a:effectLst/>
+                <a:latin typeface="微軟正黑體" panose="020B0604030504040204" pitchFamily="34" charset="-120"/>
+                <a:ea typeface="微軟正黑體" panose="020B0604030504040204" pitchFamily="34" charset="-120"/>
+              </a:rPr>
+              <a:t>使用者點選了線上產品縮圖</a:t>
+            </a:r>
+          </a:p>
+          <a:p>
+            <a:pPr marL="914400" lvl="1" indent="-457200">
+              <a:buFont typeface="Arial" panose="020B0604020202020204" pitchFamily="34" charset="0"/>
+              <a:buChar char="•"/>
+            </a:pPr>
+            <a:r>
+              <a:rPr lang="en-US" altLang="zh-TW" sz="2800" b="0" i="0" dirty="0">
+                <a:solidFill>
+                  <a:srgbClr val="FFFF00"/>
+                </a:solidFill>
+                <a:effectLst/>
+                <a:latin typeface="微軟正黑體" panose="020B0604030504040204" pitchFamily="34" charset="-120"/>
+                <a:ea typeface="微軟正黑體" panose="020B0604030504040204" pitchFamily="34" charset="-120"/>
+              </a:rPr>
+              <a:t>JavaScript </a:t>
+            </a:r>
+            <a:r>
+              <a:rPr lang="zh-TW" altLang="en-US" sz="2800" b="0" i="0" dirty="0">
+                <a:solidFill>
+                  <a:srgbClr val="FFFF00"/>
+                </a:solidFill>
+                <a:effectLst/>
+                <a:latin typeface="微軟正黑體" panose="020B0604030504040204" pitchFamily="34" charset="-120"/>
+                <a:ea typeface="微軟正黑體" panose="020B0604030504040204" pitchFamily="34" charset="-120"/>
+              </a:rPr>
+              <a:t>透過 </a:t>
+            </a:r>
+            <a:r>
+              <a:rPr lang="en-US" altLang="zh-TW" sz="2800" b="0" i="0" dirty="0">
+                <a:solidFill>
+                  <a:srgbClr val="FFFF00"/>
+                </a:solidFill>
+                <a:effectLst/>
+                <a:latin typeface="微軟正黑體" panose="020B0604030504040204" pitchFamily="34" charset="-120"/>
+                <a:ea typeface="微軟正黑體" panose="020B0604030504040204" pitchFamily="34" charset="-120"/>
+              </a:rPr>
+              <a:t>AJAX </a:t>
+            </a:r>
+            <a:r>
+              <a:rPr lang="zh-TW" altLang="en-US" sz="2800" b="0" i="0" dirty="0">
+                <a:solidFill>
+                  <a:srgbClr val="FFFF00"/>
+                </a:solidFill>
+                <a:effectLst/>
+                <a:latin typeface="微軟正黑體" panose="020B0604030504040204" pitchFamily="34" charset="-120"/>
+                <a:ea typeface="微軟正黑體" panose="020B0604030504040204" pitchFamily="34" charset="-120"/>
+              </a:rPr>
+              <a:t>方式將產品 </a:t>
+            </a:r>
+            <a:r>
+              <a:rPr lang="en-US" altLang="zh-TW" sz="2800" b="0" i="0" dirty="0">
+                <a:solidFill>
+                  <a:srgbClr val="FFFF00"/>
+                </a:solidFill>
+                <a:effectLst/>
+                <a:latin typeface="微軟正黑體" panose="020B0604030504040204" pitchFamily="34" charset="-120"/>
+                <a:ea typeface="微軟正黑體" panose="020B0604030504040204" pitchFamily="34" charset="-120"/>
+              </a:rPr>
+              <a:t>ID </a:t>
+            </a:r>
+            <a:r>
+              <a:rPr lang="zh-TW" altLang="en-US" sz="2800" b="0" i="0" dirty="0">
+                <a:solidFill>
+                  <a:srgbClr val="FFFF00"/>
+                </a:solidFill>
+                <a:effectLst/>
+                <a:latin typeface="微軟正黑體" panose="020B0604030504040204" pitchFamily="34" charset="-120"/>
+                <a:ea typeface="微軟正黑體" panose="020B0604030504040204" pitchFamily="34" charset="-120"/>
+              </a:rPr>
+              <a:t>傳送給伺服器端</a:t>
+            </a:r>
+          </a:p>
+          <a:p>
+            <a:pPr marL="914400" lvl="1" indent="-457200">
+              <a:buFont typeface="Arial" panose="020B0604020202020204" pitchFamily="34" charset="0"/>
+              <a:buChar char="•"/>
+            </a:pPr>
+            <a:r>
+              <a:rPr lang="zh-TW" altLang="en-US" sz="2800" b="0" i="0" dirty="0">
+                <a:solidFill>
+                  <a:srgbClr val="FFFF00"/>
+                </a:solidFill>
+                <a:effectLst/>
+                <a:latin typeface="微軟正黑體" panose="020B0604030504040204" pitchFamily="34" charset="-120"/>
+                <a:ea typeface="微軟正黑體" panose="020B0604030504040204" pitchFamily="34" charset="-120"/>
+              </a:rPr>
+              <a:t>伺服器端收到 </a:t>
+            </a:r>
+            <a:r>
+              <a:rPr lang="en-US" altLang="zh-TW" sz="2800" b="0" i="0" dirty="0">
+                <a:solidFill>
+                  <a:srgbClr val="FFFF00"/>
+                </a:solidFill>
+                <a:effectLst/>
+                <a:latin typeface="微軟正黑體" panose="020B0604030504040204" pitchFamily="34" charset="-120"/>
+                <a:ea typeface="微軟正黑體" panose="020B0604030504040204" pitchFamily="34" charset="-120"/>
+              </a:rPr>
+              <a:t>ID</a:t>
+            </a:r>
+            <a:r>
+              <a:rPr lang="zh-TW" altLang="en-US" sz="2800" b="0" i="0" dirty="0">
+                <a:solidFill>
+                  <a:srgbClr val="FFFF00"/>
+                </a:solidFill>
+                <a:effectLst/>
+                <a:latin typeface="微軟正黑體" panose="020B0604030504040204" pitchFamily="34" charset="-120"/>
+                <a:ea typeface="微軟正黑體" panose="020B0604030504040204" pitchFamily="34" charset="-120"/>
+              </a:rPr>
+              <a:t>，將產品資料 </a:t>
+            </a:r>
+            <a:r>
+              <a:rPr lang="en-US" altLang="zh-TW" sz="2800" b="0" i="0" dirty="0">
+                <a:solidFill>
+                  <a:srgbClr val="FFFF00"/>
+                </a:solidFill>
+                <a:effectLst/>
+                <a:latin typeface="微軟正黑體" panose="020B0604030504040204" pitchFamily="34" charset="-120"/>
+                <a:ea typeface="微軟正黑體" panose="020B0604030504040204" pitchFamily="34" charset="-120"/>
+              </a:rPr>
+              <a:t>(ex </a:t>
+            </a:r>
+            <a:r>
+              <a:rPr lang="zh-TW" altLang="en-US" sz="2800" b="0" i="0" dirty="0">
+                <a:solidFill>
+                  <a:srgbClr val="FFFF00"/>
+                </a:solidFill>
+                <a:effectLst/>
+                <a:latin typeface="微軟正黑體" panose="020B0604030504040204" pitchFamily="34" charset="-120"/>
+                <a:ea typeface="微軟正黑體" panose="020B0604030504040204" pitchFamily="34" charset="-120"/>
+              </a:rPr>
+              <a:t>價格</a:t>
+            </a:r>
+            <a:r>
+              <a:rPr lang="en-US" altLang="zh-TW" sz="2800" b="0" i="0" dirty="0">
+                <a:solidFill>
+                  <a:srgbClr val="FFFF00"/>
+                </a:solidFill>
+                <a:effectLst/>
+                <a:latin typeface="微軟正黑體" panose="020B0604030504040204" pitchFamily="34" charset="-120"/>
+                <a:ea typeface="微軟正黑體" panose="020B0604030504040204" pitchFamily="34" charset="-120"/>
+              </a:rPr>
+              <a:t>,</a:t>
+            </a:r>
+            <a:r>
+              <a:rPr lang="zh-TW" altLang="en-US" sz="2800" b="0" i="0" dirty="0">
+                <a:solidFill>
+                  <a:srgbClr val="FFFF00"/>
+                </a:solidFill>
+                <a:effectLst/>
+                <a:latin typeface="微軟正黑體" panose="020B0604030504040204" pitchFamily="34" charset="-120"/>
+                <a:ea typeface="微軟正黑體" panose="020B0604030504040204" pitchFamily="34" charset="-120"/>
+              </a:rPr>
+              <a:t>描述</a:t>
+            </a:r>
+            <a:r>
+              <a:rPr lang="en-US" altLang="zh-TW" sz="2800" b="0" i="0" dirty="0">
+                <a:solidFill>
+                  <a:srgbClr val="FFFF00"/>
+                </a:solidFill>
+                <a:effectLst/>
+                <a:latin typeface="微軟正黑體" panose="020B0604030504040204" pitchFamily="34" charset="-120"/>
+                <a:ea typeface="微軟正黑體" panose="020B0604030504040204" pitchFamily="34" charset="-120"/>
+              </a:rPr>
+              <a:t>) </a:t>
+            </a:r>
+            <a:r>
+              <a:rPr lang="zh-TW" altLang="en-US" sz="2800" b="0" i="0" dirty="0">
+                <a:solidFill>
+                  <a:srgbClr val="FFFF00"/>
+                </a:solidFill>
+                <a:effectLst/>
+                <a:latin typeface="微軟正黑體" panose="020B0604030504040204" pitchFamily="34" charset="-120"/>
+                <a:ea typeface="微軟正黑體" panose="020B0604030504040204" pitchFamily="34" charset="-120"/>
+              </a:rPr>
+              <a:t>編碼成 </a:t>
+            </a:r>
+            <a:r>
+              <a:rPr lang="en-US" altLang="zh-TW" sz="2800" b="0" i="0" dirty="0">
+                <a:solidFill>
+                  <a:srgbClr val="FFFF00"/>
+                </a:solidFill>
+                <a:effectLst/>
+                <a:latin typeface="微軟正黑體" panose="020B0604030504040204" pitchFamily="34" charset="-120"/>
+                <a:ea typeface="微軟正黑體" panose="020B0604030504040204" pitchFamily="34" charset="-120"/>
+              </a:rPr>
+              <a:t>JSON </a:t>
+            </a:r>
+            <a:r>
+              <a:rPr lang="zh-TW" altLang="en-US" sz="2800" b="0" i="0" dirty="0">
+                <a:solidFill>
+                  <a:srgbClr val="FFFF00"/>
+                </a:solidFill>
+                <a:effectLst/>
+                <a:latin typeface="微軟正黑體" panose="020B0604030504040204" pitchFamily="34" charset="-120"/>
+                <a:ea typeface="微軟正黑體" panose="020B0604030504040204" pitchFamily="34" charset="-120"/>
+              </a:rPr>
+              <a:t>資料，並且回傳給瀏覽器</a:t>
+            </a:r>
+          </a:p>
+          <a:p>
+            <a:pPr marL="914400" lvl="1" indent="-457200">
+              <a:buFont typeface="Arial" panose="020B0604020202020204" pitchFamily="34" charset="0"/>
+              <a:buChar char="•"/>
+            </a:pPr>
+            <a:r>
+              <a:rPr lang="en-US" altLang="zh-TW" sz="2800" b="0" i="0" dirty="0">
+                <a:solidFill>
+                  <a:srgbClr val="FFFF00"/>
+                </a:solidFill>
+                <a:effectLst/>
+                <a:latin typeface="微軟正黑體" panose="020B0604030504040204" pitchFamily="34" charset="-120"/>
+                <a:ea typeface="微軟正黑體" panose="020B0604030504040204" pitchFamily="34" charset="-120"/>
+              </a:rPr>
+              <a:t>JavaScript </a:t>
+            </a:r>
+            <a:r>
+              <a:rPr lang="zh-TW" altLang="en-US" sz="2800" b="0" i="0" dirty="0">
+                <a:solidFill>
+                  <a:srgbClr val="FFFF00"/>
+                </a:solidFill>
+                <a:effectLst/>
+                <a:latin typeface="微軟正黑體" panose="020B0604030504040204" pitchFamily="34" charset="-120"/>
+                <a:ea typeface="微軟正黑體" panose="020B0604030504040204" pitchFamily="34" charset="-120"/>
+              </a:rPr>
+              <a:t>收到 </a:t>
+            </a:r>
+            <a:r>
+              <a:rPr lang="en-US" altLang="zh-TW" sz="2800" b="0" i="0" dirty="0">
+                <a:solidFill>
+                  <a:srgbClr val="FFFF00"/>
+                </a:solidFill>
+                <a:effectLst/>
+                <a:latin typeface="微軟正黑體" panose="020B0604030504040204" pitchFamily="34" charset="-120"/>
+                <a:ea typeface="微軟正黑體" panose="020B0604030504040204" pitchFamily="34" charset="-120"/>
+              </a:rPr>
+              <a:t>JSON </a:t>
+            </a:r>
+            <a:r>
+              <a:rPr lang="zh-TW" altLang="en-US" sz="2800" b="0" i="0" dirty="0">
+                <a:solidFill>
+                  <a:srgbClr val="FFFF00"/>
+                </a:solidFill>
+                <a:effectLst/>
+                <a:latin typeface="微軟正黑體" panose="020B0604030504040204" pitchFamily="34" charset="-120"/>
+                <a:ea typeface="微軟正黑體" panose="020B0604030504040204" pitchFamily="34" charset="-120"/>
+              </a:rPr>
+              <a:t>資料，將其解碼 </a:t>
+            </a:r>
+            <a:r>
+              <a:rPr lang="en-US" altLang="zh-TW" sz="2800" b="0" i="0" dirty="0">
+                <a:solidFill>
+                  <a:srgbClr val="FFFF00"/>
+                </a:solidFill>
+                <a:effectLst/>
+                <a:latin typeface="微軟正黑體" panose="020B0604030504040204" pitchFamily="34" charset="-120"/>
+                <a:ea typeface="微軟正黑體" panose="020B0604030504040204" pitchFamily="34" charset="-120"/>
+              </a:rPr>
+              <a:t>(decode) </a:t>
+            </a:r>
+            <a:r>
+              <a:rPr lang="zh-TW" altLang="en-US" sz="2800" b="0" i="0" dirty="0">
+                <a:solidFill>
+                  <a:srgbClr val="FFFF00"/>
+                </a:solidFill>
+                <a:effectLst/>
+                <a:latin typeface="微軟正黑體" panose="020B0604030504040204" pitchFamily="34" charset="-120"/>
+                <a:ea typeface="微軟正黑體" panose="020B0604030504040204" pitchFamily="34" charset="-120"/>
+              </a:rPr>
+              <a:t>並且將資料顯示在網頁上</a:t>
+            </a:r>
+          </a:p>
+        </p:txBody>
+      </p:sp>
+    </p:spTree>
+    <p:extLst>
+      <p:ext uri="{BB962C8B-B14F-4D97-AF65-F5344CB8AC3E}">
+        <p14:creationId xmlns:p14="http://schemas.microsoft.com/office/powerpoint/2010/main" val="3979454481"/>
+      </p:ext>
+    </p:extLst>
+  </p:cSld>
+  <p:clrMapOvr>
+    <a:masterClrMapping/>
+  </p:clrMapOvr>
+  <p:transition>
+    <p:fade/>
+  </p:transition>
+</p:sld>
+</file>
+
+<file path=ppt/slides/slide38.xml><?xml version="1.0" encoding="utf-8"?>
+<p:sld xmlns:a="http://schemas.openxmlformats.org/drawingml/2006/main" xmlns:r="http://schemas.openxmlformats.org/officeDocument/2006/relationships" xmlns:p="http://schemas.openxmlformats.org/presentationml/2006/main">
+  <p:cSld>
+    <p:spTree>
+      <p:nvGrpSpPr>
+        <p:cNvPr id="1" name=""/>
+        <p:cNvGrpSpPr/>
+        <p:nvPr/>
+      </p:nvGrpSpPr>
+      <p:grpSpPr>
+        <a:xfrm>
+          <a:off x="0" y="0"/>
+          <a:ext cx="0" cy="0"/>
+          <a:chOff x="0" y="0"/>
+          <a:chExt cx="0" cy="0"/>
+        </a:xfrm>
+      </p:grpSpPr>
+      <p:pic>
+        <p:nvPicPr>
+          <p:cNvPr id="7" name="圖片 6">
+            <a:extLst>
+              <a:ext uri="{FF2B5EF4-FFF2-40B4-BE49-F238E27FC236}">
+                <a16:creationId xmlns:a16="http://schemas.microsoft.com/office/drawing/2014/main" id="{D855CC84-4E5B-B7FC-9DA7-4535DFEAFDA7}"/>
+              </a:ext>
+            </a:extLst>
+          </p:cNvPr>
+          <p:cNvPicPr>
+            <a:picLocks noChangeAspect="1"/>
+          </p:cNvPicPr>
+          <p:nvPr/>
+        </p:nvPicPr>
+        <p:blipFill>
+          <a:blip r:embed="rId2"/>
+          <a:stretch>
+            <a:fillRect/>
+          </a:stretch>
+        </p:blipFill>
+        <p:spPr>
+          <a:xfrm>
+            <a:off x="1600200" y="1066800"/>
+            <a:ext cx="6378575" cy="3733800"/>
+          </a:xfrm>
+          <a:prstGeom prst="rect">
+            <a:avLst/>
+          </a:prstGeom>
+        </p:spPr>
+      </p:pic>
+    </p:spTree>
+    <p:extLst>
+      <p:ext uri="{BB962C8B-B14F-4D97-AF65-F5344CB8AC3E}">
+        <p14:creationId xmlns:p14="http://schemas.microsoft.com/office/powerpoint/2010/main" val="1820095058"/>
+      </p:ext>
+    </p:extLst>
+  </p:cSld>
+  <p:clrMapOvr>
+    <a:masterClrMapping/>
+  </p:clrMapOvr>
+  <p:transition>
+    <p:fade/>
+  </p:transition>
+</p:sld>
+</file>
+
+<file path=ppt/slides/slide39.xml><?xml version="1.0" encoding="utf-8"?>
+<p:sld xmlns:a="http://schemas.openxmlformats.org/drawingml/2006/main" xmlns:r="http://schemas.openxmlformats.org/officeDocument/2006/relationships" xmlns:p="http://schemas.openxmlformats.org/presentationml/2006/main">
+  <p:cSld>
+    <p:spTree>
+      <p:nvGrpSpPr>
+        <p:cNvPr id="1" name=""/>
+        <p:cNvGrpSpPr/>
+        <p:nvPr/>
+      </p:nvGrpSpPr>
+      <p:grpSpPr>
+        <a:xfrm>
+          <a:off x="0" y="0"/>
+          <a:ext cx="0" cy="0"/>
+          <a:chOff x="0" y="0"/>
+          <a:chExt cx="0" cy="0"/>
+        </a:xfrm>
+      </p:grpSpPr>
+      <p:pic>
+        <p:nvPicPr>
+          <p:cNvPr id="7" name="圖片 6">
+            <a:extLst>
+              <a:ext uri="{FF2B5EF4-FFF2-40B4-BE49-F238E27FC236}">
+                <a16:creationId xmlns:a16="http://schemas.microsoft.com/office/drawing/2014/main" id="{4B2BF193-BA8F-083E-220E-9CA14765A8A0}"/>
+              </a:ext>
+            </a:extLst>
+          </p:cNvPr>
+          <p:cNvPicPr>
+            <a:picLocks noChangeAspect="1"/>
+          </p:cNvPicPr>
+          <p:nvPr/>
+        </p:nvPicPr>
+        <p:blipFill>
+          <a:blip r:embed="rId2"/>
+          <a:stretch>
+            <a:fillRect/>
+          </a:stretch>
+        </p:blipFill>
+        <p:spPr>
+          <a:xfrm>
+            <a:off x="2528887" y="2047875"/>
+            <a:ext cx="4086225" cy="2762250"/>
+          </a:xfrm>
+          <a:prstGeom prst="rect">
+            <a:avLst/>
+          </a:prstGeom>
+        </p:spPr>
+      </p:pic>
+    </p:spTree>
+    <p:extLst>
+      <p:ext uri="{BB962C8B-B14F-4D97-AF65-F5344CB8AC3E}">
+        <p14:creationId xmlns:p14="http://schemas.microsoft.com/office/powerpoint/2010/main" val="1717113817"/>
+      </p:ext>
+    </p:extLst>
+  </p:cSld>
+  <p:clrMapOvr>
+    <a:masterClrMapping/>
+  </p:clrMapOvr>
+  <p:transition>
+    <p:fade/>
+  </p:transition>
+</p:sld>
+</file>
+
 <file path=ppt/slides/slide4.xml><?xml version="1.0" encoding="utf-8"?>
 <p:sld xmlns:a="http://schemas.openxmlformats.org/drawingml/2006/main" xmlns:r="http://schemas.openxmlformats.org/officeDocument/2006/relationships" xmlns:p="http://schemas.openxmlformats.org/presentationml/2006/main">
   <p:cSld>
@@ -18122,6 +20659,384 @@
     <p:extLst>
       <p:ext uri="{BB962C8B-B14F-4D97-AF65-F5344CB8AC3E}">
         <p14:creationId xmlns:p14="http://schemas.microsoft.com/office/powerpoint/2010/main" val="2661279125"/>
+      </p:ext>
+    </p:extLst>
+  </p:cSld>
+  <p:clrMapOvr>
+    <a:masterClrMapping/>
+  </p:clrMapOvr>
+  <p:transition>
+    <p:fade/>
+  </p:transition>
+</p:sld>
+</file>
+
+<file path=ppt/slides/slide40.xml><?xml version="1.0" encoding="utf-8"?>
+<p:sld xmlns:a="http://schemas.openxmlformats.org/drawingml/2006/main" xmlns:r="http://schemas.openxmlformats.org/officeDocument/2006/relationships" xmlns:p="http://schemas.openxmlformats.org/presentationml/2006/main">
+  <p:cSld>
+    <p:spTree>
+      <p:nvGrpSpPr>
+        <p:cNvPr id="1" name=""/>
+        <p:cNvGrpSpPr/>
+        <p:nvPr/>
+      </p:nvGrpSpPr>
+      <p:grpSpPr>
+        <a:xfrm>
+          <a:off x="0" y="0"/>
+          <a:ext cx="0" cy="0"/>
+          <a:chOff x="0" y="0"/>
+          <a:chExt cx="0" cy="0"/>
+        </a:xfrm>
+      </p:grpSpPr>
+      <p:pic>
+        <p:nvPicPr>
+          <p:cNvPr id="7" name="圖片 6">
+            <a:extLst>
+              <a:ext uri="{FF2B5EF4-FFF2-40B4-BE49-F238E27FC236}">
+                <a16:creationId xmlns:a16="http://schemas.microsoft.com/office/drawing/2014/main" id="{287C963F-2997-F4CF-AF2F-351038FECF91}"/>
+              </a:ext>
+            </a:extLst>
+          </p:cNvPr>
+          <p:cNvPicPr>
+            <a:picLocks noChangeAspect="1"/>
+          </p:cNvPicPr>
+          <p:nvPr/>
+        </p:nvPicPr>
+        <p:blipFill>
+          <a:blip r:embed="rId2"/>
+          <a:stretch>
+            <a:fillRect/>
+          </a:stretch>
+        </p:blipFill>
+        <p:spPr>
+          <a:xfrm>
+            <a:off x="2133600" y="1814512"/>
+            <a:ext cx="4876800" cy="3228975"/>
+          </a:xfrm>
+          <a:prstGeom prst="rect">
+            <a:avLst/>
+          </a:prstGeom>
+        </p:spPr>
+      </p:pic>
+    </p:spTree>
+    <p:extLst>
+      <p:ext uri="{BB962C8B-B14F-4D97-AF65-F5344CB8AC3E}">
+        <p14:creationId xmlns:p14="http://schemas.microsoft.com/office/powerpoint/2010/main" val="383867348"/>
+      </p:ext>
+    </p:extLst>
+  </p:cSld>
+  <p:clrMapOvr>
+    <a:masterClrMapping/>
+  </p:clrMapOvr>
+  <p:transition>
+    <p:fade/>
+  </p:transition>
+</p:sld>
+</file>
+
+<file path=ppt/slides/slide41.xml><?xml version="1.0" encoding="utf-8"?>
+<p:sld xmlns:a="http://schemas.openxmlformats.org/drawingml/2006/main" xmlns:r="http://schemas.openxmlformats.org/officeDocument/2006/relationships" xmlns:p="http://schemas.openxmlformats.org/presentationml/2006/main">
+  <p:cSld>
+    <p:spTree>
+      <p:nvGrpSpPr>
+        <p:cNvPr id="1" name=""/>
+        <p:cNvGrpSpPr/>
+        <p:nvPr/>
+      </p:nvGrpSpPr>
+      <p:grpSpPr>
+        <a:xfrm>
+          <a:off x="0" y="0"/>
+          <a:ext cx="0" cy="0"/>
+          <a:chOff x="0" y="0"/>
+          <a:chExt cx="0" cy="0"/>
+        </a:xfrm>
+      </p:grpSpPr>
+      <p:pic>
+        <p:nvPicPr>
+          <p:cNvPr id="7" name="圖片 6">
+            <a:extLst>
+              <a:ext uri="{FF2B5EF4-FFF2-40B4-BE49-F238E27FC236}">
+                <a16:creationId xmlns:a16="http://schemas.microsoft.com/office/drawing/2014/main" id="{A0A2DE47-0DF9-A090-D11E-383D7B1A33E8}"/>
+              </a:ext>
+            </a:extLst>
+          </p:cNvPr>
+          <p:cNvPicPr>
+            <a:picLocks noChangeAspect="1"/>
+          </p:cNvPicPr>
+          <p:nvPr/>
+        </p:nvPicPr>
+        <p:blipFill>
+          <a:blip r:embed="rId2"/>
+          <a:stretch>
+            <a:fillRect/>
+          </a:stretch>
+        </p:blipFill>
+        <p:spPr>
+          <a:xfrm>
+            <a:off x="2581275" y="1585912"/>
+            <a:ext cx="3981450" cy="3686175"/>
+          </a:xfrm>
+          <a:prstGeom prst="rect">
+            <a:avLst/>
+          </a:prstGeom>
+        </p:spPr>
+      </p:pic>
+    </p:spTree>
+    <p:extLst>
+      <p:ext uri="{BB962C8B-B14F-4D97-AF65-F5344CB8AC3E}">
+        <p14:creationId xmlns:p14="http://schemas.microsoft.com/office/powerpoint/2010/main" val="4213962198"/>
+      </p:ext>
+    </p:extLst>
+  </p:cSld>
+  <p:clrMapOvr>
+    <a:masterClrMapping/>
+  </p:clrMapOvr>
+  <p:transition>
+    <p:fade/>
+  </p:transition>
+</p:sld>
+</file>
+
+<file path=ppt/slides/slide42.xml><?xml version="1.0" encoding="utf-8"?>
+<p:sld xmlns:a="http://schemas.openxmlformats.org/drawingml/2006/main" xmlns:r="http://schemas.openxmlformats.org/officeDocument/2006/relationships" xmlns:p="http://schemas.openxmlformats.org/presentationml/2006/main">
+  <p:cSld>
+    <p:spTree>
+      <p:nvGrpSpPr>
+        <p:cNvPr id="1" name=""/>
+        <p:cNvGrpSpPr/>
+        <p:nvPr/>
+      </p:nvGrpSpPr>
+      <p:grpSpPr>
+        <a:xfrm>
+          <a:off x="0" y="0"/>
+          <a:ext cx="0" cy="0"/>
+          <a:chOff x="0" y="0"/>
+          <a:chExt cx="0" cy="0"/>
+        </a:xfrm>
+      </p:grpSpPr>
+      <p:pic>
+        <p:nvPicPr>
+          <p:cNvPr id="7" name="圖片 6">
+            <a:extLst>
+              <a:ext uri="{FF2B5EF4-FFF2-40B4-BE49-F238E27FC236}">
+                <a16:creationId xmlns:a16="http://schemas.microsoft.com/office/drawing/2014/main" id="{DFDA9CDF-148A-67FC-2B9B-90EDCEE02E3F}"/>
+              </a:ext>
+            </a:extLst>
+          </p:cNvPr>
+          <p:cNvPicPr>
+            <a:picLocks noChangeAspect="1"/>
+          </p:cNvPicPr>
+          <p:nvPr/>
+        </p:nvPicPr>
+        <p:blipFill>
+          <a:blip r:embed="rId2"/>
+          <a:stretch>
+            <a:fillRect/>
+          </a:stretch>
+        </p:blipFill>
+        <p:spPr>
+          <a:xfrm>
+            <a:off x="2686050" y="2119312"/>
+            <a:ext cx="3771900" cy="2619375"/>
+          </a:xfrm>
+          <a:prstGeom prst="rect">
+            <a:avLst/>
+          </a:prstGeom>
+        </p:spPr>
+      </p:pic>
+    </p:spTree>
+    <p:extLst>
+      <p:ext uri="{BB962C8B-B14F-4D97-AF65-F5344CB8AC3E}">
+        <p14:creationId xmlns:p14="http://schemas.microsoft.com/office/powerpoint/2010/main" val="3013537465"/>
+      </p:ext>
+    </p:extLst>
+  </p:cSld>
+  <p:clrMapOvr>
+    <a:masterClrMapping/>
+  </p:clrMapOvr>
+  <p:transition>
+    <p:fade/>
+  </p:transition>
+</p:sld>
+</file>
+
+<file path=ppt/slides/slide43.xml><?xml version="1.0" encoding="utf-8"?>
+<p:sld xmlns:a="http://schemas.openxmlformats.org/drawingml/2006/main" xmlns:r="http://schemas.openxmlformats.org/officeDocument/2006/relationships" xmlns:p="http://schemas.openxmlformats.org/presentationml/2006/main">
+  <p:cSld>
+    <p:spTree>
+      <p:nvGrpSpPr>
+        <p:cNvPr id="1" name=""/>
+        <p:cNvGrpSpPr/>
+        <p:nvPr/>
+      </p:nvGrpSpPr>
+      <p:grpSpPr>
+        <a:xfrm>
+          <a:off x="0" y="0"/>
+          <a:ext cx="0" cy="0"/>
+          <a:chOff x="0" y="0"/>
+          <a:chExt cx="0" cy="0"/>
+        </a:xfrm>
+      </p:grpSpPr>
+      <p:pic>
+        <p:nvPicPr>
+          <p:cNvPr id="7" name="圖片 6">
+            <a:extLst>
+              <a:ext uri="{FF2B5EF4-FFF2-40B4-BE49-F238E27FC236}">
+                <a16:creationId xmlns:a16="http://schemas.microsoft.com/office/drawing/2014/main" id="{37521BCE-6DF2-0FEC-D98E-DD30EE7095E0}"/>
+              </a:ext>
+            </a:extLst>
+          </p:cNvPr>
+          <p:cNvPicPr>
+            <a:picLocks noChangeAspect="1"/>
+          </p:cNvPicPr>
+          <p:nvPr/>
+        </p:nvPicPr>
+        <p:blipFill>
+          <a:blip r:embed="rId2"/>
+          <a:stretch>
+            <a:fillRect/>
+          </a:stretch>
+        </p:blipFill>
+        <p:spPr>
+          <a:xfrm>
+            <a:off x="438150" y="733425"/>
+            <a:ext cx="8267700" cy="5391150"/>
+          </a:xfrm>
+          <a:prstGeom prst="rect">
+            <a:avLst/>
+          </a:prstGeom>
+        </p:spPr>
+      </p:pic>
+    </p:spTree>
+    <p:extLst>
+      <p:ext uri="{BB962C8B-B14F-4D97-AF65-F5344CB8AC3E}">
+        <p14:creationId xmlns:p14="http://schemas.microsoft.com/office/powerpoint/2010/main" val="3372121668"/>
+      </p:ext>
+    </p:extLst>
+  </p:cSld>
+  <p:clrMapOvr>
+    <a:masterClrMapping/>
+  </p:clrMapOvr>
+  <p:transition>
+    <p:fade/>
+  </p:transition>
+</p:sld>
+</file>
+
+<file path=ppt/slides/slide44.xml><?xml version="1.0" encoding="utf-8"?>
+<p:sld xmlns:a="http://schemas.openxmlformats.org/drawingml/2006/main" xmlns:r="http://schemas.openxmlformats.org/officeDocument/2006/relationships" xmlns:p="http://schemas.openxmlformats.org/presentationml/2006/main">
+  <p:cSld>
+    <p:spTree>
+      <p:nvGrpSpPr>
+        <p:cNvPr id="1" name=""/>
+        <p:cNvGrpSpPr/>
+        <p:nvPr/>
+      </p:nvGrpSpPr>
+      <p:grpSpPr>
+        <a:xfrm>
+          <a:off x="0" y="0"/>
+          <a:ext cx="0" cy="0"/>
+          <a:chOff x="0" y="0"/>
+          <a:chExt cx="0" cy="0"/>
+        </a:xfrm>
+      </p:grpSpPr>
+      <p:pic>
+        <p:nvPicPr>
+          <p:cNvPr id="7" name="圖片 6">
+            <a:extLst>
+              <a:ext uri="{FF2B5EF4-FFF2-40B4-BE49-F238E27FC236}">
+                <a16:creationId xmlns:a16="http://schemas.microsoft.com/office/drawing/2014/main" id="{7465CCC8-37E8-CA97-DF95-80A4E6145C12}"/>
+              </a:ext>
+            </a:extLst>
+          </p:cNvPr>
+          <p:cNvPicPr>
+            <a:picLocks noChangeAspect="1"/>
+          </p:cNvPicPr>
+          <p:nvPr/>
+        </p:nvPicPr>
+        <p:blipFill>
+          <a:blip r:embed="rId2"/>
+          <a:stretch>
+            <a:fillRect/>
+          </a:stretch>
+        </p:blipFill>
+        <p:spPr>
+          <a:xfrm>
+            <a:off x="633412" y="1404937"/>
+            <a:ext cx="7877175" cy="4048125"/>
+          </a:xfrm>
+          <a:prstGeom prst="rect">
+            <a:avLst/>
+          </a:prstGeom>
+        </p:spPr>
+      </p:pic>
+    </p:spTree>
+    <p:extLst>
+      <p:ext uri="{BB962C8B-B14F-4D97-AF65-F5344CB8AC3E}">
+        <p14:creationId xmlns:p14="http://schemas.microsoft.com/office/powerpoint/2010/main" val="1012194306"/>
+      </p:ext>
+    </p:extLst>
+  </p:cSld>
+  <p:clrMapOvr>
+    <a:masterClrMapping/>
+  </p:clrMapOvr>
+  <p:transition>
+    <p:fade/>
+  </p:transition>
+</p:sld>
+</file>
+
+<file path=ppt/slides/slide45.xml><?xml version="1.0" encoding="utf-8"?>
+<p:sld xmlns:a="http://schemas.openxmlformats.org/drawingml/2006/main" xmlns:r="http://schemas.openxmlformats.org/officeDocument/2006/relationships" xmlns:p="http://schemas.openxmlformats.org/presentationml/2006/main">
+  <p:cSld>
+    <p:spTree>
+      <p:nvGrpSpPr>
+        <p:cNvPr id="1" name=""/>
+        <p:cNvGrpSpPr/>
+        <p:nvPr/>
+      </p:nvGrpSpPr>
+      <p:grpSpPr>
+        <a:xfrm>
+          <a:off x="0" y="0"/>
+          <a:ext cx="0" cy="0"/>
+          <a:chOff x="0" y="0"/>
+          <a:chExt cx="0" cy="0"/>
+        </a:xfrm>
+      </p:grpSpPr>
+      <p:pic>
+        <p:nvPicPr>
+          <p:cNvPr id="7" name="圖片 6">
+            <a:extLst>
+              <a:ext uri="{FF2B5EF4-FFF2-40B4-BE49-F238E27FC236}">
+                <a16:creationId xmlns:a16="http://schemas.microsoft.com/office/drawing/2014/main" id="{A791FA76-F477-CB7A-E44D-869AE4CA5C81}"/>
+              </a:ext>
+            </a:extLst>
+          </p:cNvPr>
+          <p:cNvPicPr>
+            <a:picLocks noChangeAspect="1"/>
+          </p:cNvPicPr>
+          <p:nvPr/>
+        </p:nvPicPr>
+        <p:blipFill>
+          <a:blip r:embed="rId2"/>
+          <a:stretch>
+            <a:fillRect/>
+          </a:stretch>
+        </p:blipFill>
+        <p:spPr>
+          <a:xfrm>
+            <a:off x="815363" y="1295400"/>
+            <a:ext cx="7513273" cy="3733800"/>
+          </a:xfrm>
+          <a:prstGeom prst="rect">
+            <a:avLst/>
+          </a:prstGeom>
+        </p:spPr>
+      </p:pic>
+    </p:spTree>
+    <p:extLst>
+      <p:ext uri="{BB962C8B-B14F-4D97-AF65-F5344CB8AC3E}">
+        <p14:creationId xmlns:p14="http://schemas.microsoft.com/office/powerpoint/2010/main" val="4243152455"/>
       </p:ext>
     </p:extLst>
   </p:cSld>

--- a/Slides/05. 基礎觀念及知識.pptx
+++ b/Slides/05. 基礎觀念及知識.pptx
@@ -6,7 +6,7 @@
     <p:sldMasterId id="2147483660" r:id="rId2"/>
   </p:sldMasterIdLst>
   <p:notesMasterIdLst>
-    <p:notesMasterId r:id="rId48"/>
+    <p:notesMasterId r:id="rId53"/>
   </p:notesMasterIdLst>
   <p:sldIdLst>
     <p:sldId id="681" r:id="rId3"/>
@@ -42,18 +42,23 @@
     <p:sldId id="877" r:id="rId33"/>
     <p:sldId id="878" r:id="rId34"/>
     <p:sldId id="879" r:id="rId35"/>
-    <p:sldId id="887" r:id="rId36"/>
-    <p:sldId id="888" r:id="rId37"/>
-    <p:sldId id="889" r:id="rId38"/>
-    <p:sldId id="890" r:id="rId39"/>
-    <p:sldId id="891" r:id="rId40"/>
-    <p:sldId id="892" r:id="rId41"/>
-    <p:sldId id="893" r:id="rId42"/>
-    <p:sldId id="894" r:id="rId43"/>
-    <p:sldId id="895" r:id="rId44"/>
-    <p:sldId id="896" r:id="rId45"/>
-    <p:sldId id="897" r:id="rId46"/>
-    <p:sldId id="898" r:id="rId47"/>
+    <p:sldId id="1384" r:id="rId36"/>
+    <p:sldId id="1385" r:id="rId37"/>
+    <p:sldId id="887" r:id="rId38"/>
+    <p:sldId id="888" r:id="rId39"/>
+    <p:sldId id="889" r:id="rId40"/>
+    <p:sldId id="890" r:id="rId41"/>
+    <p:sldId id="891" r:id="rId42"/>
+    <p:sldId id="892" r:id="rId43"/>
+    <p:sldId id="893" r:id="rId44"/>
+    <p:sldId id="894" r:id="rId45"/>
+    <p:sldId id="895" r:id="rId46"/>
+    <p:sldId id="896" r:id="rId47"/>
+    <p:sldId id="897" r:id="rId48"/>
+    <p:sldId id="898" r:id="rId49"/>
+    <p:sldId id="1386" r:id="rId50"/>
+    <p:sldId id="1387" r:id="rId51"/>
+    <p:sldId id="1388" r:id="rId52"/>
   </p:sldIdLst>
   <p:sldSz cx="9144000" cy="6858000" type="screen4x3"/>
   <p:notesSz cx="6858000" cy="9144000"/>
@@ -242,7 +247,7 @@
           <a:p>
             <a:fld id="{90CC8E63-1016-4C78-A51D-85D69DBCD8EF}" type="datetimeFigureOut">
               <a:rPr lang="zh-TW" altLang="en-US" smtClean="0"/>
-              <a:t>2024/5/12</a:t>
+              <a:t>2024/5/14</a:t>
             </a:fld>
             <a:endParaRPr lang="zh-TW" altLang="en-US"/>
           </a:p>
@@ -1391,16 +1396,42 @@
             <p:ph type="sldImg"/>
           </p:nvPr>
         </p:nvSpPr>
+        <p:spPr>
+          <a:xfrm>
+            <a:off x="1371600" y="1143000"/>
+            <a:ext cx="4114800" cy="3086100"/>
+          </a:xfrm>
+        </p:spPr>
+      </p:sp>
+      <p:sp>
+        <p:nvSpPr>
+          <p:cNvPr id="3" name="備忘稿版面配置區 2"/>
+          <p:cNvSpPr>
+            <a:spLocks noGrp="1"/>
+          </p:cNvSpPr>
+          <p:nvPr>
+            <p:ph type="body" idx="1"/>
+          </p:nvPr>
+        </p:nvSpPr>
         <p:spPr/>
-      </p:sp>
-      <p:sp>
-        <p:nvSpPr>
-          <p:cNvPr id="3" name="備忘稿版面配置區 2"/>
-          <p:cNvSpPr>
-            <a:spLocks noGrp="1"/>
-          </p:cNvSpPr>
-          <p:nvPr>
-            <p:ph type="body" idx="1"/>
+        <p:txBody>
+          <a:bodyPr>
+            <a:normAutofit/>
+          </a:bodyPr>
+          <a:lstStyle/>
+          <a:p>
+            <a:endParaRPr lang="zh-TW" altLang="en-US" dirty="0"/>
+          </a:p>
+        </p:txBody>
+      </p:sp>
+      <p:sp>
+        <p:nvSpPr>
+          <p:cNvPr id="4" name="投影片編號版面配置區 3"/>
+          <p:cNvSpPr>
+            <a:spLocks noGrp="1"/>
+          </p:cNvSpPr>
+          <p:nvPr>
+            <p:ph type="sldNum" sz="quarter" idx="10"/>
           </p:nvPr>
         </p:nvSpPr>
         <p:spPr/>
@@ -1408,38 +1439,78 @@
           <a:bodyPr/>
           <a:lstStyle/>
           <a:p>
-            <a:endParaRPr lang="zh-TW" altLang="en-US" dirty="0"/>
-          </a:p>
-        </p:txBody>
-      </p:sp>
-      <p:sp>
-        <p:nvSpPr>
-          <p:cNvPr id="4" name="投影片編號版面配置區 3"/>
-          <p:cNvSpPr>
-            <a:spLocks noGrp="1"/>
-          </p:cNvSpPr>
-          <p:nvPr>
-            <p:ph type="sldNum" sz="quarter" idx="10"/>
-          </p:nvPr>
-        </p:nvSpPr>
-        <p:spPr/>
-        <p:txBody>
-          <a:bodyPr/>
-          <a:lstStyle/>
-          <a:p>
+            <a:pPr marL="0" marR="0" lvl="0" indent="0" algn="r" defTabSz="914400" rtl="0" eaLnBrk="1" fontAlgn="auto" latinLnBrk="0" hangingPunct="1">
+              <a:lnSpc>
+                <a:spcPct val="100000"/>
+              </a:lnSpc>
+              <a:spcBef>
+                <a:spcPts val="0"/>
+              </a:spcBef>
+              <a:spcAft>
+                <a:spcPts val="0"/>
+              </a:spcAft>
+              <a:buClrTx/>
+              <a:buSzTx/>
+              <a:buFontTx/>
+              <a:buNone/>
+              <a:tabLst/>
+              <a:defRPr/>
+            </a:pPr>
             <a:fld id="{9B26CD33-4337-4529-948A-94F6960B2374}" type="slidenum">
-              <a:rPr lang="en-US" smtClean="0"/>
-              <a:pPr/>
+              <a:rPr kumimoji="0" lang="en-US" sz="1200" b="0" i="0" u="none" strike="noStrike" kern="1200" cap="none" spc="0" normalizeH="0" baseline="0" noProof="0" smtClean="0">
+                <a:ln>
+                  <a:noFill/>
+                </a:ln>
+                <a:solidFill>
+                  <a:prstClr val="black"/>
+                </a:solidFill>
+                <a:effectLst/>
+                <a:uLnTx/>
+                <a:uFillTx/>
+                <a:latin typeface="Calibri"/>
+                <a:ea typeface="+mn-ea"/>
+                <a:cs typeface="+mn-cs"/>
+              </a:rPr>
+              <a:pPr marL="0" marR="0" lvl="0" indent="0" algn="r" defTabSz="914400" rtl="0" eaLnBrk="1" fontAlgn="auto" latinLnBrk="0" hangingPunct="1">
+                <a:lnSpc>
+                  <a:spcPct val="100000"/>
+                </a:lnSpc>
+                <a:spcBef>
+                  <a:spcPts val="0"/>
+                </a:spcBef>
+                <a:spcAft>
+                  <a:spcPts val="0"/>
+                </a:spcAft>
+                <a:buClrTx/>
+                <a:buSzTx/>
+                <a:buFontTx/>
+                <a:buNone/>
+                <a:tabLst/>
+                <a:defRPr/>
+              </a:pPr>
               <a:t>34</a:t>
             </a:fld>
-            <a:endParaRPr lang="en-US" dirty="0"/>
+            <a:endParaRPr kumimoji="0" lang="en-US" sz="1200" b="0" i="0" u="none" strike="noStrike" kern="1200" cap="none" spc="0" normalizeH="0" baseline="0" noProof="0" dirty="0">
+              <a:ln>
+                <a:noFill/>
+              </a:ln>
+              <a:solidFill>
+                <a:prstClr val="black"/>
+              </a:solidFill>
+              <a:effectLst/>
+              <a:uLnTx/>
+              <a:uFillTx/>
+              <a:latin typeface="Calibri"/>
+              <a:ea typeface="+mn-ea"/>
+              <a:cs typeface="+mn-cs"/>
+            </a:endParaRPr>
           </a:p>
         </p:txBody>
       </p:sp>
     </p:spTree>
     <p:extLst>
       <p:ext uri="{BB962C8B-B14F-4D97-AF65-F5344CB8AC3E}">
-        <p14:creationId xmlns:p14="http://schemas.microsoft.com/office/powerpoint/2010/main" val="3771957476"/>
+        <p14:creationId xmlns:p14="http://schemas.microsoft.com/office/powerpoint/2010/main" val="940325043"/>
       </p:ext>
     </p:extLst>
   </p:cSld>
@@ -1476,16 +1547,42 @@
             <p:ph type="sldImg"/>
           </p:nvPr>
         </p:nvSpPr>
+        <p:spPr>
+          <a:xfrm>
+            <a:off x="1371600" y="1143000"/>
+            <a:ext cx="4114800" cy="3086100"/>
+          </a:xfrm>
+        </p:spPr>
+      </p:sp>
+      <p:sp>
+        <p:nvSpPr>
+          <p:cNvPr id="3" name="備忘稿版面配置區 2"/>
+          <p:cNvSpPr>
+            <a:spLocks noGrp="1"/>
+          </p:cNvSpPr>
+          <p:nvPr>
+            <p:ph type="body" idx="1"/>
+          </p:nvPr>
+        </p:nvSpPr>
         <p:spPr/>
-      </p:sp>
-      <p:sp>
-        <p:nvSpPr>
-          <p:cNvPr id="3" name="備忘稿版面配置區 2"/>
-          <p:cNvSpPr>
-            <a:spLocks noGrp="1"/>
-          </p:cNvSpPr>
-          <p:nvPr>
-            <p:ph type="body" idx="1"/>
+        <p:txBody>
+          <a:bodyPr>
+            <a:normAutofit/>
+          </a:bodyPr>
+          <a:lstStyle/>
+          <a:p>
+            <a:endParaRPr lang="zh-TW" altLang="en-US" dirty="0"/>
+          </a:p>
+        </p:txBody>
+      </p:sp>
+      <p:sp>
+        <p:nvSpPr>
+          <p:cNvPr id="4" name="投影片編號版面配置區 3"/>
+          <p:cNvSpPr>
+            <a:spLocks noGrp="1"/>
+          </p:cNvSpPr>
+          <p:nvPr>
+            <p:ph type="sldNum" sz="quarter" idx="10"/>
           </p:nvPr>
         </p:nvSpPr>
         <p:spPr/>
@@ -1493,38 +1590,78 @@
           <a:bodyPr/>
           <a:lstStyle/>
           <a:p>
-            <a:endParaRPr lang="zh-TW" altLang="en-US" dirty="0"/>
-          </a:p>
-        </p:txBody>
-      </p:sp>
-      <p:sp>
-        <p:nvSpPr>
-          <p:cNvPr id="4" name="投影片編號版面配置區 3"/>
-          <p:cNvSpPr>
-            <a:spLocks noGrp="1"/>
-          </p:cNvSpPr>
-          <p:nvPr>
-            <p:ph type="sldNum" sz="quarter" idx="10"/>
-          </p:nvPr>
-        </p:nvSpPr>
-        <p:spPr/>
-        <p:txBody>
-          <a:bodyPr/>
-          <a:lstStyle/>
-          <a:p>
+            <a:pPr marL="0" marR="0" lvl="0" indent="0" algn="r" defTabSz="914400" rtl="0" eaLnBrk="1" fontAlgn="auto" latinLnBrk="0" hangingPunct="1">
+              <a:lnSpc>
+                <a:spcPct val="100000"/>
+              </a:lnSpc>
+              <a:spcBef>
+                <a:spcPts val="0"/>
+              </a:spcBef>
+              <a:spcAft>
+                <a:spcPts val="0"/>
+              </a:spcAft>
+              <a:buClrTx/>
+              <a:buSzTx/>
+              <a:buFontTx/>
+              <a:buNone/>
+              <a:tabLst/>
+              <a:defRPr/>
+            </a:pPr>
             <a:fld id="{9B26CD33-4337-4529-948A-94F6960B2374}" type="slidenum">
-              <a:rPr lang="en-US" smtClean="0"/>
-              <a:pPr/>
+              <a:rPr kumimoji="0" lang="en-US" sz="1200" b="0" i="0" u="none" strike="noStrike" kern="1200" cap="none" spc="0" normalizeH="0" baseline="0" noProof="0" smtClean="0">
+                <a:ln>
+                  <a:noFill/>
+                </a:ln>
+                <a:solidFill>
+                  <a:prstClr val="black"/>
+                </a:solidFill>
+                <a:effectLst/>
+                <a:uLnTx/>
+                <a:uFillTx/>
+                <a:latin typeface="Calibri"/>
+                <a:ea typeface="+mn-ea"/>
+                <a:cs typeface="+mn-cs"/>
+              </a:rPr>
+              <a:pPr marL="0" marR="0" lvl="0" indent="0" algn="r" defTabSz="914400" rtl="0" eaLnBrk="1" fontAlgn="auto" latinLnBrk="0" hangingPunct="1">
+                <a:lnSpc>
+                  <a:spcPct val="100000"/>
+                </a:lnSpc>
+                <a:spcBef>
+                  <a:spcPts val="0"/>
+                </a:spcBef>
+                <a:spcAft>
+                  <a:spcPts val="0"/>
+                </a:spcAft>
+                <a:buClrTx/>
+                <a:buSzTx/>
+                <a:buFontTx/>
+                <a:buNone/>
+                <a:tabLst/>
+                <a:defRPr/>
+              </a:pPr>
               <a:t>35</a:t>
             </a:fld>
-            <a:endParaRPr lang="en-US" dirty="0"/>
+            <a:endParaRPr kumimoji="0" lang="en-US" sz="1200" b="0" i="0" u="none" strike="noStrike" kern="1200" cap="none" spc="0" normalizeH="0" baseline="0" noProof="0" dirty="0">
+              <a:ln>
+                <a:noFill/>
+              </a:ln>
+              <a:solidFill>
+                <a:prstClr val="black"/>
+              </a:solidFill>
+              <a:effectLst/>
+              <a:uLnTx/>
+              <a:uFillTx/>
+              <a:latin typeface="Calibri"/>
+              <a:ea typeface="+mn-ea"/>
+              <a:cs typeface="+mn-cs"/>
+            </a:endParaRPr>
           </a:p>
         </p:txBody>
       </p:sp>
     </p:spTree>
     <p:extLst>
       <p:ext uri="{BB962C8B-B14F-4D97-AF65-F5344CB8AC3E}">
-        <p14:creationId xmlns:p14="http://schemas.microsoft.com/office/powerpoint/2010/main" val="2409794574"/>
+        <p14:creationId xmlns:p14="http://schemas.microsoft.com/office/powerpoint/2010/main" val="3948210558"/>
       </p:ext>
     </p:extLst>
   </p:cSld>
@@ -1609,7 +1746,7 @@
     </p:spTree>
     <p:extLst>
       <p:ext uri="{BB962C8B-B14F-4D97-AF65-F5344CB8AC3E}">
-        <p14:creationId xmlns:p14="http://schemas.microsoft.com/office/powerpoint/2010/main" val="1299395394"/>
+        <p14:creationId xmlns:p14="http://schemas.microsoft.com/office/powerpoint/2010/main" val="3771957476"/>
       </p:ext>
     </p:extLst>
   </p:cSld>
@@ -1694,7 +1831,7 @@
     </p:spTree>
     <p:extLst>
       <p:ext uri="{BB962C8B-B14F-4D97-AF65-F5344CB8AC3E}">
-        <p14:creationId xmlns:p14="http://schemas.microsoft.com/office/powerpoint/2010/main" val="2255570356"/>
+        <p14:creationId xmlns:p14="http://schemas.microsoft.com/office/powerpoint/2010/main" val="2409794574"/>
       </p:ext>
     </p:extLst>
   </p:cSld>
@@ -1844,6 +1981,629 @@
     <p:extLst>
       <p:ext uri="{BB962C8B-B14F-4D97-AF65-F5344CB8AC3E}">
         <p14:creationId xmlns:p14="http://schemas.microsoft.com/office/powerpoint/2010/main" val="1851208340"/>
+      </p:ext>
+    </p:extLst>
+  </p:cSld>
+  <p:clrMapOvr>
+    <a:masterClrMapping/>
+  </p:clrMapOvr>
+</p:notes>
+</file>
+
+<file path=ppt/notesSlides/notesSlide20.xml><?xml version="1.0" encoding="utf-8"?>
+<p:notes xmlns:a="http://schemas.openxmlformats.org/drawingml/2006/main" xmlns:r="http://schemas.openxmlformats.org/officeDocument/2006/relationships" xmlns:p="http://schemas.openxmlformats.org/presentationml/2006/main">
+  <p:cSld>
+    <p:spTree>
+      <p:nvGrpSpPr>
+        <p:cNvPr id="1" name=""/>
+        <p:cNvGrpSpPr/>
+        <p:nvPr/>
+      </p:nvGrpSpPr>
+      <p:grpSpPr>
+        <a:xfrm>
+          <a:off x="0" y="0"/>
+          <a:ext cx="0" cy="0"/>
+          <a:chOff x="0" y="0"/>
+          <a:chExt cx="0" cy="0"/>
+        </a:xfrm>
+      </p:grpSpPr>
+      <p:sp>
+        <p:nvSpPr>
+          <p:cNvPr id="2" name="投影片圖像版面配置區 1"/>
+          <p:cNvSpPr>
+            <a:spLocks noGrp="1" noRot="1" noChangeAspect="1"/>
+          </p:cNvSpPr>
+          <p:nvPr>
+            <p:ph type="sldImg"/>
+          </p:nvPr>
+        </p:nvSpPr>
+        <p:spPr/>
+      </p:sp>
+      <p:sp>
+        <p:nvSpPr>
+          <p:cNvPr id="3" name="備忘稿版面配置區 2"/>
+          <p:cNvSpPr>
+            <a:spLocks noGrp="1"/>
+          </p:cNvSpPr>
+          <p:nvPr>
+            <p:ph type="body" idx="1"/>
+          </p:nvPr>
+        </p:nvSpPr>
+        <p:spPr/>
+        <p:txBody>
+          <a:bodyPr/>
+          <a:lstStyle/>
+          <a:p>
+            <a:endParaRPr lang="zh-TW" altLang="en-US" dirty="0"/>
+          </a:p>
+        </p:txBody>
+      </p:sp>
+      <p:sp>
+        <p:nvSpPr>
+          <p:cNvPr id="4" name="投影片編號版面配置區 3"/>
+          <p:cNvSpPr>
+            <a:spLocks noGrp="1"/>
+          </p:cNvSpPr>
+          <p:nvPr>
+            <p:ph type="sldNum" sz="quarter" idx="10"/>
+          </p:nvPr>
+        </p:nvSpPr>
+        <p:spPr/>
+        <p:txBody>
+          <a:bodyPr/>
+          <a:lstStyle/>
+          <a:p>
+            <a:fld id="{9B26CD33-4337-4529-948A-94F6960B2374}" type="slidenum">
+              <a:rPr lang="en-US" smtClean="0"/>
+              <a:pPr/>
+              <a:t>38</a:t>
+            </a:fld>
+            <a:endParaRPr lang="en-US" dirty="0"/>
+          </a:p>
+        </p:txBody>
+      </p:sp>
+    </p:spTree>
+    <p:extLst>
+      <p:ext uri="{BB962C8B-B14F-4D97-AF65-F5344CB8AC3E}">
+        <p14:creationId xmlns:p14="http://schemas.microsoft.com/office/powerpoint/2010/main" val="1299395394"/>
+      </p:ext>
+    </p:extLst>
+  </p:cSld>
+  <p:clrMapOvr>
+    <a:masterClrMapping/>
+  </p:clrMapOvr>
+</p:notes>
+</file>
+
+<file path=ppt/notesSlides/notesSlide21.xml><?xml version="1.0" encoding="utf-8"?>
+<p:notes xmlns:a="http://schemas.openxmlformats.org/drawingml/2006/main" xmlns:r="http://schemas.openxmlformats.org/officeDocument/2006/relationships" xmlns:p="http://schemas.openxmlformats.org/presentationml/2006/main">
+  <p:cSld>
+    <p:spTree>
+      <p:nvGrpSpPr>
+        <p:cNvPr id="1" name=""/>
+        <p:cNvGrpSpPr/>
+        <p:nvPr/>
+      </p:nvGrpSpPr>
+      <p:grpSpPr>
+        <a:xfrm>
+          <a:off x="0" y="0"/>
+          <a:ext cx="0" cy="0"/>
+          <a:chOff x="0" y="0"/>
+          <a:chExt cx="0" cy="0"/>
+        </a:xfrm>
+      </p:grpSpPr>
+      <p:sp>
+        <p:nvSpPr>
+          <p:cNvPr id="2" name="投影片圖像版面配置區 1"/>
+          <p:cNvSpPr>
+            <a:spLocks noGrp="1" noRot="1" noChangeAspect="1"/>
+          </p:cNvSpPr>
+          <p:nvPr>
+            <p:ph type="sldImg"/>
+          </p:nvPr>
+        </p:nvSpPr>
+        <p:spPr/>
+      </p:sp>
+      <p:sp>
+        <p:nvSpPr>
+          <p:cNvPr id="3" name="備忘稿版面配置區 2"/>
+          <p:cNvSpPr>
+            <a:spLocks noGrp="1"/>
+          </p:cNvSpPr>
+          <p:nvPr>
+            <p:ph type="body" idx="1"/>
+          </p:nvPr>
+        </p:nvSpPr>
+        <p:spPr/>
+        <p:txBody>
+          <a:bodyPr/>
+          <a:lstStyle/>
+          <a:p>
+            <a:endParaRPr lang="zh-TW" altLang="en-US" dirty="0"/>
+          </a:p>
+        </p:txBody>
+      </p:sp>
+      <p:sp>
+        <p:nvSpPr>
+          <p:cNvPr id="4" name="投影片編號版面配置區 3"/>
+          <p:cNvSpPr>
+            <a:spLocks noGrp="1"/>
+          </p:cNvSpPr>
+          <p:nvPr>
+            <p:ph type="sldNum" sz="quarter" idx="10"/>
+          </p:nvPr>
+        </p:nvSpPr>
+        <p:spPr/>
+        <p:txBody>
+          <a:bodyPr/>
+          <a:lstStyle/>
+          <a:p>
+            <a:fld id="{9B26CD33-4337-4529-948A-94F6960B2374}" type="slidenum">
+              <a:rPr lang="en-US" smtClean="0"/>
+              <a:pPr/>
+              <a:t>39</a:t>
+            </a:fld>
+            <a:endParaRPr lang="en-US" dirty="0"/>
+          </a:p>
+        </p:txBody>
+      </p:sp>
+    </p:spTree>
+    <p:extLst>
+      <p:ext uri="{BB962C8B-B14F-4D97-AF65-F5344CB8AC3E}">
+        <p14:creationId xmlns:p14="http://schemas.microsoft.com/office/powerpoint/2010/main" val="2255570356"/>
+      </p:ext>
+    </p:extLst>
+  </p:cSld>
+  <p:clrMapOvr>
+    <a:masterClrMapping/>
+  </p:clrMapOvr>
+</p:notes>
+</file>
+
+<file path=ppt/notesSlides/notesSlide22.xml><?xml version="1.0" encoding="utf-8"?>
+<p:notes xmlns:a="http://schemas.openxmlformats.org/drawingml/2006/main" xmlns:r="http://schemas.openxmlformats.org/officeDocument/2006/relationships" xmlns:p="http://schemas.openxmlformats.org/presentationml/2006/main">
+  <p:cSld>
+    <p:spTree>
+      <p:nvGrpSpPr>
+        <p:cNvPr id="1" name=""/>
+        <p:cNvGrpSpPr/>
+        <p:nvPr/>
+      </p:nvGrpSpPr>
+      <p:grpSpPr>
+        <a:xfrm>
+          <a:off x="0" y="0"/>
+          <a:ext cx="0" cy="0"/>
+          <a:chOff x="0" y="0"/>
+          <a:chExt cx="0" cy="0"/>
+        </a:xfrm>
+      </p:grpSpPr>
+      <p:sp>
+        <p:nvSpPr>
+          <p:cNvPr id="2" name="投影片圖像版面配置區 1"/>
+          <p:cNvSpPr>
+            <a:spLocks noGrp="1" noRot="1" noChangeAspect="1"/>
+          </p:cNvSpPr>
+          <p:nvPr>
+            <p:ph type="sldImg"/>
+          </p:nvPr>
+        </p:nvSpPr>
+        <p:spPr>
+          <a:xfrm>
+            <a:off x="1371600" y="1143000"/>
+            <a:ext cx="4114800" cy="3086100"/>
+          </a:xfrm>
+        </p:spPr>
+      </p:sp>
+      <p:sp>
+        <p:nvSpPr>
+          <p:cNvPr id="3" name="備忘稿版面配置區 2"/>
+          <p:cNvSpPr>
+            <a:spLocks noGrp="1"/>
+          </p:cNvSpPr>
+          <p:nvPr>
+            <p:ph type="body" idx="1"/>
+          </p:nvPr>
+        </p:nvSpPr>
+        <p:spPr/>
+        <p:txBody>
+          <a:bodyPr>
+            <a:normAutofit/>
+          </a:bodyPr>
+          <a:lstStyle/>
+          <a:p>
+            <a:endParaRPr lang="zh-TW" altLang="en-US" dirty="0"/>
+          </a:p>
+        </p:txBody>
+      </p:sp>
+      <p:sp>
+        <p:nvSpPr>
+          <p:cNvPr id="4" name="投影片編號版面配置區 3"/>
+          <p:cNvSpPr>
+            <a:spLocks noGrp="1"/>
+          </p:cNvSpPr>
+          <p:nvPr>
+            <p:ph type="sldNum" sz="quarter" idx="10"/>
+          </p:nvPr>
+        </p:nvSpPr>
+        <p:spPr/>
+        <p:txBody>
+          <a:bodyPr/>
+          <a:lstStyle/>
+          <a:p>
+            <a:pPr marL="0" marR="0" lvl="0" indent="0" algn="r" defTabSz="914400" rtl="0" eaLnBrk="1" fontAlgn="auto" latinLnBrk="0" hangingPunct="1">
+              <a:lnSpc>
+                <a:spcPct val="100000"/>
+              </a:lnSpc>
+              <a:spcBef>
+                <a:spcPts val="0"/>
+              </a:spcBef>
+              <a:spcAft>
+                <a:spcPts val="0"/>
+              </a:spcAft>
+              <a:buClrTx/>
+              <a:buSzTx/>
+              <a:buFontTx/>
+              <a:buNone/>
+              <a:tabLst/>
+              <a:defRPr/>
+            </a:pPr>
+            <a:fld id="{9B26CD33-4337-4529-948A-94F6960B2374}" type="slidenum">
+              <a:rPr kumimoji="0" lang="en-US" sz="1200" b="0" i="0" u="none" strike="noStrike" kern="1200" cap="none" spc="0" normalizeH="0" baseline="0" noProof="0" smtClean="0">
+                <a:ln>
+                  <a:noFill/>
+                </a:ln>
+                <a:solidFill>
+                  <a:prstClr val="black"/>
+                </a:solidFill>
+                <a:effectLst/>
+                <a:uLnTx/>
+                <a:uFillTx/>
+                <a:latin typeface="Calibri"/>
+                <a:ea typeface="+mn-ea"/>
+                <a:cs typeface="+mn-cs"/>
+              </a:rPr>
+              <a:pPr marL="0" marR="0" lvl="0" indent="0" algn="r" defTabSz="914400" rtl="0" eaLnBrk="1" fontAlgn="auto" latinLnBrk="0" hangingPunct="1">
+                <a:lnSpc>
+                  <a:spcPct val="100000"/>
+                </a:lnSpc>
+                <a:spcBef>
+                  <a:spcPts val="0"/>
+                </a:spcBef>
+                <a:spcAft>
+                  <a:spcPts val="0"/>
+                </a:spcAft>
+                <a:buClrTx/>
+                <a:buSzTx/>
+                <a:buFontTx/>
+                <a:buNone/>
+                <a:tabLst/>
+                <a:defRPr/>
+              </a:pPr>
+              <a:t>48</a:t>
+            </a:fld>
+            <a:endParaRPr kumimoji="0" lang="en-US" sz="1200" b="0" i="0" u="none" strike="noStrike" kern="1200" cap="none" spc="0" normalizeH="0" baseline="0" noProof="0" dirty="0">
+              <a:ln>
+                <a:noFill/>
+              </a:ln>
+              <a:solidFill>
+                <a:prstClr val="black"/>
+              </a:solidFill>
+              <a:effectLst/>
+              <a:uLnTx/>
+              <a:uFillTx/>
+              <a:latin typeface="Calibri"/>
+              <a:ea typeface="+mn-ea"/>
+              <a:cs typeface="+mn-cs"/>
+            </a:endParaRPr>
+          </a:p>
+        </p:txBody>
+      </p:sp>
+    </p:spTree>
+    <p:extLst>
+      <p:ext uri="{BB962C8B-B14F-4D97-AF65-F5344CB8AC3E}">
+        <p14:creationId xmlns:p14="http://schemas.microsoft.com/office/powerpoint/2010/main" val="3277813649"/>
+      </p:ext>
+    </p:extLst>
+  </p:cSld>
+  <p:clrMapOvr>
+    <a:masterClrMapping/>
+  </p:clrMapOvr>
+</p:notes>
+</file>
+
+<file path=ppt/notesSlides/notesSlide23.xml><?xml version="1.0" encoding="utf-8"?>
+<p:notes xmlns:a="http://schemas.openxmlformats.org/drawingml/2006/main" xmlns:r="http://schemas.openxmlformats.org/officeDocument/2006/relationships" xmlns:p="http://schemas.openxmlformats.org/presentationml/2006/main">
+  <p:cSld>
+    <p:spTree>
+      <p:nvGrpSpPr>
+        <p:cNvPr id="1" name=""/>
+        <p:cNvGrpSpPr/>
+        <p:nvPr/>
+      </p:nvGrpSpPr>
+      <p:grpSpPr>
+        <a:xfrm>
+          <a:off x="0" y="0"/>
+          <a:ext cx="0" cy="0"/>
+          <a:chOff x="0" y="0"/>
+          <a:chExt cx="0" cy="0"/>
+        </a:xfrm>
+      </p:grpSpPr>
+      <p:sp>
+        <p:nvSpPr>
+          <p:cNvPr id="2" name="投影片圖像版面配置區 1"/>
+          <p:cNvSpPr>
+            <a:spLocks noGrp="1" noRot="1" noChangeAspect="1"/>
+          </p:cNvSpPr>
+          <p:nvPr>
+            <p:ph type="sldImg"/>
+          </p:nvPr>
+        </p:nvSpPr>
+        <p:spPr>
+          <a:xfrm>
+            <a:off x="1371600" y="1143000"/>
+            <a:ext cx="4114800" cy="3086100"/>
+          </a:xfrm>
+        </p:spPr>
+      </p:sp>
+      <p:sp>
+        <p:nvSpPr>
+          <p:cNvPr id="3" name="備忘稿版面配置區 2"/>
+          <p:cNvSpPr>
+            <a:spLocks noGrp="1"/>
+          </p:cNvSpPr>
+          <p:nvPr>
+            <p:ph type="body" idx="1"/>
+          </p:nvPr>
+        </p:nvSpPr>
+        <p:spPr/>
+        <p:txBody>
+          <a:bodyPr>
+            <a:normAutofit/>
+          </a:bodyPr>
+          <a:lstStyle/>
+          <a:p>
+            <a:endParaRPr lang="zh-TW" altLang="en-US" dirty="0"/>
+          </a:p>
+        </p:txBody>
+      </p:sp>
+      <p:sp>
+        <p:nvSpPr>
+          <p:cNvPr id="4" name="投影片編號版面配置區 3"/>
+          <p:cNvSpPr>
+            <a:spLocks noGrp="1"/>
+          </p:cNvSpPr>
+          <p:nvPr>
+            <p:ph type="sldNum" sz="quarter" idx="10"/>
+          </p:nvPr>
+        </p:nvSpPr>
+        <p:spPr/>
+        <p:txBody>
+          <a:bodyPr/>
+          <a:lstStyle/>
+          <a:p>
+            <a:pPr marL="0" marR="0" lvl="0" indent="0" algn="r" defTabSz="914400" rtl="0" eaLnBrk="1" fontAlgn="auto" latinLnBrk="0" hangingPunct="1">
+              <a:lnSpc>
+                <a:spcPct val="100000"/>
+              </a:lnSpc>
+              <a:spcBef>
+                <a:spcPts val="0"/>
+              </a:spcBef>
+              <a:spcAft>
+                <a:spcPts val="0"/>
+              </a:spcAft>
+              <a:buClrTx/>
+              <a:buSzTx/>
+              <a:buFontTx/>
+              <a:buNone/>
+              <a:tabLst/>
+              <a:defRPr/>
+            </a:pPr>
+            <a:fld id="{9B26CD33-4337-4529-948A-94F6960B2374}" type="slidenum">
+              <a:rPr kumimoji="0" lang="en-US" sz="1200" b="0" i="0" u="none" strike="noStrike" kern="1200" cap="none" spc="0" normalizeH="0" baseline="0" noProof="0" smtClean="0">
+                <a:ln>
+                  <a:noFill/>
+                </a:ln>
+                <a:solidFill>
+                  <a:prstClr val="black"/>
+                </a:solidFill>
+                <a:effectLst/>
+                <a:uLnTx/>
+                <a:uFillTx/>
+                <a:latin typeface="Calibri"/>
+                <a:ea typeface="+mn-ea"/>
+                <a:cs typeface="+mn-cs"/>
+              </a:rPr>
+              <a:pPr marL="0" marR="0" lvl="0" indent="0" algn="r" defTabSz="914400" rtl="0" eaLnBrk="1" fontAlgn="auto" latinLnBrk="0" hangingPunct="1">
+                <a:lnSpc>
+                  <a:spcPct val="100000"/>
+                </a:lnSpc>
+                <a:spcBef>
+                  <a:spcPts val="0"/>
+                </a:spcBef>
+                <a:spcAft>
+                  <a:spcPts val="0"/>
+                </a:spcAft>
+                <a:buClrTx/>
+                <a:buSzTx/>
+                <a:buFontTx/>
+                <a:buNone/>
+                <a:tabLst/>
+                <a:defRPr/>
+              </a:pPr>
+              <a:t>49</a:t>
+            </a:fld>
+            <a:endParaRPr kumimoji="0" lang="en-US" sz="1200" b="0" i="0" u="none" strike="noStrike" kern="1200" cap="none" spc="0" normalizeH="0" baseline="0" noProof="0" dirty="0">
+              <a:ln>
+                <a:noFill/>
+              </a:ln>
+              <a:solidFill>
+                <a:prstClr val="black"/>
+              </a:solidFill>
+              <a:effectLst/>
+              <a:uLnTx/>
+              <a:uFillTx/>
+              <a:latin typeface="Calibri"/>
+              <a:ea typeface="+mn-ea"/>
+              <a:cs typeface="+mn-cs"/>
+            </a:endParaRPr>
+          </a:p>
+        </p:txBody>
+      </p:sp>
+    </p:spTree>
+    <p:extLst>
+      <p:ext uri="{BB962C8B-B14F-4D97-AF65-F5344CB8AC3E}">
+        <p14:creationId xmlns:p14="http://schemas.microsoft.com/office/powerpoint/2010/main" val="2732251383"/>
+      </p:ext>
+    </p:extLst>
+  </p:cSld>
+  <p:clrMapOvr>
+    <a:masterClrMapping/>
+  </p:clrMapOvr>
+</p:notes>
+</file>
+
+<file path=ppt/notesSlides/notesSlide24.xml><?xml version="1.0" encoding="utf-8"?>
+<p:notes xmlns:a="http://schemas.openxmlformats.org/drawingml/2006/main" xmlns:r="http://schemas.openxmlformats.org/officeDocument/2006/relationships" xmlns:p="http://schemas.openxmlformats.org/presentationml/2006/main">
+  <p:cSld>
+    <p:spTree>
+      <p:nvGrpSpPr>
+        <p:cNvPr id="1" name=""/>
+        <p:cNvGrpSpPr/>
+        <p:nvPr/>
+      </p:nvGrpSpPr>
+      <p:grpSpPr>
+        <a:xfrm>
+          <a:off x="0" y="0"/>
+          <a:ext cx="0" cy="0"/>
+          <a:chOff x="0" y="0"/>
+          <a:chExt cx="0" cy="0"/>
+        </a:xfrm>
+      </p:grpSpPr>
+      <p:sp>
+        <p:nvSpPr>
+          <p:cNvPr id="2" name="投影片圖像版面配置區 1"/>
+          <p:cNvSpPr>
+            <a:spLocks noGrp="1" noRot="1" noChangeAspect="1"/>
+          </p:cNvSpPr>
+          <p:nvPr>
+            <p:ph type="sldImg"/>
+          </p:nvPr>
+        </p:nvSpPr>
+        <p:spPr>
+          <a:xfrm>
+            <a:off x="1371600" y="1143000"/>
+            <a:ext cx="4114800" cy="3086100"/>
+          </a:xfrm>
+        </p:spPr>
+      </p:sp>
+      <p:sp>
+        <p:nvSpPr>
+          <p:cNvPr id="3" name="備忘稿版面配置區 2"/>
+          <p:cNvSpPr>
+            <a:spLocks noGrp="1"/>
+          </p:cNvSpPr>
+          <p:nvPr>
+            <p:ph type="body" idx="1"/>
+          </p:nvPr>
+        </p:nvSpPr>
+        <p:spPr/>
+        <p:txBody>
+          <a:bodyPr>
+            <a:normAutofit/>
+          </a:bodyPr>
+          <a:lstStyle/>
+          <a:p>
+            <a:endParaRPr lang="zh-TW" altLang="en-US" dirty="0"/>
+          </a:p>
+        </p:txBody>
+      </p:sp>
+      <p:sp>
+        <p:nvSpPr>
+          <p:cNvPr id="4" name="投影片編號版面配置區 3"/>
+          <p:cNvSpPr>
+            <a:spLocks noGrp="1"/>
+          </p:cNvSpPr>
+          <p:nvPr>
+            <p:ph type="sldNum" sz="quarter" idx="10"/>
+          </p:nvPr>
+        </p:nvSpPr>
+        <p:spPr/>
+        <p:txBody>
+          <a:bodyPr/>
+          <a:lstStyle/>
+          <a:p>
+            <a:pPr marL="0" marR="0" lvl="0" indent="0" algn="r" defTabSz="914400" rtl="0" eaLnBrk="1" fontAlgn="auto" latinLnBrk="0" hangingPunct="1">
+              <a:lnSpc>
+                <a:spcPct val="100000"/>
+              </a:lnSpc>
+              <a:spcBef>
+                <a:spcPts val="0"/>
+              </a:spcBef>
+              <a:spcAft>
+                <a:spcPts val="0"/>
+              </a:spcAft>
+              <a:buClrTx/>
+              <a:buSzTx/>
+              <a:buFontTx/>
+              <a:buNone/>
+              <a:tabLst/>
+              <a:defRPr/>
+            </a:pPr>
+            <a:fld id="{9B26CD33-4337-4529-948A-94F6960B2374}" type="slidenum">
+              <a:rPr kumimoji="0" lang="en-US" sz="1200" b="0" i="0" u="none" strike="noStrike" kern="1200" cap="none" spc="0" normalizeH="0" baseline="0" noProof="0" smtClean="0">
+                <a:ln>
+                  <a:noFill/>
+                </a:ln>
+                <a:solidFill>
+                  <a:prstClr val="black"/>
+                </a:solidFill>
+                <a:effectLst/>
+                <a:uLnTx/>
+                <a:uFillTx/>
+                <a:latin typeface="Calibri"/>
+                <a:ea typeface="+mn-ea"/>
+                <a:cs typeface="+mn-cs"/>
+              </a:rPr>
+              <a:pPr marL="0" marR="0" lvl="0" indent="0" algn="r" defTabSz="914400" rtl="0" eaLnBrk="1" fontAlgn="auto" latinLnBrk="0" hangingPunct="1">
+                <a:lnSpc>
+                  <a:spcPct val="100000"/>
+                </a:lnSpc>
+                <a:spcBef>
+                  <a:spcPts val="0"/>
+                </a:spcBef>
+                <a:spcAft>
+                  <a:spcPts val="0"/>
+                </a:spcAft>
+                <a:buClrTx/>
+                <a:buSzTx/>
+                <a:buFontTx/>
+                <a:buNone/>
+                <a:tabLst/>
+                <a:defRPr/>
+              </a:pPr>
+              <a:t>50</a:t>
+            </a:fld>
+            <a:endParaRPr kumimoji="0" lang="en-US" sz="1200" b="0" i="0" u="none" strike="noStrike" kern="1200" cap="none" spc="0" normalizeH="0" baseline="0" noProof="0" dirty="0">
+              <a:ln>
+                <a:noFill/>
+              </a:ln>
+              <a:solidFill>
+                <a:prstClr val="black"/>
+              </a:solidFill>
+              <a:effectLst/>
+              <a:uLnTx/>
+              <a:uFillTx/>
+              <a:latin typeface="Calibri"/>
+              <a:ea typeface="+mn-ea"/>
+              <a:cs typeface="+mn-cs"/>
+            </a:endParaRPr>
+          </a:p>
+        </p:txBody>
+      </p:sp>
+    </p:spTree>
+    <p:extLst>
+      <p:ext uri="{BB962C8B-B14F-4D97-AF65-F5344CB8AC3E}">
+        <p14:creationId xmlns:p14="http://schemas.microsoft.com/office/powerpoint/2010/main" val="1641146165"/>
       </p:ext>
     </p:extLst>
   </p:cSld>
@@ -3045,7 +3805,7 @@
           <a:p>
             <a:fld id="{2E29796B-F55F-40BA-947E-19D03180300F}" type="datetimeFigureOut">
               <a:rPr lang="zh-TW" altLang="en-US" smtClean="0"/>
-              <a:t>2024/5/12</a:t>
+              <a:t>2024/5/14</a:t>
             </a:fld>
             <a:endParaRPr lang="zh-TW" altLang="en-US"/>
           </a:p>
@@ -3243,7 +4003,7 @@
           <a:p>
             <a:fld id="{2E29796B-F55F-40BA-947E-19D03180300F}" type="datetimeFigureOut">
               <a:rPr lang="zh-TW" altLang="en-US" smtClean="0"/>
-              <a:t>2024/5/12</a:t>
+              <a:t>2024/5/14</a:t>
             </a:fld>
             <a:endParaRPr lang="zh-TW" altLang="en-US"/>
           </a:p>
@@ -3451,7 +4211,7 @@
           <a:p>
             <a:fld id="{2E29796B-F55F-40BA-947E-19D03180300F}" type="datetimeFigureOut">
               <a:rPr lang="zh-TW" altLang="en-US" smtClean="0"/>
-              <a:t>2024/5/12</a:t>
+              <a:t>2024/5/14</a:t>
             </a:fld>
             <a:endParaRPr lang="zh-TW" altLang="en-US"/>
           </a:p>
@@ -3832,7 +4592,7 @@
                 </a:solidFill>
               </a:rPr>
               <a:pPr/>
-              <a:t>5/12/2024</a:t>
+              <a:t>5/14/2024</a:t>
             </a:fld>
             <a:endParaRPr kumimoji="0" lang="en-US" dirty="0"/>
           </a:p>
@@ -4063,7 +4823,7 @@
                 </a:solidFill>
               </a:rPr>
               <a:pPr/>
-              <a:t>5/12/2024</a:t>
+              <a:t>5/14/2024</a:t>
             </a:fld>
             <a:endParaRPr kumimoji="0" lang="en-US" dirty="0"/>
           </a:p>
@@ -4296,7 +5056,7 @@
                 </a:solidFill>
               </a:rPr>
               <a:pPr/>
-              <a:t>5/12/2024</a:t>
+              <a:t>5/14/2024</a:t>
             </a:fld>
             <a:endParaRPr kumimoji="0" lang="en-US" dirty="0"/>
           </a:p>
@@ -4778,7 +5538,7 @@
                 </a:solidFill>
               </a:rPr>
               <a:pPr/>
-              <a:t>5/12/2024</a:t>
+              <a:t>5/14/2024</a:t>
             </a:fld>
             <a:endParaRPr kumimoji="0" lang="en-US" dirty="0"/>
           </a:p>
@@ -5135,7 +5895,7 @@
                 </a:solidFill>
               </a:rPr>
               <a:pPr/>
-              <a:t>5/12/2024</a:t>
+              <a:t>5/14/2024</a:t>
             </a:fld>
             <a:endParaRPr kumimoji="0" lang="en-US" dirty="0"/>
           </a:p>
@@ -5498,7 +6258,7 @@
                 </a:solidFill>
               </a:rPr>
               <a:pPr/>
-              <a:t>5/12/2024</a:t>
+              <a:t>5/14/2024</a:t>
             </a:fld>
             <a:endParaRPr kumimoji="0" lang="en-US" dirty="0"/>
           </a:p>
@@ -5808,7 +6568,7 @@
                 </a:solidFill>
               </a:rPr>
               <a:pPr/>
-              <a:t>5/12/2024</a:t>
+              <a:t>5/14/2024</a:t>
             </a:fld>
             <a:endParaRPr kumimoji="0" lang="en-US" dirty="0"/>
           </a:p>
@@ -6003,7 +6763,7 @@
           <a:p>
             <a:fld id="{2E29796B-F55F-40BA-947E-19D03180300F}" type="datetimeFigureOut">
               <a:rPr lang="zh-TW" altLang="en-US" smtClean="0"/>
-              <a:t>2024/5/12</a:t>
+              <a:t>2024/5/14</a:t>
             </a:fld>
             <a:endParaRPr lang="zh-TW" altLang="en-US"/>
           </a:p>
@@ -6487,7 +7247,7 @@
                 </a:solidFill>
               </a:rPr>
               <a:pPr/>
-              <a:t>5/12/2024</a:t>
+              <a:t>5/14/2024</a:t>
             </a:fld>
             <a:endParaRPr kumimoji="0" lang="en-US" dirty="0"/>
           </a:p>
@@ -6883,7 +7643,7 @@
                 </a:solidFill>
               </a:rPr>
               <a:pPr/>
-              <a:t>5/12/2024</a:t>
+              <a:t>5/14/2024</a:t>
             </a:fld>
             <a:endParaRPr kumimoji="0" lang="en-US" dirty="0"/>
           </a:p>
@@ -7223,7 +7983,7 @@
                 </a:solidFill>
               </a:rPr>
               <a:pPr/>
-              <a:t>5/12/2024</a:t>
+              <a:t>5/14/2024</a:t>
             </a:fld>
             <a:endParaRPr kumimoji="0" lang="en-US" dirty="0"/>
           </a:p>
@@ -7804,7 +8564,7 @@
                 </a:solidFill>
               </a:rPr>
               <a:pPr/>
-              <a:t>5/12/2024</a:t>
+              <a:t>5/14/2024</a:t>
             </a:fld>
             <a:endParaRPr kumimoji="0" lang="en-US" dirty="0"/>
           </a:p>
@@ -8373,7 +9133,7 @@
                 </a:solidFill>
               </a:rPr>
               <a:pPr/>
-              <a:t>5/12/2024</a:t>
+              <a:t>5/14/2024</a:t>
             </a:fld>
             <a:endParaRPr kumimoji="0" lang="en-US" dirty="0"/>
           </a:p>
@@ -8837,7 +9597,7 @@
                 </a:solidFill>
               </a:rPr>
               <a:pPr/>
-              <a:t>5/12/2024</a:t>
+              <a:t>5/14/2024</a:t>
             </a:fld>
             <a:endParaRPr kumimoji="0" lang="en-US" dirty="0"/>
           </a:p>
@@ -9266,7 +10026,7 @@
                 </a:solidFill>
               </a:rPr>
               <a:pPr/>
-              <a:t>5/12/2024</a:t>
+              <a:t>5/14/2024</a:t>
             </a:fld>
             <a:endParaRPr kumimoji="0" lang="en-US" dirty="0"/>
           </a:p>
@@ -9775,7 +10535,7 @@
                 </a:solidFill>
               </a:rPr>
               <a:pPr/>
-              <a:t>5/12/2024</a:t>
+              <a:t>5/14/2024</a:t>
             </a:fld>
             <a:endParaRPr kumimoji="0" lang="en-US" dirty="0"/>
           </a:p>
@@ -10284,7 +11044,7 @@
                 </a:solidFill>
               </a:rPr>
               <a:pPr/>
-              <a:t>5/12/2024</a:t>
+              <a:t>5/14/2024</a:t>
             </a:fld>
             <a:endParaRPr kumimoji="0" lang="en-US" dirty="0"/>
           </a:p>
@@ -10505,7 +11265,7 @@
                 </a:solidFill>
               </a:rPr>
               <a:pPr/>
-              <a:t>5/12/2024</a:t>
+              <a:t>5/14/2024</a:t>
             </a:fld>
             <a:endParaRPr kumimoji="0" lang="en-US" dirty="0"/>
           </a:p>
@@ -10777,7 +11537,7 @@
           <a:p>
             <a:fld id="{2E29796B-F55F-40BA-947E-19D03180300F}" type="datetimeFigureOut">
               <a:rPr lang="zh-TW" altLang="en-US" smtClean="0"/>
-              <a:t>2024/5/12</a:t>
+              <a:t>2024/5/14</a:t>
             </a:fld>
             <a:endParaRPr lang="zh-TW" altLang="en-US"/>
           </a:p>
@@ -11113,7 +11873,7 @@
                 </a:solidFill>
               </a:rPr>
               <a:pPr/>
-              <a:t>5/12/2024</a:t>
+              <a:t>5/14/2024</a:t>
             </a:fld>
             <a:endParaRPr kumimoji="0" lang="en-US" dirty="0"/>
           </a:p>
@@ -11337,7 +12097,7 @@
                 </a:solidFill>
               </a:rPr>
               <a:pPr/>
-              <a:t>5/12/2024</a:t>
+              <a:t>5/14/2024</a:t>
             </a:fld>
             <a:endParaRPr kumimoji="0" lang="en-US" dirty="0"/>
           </a:p>
@@ -11518,7 +12278,7 @@
             <a:fld id="{ACB2EC6F-6501-4E04-BD6C-A8A6CABB2C5B}" type="datetimeFigureOut">
               <a:rPr kumimoji="0" lang="en-US" smtClean="0"/>
               <a:pPr/>
-              <a:t>5/12/2024</a:t>
+              <a:t>5/14/2024</a:t>
             </a:fld>
             <a:endParaRPr kumimoji="0" lang="en-US" dirty="0"/>
           </a:p>
@@ -11802,7 +12562,7 @@
           <a:p>
             <a:fld id="{2E29796B-F55F-40BA-947E-19D03180300F}" type="datetimeFigureOut">
               <a:rPr lang="zh-TW" altLang="en-US" smtClean="0"/>
-              <a:t>2024/5/12</a:t>
+              <a:t>2024/5/14</a:t>
             </a:fld>
             <a:endParaRPr lang="zh-TW" altLang="en-US"/>
           </a:p>
@@ -12214,7 +12974,7 @@
           <a:p>
             <a:fld id="{2E29796B-F55F-40BA-947E-19D03180300F}" type="datetimeFigureOut">
               <a:rPr lang="zh-TW" altLang="en-US" smtClean="0"/>
-              <a:t>2024/5/12</a:t>
+              <a:t>2024/5/14</a:t>
             </a:fld>
             <a:endParaRPr lang="zh-TW" altLang="en-US"/>
           </a:p>
@@ -12355,7 +13115,7 @@
           <a:p>
             <a:fld id="{2E29796B-F55F-40BA-947E-19D03180300F}" type="datetimeFigureOut">
               <a:rPr lang="zh-TW" altLang="en-US" smtClean="0"/>
-              <a:t>2024/5/12</a:t>
+              <a:t>2024/5/14</a:t>
             </a:fld>
             <a:endParaRPr lang="zh-TW" altLang="en-US"/>
           </a:p>
@@ -12468,7 +13228,7 @@
           <a:p>
             <a:fld id="{2E29796B-F55F-40BA-947E-19D03180300F}" type="datetimeFigureOut">
               <a:rPr lang="zh-TW" altLang="en-US" smtClean="0"/>
-              <a:t>2024/5/12</a:t>
+              <a:t>2024/5/14</a:t>
             </a:fld>
             <a:endParaRPr lang="zh-TW" altLang="en-US"/>
           </a:p>
@@ -12779,7 +13539,7 @@
           <a:p>
             <a:fld id="{2E29796B-F55F-40BA-947E-19D03180300F}" type="datetimeFigureOut">
               <a:rPr lang="zh-TW" altLang="en-US" smtClean="0"/>
-              <a:t>2024/5/12</a:t>
+              <a:t>2024/5/14</a:t>
             </a:fld>
             <a:endParaRPr lang="zh-TW" altLang="en-US"/>
           </a:p>
@@ -13067,7 +13827,7 @@
           <a:p>
             <a:fld id="{2E29796B-F55F-40BA-947E-19D03180300F}" type="datetimeFigureOut">
               <a:rPr lang="zh-TW" altLang="en-US" smtClean="0"/>
-              <a:t>2024/5/12</a:t>
+              <a:t>2024/5/14</a:t>
             </a:fld>
             <a:endParaRPr lang="zh-TW" altLang="en-US"/>
           </a:p>
@@ -13308,7 +14068,7 @@
           <a:p>
             <a:fld id="{2E29796B-F55F-40BA-947E-19D03180300F}" type="datetimeFigureOut">
               <a:rPr lang="zh-TW" altLang="en-US" smtClean="0"/>
-              <a:t>2024/5/12</a:t>
+              <a:t>2024/5/14</a:t>
             </a:fld>
             <a:endParaRPr lang="zh-TW" altLang="en-US"/>
           </a:p>
@@ -13880,7 +14640,7 @@
                 </a:solidFill>
               </a:rPr>
               <a:pPr/>
-              <a:t>5/12/2024</a:t>
+              <a:t>5/14/2024</a:t>
             </a:fld>
             <a:endParaRPr kumimoji="0" lang="en-US" sz="1200" dirty="0">
               <a:solidFill>
@@ -15247,7 +16007,7 @@
                 <a:latin typeface="Arial" panose="020B0604020202020204" pitchFamily="34" charset="0"/>
                 <a:cs typeface="Arial" panose="020B0604020202020204" pitchFamily="34" charset="0"/>
               </a:rPr>
-              <a:t>5/12/2024</a:t>
+              <a:t>5/14/2024</a:t>
             </a:fld>
             <a:endParaRPr kumimoji="0" lang="en-US" dirty="0">
               <a:latin typeface="Arial" panose="020B0604020202020204" pitchFamily="34" charset="0"/>
@@ -15565,7 +16325,7 @@
                 <a:latin typeface="Arial" panose="020B0604020202020204" pitchFamily="34" charset="0"/>
                 <a:cs typeface="Arial" panose="020B0604020202020204" pitchFamily="34" charset="0"/>
               </a:rPr>
-              <a:t>5/12/2024</a:t>
+              <a:t>5/14/2024</a:t>
             </a:fld>
             <a:endParaRPr kumimoji="0" lang="en-US" dirty="0">
               <a:latin typeface="Arial" panose="020B0604020202020204" pitchFamily="34" charset="0"/>
@@ -15976,7 +16736,7 @@
                 <a:latin typeface="Arial" panose="020B0604020202020204" pitchFamily="34" charset="0"/>
                 <a:cs typeface="Arial" panose="020B0604020202020204" pitchFamily="34" charset="0"/>
               </a:rPr>
-              <a:t>5/12/2024</a:t>
+              <a:t>5/14/2024</a:t>
             </a:fld>
             <a:endParaRPr kumimoji="0" lang="en-US" dirty="0">
               <a:latin typeface="Arial" panose="020B0604020202020204" pitchFamily="34" charset="0"/>
@@ -18112,27 +18872,29 @@
       </p:grpSpPr>
       <p:sp>
         <p:nvSpPr>
-          <p:cNvPr id="3" name="文字版面配置區 2"/>
-          <p:cNvSpPr>
-            <a:spLocks noGrp="1"/>
-          </p:cNvSpPr>
-          <p:nvPr>
-            <p:ph type="body" sz="quarter" idx="11"/>
-          </p:nvPr>
+          <p:cNvPr id="4" name="文字方塊 3"/>
+          <p:cNvSpPr txBox="1"/>
+          <p:nvPr/>
         </p:nvSpPr>
         <p:spPr>
           <a:xfrm>
-            <a:off x="2514600" y="3048000"/>
-            <a:ext cx="5410200" cy="990600"/>
+            <a:off x="484909" y="3117410"/>
+            <a:ext cx="8299167" cy="830997"/>
           </a:xfrm>
+          <a:prstGeom prst="rect">
+            <a:avLst/>
+          </a:prstGeom>
+          <a:noFill/>
         </p:spPr>
         <p:txBody>
-          <a:bodyPr/>
+          <a:bodyPr wrap="square" rtlCol="0">
+            <a:spAutoFit/>
+          </a:bodyPr>
           <a:lstStyle/>
           <a:p>
-            <a:pPr algn="just"/>
-            <a:r>
-              <a:rPr lang="en-US" altLang="zh-TW" sz="4800" b="1" dirty="0">
+            <a:pPr algn="ctr"/>
+            <a:r>
+              <a:rPr kumimoji="1" lang="zh-TW" altLang="en-US" sz="4800" b="1" dirty="0">
                 <a:solidFill>
                   <a:srgbClr val="FFFF00"/>
                 </a:solidFill>
@@ -18145,101 +18907,17 @@
                 </a:effectLst>
                 <a:latin typeface="微軟正黑體" panose="020B0604030504040204" pitchFamily="34" charset="-120"/>
                 <a:ea typeface="微軟正黑體" panose="020B0604030504040204" pitchFamily="34" charset="-120"/>
-              </a:rPr>
-              <a:t>JSON</a:t>
-            </a:r>
-            <a:r>
-              <a:rPr lang="zh-TW" altLang="en-US" sz="4800" b="1" dirty="0">
-                <a:solidFill>
-                  <a:srgbClr val="FFFF00"/>
-                </a:solidFill>
-                <a:effectLst>
-                  <a:outerShdw blurRad="38100" dist="38100" dir="2700000" algn="tl">
-                    <a:srgbClr val="000000">
-                      <a:alpha val="43137"/>
-                    </a:srgbClr>
-                  </a:outerShdw>
-                </a:effectLst>
-                <a:latin typeface="微軟正黑體" panose="020B0604030504040204" pitchFamily="34" charset="-120"/>
-                <a:ea typeface="微軟正黑體" panose="020B0604030504040204" pitchFamily="34" charset="-120"/>
-              </a:rPr>
-              <a:t>資料格式</a:t>
-            </a:r>
-          </a:p>
-        </p:txBody>
-      </p:sp>
-      <p:sp>
-        <p:nvSpPr>
-          <p:cNvPr id="2" name="日期版面配置區 1">
-            <a:extLst>
-              <a:ext uri="{FF2B5EF4-FFF2-40B4-BE49-F238E27FC236}">
-                <a16:creationId xmlns:a16="http://schemas.microsoft.com/office/drawing/2014/main" id="{01ACAA0C-883C-C966-1259-350A7E7B3BAD}"/>
-              </a:ext>
-            </a:extLst>
-          </p:cNvPr>
-          <p:cNvSpPr>
-            <a:spLocks noGrp="1"/>
-          </p:cNvSpPr>
-          <p:nvPr>
-            <p:ph type="dt" sz="half" idx="12"/>
-          </p:nvPr>
-        </p:nvSpPr>
-        <p:spPr/>
-        <p:txBody>
-          <a:bodyPr/>
-          <a:lstStyle/>
-          <a:p>
-            <a:fld id="{11078AA6-C1A5-45A0-9956-BB8DA3AA2FCD}" type="datetime1">
-              <a:rPr kumimoji="0" lang="en-US" altLang="zh-TW" sz="1200" smtClean="0">
-                <a:solidFill>
-                  <a:schemeClr val="tx2"/>
-                </a:solidFill>
-              </a:rPr>
-              <a:t>5/12/2024</a:t>
-            </a:fld>
-            <a:endParaRPr kumimoji="0" lang="en-US" dirty="0"/>
-          </a:p>
-        </p:txBody>
-      </p:sp>
-      <p:sp>
-        <p:nvSpPr>
-          <p:cNvPr id="5" name="投影片編號版面配置區 4">
-            <a:extLst>
-              <a:ext uri="{FF2B5EF4-FFF2-40B4-BE49-F238E27FC236}">
-                <a16:creationId xmlns:a16="http://schemas.microsoft.com/office/drawing/2014/main" id="{C59AC5A1-68ED-EBAF-3E35-202A7D82E38E}"/>
-              </a:ext>
-            </a:extLst>
-          </p:cNvPr>
-          <p:cNvSpPr>
-            <a:spLocks noGrp="1"/>
-          </p:cNvSpPr>
-          <p:nvPr>
-            <p:ph type="sldNum" sz="quarter" idx="13"/>
-          </p:nvPr>
-        </p:nvSpPr>
-        <p:spPr/>
-        <p:txBody>
-          <a:bodyPr/>
-          <a:lstStyle/>
-          <a:p>
-            <a:pPr algn="r"/>
-            <a:fld id="{F99EC173-99AE-4773-AB25-02E469A13EAE}" type="slidenum">
-              <a:rPr kumimoji="0" lang="en-US" sz="1200" smtClean="0">
-                <a:solidFill>
-                  <a:schemeClr val="tx2"/>
-                </a:solidFill>
-              </a:rPr>
-              <a:pPr algn="r"/>
-              <a:t>34</a:t>
-            </a:fld>
-            <a:endParaRPr kumimoji="0" lang="en-US" dirty="0"/>
+                <a:cs typeface="Arial"/>
+              </a:rPr>
+              <a:t>使用程式而非瀏覽器存取網頁</a:t>
+            </a:r>
           </a:p>
         </p:txBody>
       </p:sp>
     </p:spTree>
     <p:extLst>
       <p:ext uri="{BB962C8B-B14F-4D97-AF65-F5344CB8AC3E}">
-        <p14:creationId xmlns:p14="http://schemas.microsoft.com/office/powerpoint/2010/main" val="3604617160"/>
+        <p14:creationId xmlns:p14="http://schemas.microsoft.com/office/powerpoint/2010/main" val="2397103663"/>
       </p:ext>
     </p:extLst>
   </p:cSld>
@@ -18271,182 +18949,14 @@
       </p:grpSpPr>
       <p:sp>
         <p:nvSpPr>
-          <p:cNvPr id="4" name="文字版面配置區 2"/>
-          <p:cNvSpPr txBox="1">
-            <a:spLocks/>
-          </p:cNvSpPr>
+          <p:cNvPr id="4" name="文字方塊 3"/>
+          <p:cNvSpPr txBox="1"/>
           <p:nvPr/>
         </p:nvSpPr>
         <p:spPr>
           <a:xfrm>
-            <a:off x="2362200" y="228600"/>
-            <a:ext cx="5867400" cy="990600"/>
-          </a:xfrm>
-          <a:prstGeom prst="rect">
-            <a:avLst/>
-          </a:prstGeom>
-        </p:spPr>
-        <p:txBody>
-          <a:bodyPr tIns="91440" bIns="91440" anchor="b" anchorCtr="0">
-            <a:noAutofit/>
-          </a:bodyPr>
-          <a:lstStyle/>
-          <a:p>
-            <a:pPr marL="0" marR="0" lvl="0" indent="0" algn="just" defTabSz="914400" rtl="0" eaLnBrk="1" fontAlgn="auto" latinLnBrk="0" hangingPunct="1">
-              <a:lnSpc>
-                <a:spcPct val="100000"/>
-              </a:lnSpc>
-              <a:spcBef>
-                <a:spcPct val="20000"/>
-              </a:spcBef>
-              <a:spcAft>
-                <a:spcPts val="0"/>
-              </a:spcAft>
-              <a:buClrTx/>
-              <a:buSzTx/>
-              <a:buFontTx/>
-              <a:buNone/>
-              <a:tabLst/>
-              <a:defRPr/>
-            </a:pPr>
-            <a:r>
-              <a:rPr kumimoji="0" lang="en-US" altLang="zh-TW" sz="4800" b="1" i="0" u="none" strike="noStrike" kern="0" cap="none" spc="0" normalizeH="0" baseline="0" noProof="0" dirty="0">
-                <a:ln>
-                  <a:noFill/>
-                </a:ln>
-                <a:solidFill>
-                  <a:srgbClr val="00B0F0"/>
-                </a:solidFill>
-                <a:effectLst>
-                  <a:outerShdw blurRad="38100" dist="38100" dir="2700000" algn="tl">
-                    <a:srgbClr val="000000">
-                      <a:alpha val="43137"/>
-                    </a:srgbClr>
-                  </a:outerShdw>
-                </a:effectLst>
-                <a:uLnTx/>
-                <a:uFillTx/>
-                <a:latin typeface="微軟正黑體" panose="020B0604030504040204" pitchFamily="34" charset="-120"/>
-                <a:ea typeface="微軟正黑體" panose="020B0604030504040204" pitchFamily="34" charset="-120"/>
-                <a:cs typeface="+mn-cs"/>
-              </a:rPr>
-              <a:t>JSON</a:t>
-            </a:r>
-            <a:r>
-              <a:rPr kumimoji="0" lang="zh-TW" altLang="en-US" sz="4800" b="1" i="0" u="none" strike="noStrike" kern="0" cap="none" spc="0" normalizeH="0" baseline="0" noProof="0" dirty="0">
-                <a:ln>
-                  <a:noFill/>
-                </a:ln>
-                <a:solidFill>
-                  <a:srgbClr val="00B0F0"/>
-                </a:solidFill>
-                <a:effectLst>
-                  <a:outerShdw blurRad="38100" dist="38100" dir="2700000" algn="tl">
-                    <a:srgbClr val="000000">
-                      <a:alpha val="43137"/>
-                    </a:srgbClr>
-                  </a:outerShdw>
-                </a:effectLst>
-                <a:uLnTx/>
-                <a:uFillTx/>
-                <a:latin typeface="微軟正黑體" panose="020B0604030504040204" pitchFamily="34" charset="-120"/>
-                <a:ea typeface="微軟正黑體" panose="020B0604030504040204" pitchFamily="34" charset="-120"/>
-                <a:cs typeface="+mn-cs"/>
-              </a:rPr>
-              <a:t>資料格式</a:t>
-            </a:r>
-          </a:p>
-        </p:txBody>
-      </p:sp>
-      <p:sp>
-        <p:nvSpPr>
-          <p:cNvPr id="3" name="日期版面配置區 2">
-            <a:extLst>
-              <a:ext uri="{FF2B5EF4-FFF2-40B4-BE49-F238E27FC236}">
-                <a16:creationId xmlns:a16="http://schemas.microsoft.com/office/drawing/2014/main" id="{1C536CB5-3C58-6CF1-767E-952B76F12DEE}"/>
-              </a:ext>
-            </a:extLst>
-          </p:cNvPr>
-          <p:cNvSpPr>
-            <a:spLocks noGrp="1"/>
-          </p:cNvSpPr>
-          <p:nvPr>
-            <p:ph type="dt" sz="half" idx="12"/>
-          </p:nvPr>
-        </p:nvSpPr>
-        <p:spPr/>
-        <p:txBody>
-          <a:bodyPr/>
-          <a:lstStyle/>
-          <a:p>
-            <a:fld id="{0B520B05-2240-4566-BE2A-9338980FE8EB}" type="datetime1">
-              <a:rPr kumimoji="0" lang="en-US" altLang="zh-TW" sz="1200" smtClean="0">
-                <a:solidFill>
-                  <a:schemeClr val="tx2"/>
-                </a:solidFill>
-                <a:latin typeface="Arial" panose="020B0604020202020204" pitchFamily="34" charset="0"/>
-                <a:cs typeface="Arial" panose="020B0604020202020204" pitchFamily="34" charset="0"/>
-              </a:rPr>
-              <a:t>5/12/2024</a:t>
-            </a:fld>
-            <a:endParaRPr kumimoji="0" lang="en-US" dirty="0">
-              <a:latin typeface="Arial" panose="020B0604020202020204" pitchFamily="34" charset="0"/>
-              <a:cs typeface="Arial" panose="020B0604020202020204" pitchFamily="34" charset="0"/>
-            </a:endParaRPr>
-          </a:p>
-        </p:txBody>
-      </p:sp>
-      <p:sp>
-        <p:nvSpPr>
-          <p:cNvPr id="7" name="投影片編號版面配置區 6">
-            <a:extLst>
-              <a:ext uri="{FF2B5EF4-FFF2-40B4-BE49-F238E27FC236}">
-                <a16:creationId xmlns:a16="http://schemas.microsoft.com/office/drawing/2014/main" id="{DA316F56-AF12-D872-611F-78AE7ACCBF93}"/>
-              </a:ext>
-            </a:extLst>
-          </p:cNvPr>
-          <p:cNvSpPr>
-            <a:spLocks noGrp="1"/>
-          </p:cNvSpPr>
-          <p:nvPr>
-            <p:ph type="sldNum" sz="quarter" idx="13"/>
-          </p:nvPr>
-        </p:nvSpPr>
-        <p:spPr/>
-        <p:txBody>
-          <a:bodyPr/>
-          <a:lstStyle/>
-          <a:p>
-            <a:pPr algn="r"/>
-            <a:fld id="{F99EC173-99AE-4773-AB25-02E469A13EAE}" type="slidenum">
-              <a:rPr kumimoji="0" lang="en-US" sz="1200" smtClean="0">
-                <a:solidFill>
-                  <a:schemeClr val="tx2"/>
-                </a:solidFill>
-              </a:rPr>
-              <a:pPr algn="r"/>
-              <a:t>35</a:t>
-            </a:fld>
-            <a:endParaRPr kumimoji="0" lang="en-US" dirty="0"/>
-          </a:p>
-        </p:txBody>
-      </p:sp>
-      <p:sp>
-        <p:nvSpPr>
-          <p:cNvPr id="2" name="文字方塊 1">
-            <a:extLst>
-              <a:ext uri="{FF2B5EF4-FFF2-40B4-BE49-F238E27FC236}">
-                <a16:creationId xmlns:a16="http://schemas.microsoft.com/office/drawing/2014/main" id="{54D51629-6478-40B0-266D-C39EAC81C327}"/>
-              </a:ext>
-            </a:extLst>
-          </p:cNvPr>
-          <p:cNvSpPr txBox="1"/>
-          <p:nvPr/>
-        </p:nvSpPr>
-        <p:spPr>
-          <a:xfrm>
-            <a:off x="533400" y="1447800"/>
-            <a:ext cx="8305800" cy="5509200"/>
+            <a:off x="484909" y="3117410"/>
+            <a:ext cx="8299167" cy="830997"/>
           </a:xfrm>
           <a:prstGeom prst="rect">
             <a:avLst/>
@@ -18459,12 +18969,12 @@
           </a:bodyPr>
           <a:lstStyle/>
           <a:p>
-            <a:pPr marL="358775" indent="-358775">
-              <a:buFont typeface="Arial" panose="020B0604020202020204" pitchFamily="34" charset="0"/>
-              <a:buChar char="•"/>
-            </a:pPr>
-            <a:r>
-              <a:rPr kumimoji="1" lang="zh-TW" altLang="en-US" sz="3200" dirty="0">
+            <a:pPr algn="ctr"/>
+            <a:r>
+              <a:rPr kumimoji="1" lang="en-US" altLang="zh-TW" sz="4800" b="1" dirty="0" err="1">
+                <a:solidFill>
+                  <a:srgbClr val="FFFF00"/>
+                </a:solidFill>
                 <a:effectLst>
                   <a:outerShdw blurRad="38100" dist="38100" dir="2700000" algn="tl">
                     <a:srgbClr val="000000">
@@ -18474,30 +18984,15 @@
                 </a:effectLst>
                 <a:latin typeface="微軟正黑體" panose="020B0604030504040204" pitchFamily="34" charset="-120"/>
                 <a:ea typeface="微軟正黑體" panose="020B0604030504040204" pitchFamily="34" charset="-120"/>
-                <a:cs typeface="Heiti TC Light"/>
-              </a:rPr>
-              <a:t>絕大部分網站非靜態頁面，主要是動態載入資料庫中的資料</a:t>
-            </a:r>
-            <a:endParaRPr kumimoji="1" lang="en-US" altLang="zh-TW" sz="3200" dirty="0">
-              <a:effectLst>
-                <a:outerShdw blurRad="38100" dist="38100" dir="2700000" algn="tl">
-                  <a:srgbClr val="000000">
-                    <a:alpha val="43137"/>
-                  </a:srgbClr>
-                </a:outerShdw>
-              </a:effectLst>
-              <a:latin typeface="微軟正黑體" panose="020B0604030504040204" pitchFamily="34" charset="-120"/>
-              <a:ea typeface="微軟正黑體" panose="020B0604030504040204" pitchFamily="34" charset="-120"/>
-              <a:cs typeface="Heiti TC Light"/>
-            </a:endParaRPr>
-          </a:p>
-          <a:p>
-            <a:pPr marL="358775" indent="-358775">
-              <a:buFont typeface="Arial" panose="020B0604020202020204" pitchFamily="34" charset="0"/>
-              <a:buChar char="•"/>
-            </a:pPr>
-            <a:r>
-              <a:rPr kumimoji="1" lang="zh-TW" altLang="en-US" sz="3200" dirty="0">
+                <a:cs typeface="Arial"/>
+              </a:rPr>
+              <a:t>WebHook</a:t>
+            </a:r>
+            <a:r>
+              <a:rPr kumimoji="1" lang="zh-TW" altLang="en-US" sz="4800" b="1" dirty="0">
+                <a:solidFill>
+                  <a:srgbClr val="FFFF00"/>
+                </a:solidFill>
                 <a:effectLst>
                   <a:outerShdw blurRad="38100" dist="38100" dir="2700000" algn="tl">
                     <a:srgbClr val="000000">
@@ -18507,332 +19002,17 @@
                 </a:effectLst>
                 <a:latin typeface="微軟正黑體" panose="020B0604030504040204" pitchFamily="34" charset="-120"/>
                 <a:ea typeface="微軟正黑體" panose="020B0604030504040204" pitchFamily="34" charset="-120"/>
-                <a:cs typeface="Heiti TC Light"/>
-              </a:rPr>
-              <a:t>網站的目的是提供資料，但主要對象是人類</a:t>
-            </a:r>
-            <a:endParaRPr kumimoji="1" lang="en-US" altLang="zh-TW" sz="3200" dirty="0">
-              <a:effectLst>
-                <a:outerShdw blurRad="38100" dist="38100" dir="2700000" algn="tl">
-                  <a:srgbClr val="000000">
-                    <a:alpha val="43137"/>
-                  </a:srgbClr>
-                </a:outerShdw>
-              </a:effectLst>
-              <a:latin typeface="微軟正黑體" panose="020B0604030504040204" pitchFamily="34" charset="-120"/>
-              <a:ea typeface="微軟正黑體" panose="020B0604030504040204" pitchFamily="34" charset="-120"/>
-              <a:cs typeface="Heiti TC Light"/>
-            </a:endParaRPr>
-          </a:p>
-          <a:p>
-            <a:pPr marL="358775" indent="-358775">
-              <a:buFont typeface="Arial" panose="020B0604020202020204" pitchFamily="34" charset="0"/>
-              <a:buChar char="•"/>
-            </a:pPr>
-            <a:r>
-              <a:rPr kumimoji="1" lang="en-US" altLang="zh-TW" sz="3200" dirty="0">
-                <a:effectLst>
-                  <a:outerShdw blurRad="38100" dist="38100" dir="2700000" algn="tl">
-                    <a:srgbClr val="000000">
-                      <a:alpha val="43137"/>
-                    </a:srgbClr>
-                  </a:outerShdw>
-                </a:effectLst>
-                <a:latin typeface="微軟正黑體" panose="020B0604030504040204" pitchFamily="34" charset="-120"/>
-                <a:ea typeface="微軟正黑體" panose="020B0604030504040204" pitchFamily="34" charset="-120"/>
-                <a:cs typeface="Heiti TC Light"/>
-              </a:rPr>
-              <a:t>HTML&amp;CSS</a:t>
-            </a:r>
-            <a:r>
-              <a:rPr kumimoji="1" lang="zh-TW" altLang="en-US" sz="3200" dirty="0">
-                <a:effectLst>
-                  <a:outerShdw blurRad="38100" dist="38100" dir="2700000" algn="tl">
-                    <a:srgbClr val="000000">
-                      <a:alpha val="43137"/>
-                    </a:srgbClr>
-                  </a:outerShdw>
-                </a:effectLst>
-                <a:latin typeface="微軟正黑體" panose="020B0604030504040204" pitchFamily="34" charset="-120"/>
-                <a:ea typeface="微軟正黑體" panose="020B0604030504040204" pitchFamily="34" charset="-120"/>
-                <a:cs typeface="Heiti TC Light"/>
-              </a:rPr>
-              <a:t>的目的是方便人類觀看，主是一種「資料」的表現層</a:t>
-            </a:r>
-            <a:endParaRPr kumimoji="1" lang="en-US" altLang="zh-TW" sz="3200" dirty="0">
-              <a:effectLst>
-                <a:outerShdw blurRad="38100" dist="38100" dir="2700000" algn="tl">
-                  <a:srgbClr val="000000">
-                    <a:alpha val="43137"/>
-                  </a:srgbClr>
-                </a:outerShdw>
-              </a:effectLst>
-              <a:latin typeface="微軟正黑體" panose="020B0604030504040204" pitchFamily="34" charset="-120"/>
-              <a:ea typeface="微軟正黑體" panose="020B0604030504040204" pitchFamily="34" charset="-120"/>
-              <a:cs typeface="Heiti TC Light"/>
-            </a:endParaRPr>
-          </a:p>
-          <a:p>
-            <a:pPr marL="358775" indent="-358775">
-              <a:buFont typeface="Arial" panose="020B0604020202020204" pitchFamily="34" charset="0"/>
-              <a:buChar char="•"/>
-            </a:pPr>
-            <a:r>
-              <a:rPr kumimoji="1" lang="zh-TW" altLang="en-US" sz="3200" dirty="0">
-                <a:effectLst>
-                  <a:outerShdw blurRad="38100" dist="38100" dir="2700000" algn="tl">
-                    <a:srgbClr val="000000">
-                      <a:alpha val="43137"/>
-                    </a:srgbClr>
-                  </a:outerShdw>
-                </a:effectLst>
-                <a:latin typeface="微軟正黑體" panose="020B0604030504040204" pitchFamily="34" charset="-120"/>
-                <a:ea typeface="微軟正黑體" panose="020B0604030504040204" pitchFamily="34" charset="-120"/>
-                <a:cs typeface="Heiti TC Light"/>
-              </a:rPr>
-              <a:t>資料表現層有很多類型，如</a:t>
-            </a:r>
-            <a:r>
-              <a:rPr kumimoji="1" lang="en-US" altLang="zh-TW" sz="3200" dirty="0">
-                <a:effectLst>
-                  <a:outerShdw blurRad="38100" dist="38100" dir="2700000" algn="tl">
-                    <a:srgbClr val="000000">
-                      <a:alpha val="43137"/>
-                    </a:srgbClr>
-                  </a:outerShdw>
-                </a:effectLst>
-                <a:latin typeface="微軟正黑體" panose="020B0604030504040204" pitchFamily="34" charset="-120"/>
-                <a:ea typeface="微軟正黑體" panose="020B0604030504040204" pitchFamily="34" charset="-120"/>
-                <a:cs typeface="Heiti TC Light"/>
-              </a:rPr>
-              <a:t>html,</a:t>
-            </a:r>
-            <a:r>
-              <a:rPr kumimoji="1" lang="zh-TW" altLang="en-US" sz="3200" dirty="0">
-                <a:effectLst>
-                  <a:outerShdw blurRad="38100" dist="38100" dir="2700000" algn="tl">
-                    <a:srgbClr val="000000">
-                      <a:alpha val="43137"/>
-                    </a:srgbClr>
-                  </a:outerShdw>
-                </a:effectLst>
-                <a:latin typeface="微軟正黑體" panose="020B0604030504040204" pitchFamily="34" charset="-120"/>
-                <a:ea typeface="微軟正黑體" panose="020B0604030504040204" pitchFamily="34" charset="-120"/>
-                <a:cs typeface="Heiti TC Light"/>
-              </a:rPr>
-              <a:t> </a:t>
-            </a:r>
-            <a:r>
-              <a:rPr kumimoji="1" lang="en-US" altLang="zh-TW" sz="3200" dirty="0">
-                <a:effectLst>
-                  <a:outerShdw blurRad="38100" dist="38100" dir="2700000" algn="tl">
-                    <a:srgbClr val="000000">
-                      <a:alpha val="43137"/>
-                    </a:srgbClr>
-                  </a:outerShdw>
-                </a:effectLst>
-                <a:latin typeface="微軟正黑體" panose="020B0604030504040204" pitchFamily="34" charset="-120"/>
-                <a:ea typeface="微軟正黑體" panose="020B0604030504040204" pitchFamily="34" charset="-120"/>
-                <a:cs typeface="Heiti TC Light"/>
-              </a:rPr>
-              <a:t>txt,</a:t>
-            </a:r>
-            <a:r>
-              <a:rPr kumimoji="1" lang="zh-TW" altLang="en-US" sz="3200" dirty="0">
-                <a:effectLst>
-                  <a:outerShdw blurRad="38100" dist="38100" dir="2700000" algn="tl">
-                    <a:srgbClr val="000000">
-                      <a:alpha val="43137"/>
-                    </a:srgbClr>
-                  </a:outerShdw>
-                </a:effectLst>
-                <a:latin typeface="微軟正黑體" panose="020B0604030504040204" pitchFamily="34" charset="-120"/>
-                <a:ea typeface="微軟正黑體" panose="020B0604030504040204" pitchFamily="34" charset="-120"/>
-                <a:cs typeface="Heiti TC Light"/>
-              </a:rPr>
-              <a:t> </a:t>
-            </a:r>
-            <a:r>
-              <a:rPr kumimoji="1" lang="en-US" altLang="zh-TW" sz="3200" dirty="0">
-                <a:effectLst>
-                  <a:outerShdw blurRad="38100" dist="38100" dir="2700000" algn="tl">
-                    <a:srgbClr val="000000">
-                      <a:alpha val="43137"/>
-                    </a:srgbClr>
-                  </a:outerShdw>
-                </a:effectLst>
-                <a:latin typeface="微軟正黑體" panose="020B0604030504040204" pitchFamily="34" charset="-120"/>
-                <a:ea typeface="微軟正黑體" panose="020B0604030504040204" pitchFamily="34" charset="-120"/>
-                <a:cs typeface="Heiti TC Light"/>
-              </a:rPr>
-              <a:t>xml</a:t>
-            </a:r>
-            <a:r>
-              <a:rPr kumimoji="1" lang="zh-TW" altLang="en-US" sz="3200" dirty="0">
-                <a:effectLst>
-                  <a:outerShdw blurRad="38100" dist="38100" dir="2700000" algn="tl">
-                    <a:srgbClr val="000000">
-                      <a:alpha val="43137"/>
-                    </a:srgbClr>
-                  </a:outerShdw>
-                </a:effectLst>
-                <a:latin typeface="微軟正黑體" panose="020B0604030504040204" pitchFamily="34" charset="-120"/>
-                <a:ea typeface="微軟正黑體" panose="020B0604030504040204" pitchFamily="34" charset="-120"/>
-                <a:cs typeface="Heiti TC Light"/>
-              </a:rPr>
-              <a:t>等。</a:t>
-            </a:r>
-            <a:endParaRPr kumimoji="1" lang="en-US" altLang="zh-TW" sz="3200" dirty="0">
-              <a:effectLst>
-                <a:outerShdw blurRad="38100" dist="38100" dir="2700000" algn="tl">
-                  <a:srgbClr val="000000">
-                    <a:alpha val="43137"/>
-                  </a:srgbClr>
-                </a:outerShdw>
-              </a:effectLst>
-              <a:latin typeface="微軟正黑體" panose="020B0604030504040204" pitchFamily="34" charset="-120"/>
-              <a:ea typeface="微軟正黑體" panose="020B0604030504040204" pitchFamily="34" charset="-120"/>
-              <a:cs typeface="Heiti TC Light"/>
-            </a:endParaRPr>
-          </a:p>
-          <a:p>
-            <a:pPr marL="358775" indent="-358775">
-              <a:buFont typeface="Arial" panose="020B0604020202020204" pitchFamily="34" charset="0"/>
-              <a:buChar char="•"/>
-            </a:pPr>
-            <a:r>
-              <a:rPr kumimoji="1" lang="en-US" altLang="zh-TW" sz="3200" dirty="0">
-                <a:effectLst>
-                  <a:outerShdw blurRad="38100" dist="38100" dir="2700000" algn="tl">
-                    <a:srgbClr val="000000">
-                      <a:alpha val="43137"/>
-                    </a:srgbClr>
-                  </a:outerShdw>
-                </a:effectLst>
-                <a:latin typeface="微軟正黑體" panose="020B0604030504040204" pitchFamily="34" charset="-120"/>
-                <a:ea typeface="微軟正黑體" panose="020B0604030504040204" pitchFamily="34" charset="-120"/>
-                <a:cs typeface="Heiti TC Light"/>
-              </a:rPr>
-              <a:t>Webhook</a:t>
-            </a:r>
-            <a:r>
-              <a:rPr kumimoji="1" lang="zh-TW" altLang="en-US" sz="3200" dirty="0">
-                <a:effectLst>
-                  <a:outerShdw blurRad="38100" dist="38100" dir="2700000" algn="tl">
-                    <a:srgbClr val="000000">
-                      <a:alpha val="43137"/>
-                    </a:srgbClr>
-                  </a:outerShdw>
-                </a:effectLst>
-                <a:latin typeface="微軟正黑體" panose="020B0604030504040204" pitchFamily="34" charset="-120"/>
-                <a:ea typeface="微軟正黑體" panose="020B0604030504040204" pitchFamily="34" charset="-120"/>
-                <a:cs typeface="Heiti TC Light"/>
-              </a:rPr>
-              <a:t>是程式，通常不需要有表現層，方便網路資料交換即可</a:t>
-            </a:r>
-            <a:endParaRPr kumimoji="1" lang="en-US" altLang="zh-TW" sz="3200" dirty="0">
-              <a:effectLst>
-                <a:outerShdw blurRad="38100" dist="38100" dir="2700000" algn="tl">
-                  <a:srgbClr val="000000">
-                    <a:alpha val="43137"/>
-                  </a:srgbClr>
-                </a:outerShdw>
-              </a:effectLst>
-              <a:latin typeface="微軟正黑體" panose="020B0604030504040204" pitchFamily="34" charset="-120"/>
-              <a:ea typeface="微軟正黑體" panose="020B0604030504040204" pitchFamily="34" charset="-120"/>
-              <a:cs typeface="Heiti TC Light"/>
-            </a:endParaRPr>
-          </a:p>
-          <a:p>
-            <a:pPr marL="358775" indent="-358775">
-              <a:buFont typeface="Arial" panose="020B0604020202020204" pitchFamily="34" charset="0"/>
-              <a:buChar char="•"/>
-            </a:pPr>
-            <a:r>
-              <a:rPr kumimoji="1" lang="zh-TW" altLang="en-US" sz="3200" dirty="0">
-                <a:effectLst>
-                  <a:outerShdw blurRad="38100" dist="38100" dir="2700000" algn="tl">
-                    <a:srgbClr val="000000">
-                      <a:alpha val="43137"/>
-                    </a:srgbClr>
-                  </a:outerShdw>
-                </a:effectLst>
-                <a:latin typeface="微軟正黑體" panose="020B0604030504040204" pitchFamily="34" charset="-120"/>
-                <a:ea typeface="微軟正黑體" panose="020B0604030504040204" pitchFamily="34" charset="-120"/>
-                <a:cs typeface="Heiti TC Light"/>
-              </a:rPr>
-              <a:t>最常用的</a:t>
-            </a:r>
-            <a:r>
-              <a:rPr kumimoji="1" lang="zh-TW" altLang="en-US" sz="3200">
-                <a:effectLst>
-                  <a:outerShdw blurRad="38100" dist="38100" dir="2700000" algn="tl">
-                    <a:srgbClr val="000000">
-                      <a:alpha val="43137"/>
-                    </a:srgbClr>
-                  </a:outerShdw>
-                </a:effectLst>
-                <a:latin typeface="微軟正黑體" panose="020B0604030504040204" pitchFamily="34" charset="-120"/>
-                <a:ea typeface="微軟正黑體" panose="020B0604030504040204" pitchFamily="34" charset="-120"/>
-                <a:cs typeface="Heiti TC Light"/>
-              </a:rPr>
-              <a:t>伺服器和伺服器之間</a:t>
-            </a:r>
-            <a:r>
-              <a:rPr kumimoji="1" lang="zh-TW" altLang="en-US" sz="3200" dirty="0">
-                <a:effectLst>
-                  <a:outerShdw blurRad="38100" dist="38100" dir="2700000" algn="tl">
-                    <a:srgbClr val="000000">
-                      <a:alpha val="43137"/>
-                    </a:srgbClr>
-                  </a:outerShdw>
-                </a:effectLst>
-                <a:latin typeface="微軟正黑體" panose="020B0604030504040204" pitchFamily="34" charset="-120"/>
-                <a:ea typeface="微軟正黑體" panose="020B0604030504040204" pitchFamily="34" charset="-120"/>
-                <a:cs typeface="Heiti TC Light"/>
-              </a:rPr>
-              <a:t>交換資料的格式是使用</a:t>
-            </a:r>
-            <a:r>
-              <a:rPr kumimoji="1" lang="en-US" altLang="zh-TW" sz="3200" dirty="0">
-                <a:effectLst>
-                  <a:outerShdw blurRad="38100" dist="38100" dir="2700000" algn="tl">
-                    <a:srgbClr val="000000">
-                      <a:alpha val="43137"/>
-                    </a:srgbClr>
-                  </a:outerShdw>
-                </a:effectLst>
-                <a:latin typeface="微軟正黑體" panose="020B0604030504040204" pitchFamily="34" charset="-120"/>
-                <a:ea typeface="微軟正黑體" panose="020B0604030504040204" pitchFamily="34" charset="-120"/>
-                <a:cs typeface="Heiti TC Light"/>
-              </a:rPr>
-              <a:t>JSON</a:t>
-            </a:r>
-          </a:p>
-          <a:p>
-            <a:pPr marL="358775" indent="-358775">
-              <a:buFont typeface="Arial" panose="020B0604020202020204" pitchFamily="34" charset="0"/>
-              <a:buChar char="•"/>
-            </a:pPr>
-            <a:endParaRPr kumimoji="1" lang="en-US" altLang="zh-TW" sz="3200" dirty="0">
-              <a:effectLst>
-                <a:outerShdw blurRad="38100" dist="38100" dir="2700000" algn="tl">
-                  <a:srgbClr val="000000">
-                    <a:alpha val="43137"/>
-                  </a:srgbClr>
-                </a:outerShdw>
-              </a:effectLst>
-              <a:latin typeface="微軟正黑體" panose="020B0604030504040204" pitchFamily="34" charset="-120"/>
-              <a:ea typeface="微軟正黑體" panose="020B0604030504040204" pitchFamily="34" charset="-120"/>
-              <a:cs typeface="Heiti TC Light"/>
-            </a:endParaRPr>
+                <a:cs typeface="Arial"/>
+              </a:rPr>
+              <a:t>原理</a:t>
+            </a:r>
           </a:p>
         </p:txBody>
       </p:sp>
     </p:spTree>
     <p:extLst>
       <p:ext uri="{BB962C8B-B14F-4D97-AF65-F5344CB8AC3E}">
-        <p14:creationId xmlns:p14="http://schemas.microsoft.com/office/powerpoint/2010/main" val="1206237531"/>
+        <p14:creationId xmlns:p14="http://schemas.microsoft.com/office/powerpoint/2010/main" val="286408231"/>
       </p:ext>
     </p:extLst>
   </p:cSld>
@@ -18864,200 +19044,30 @@
       </p:grpSpPr>
       <p:sp>
         <p:nvSpPr>
-          <p:cNvPr id="4" name="文字版面配置區 2"/>
-          <p:cNvSpPr txBox="1">
-            <a:spLocks/>
-          </p:cNvSpPr>
-          <p:nvPr/>
+          <p:cNvPr id="3" name="文字版面配置區 2"/>
+          <p:cNvSpPr>
+            <a:spLocks noGrp="1"/>
+          </p:cNvSpPr>
+          <p:nvPr>
+            <p:ph type="body" sz="quarter" idx="11"/>
+          </p:nvPr>
         </p:nvSpPr>
         <p:spPr>
           <a:xfrm>
-            <a:off x="2362200" y="228600"/>
-            <a:ext cx="5867400" cy="990600"/>
+            <a:off x="2514600" y="3048000"/>
+            <a:ext cx="5410200" cy="990600"/>
           </a:xfrm>
-          <a:prstGeom prst="rect">
-            <a:avLst/>
-          </a:prstGeom>
         </p:spPr>
-        <p:txBody>
-          <a:bodyPr tIns="91440" bIns="91440" anchor="b" anchorCtr="0">
-            <a:noAutofit/>
-          </a:bodyPr>
-          <a:lstStyle/>
-          <a:p>
-            <a:pPr marL="0" marR="0" lvl="0" indent="0" algn="just" defTabSz="914400" rtl="0" eaLnBrk="1" fontAlgn="auto" latinLnBrk="0" hangingPunct="1">
-              <a:lnSpc>
-                <a:spcPct val="100000"/>
-              </a:lnSpc>
-              <a:spcBef>
-                <a:spcPct val="20000"/>
-              </a:spcBef>
-              <a:spcAft>
-                <a:spcPts val="0"/>
-              </a:spcAft>
-              <a:buClrTx/>
-              <a:buSzTx/>
-              <a:buFontTx/>
-              <a:buNone/>
-              <a:tabLst/>
-              <a:defRPr/>
-            </a:pPr>
-            <a:r>
-              <a:rPr kumimoji="0" lang="en-US" altLang="zh-TW" sz="4800" b="1" i="0" u="none" strike="noStrike" kern="0" cap="none" spc="0" normalizeH="0" baseline="0" noProof="0" dirty="0">
-                <a:ln>
-                  <a:noFill/>
-                </a:ln>
-                <a:solidFill>
-                  <a:srgbClr val="00B0F0"/>
-                </a:solidFill>
-                <a:effectLst>
-                  <a:outerShdw blurRad="38100" dist="38100" dir="2700000" algn="tl">
-                    <a:srgbClr val="000000">
-                      <a:alpha val="43137"/>
-                    </a:srgbClr>
-                  </a:outerShdw>
-                </a:effectLst>
-                <a:uLnTx/>
-                <a:uFillTx/>
-                <a:latin typeface="微軟正黑體" panose="020B0604030504040204" pitchFamily="34" charset="-120"/>
-                <a:ea typeface="微軟正黑體" panose="020B0604030504040204" pitchFamily="34" charset="-120"/>
-                <a:cs typeface="+mn-cs"/>
-              </a:rPr>
-              <a:t>JSON</a:t>
-            </a:r>
-            <a:r>
-              <a:rPr kumimoji="0" lang="zh-TW" altLang="en-US" sz="4800" b="1" i="0" u="none" strike="noStrike" kern="0" cap="none" spc="0" normalizeH="0" baseline="0" noProof="0" dirty="0">
-                <a:ln>
-                  <a:noFill/>
-                </a:ln>
-                <a:solidFill>
-                  <a:srgbClr val="00B0F0"/>
-                </a:solidFill>
-                <a:effectLst>
-                  <a:outerShdw blurRad="38100" dist="38100" dir="2700000" algn="tl">
-                    <a:srgbClr val="000000">
-                      <a:alpha val="43137"/>
-                    </a:srgbClr>
-                  </a:outerShdw>
-                </a:effectLst>
-                <a:uLnTx/>
-                <a:uFillTx/>
-                <a:latin typeface="微軟正黑體" panose="020B0604030504040204" pitchFamily="34" charset="-120"/>
-                <a:ea typeface="微軟正黑體" panose="020B0604030504040204" pitchFamily="34" charset="-120"/>
-                <a:cs typeface="+mn-cs"/>
-              </a:rPr>
-              <a:t>資料格式</a:t>
-            </a:r>
-          </a:p>
-        </p:txBody>
-      </p:sp>
-      <p:sp>
-        <p:nvSpPr>
-          <p:cNvPr id="3" name="日期版面配置區 2">
-            <a:extLst>
-              <a:ext uri="{FF2B5EF4-FFF2-40B4-BE49-F238E27FC236}">
-                <a16:creationId xmlns:a16="http://schemas.microsoft.com/office/drawing/2014/main" id="{1C536CB5-3C58-6CF1-767E-952B76F12DEE}"/>
-              </a:ext>
-            </a:extLst>
-          </p:cNvPr>
-          <p:cNvSpPr>
-            <a:spLocks noGrp="1"/>
-          </p:cNvSpPr>
-          <p:nvPr>
-            <p:ph type="dt" sz="half" idx="12"/>
-          </p:nvPr>
-        </p:nvSpPr>
-        <p:spPr/>
         <p:txBody>
           <a:bodyPr/>
           <a:lstStyle/>
           <a:p>
-            <a:fld id="{0B520B05-2240-4566-BE2A-9338980FE8EB}" type="datetime1">
-              <a:rPr kumimoji="0" lang="en-US" altLang="zh-TW" sz="1200" smtClean="0">
-                <a:solidFill>
-                  <a:schemeClr val="tx2"/>
-                </a:solidFill>
-                <a:latin typeface="Arial" panose="020B0604020202020204" pitchFamily="34" charset="0"/>
-                <a:cs typeface="Arial" panose="020B0604020202020204" pitchFamily="34" charset="0"/>
-              </a:rPr>
-              <a:t>5/12/2024</a:t>
-            </a:fld>
-            <a:endParaRPr kumimoji="0" lang="en-US" dirty="0">
-              <a:latin typeface="Arial" panose="020B0604020202020204" pitchFamily="34" charset="0"/>
-              <a:cs typeface="Arial" panose="020B0604020202020204" pitchFamily="34" charset="0"/>
-            </a:endParaRPr>
-          </a:p>
-        </p:txBody>
-      </p:sp>
-      <p:sp>
-        <p:nvSpPr>
-          <p:cNvPr id="7" name="投影片編號版面配置區 6">
-            <a:extLst>
-              <a:ext uri="{FF2B5EF4-FFF2-40B4-BE49-F238E27FC236}">
-                <a16:creationId xmlns:a16="http://schemas.microsoft.com/office/drawing/2014/main" id="{DA316F56-AF12-D872-611F-78AE7ACCBF93}"/>
-              </a:ext>
-            </a:extLst>
-          </p:cNvPr>
-          <p:cNvSpPr>
-            <a:spLocks noGrp="1"/>
-          </p:cNvSpPr>
-          <p:nvPr>
-            <p:ph type="sldNum" sz="quarter" idx="13"/>
-          </p:nvPr>
-        </p:nvSpPr>
-        <p:spPr/>
-        <p:txBody>
-          <a:bodyPr/>
-          <a:lstStyle/>
-          <a:p>
-            <a:pPr algn="r"/>
-            <a:fld id="{F99EC173-99AE-4773-AB25-02E469A13EAE}" type="slidenum">
-              <a:rPr kumimoji="0" lang="en-US" sz="1200" smtClean="0">
-                <a:solidFill>
-                  <a:schemeClr val="tx2"/>
-                </a:solidFill>
-              </a:rPr>
-              <a:pPr algn="r"/>
-              <a:t>36</a:t>
-            </a:fld>
-            <a:endParaRPr kumimoji="0" lang="en-US" dirty="0"/>
-          </a:p>
-        </p:txBody>
-      </p:sp>
-      <p:sp>
-        <p:nvSpPr>
-          <p:cNvPr id="2" name="文字方塊 1">
-            <a:extLst>
-              <a:ext uri="{FF2B5EF4-FFF2-40B4-BE49-F238E27FC236}">
-                <a16:creationId xmlns:a16="http://schemas.microsoft.com/office/drawing/2014/main" id="{54D51629-6478-40B0-266D-C39EAC81C327}"/>
-              </a:ext>
-            </a:extLst>
-          </p:cNvPr>
-          <p:cNvSpPr txBox="1"/>
-          <p:nvPr/>
-        </p:nvSpPr>
-        <p:spPr>
-          <a:xfrm>
-            <a:off x="533400" y="1447800"/>
-            <a:ext cx="8305800" cy="5016758"/>
-          </a:xfrm>
-          <a:prstGeom prst="rect">
-            <a:avLst/>
-          </a:prstGeom>
-          <a:noFill/>
-        </p:spPr>
-        <p:txBody>
-          <a:bodyPr wrap="square" rtlCol="0">
-            <a:spAutoFit/>
-          </a:bodyPr>
-          <a:lstStyle/>
-          <a:p>
-            <a:pPr marL="358775" indent="-358775">
-              <a:buFont typeface="Arial" panose="020B0604020202020204" pitchFamily="34" charset="0"/>
-              <a:buChar char="•"/>
-            </a:pPr>
-            <a:r>
-              <a:rPr kumimoji="1" lang="en-US" altLang="zh-TW" sz="3200" dirty="0">
+            <a:pPr algn="just"/>
+            <a:r>
+              <a:rPr lang="en-US" altLang="zh-TW" sz="4800" b="1" dirty="0">
+                <a:solidFill>
+                  <a:srgbClr val="FFFF00"/>
+                </a:solidFill>
                 <a:effectLst>
                   <a:outerShdw blurRad="38100" dist="38100" dir="2700000" algn="tl">
                     <a:srgbClr val="000000">
@@ -19067,12 +19077,14 @@
                 </a:effectLst>
                 <a:latin typeface="微軟正黑體" panose="020B0604030504040204" pitchFamily="34" charset="-120"/>
                 <a:ea typeface="微軟正黑體" panose="020B0604030504040204" pitchFamily="34" charset="-120"/>
-                <a:cs typeface="Heiti TC Light"/>
-              </a:rPr>
-              <a:t>JavaScript Object Notion</a:t>
-            </a:r>
-            <a:r>
-              <a:rPr kumimoji="1" lang="zh-TW" altLang="en-US" sz="3200" dirty="0">
+              </a:rPr>
+              <a:t>JSON</a:t>
+            </a:r>
+            <a:r>
+              <a:rPr lang="zh-TW" altLang="en-US" sz="4800" b="1" dirty="0">
+                <a:solidFill>
+                  <a:srgbClr val="FFFF00"/>
+                </a:solidFill>
                 <a:effectLst>
                   <a:outerShdw blurRad="38100" dist="38100" dir="2700000" algn="tl">
                     <a:srgbClr val="000000">
@@ -19082,392 +19094,84 @@
                 </a:effectLst>
                 <a:latin typeface="微軟正黑體" panose="020B0604030504040204" pitchFamily="34" charset="-120"/>
                 <a:ea typeface="微軟正黑體" panose="020B0604030504040204" pitchFamily="34" charset="-120"/>
-                <a:cs typeface="Heiti TC Light"/>
-              </a:rPr>
-              <a:t>為全稱</a:t>
-            </a:r>
-            <a:endParaRPr kumimoji="1" lang="en-US" altLang="zh-TW" sz="3200" dirty="0">
-              <a:effectLst>
-                <a:outerShdw blurRad="38100" dist="38100" dir="2700000" algn="tl">
-                  <a:srgbClr val="000000">
-                    <a:alpha val="43137"/>
-                  </a:srgbClr>
-                </a:outerShdw>
-              </a:effectLst>
-              <a:latin typeface="微軟正黑體" panose="020B0604030504040204" pitchFamily="34" charset="-120"/>
-              <a:ea typeface="微軟正黑體" panose="020B0604030504040204" pitchFamily="34" charset="-120"/>
-              <a:cs typeface="Heiti TC Light"/>
-            </a:endParaRPr>
-          </a:p>
-          <a:p>
-            <a:pPr marL="358775" indent="-358775">
-              <a:buFont typeface="Arial" panose="020B0604020202020204" pitchFamily="34" charset="0"/>
-              <a:buChar char="•"/>
-            </a:pPr>
-            <a:r>
-              <a:rPr kumimoji="1" lang="zh-TW" altLang="en-US" sz="3200" dirty="0">
-                <a:effectLst>
-                  <a:outerShdw blurRad="38100" dist="38100" dir="2700000" algn="tl">
-                    <a:srgbClr val="000000">
-                      <a:alpha val="43137"/>
-                    </a:srgbClr>
-                  </a:outerShdw>
-                </a:effectLst>
-                <a:latin typeface="微軟正黑體" panose="020B0604030504040204" pitchFamily="34" charset="-120"/>
-                <a:ea typeface="微軟正黑體" panose="020B0604030504040204" pitchFamily="34" charset="-120"/>
-                <a:cs typeface="Heiti TC Light"/>
-              </a:rPr>
-              <a:t>讀音為「</a:t>
-            </a:r>
-            <a:r>
-              <a:rPr kumimoji="1" lang="en-US" altLang="zh-TW" sz="3200" dirty="0">
-                <a:effectLst>
-                  <a:outerShdw blurRad="38100" dist="38100" dir="2700000" algn="tl">
-                    <a:srgbClr val="000000">
-                      <a:alpha val="43137"/>
-                    </a:srgbClr>
-                  </a:outerShdw>
-                </a:effectLst>
-                <a:latin typeface="微軟正黑體" panose="020B0604030504040204" pitchFamily="34" charset="-120"/>
-                <a:ea typeface="微軟正黑體" panose="020B0604030504040204" pitchFamily="34" charset="-120"/>
-                <a:cs typeface="Heiti TC Light"/>
-              </a:rPr>
-              <a:t>Jason(</a:t>
-            </a:r>
-            <a:r>
-              <a:rPr kumimoji="1" lang="zh-TW" altLang="en-US" sz="3200" dirty="0">
-                <a:effectLst>
-                  <a:outerShdw blurRad="38100" dist="38100" dir="2700000" algn="tl">
-                    <a:srgbClr val="000000">
-                      <a:alpha val="43137"/>
-                    </a:srgbClr>
-                  </a:outerShdw>
-                </a:effectLst>
-                <a:latin typeface="微軟正黑體" panose="020B0604030504040204" pitchFamily="34" charset="-120"/>
-                <a:ea typeface="微軟正黑體" panose="020B0604030504040204" pitchFamily="34" charset="-120"/>
-                <a:cs typeface="Heiti TC Light"/>
-              </a:rPr>
-              <a:t>街喪</a:t>
-            </a:r>
-            <a:r>
-              <a:rPr kumimoji="1" lang="en-US" altLang="zh-TW" sz="3200" dirty="0">
-                <a:effectLst>
-                  <a:outerShdw blurRad="38100" dist="38100" dir="2700000" algn="tl">
-                    <a:srgbClr val="000000">
-                      <a:alpha val="43137"/>
-                    </a:srgbClr>
-                  </a:outerShdw>
-                </a:effectLst>
-                <a:latin typeface="微軟正黑體" panose="020B0604030504040204" pitchFamily="34" charset="-120"/>
-                <a:ea typeface="微軟正黑體" panose="020B0604030504040204" pitchFamily="34" charset="-120"/>
-                <a:cs typeface="Heiti TC Light"/>
-              </a:rPr>
-              <a:t>)</a:t>
-            </a:r>
-            <a:r>
-              <a:rPr kumimoji="1" lang="zh-TW" altLang="en-US" sz="3200" dirty="0">
-                <a:effectLst>
-                  <a:outerShdw blurRad="38100" dist="38100" dir="2700000" algn="tl">
-                    <a:srgbClr val="000000">
-                      <a:alpha val="43137"/>
-                    </a:srgbClr>
-                  </a:outerShdw>
-                </a:effectLst>
-                <a:latin typeface="微軟正黑體" panose="020B0604030504040204" pitchFamily="34" charset="-120"/>
-                <a:ea typeface="微軟正黑體" panose="020B0604030504040204" pitchFamily="34" charset="-120"/>
-                <a:cs typeface="Heiti TC Light"/>
-              </a:rPr>
-              <a:t>」</a:t>
-            </a:r>
-            <a:endParaRPr kumimoji="1" lang="en-US" altLang="zh-TW" sz="3200" dirty="0">
-              <a:effectLst>
-                <a:outerShdw blurRad="38100" dist="38100" dir="2700000" algn="tl">
-                  <a:srgbClr val="000000">
-                    <a:alpha val="43137"/>
-                  </a:srgbClr>
-                </a:outerShdw>
-              </a:effectLst>
-              <a:latin typeface="微軟正黑體" panose="020B0604030504040204" pitchFamily="34" charset="-120"/>
-              <a:ea typeface="微軟正黑體" panose="020B0604030504040204" pitchFamily="34" charset="-120"/>
-              <a:cs typeface="Heiti TC Light"/>
-            </a:endParaRPr>
-          </a:p>
-          <a:p>
-            <a:pPr marL="358775" indent="-358775">
-              <a:buFont typeface="Arial" panose="020B0604020202020204" pitchFamily="34" charset="0"/>
-              <a:buChar char="•"/>
-            </a:pPr>
-            <a:r>
-              <a:rPr kumimoji="1" lang="zh-TW" altLang="en-US" sz="3200" dirty="0">
-                <a:effectLst>
-                  <a:outerShdw blurRad="38100" dist="38100" dir="2700000" algn="tl">
-                    <a:srgbClr val="000000">
-                      <a:alpha val="43137"/>
-                    </a:srgbClr>
-                  </a:outerShdw>
-                </a:effectLst>
-                <a:latin typeface="微軟正黑體" panose="020B0604030504040204" pitchFamily="34" charset="-120"/>
-                <a:ea typeface="微軟正黑體" panose="020B0604030504040204" pitchFamily="34" charset="-120"/>
-                <a:cs typeface="Heiti TC Light"/>
-              </a:rPr>
-              <a:t>不需要有</a:t>
-            </a:r>
-            <a:r>
-              <a:rPr kumimoji="1" lang="en-US" altLang="zh-TW" sz="3200" dirty="0">
-                <a:effectLst>
-                  <a:outerShdw blurRad="38100" dist="38100" dir="2700000" algn="tl">
-                    <a:srgbClr val="000000">
-                      <a:alpha val="43137"/>
-                    </a:srgbClr>
-                  </a:outerShdw>
-                </a:effectLst>
-                <a:latin typeface="微軟正黑體" panose="020B0604030504040204" pitchFamily="34" charset="-120"/>
-                <a:ea typeface="微軟正黑體" panose="020B0604030504040204" pitchFamily="34" charset="-120"/>
-                <a:cs typeface="Heiti TC Light"/>
-              </a:rPr>
-              <a:t>JavaScript</a:t>
-            </a:r>
-            <a:r>
-              <a:rPr kumimoji="1" lang="zh-TW" altLang="en-US" sz="3200" dirty="0">
-                <a:effectLst>
-                  <a:outerShdw blurRad="38100" dist="38100" dir="2700000" algn="tl">
-                    <a:srgbClr val="000000">
-                      <a:alpha val="43137"/>
-                    </a:srgbClr>
-                  </a:outerShdw>
-                </a:effectLst>
-                <a:latin typeface="微軟正黑體" panose="020B0604030504040204" pitchFamily="34" charset="-120"/>
-                <a:ea typeface="微軟正黑體" panose="020B0604030504040204" pitchFamily="34" charset="-120"/>
-                <a:cs typeface="Heiti TC Light"/>
-              </a:rPr>
-              <a:t>，本身即為一種常用的資料格式</a:t>
-            </a:r>
-            <a:endParaRPr kumimoji="1" lang="en-US" altLang="zh-TW" sz="3200" dirty="0">
-              <a:effectLst>
-                <a:outerShdw blurRad="38100" dist="38100" dir="2700000" algn="tl">
-                  <a:srgbClr val="000000">
-                    <a:alpha val="43137"/>
-                  </a:srgbClr>
-                </a:outerShdw>
-              </a:effectLst>
-              <a:latin typeface="微軟正黑體" panose="020B0604030504040204" pitchFamily="34" charset="-120"/>
-              <a:ea typeface="微軟正黑體" panose="020B0604030504040204" pitchFamily="34" charset="-120"/>
-              <a:cs typeface="Heiti TC Light"/>
-            </a:endParaRPr>
-          </a:p>
-          <a:p>
-            <a:pPr marL="358775" indent="-358775">
-              <a:buFont typeface="Arial" panose="020B0604020202020204" pitchFamily="34" charset="0"/>
-              <a:buChar char="•"/>
-            </a:pPr>
-            <a:r>
-              <a:rPr kumimoji="1" lang="zh-TW" altLang="en-US" sz="3200" dirty="0">
-                <a:effectLst>
-                  <a:outerShdw blurRad="38100" dist="38100" dir="2700000" algn="tl">
-                    <a:srgbClr val="000000">
-                      <a:alpha val="43137"/>
-                    </a:srgbClr>
-                  </a:outerShdw>
-                </a:effectLst>
-                <a:latin typeface="微軟正黑體" panose="020B0604030504040204" pitchFamily="34" charset="-120"/>
-                <a:ea typeface="微軟正黑體" panose="020B0604030504040204" pitchFamily="34" charset="-120"/>
-                <a:cs typeface="Heiti TC Light"/>
-              </a:rPr>
-              <a:t>用於程式之間</a:t>
-            </a:r>
-            <a:r>
-              <a:rPr kumimoji="1" lang="en-US" altLang="zh-TW" sz="3200" dirty="0">
-                <a:effectLst>
-                  <a:outerShdw blurRad="38100" dist="38100" dir="2700000" algn="tl">
-                    <a:srgbClr val="000000">
-                      <a:alpha val="43137"/>
-                    </a:srgbClr>
-                  </a:outerShdw>
-                </a:effectLst>
-                <a:latin typeface="微軟正黑體" panose="020B0604030504040204" pitchFamily="34" charset="-120"/>
-                <a:ea typeface="微軟正黑體" panose="020B0604030504040204" pitchFamily="34" charset="-120"/>
-                <a:cs typeface="Heiti TC Light"/>
-              </a:rPr>
-              <a:t>(</a:t>
-            </a:r>
-            <a:r>
-              <a:rPr kumimoji="1" lang="zh-TW" altLang="en-US" sz="3200" dirty="0">
-                <a:effectLst>
-                  <a:outerShdw blurRad="38100" dist="38100" dir="2700000" algn="tl">
-                    <a:srgbClr val="000000">
-                      <a:alpha val="43137"/>
-                    </a:srgbClr>
-                  </a:outerShdw>
-                </a:effectLst>
-                <a:latin typeface="微軟正黑體" panose="020B0604030504040204" pitchFamily="34" charset="-120"/>
-                <a:ea typeface="微軟正黑體" panose="020B0604030504040204" pitchFamily="34" charset="-120"/>
-                <a:cs typeface="Heiti TC Light"/>
-              </a:rPr>
-              <a:t>伺服器之間、伺服器和客戶端之間，客戶端之間</a:t>
-            </a:r>
-            <a:r>
-              <a:rPr kumimoji="1" lang="en-US" altLang="zh-TW" sz="3200" dirty="0">
-                <a:effectLst>
-                  <a:outerShdw blurRad="38100" dist="38100" dir="2700000" algn="tl">
-                    <a:srgbClr val="000000">
-                      <a:alpha val="43137"/>
-                    </a:srgbClr>
-                  </a:outerShdw>
-                </a:effectLst>
-                <a:latin typeface="微軟正黑體" panose="020B0604030504040204" pitchFamily="34" charset="-120"/>
-                <a:ea typeface="微軟正黑體" panose="020B0604030504040204" pitchFamily="34" charset="-120"/>
-                <a:cs typeface="Heiti TC Light"/>
-              </a:rPr>
-              <a:t>)</a:t>
-            </a:r>
-            <a:r>
-              <a:rPr kumimoji="1" lang="zh-TW" altLang="en-US" sz="3200" dirty="0">
-                <a:effectLst>
-                  <a:outerShdw blurRad="38100" dist="38100" dir="2700000" algn="tl">
-                    <a:srgbClr val="000000">
-                      <a:alpha val="43137"/>
-                    </a:srgbClr>
-                  </a:outerShdw>
-                </a:effectLst>
-                <a:latin typeface="微軟正黑體" panose="020B0604030504040204" pitchFamily="34" charset="-120"/>
-                <a:ea typeface="微軟正黑體" panose="020B0604030504040204" pitchFamily="34" charset="-120"/>
-                <a:cs typeface="Heiti TC Light"/>
-              </a:rPr>
-              <a:t>的資料交換</a:t>
-            </a:r>
-            <a:endParaRPr kumimoji="1" lang="en-US" altLang="zh-TW" sz="3200" dirty="0">
-              <a:effectLst>
-                <a:outerShdw blurRad="38100" dist="38100" dir="2700000" algn="tl">
-                  <a:srgbClr val="000000">
-                    <a:alpha val="43137"/>
-                  </a:srgbClr>
-                </a:outerShdw>
-              </a:effectLst>
-              <a:latin typeface="微軟正黑體" panose="020B0604030504040204" pitchFamily="34" charset="-120"/>
-              <a:ea typeface="微軟正黑體" panose="020B0604030504040204" pitchFamily="34" charset="-120"/>
-              <a:cs typeface="Heiti TC Light"/>
-            </a:endParaRPr>
-          </a:p>
-          <a:p>
-            <a:pPr marL="358775" indent="-358775">
-              <a:buFont typeface="Arial" panose="020B0604020202020204" pitchFamily="34" charset="0"/>
-              <a:buChar char="•"/>
-            </a:pPr>
-            <a:r>
-              <a:rPr kumimoji="1" lang="zh-TW" altLang="en-US" sz="3200" dirty="0">
-                <a:effectLst>
-                  <a:outerShdw blurRad="38100" dist="38100" dir="2700000" algn="tl">
-                    <a:srgbClr val="000000">
-                      <a:alpha val="43137"/>
-                    </a:srgbClr>
-                  </a:outerShdw>
-                </a:effectLst>
-                <a:latin typeface="微軟正黑體" panose="020B0604030504040204" pitchFamily="34" charset="-120"/>
-                <a:ea typeface="微軟正黑體" panose="020B0604030504040204" pitchFamily="34" charset="-120"/>
-                <a:cs typeface="Heiti TC Light"/>
-              </a:rPr>
-              <a:t>有些網站會準備</a:t>
-            </a:r>
-            <a:r>
-              <a:rPr kumimoji="1" lang="en-US" altLang="zh-TW" sz="3200" dirty="0">
-                <a:effectLst>
-                  <a:outerShdw blurRad="38100" dist="38100" dir="2700000" algn="tl">
-                    <a:srgbClr val="000000">
-                      <a:alpha val="43137"/>
-                    </a:srgbClr>
-                  </a:outerShdw>
-                </a:effectLst>
-                <a:latin typeface="微軟正黑體" panose="020B0604030504040204" pitchFamily="34" charset="-120"/>
-                <a:ea typeface="微軟正黑體" panose="020B0604030504040204" pitchFamily="34" charset="-120"/>
-                <a:cs typeface="Heiti TC Light"/>
-              </a:rPr>
-              <a:t>JSON</a:t>
-            </a:r>
-            <a:r>
-              <a:rPr kumimoji="1" lang="zh-TW" altLang="en-US" sz="3200" dirty="0">
-                <a:effectLst>
-                  <a:outerShdw blurRad="38100" dist="38100" dir="2700000" algn="tl">
-                    <a:srgbClr val="000000">
-                      <a:alpha val="43137"/>
-                    </a:srgbClr>
-                  </a:outerShdw>
-                </a:effectLst>
-                <a:latin typeface="微軟正黑體" panose="020B0604030504040204" pitchFamily="34" charset="-120"/>
-                <a:ea typeface="微軟正黑體" panose="020B0604030504040204" pitchFamily="34" charset="-120"/>
-                <a:cs typeface="Heiti TC Light"/>
-              </a:rPr>
-              <a:t>資料格式專門給網路爬蟲使用</a:t>
-            </a:r>
-            <a:endParaRPr kumimoji="1" lang="en-US" altLang="zh-TW" sz="3200" dirty="0">
-              <a:effectLst>
-                <a:outerShdw blurRad="38100" dist="38100" dir="2700000" algn="tl">
-                  <a:srgbClr val="000000">
-                    <a:alpha val="43137"/>
-                  </a:srgbClr>
-                </a:outerShdw>
-              </a:effectLst>
-              <a:latin typeface="微軟正黑體" panose="020B0604030504040204" pitchFamily="34" charset="-120"/>
-              <a:ea typeface="微軟正黑體" panose="020B0604030504040204" pitchFamily="34" charset="-120"/>
-              <a:cs typeface="Heiti TC Light"/>
-            </a:endParaRPr>
-          </a:p>
-          <a:p>
-            <a:pPr marL="358775" indent="-358775">
-              <a:buFont typeface="Arial" panose="020B0604020202020204" pitchFamily="34" charset="0"/>
-              <a:buChar char="•"/>
-            </a:pPr>
-            <a:r>
-              <a:rPr kumimoji="1" lang="zh-TW" altLang="en-US" sz="3200" dirty="0">
-                <a:effectLst>
-                  <a:outerShdw blurRad="38100" dist="38100" dir="2700000" algn="tl">
-                    <a:srgbClr val="000000">
-                      <a:alpha val="43137"/>
-                    </a:srgbClr>
-                  </a:outerShdw>
-                </a:effectLst>
-                <a:latin typeface="微軟正黑體" panose="020B0604030504040204" pitchFamily="34" charset="-120"/>
-                <a:ea typeface="微軟正黑體" panose="020B0604030504040204" pitchFamily="34" charset="-120"/>
-                <a:cs typeface="Heiti TC Light"/>
-              </a:rPr>
-              <a:t>也可做為平常資料儲存的格式</a:t>
-            </a:r>
-            <a:endParaRPr kumimoji="1" lang="en-US" altLang="zh-TW" sz="3200" dirty="0">
-              <a:effectLst>
-                <a:outerShdw blurRad="38100" dist="38100" dir="2700000" algn="tl">
-                  <a:srgbClr val="000000">
-                    <a:alpha val="43137"/>
-                  </a:srgbClr>
-                </a:outerShdw>
-              </a:effectLst>
-              <a:latin typeface="微軟正黑體" panose="020B0604030504040204" pitchFamily="34" charset="-120"/>
-              <a:ea typeface="微軟正黑體" panose="020B0604030504040204" pitchFamily="34" charset="-120"/>
-              <a:cs typeface="Heiti TC Light"/>
-            </a:endParaRPr>
-          </a:p>
-          <a:p>
-            <a:pPr marL="358775" indent="-358775">
-              <a:buFont typeface="Arial" panose="020B0604020202020204" pitchFamily="34" charset="0"/>
-              <a:buChar char="•"/>
-            </a:pPr>
-            <a:endParaRPr kumimoji="1" lang="en-US" altLang="zh-TW" sz="3200" dirty="0">
-              <a:effectLst>
-                <a:outerShdw blurRad="38100" dist="38100" dir="2700000" algn="tl">
-                  <a:srgbClr val="000000">
-                    <a:alpha val="43137"/>
-                  </a:srgbClr>
-                </a:outerShdw>
-              </a:effectLst>
-              <a:latin typeface="微軟正黑體" panose="020B0604030504040204" pitchFamily="34" charset="-120"/>
-              <a:ea typeface="微軟正黑體" panose="020B0604030504040204" pitchFamily="34" charset="-120"/>
-              <a:cs typeface="Heiti TC Light"/>
-            </a:endParaRPr>
+              </a:rPr>
+              <a:t>資料格式</a:t>
+            </a:r>
+          </a:p>
+        </p:txBody>
+      </p:sp>
+      <p:sp>
+        <p:nvSpPr>
+          <p:cNvPr id="2" name="日期版面配置區 1">
+            <a:extLst>
+              <a:ext uri="{FF2B5EF4-FFF2-40B4-BE49-F238E27FC236}">
+                <a16:creationId xmlns:a16="http://schemas.microsoft.com/office/drawing/2014/main" id="{01ACAA0C-883C-C966-1259-350A7E7B3BAD}"/>
+              </a:ext>
+            </a:extLst>
+          </p:cNvPr>
+          <p:cNvSpPr>
+            <a:spLocks noGrp="1"/>
+          </p:cNvSpPr>
+          <p:nvPr>
+            <p:ph type="dt" sz="half" idx="12"/>
+          </p:nvPr>
+        </p:nvSpPr>
+        <p:spPr/>
+        <p:txBody>
+          <a:bodyPr/>
+          <a:lstStyle/>
+          <a:p>
+            <a:fld id="{11078AA6-C1A5-45A0-9956-BB8DA3AA2FCD}" type="datetime1">
+              <a:rPr kumimoji="0" lang="en-US" altLang="zh-TW" sz="1200" smtClean="0">
+                <a:solidFill>
+                  <a:schemeClr val="tx2"/>
+                </a:solidFill>
+              </a:rPr>
+              <a:t>5/14/2024</a:t>
+            </a:fld>
+            <a:endParaRPr kumimoji="0" lang="en-US" dirty="0"/>
+          </a:p>
+        </p:txBody>
+      </p:sp>
+      <p:sp>
+        <p:nvSpPr>
+          <p:cNvPr id="5" name="投影片編號版面配置區 4">
+            <a:extLst>
+              <a:ext uri="{FF2B5EF4-FFF2-40B4-BE49-F238E27FC236}">
+                <a16:creationId xmlns:a16="http://schemas.microsoft.com/office/drawing/2014/main" id="{C59AC5A1-68ED-EBAF-3E35-202A7D82E38E}"/>
+              </a:ext>
+            </a:extLst>
+          </p:cNvPr>
+          <p:cNvSpPr>
+            <a:spLocks noGrp="1"/>
+          </p:cNvSpPr>
+          <p:nvPr>
+            <p:ph type="sldNum" sz="quarter" idx="13"/>
+          </p:nvPr>
+        </p:nvSpPr>
+        <p:spPr/>
+        <p:txBody>
+          <a:bodyPr/>
+          <a:lstStyle/>
+          <a:p>
+            <a:pPr algn="r"/>
+            <a:fld id="{F99EC173-99AE-4773-AB25-02E469A13EAE}" type="slidenum">
+              <a:rPr kumimoji="0" lang="en-US" sz="1200" smtClean="0">
+                <a:solidFill>
+                  <a:schemeClr val="tx2"/>
+                </a:solidFill>
+              </a:rPr>
+              <a:pPr algn="r"/>
+              <a:t>36</a:t>
+            </a:fld>
+            <a:endParaRPr kumimoji="0" lang="en-US" dirty="0"/>
           </a:p>
         </p:txBody>
       </p:sp>
     </p:spTree>
     <p:extLst>
       <p:ext uri="{BB962C8B-B14F-4D97-AF65-F5344CB8AC3E}">
-        <p14:creationId xmlns:p14="http://schemas.microsoft.com/office/powerpoint/2010/main" val="2621955823"/>
+        <p14:creationId xmlns:p14="http://schemas.microsoft.com/office/powerpoint/2010/main" val="3604617160"/>
       </p:ext>
     </p:extLst>
   </p:cSld>
@@ -19538,7 +19242,7 @@
               <a:defRPr/>
             </a:pPr>
             <a:r>
-              <a:rPr kumimoji="0" lang="zh-TW" altLang="en-US" sz="4800" b="1" i="0" u="none" strike="noStrike" kern="0" cap="none" spc="0" normalizeH="0" baseline="0" noProof="0" dirty="0">
+              <a:rPr kumimoji="0" lang="en-US" altLang="zh-TW" sz="4800" b="1" i="0" u="none" strike="noStrike" kern="0" cap="none" spc="0" normalizeH="0" baseline="0" noProof="0" dirty="0">
                 <a:ln>
                   <a:noFill/>
                 </a:ln>
@@ -19558,10 +19262,10 @@
                 <a:ea typeface="微軟正黑體" panose="020B0604030504040204" pitchFamily="34" charset="-120"/>
                 <a:cs typeface="+mn-cs"/>
               </a:rPr>
-              <a:t>一個</a:t>
-            </a:r>
-            <a:r>
-              <a:rPr kumimoji="0" lang="en-US" altLang="zh-TW" sz="4800" b="1" i="0" u="none" strike="noStrike" kern="0" cap="none" spc="0" normalizeH="0" baseline="0" noProof="0" dirty="0">
+              <a:t>JSON</a:t>
+            </a:r>
+            <a:r>
+              <a:rPr kumimoji="0" lang="zh-TW" altLang="en-US" sz="4800" b="1" i="0" u="none" strike="noStrike" kern="0" cap="none" spc="0" normalizeH="0" baseline="0" noProof="0" dirty="0">
                 <a:ln>
                   <a:noFill/>
                 </a:ln>
@@ -19581,30 +19285,7 @@
                 <a:ea typeface="微軟正黑體" panose="020B0604030504040204" pitchFamily="34" charset="-120"/>
                 <a:cs typeface="+mn-cs"/>
               </a:rPr>
-              <a:t>JSON</a:t>
-            </a:r>
-            <a:r>
-              <a:rPr kumimoji="0" lang="zh-TW" altLang="en-US" sz="4800" b="1" i="0" u="none" strike="noStrike" kern="0" cap="none" spc="0" normalizeH="0" baseline="0" noProof="0" dirty="0">
-                <a:ln>
-                  <a:noFill/>
-                </a:ln>
-                <a:solidFill>
-                  <a:srgbClr val="00B0F0"/>
-                </a:solidFill>
-                <a:effectLst>
-                  <a:outerShdw blurRad="38100" dist="38100" dir="2700000" algn="tl">
-                    <a:srgbClr val="000000">
-                      <a:alpha val="43137"/>
-                    </a:srgbClr>
-                  </a:outerShdw>
-                </a:effectLst>
-                <a:uLnTx/>
-                <a:uFillTx/>
-                <a:latin typeface="微軟正黑體" panose="020B0604030504040204" pitchFamily="34" charset="-120"/>
-                <a:ea typeface="微軟正黑體" panose="020B0604030504040204" pitchFamily="34" charset="-120"/>
-                <a:cs typeface="+mn-cs"/>
-              </a:rPr>
-              <a:t>應用範例</a:t>
+              <a:t>資料格式</a:t>
             </a:r>
           </a:p>
         </p:txBody>
@@ -19638,7 +19319,7 @@
                 <a:latin typeface="Arial" panose="020B0604020202020204" pitchFamily="34" charset="0"/>
                 <a:cs typeface="Arial" panose="020B0604020202020204" pitchFamily="34" charset="0"/>
               </a:rPr>
-              <a:t>5/12/2024</a:t>
+              <a:t>5/14/2024</a:t>
             </a:fld>
             <a:endParaRPr kumimoji="0" lang="en-US" dirty="0">
               <a:latin typeface="Arial" panose="020B0604020202020204" pitchFamily="34" charset="0"/>
@@ -19697,7 +19378,7 @@
         <p:spPr>
           <a:xfrm>
             <a:off x="533400" y="1447800"/>
-            <a:ext cx="8305800" cy="5078313"/>
+            <a:ext cx="8305800" cy="5509200"/>
           </a:xfrm>
           <a:prstGeom prst="rect">
             <a:avLst/>
@@ -19710,436 +19391,380 @@
           </a:bodyPr>
           <a:lstStyle/>
           <a:p>
-            <a:pPr marL="457200" indent="-457200" algn="l">
+            <a:pPr marL="358775" indent="-358775">
               <a:buFont typeface="Arial" panose="020B0604020202020204" pitchFamily="34" charset="0"/>
               <a:buChar char="•"/>
             </a:pPr>
             <a:r>
-              <a:rPr lang="en-US" altLang="zh-TW" sz="3200" b="0" i="0" dirty="0">
-                <a:effectLst/>
+              <a:rPr kumimoji="1" lang="zh-TW" altLang="en-US" sz="3200" dirty="0">
+                <a:effectLst>
+                  <a:outerShdw blurRad="38100" dist="38100" dir="2700000" algn="tl">
+                    <a:srgbClr val="000000">
+                      <a:alpha val="43137"/>
+                    </a:srgbClr>
+                  </a:outerShdw>
+                </a:effectLst>
                 <a:latin typeface="微軟正黑體" panose="020B0604030504040204" pitchFamily="34" charset="-120"/>
                 <a:ea typeface="微軟正黑體" panose="020B0604030504040204" pitchFamily="34" charset="-120"/>
-              </a:rPr>
-              <a:t>JSON </a:t>
-            </a:r>
-            <a:r>
-              <a:rPr lang="zh-TW" altLang="en-US" sz="3200" b="0" i="0" dirty="0">
-                <a:effectLst/>
-                <a:latin typeface="微軟正黑體" panose="020B0604030504040204" pitchFamily="34" charset="-120"/>
-                <a:ea typeface="微軟正黑體" panose="020B0604030504040204" pitchFamily="34" charset="-120"/>
-              </a:rPr>
-              <a:t>最常用用在 </a:t>
-            </a:r>
-            <a:r>
-              <a:rPr lang="en-US" altLang="zh-TW" sz="3200" b="0" i="0" dirty="0">
-                <a:effectLst/>
-                <a:latin typeface="微軟正黑體" panose="020B0604030504040204" pitchFamily="34" charset="-120"/>
-                <a:ea typeface="微軟正黑體" panose="020B0604030504040204" pitchFamily="34" charset="-120"/>
-              </a:rPr>
-              <a:t>Web </a:t>
-            </a:r>
-            <a:r>
-              <a:rPr lang="zh-TW" altLang="en-US" sz="3200" b="0" i="0" dirty="0">
-                <a:effectLst/>
-                <a:latin typeface="微軟正黑體" panose="020B0604030504040204" pitchFamily="34" charset="-120"/>
-                <a:ea typeface="微軟正黑體" panose="020B0604030504040204" pitchFamily="34" charset="-120"/>
-              </a:rPr>
-              <a:t>網頁程式從 </a:t>
-            </a:r>
-            <a:r>
-              <a:rPr lang="en-US" altLang="zh-TW" sz="3200" b="0" i="0" dirty="0">
-                <a:effectLst/>
-                <a:latin typeface="微軟正黑體" panose="020B0604030504040204" pitchFamily="34" charset="-120"/>
-                <a:ea typeface="微軟正黑體" panose="020B0604030504040204" pitchFamily="34" charset="-120"/>
-              </a:rPr>
-              <a:t>Server </a:t>
-            </a:r>
-            <a:r>
-              <a:rPr lang="zh-TW" altLang="en-US" sz="3200" b="0" i="0" dirty="0">
-                <a:effectLst/>
-                <a:latin typeface="微軟正黑體" panose="020B0604030504040204" pitchFamily="34" charset="-120"/>
-                <a:ea typeface="微軟正黑體" panose="020B0604030504040204" pitchFamily="34" charset="-120"/>
-              </a:rPr>
-              <a:t>端傳送資料給 </a:t>
-            </a:r>
-            <a:r>
-              <a:rPr lang="en-US" altLang="zh-TW" sz="3200" b="0" i="0" dirty="0">
-                <a:effectLst/>
-                <a:latin typeface="微軟正黑體" panose="020B0604030504040204" pitchFamily="34" charset="-120"/>
-                <a:ea typeface="微軟正黑體" panose="020B0604030504040204" pitchFamily="34" charset="-120"/>
-              </a:rPr>
-              <a:t>browser</a:t>
-            </a:r>
-          </a:p>
-          <a:p>
-            <a:pPr marL="457200" indent="-457200" algn="l">
+                <a:cs typeface="Heiti TC Light"/>
+              </a:rPr>
+              <a:t>絕大部分網站非靜態頁面，主要是動態載入資料庫中的資料</a:t>
+            </a:r>
+            <a:endParaRPr kumimoji="1" lang="en-US" altLang="zh-TW" sz="3200" dirty="0">
+              <a:effectLst>
+                <a:outerShdw blurRad="38100" dist="38100" dir="2700000" algn="tl">
+                  <a:srgbClr val="000000">
+                    <a:alpha val="43137"/>
+                  </a:srgbClr>
+                </a:outerShdw>
+              </a:effectLst>
+              <a:latin typeface="微軟正黑體" panose="020B0604030504040204" pitchFamily="34" charset="-120"/>
+              <a:ea typeface="微軟正黑體" panose="020B0604030504040204" pitchFamily="34" charset="-120"/>
+              <a:cs typeface="Heiti TC Light"/>
+            </a:endParaRPr>
+          </a:p>
+          <a:p>
+            <a:pPr marL="358775" indent="-358775">
               <a:buFont typeface="Arial" panose="020B0604020202020204" pitchFamily="34" charset="0"/>
               <a:buChar char="•"/>
             </a:pPr>
             <a:r>
-              <a:rPr lang="zh-TW" altLang="en-US" sz="3200" b="0" i="0" dirty="0">
-                <a:effectLst/>
+              <a:rPr kumimoji="1" lang="zh-TW" altLang="en-US" sz="3200" dirty="0">
+                <a:effectLst>
+                  <a:outerShdw blurRad="38100" dist="38100" dir="2700000" algn="tl">
+                    <a:srgbClr val="000000">
+                      <a:alpha val="43137"/>
+                    </a:srgbClr>
+                  </a:outerShdw>
+                </a:effectLst>
                 <a:latin typeface="微軟正黑體" panose="020B0604030504040204" pitchFamily="34" charset="-120"/>
                 <a:ea typeface="微軟正黑體" panose="020B0604030504040204" pitchFamily="34" charset="-120"/>
-              </a:rPr>
-              <a:t>典型範例就是透過 </a:t>
-            </a:r>
-            <a:r>
-              <a:rPr lang="en-US" altLang="zh-TW" sz="3200" b="0" i="0" dirty="0">
-                <a:effectLst/>
-                <a:latin typeface="微軟正黑體" panose="020B0604030504040204" pitchFamily="34" charset="-120"/>
-                <a:ea typeface="微軟正黑體" panose="020B0604030504040204" pitchFamily="34" charset="-120"/>
-              </a:rPr>
-              <a:t>AJAX </a:t>
-            </a:r>
-            <a:r>
-              <a:rPr lang="zh-TW" altLang="en-US" sz="3200" b="0" i="0" dirty="0">
-                <a:effectLst/>
-                <a:latin typeface="微軟正黑體" panose="020B0604030504040204" pitchFamily="34" charset="-120"/>
-                <a:ea typeface="微軟正黑體" panose="020B0604030504040204" pitchFamily="34" charset="-120"/>
-              </a:rPr>
-              <a:t>方式交換 </a:t>
-            </a:r>
-            <a:r>
-              <a:rPr lang="en-US" altLang="zh-TW" sz="3200" b="0" i="0" dirty="0">
-                <a:effectLst/>
-                <a:latin typeface="微軟正黑體" panose="020B0604030504040204" pitchFamily="34" charset="-120"/>
-                <a:ea typeface="微軟正黑體" panose="020B0604030504040204" pitchFamily="34" charset="-120"/>
-              </a:rPr>
-              <a:t>JSON </a:t>
-            </a:r>
-            <a:r>
-              <a:rPr lang="zh-TW" altLang="en-US" sz="3200" b="0" i="0" dirty="0">
-                <a:effectLst/>
-                <a:latin typeface="微軟正黑體" panose="020B0604030504040204" pitchFamily="34" charset="-120"/>
-                <a:ea typeface="微軟正黑體" panose="020B0604030504040204" pitchFamily="34" charset="-120"/>
-              </a:rPr>
-              <a:t>資料</a:t>
-            </a:r>
-            <a:r>
-              <a:rPr lang="en-US" altLang="zh-TW" sz="3200" b="0" i="0" dirty="0">
-                <a:effectLst/>
-                <a:latin typeface="微軟正黑體" panose="020B0604030504040204" pitchFamily="34" charset="-120"/>
-                <a:ea typeface="微軟正黑體" panose="020B0604030504040204" pitchFamily="34" charset="-120"/>
-              </a:rPr>
-              <a:t>(</a:t>
-            </a:r>
-            <a:r>
-              <a:rPr lang="zh-TW" altLang="en-US" sz="3200" b="0" i="0" dirty="0">
-                <a:effectLst/>
-                <a:latin typeface="微軟正黑體" panose="020B0604030504040204" pitchFamily="34" charset="-120"/>
-                <a:ea typeface="微軟正黑體" panose="020B0604030504040204" pitchFamily="34" charset="-120"/>
-              </a:rPr>
-              <a:t>動態更新頁面</a:t>
-            </a:r>
-            <a:r>
-              <a:rPr lang="en-US" altLang="zh-TW" sz="3200" b="0" i="0" dirty="0">
-                <a:effectLst/>
-                <a:latin typeface="微軟正黑體" panose="020B0604030504040204" pitchFamily="34" charset="-120"/>
-                <a:ea typeface="微軟正黑體" panose="020B0604030504040204" pitchFamily="34" charset="-120"/>
-              </a:rPr>
-              <a:t>)</a:t>
-            </a:r>
-            <a:endParaRPr lang="zh-TW" altLang="en-US" sz="3200" b="0" i="0" dirty="0">
-              <a:effectLst/>
+                <a:cs typeface="Heiti TC Light"/>
+              </a:rPr>
+              <a:t>網站的目的是提供資料，但主要對象是人類</a:t>
+            </a:r>
+            <a:endParaRPr kumimoji="1" lang="en-US" altLang="zh-TW" sz="3200" dirty="0">
+              <a:effectLst>
+                <a:outerShdw blurRad="38100" dist="38100" dir="2700000" algn="tl">
+                  <a:srgbClr val="000000">
+                    <a:alpha val="43137"/>
+                  </a:srgbClr>
+                </a:outerShdw>
+              </a:effectLst>
               <a:latin typeface="微軟正黑體" panose="020B0604030504040204" pitchFamily="34" charset="-120"/>
               <a:ea typeface="微軟正黑體" panose="020B0604030504040204" pitchFamily="34" charset="-120"/>
+              <a:cs typeface="Heiti TC Light"/>
             </a:endParaRPr>
           </a:p>
           <a:p>
-            <a:pPr marL="914400" lvl="1" indent="-457200">
+            <a:pPr marL="358775" indent="-358775">
               <a:buFont typeface="Arial" panose="020B0604020202020204" pitchFamily="34" charset="0"/>
               <a:buChar char="•"/>
             </a:pPr>
             <a:r>
-              <a:rPr lang="zh-TW" altLang="en-US" sz="2800" b="0" i="0" dirty="0">
-                <a:solidFill>
-                  <a:srgbClr val="FFFF00"/>
-                </a:solidFill>
-                <a:effectLst/>
+              <a:rPr kumimoji="1" lang="en-US" altLang="zh-TW" sz="3200" dirty="0">
+                <a:effectLst>
+                  <a:outerShdw blurRad="38100" dist="38100" dir="2700000" algn="tl">
+                    <a:srgbClr val="000000">
+                      <a:alpha val="43137"/>
+                    </a:srgbClr>
+                  </a:outerShdw>
+                </a:effectLst>
                 <a:latin typeface="微軟正黑體" panose="020B0604030504040204" pitchFamily="34" charset="-120"/>
                 <a:ea typeface="微軟正黑體" panose="020B0604030504040204" pitchFamily="34" charset="-120"/>
-              </a:rPr>
-              <a:t>使用者點選了線上產品縮圖</a:t>
-            </a:r>
-          </a:p>
-          <a:p>
-            <a:pPr marL="914400" lvl="1" indent="-457200">
+                <a:cs typeface="Heiti TC Light"/>
+              </a:rPr>
+              <a:t>HTML&amp;CSS</a:t>
+            </a:r>
+            <a:r>
+              <a:rPr kumimoji="1" lang="zh-TW" altLang="en-US" sz="3200" dirty="0">
+                <a:effectLst>
+                  <a:outerShdw blurRad="38100" dist="38100" dir="2700000" algn="tl">
+                    <a:srgbClr val="000000">
+                      <a:alpha val="43137"/>
+                    </a:srgbClr>
+                  </a:outerShdw>
+                </a:effectLst>
+                <a:latin typeface="微軟正黑體" panose="020B0604030504040204" pitchFamily="34" charset="-120"/>
+                <a:ea typeface="微軟正黑體" panose="020B0604030504040204" pitchFamily="34" charset="-120"/>
+                <a:cs typeface="Heiti TC Light"/>
+              </a:rPr>
+              <a:t>的目的是方便人類觀看，主是一種「資料」的表現層</a:t>
+            </a:r>
+            <a:endParaRPr kumimoji="1" lang="en-US" altLang="zh-TW" sz="3200" dirty="0">
+              <a:effectLst>
+                <a:outerShdw blurRad="38100" dist="38100" dir="2700000" algn="tl">
+                  <a:srgbClr val="000000">
+                    <a:alpha val="43137"/>
+                  </a:srgbClr>
+                </a:outerShdw>
+              </a:effectLst>
+              <a:latin typeface="微軟正黑體" panose="020B0604030504040204" pitchFamily="34" charset="-120"/>
+              <a:ea typeface="微軟正黑體" panose="020B0604030504040204" pitchFamily="34" charset="-120"/>
+              <a:cs typeface="Heiti TC Light"/>
+            </a:endParaRPr>
+          </a:p>
+          <a:p>
+            <a:pPr marL="358775" indent="-358775">
               <a:buFont typeface="Arial" panose="020B0604020202020204" pitchFamily="34" charset="0"/>
               <a:buChar char="•"/>
             </a:pPr>
             <a:r>
-              <a:rPr lang="en-US" altLang="zh-TW" sz="2800" b="0" i="0" dirty="0">
-                <a:solidFill>
-                  <a:srgbClr val="FFFF00"/>
-                </a:solidFill>
-                <a:effectLst/>
+              <a:rPr kumimoji="1" lang="zh-TW" altLang="en-US" sz="3200" dirty="0">
+                <a:effectLst>
+                  <a:outerShdw blurRad="38100" dist="38100" dir="2700000" algn="tl">
+                    <a:srgbClr val="000000">
+                      <a:alpha val="43137"/>
+                    </a:srgbClr>
+                  </a:outerShdw>
+                </a:effectLst>
                 <a:latin typeface="微軟正黑體" panose="020B0604030504040204" pitchFamily="34" charset="-120"/>
                 <a:ea typeface="微軟正黑體" panose="020B0604030504040204" pitchFamily="34" charset="-120"/>
-              </a:rPr>
-              <a:t>JavaScript </a:t>
-            </a:r>
-            <a:r>
-              <a:rPr lang="zh-TW" altLang="en-US" sz="2800" b="0" i="0" dirty="0">
-                <a:solidFill>
-                  <a:srgbClr val="FFFF00"/>
-                </a:solidFill>
-                <a:effectLst/>
+                <a:cs typeface="Heiti TC Light"/>
+              </a:rPr>
+              <a:t>資料表現層有很多類型，如</a:t>
+            </a:r>
+            <a:r>
+              <a:rPr kumimoji="1" lang="en-US" altLang="zh-TW" sz="3200" dirty="0">
+                <a:effectLst>
+                  <a:outerShdw blurRad="38100" dist="38100" dir="2700000" algn="tl">
+                    <a:srgbClr val="000000">
+                      <a:alpha val="43137"/>
+                    </a:srgbClr>
+                  </a:outerShdw>
+                </a:effectLst>
                 <a:latin typeface="微軟正黑體" panose="020B0604030504040204" pitchFamily="34" charset="-120"/>
                 <a:ea typeface="微軟正黑體" panose="020B0604030504040204" pitchFamily="34" charset="-120"/>
-              </a:rPr>
-              <a:t>透過 </a:t>
-            </a:r>
-            <a:r>
-              <a:rPr lang="en-US" altLang="zh-TW" sz="2800" b="0" i="0" dirty="0">
-                <a:solidFill>
-                  <a:srgbClr val="FFFF00"/>
-                </a:solidFill>
-                <a:effectLst/>
+                <a:cs typeface="Heiti TC Light"/>
+              </a:rPr>
+              <a:t>html,</a:t>
+            </a:r>
+            <a:r>
+              <a:rPr kumimoji="1" lang="zh-TW" altLang="en-US" sz="3200" dirty="0">
+                <a:effectLst>
+                  <a:outerShdw blurRad="38100" dist="38100" dir="2700000" algn="tl">
+                    <a:srgbClr val="000000">
+                      <a:alpha val="43137"/>
+                    </a:srgbClr>
+                  </a:outerShdw>
+                </a:effectLst>
                 <a:latin typeface="微軟正黑體" panose="020B0604030504040204" pitchFamily="34" charset="-120"/>
                 <a:ea typeface="微軟正黑體" panose="020B0604030504040204" pitchFamily="34" charset="-120"/>
-              </a:rPr>
-              <a:t>AJAX </a:t>
-            </a:r>
-            <a:r>
-              <a:rPr lang="zh-TW" altLang="en-US" sz="2800" b="0" i="0" dirty="0">
-                <a:solidFill>
-                  <a:srgbClr val="FFFF00"/>
-                </a:solidFill>
-                <a:effectLst/>
+                <a:cs typeface="Heiti TC Light"/>
+              </a:rPr>
+              <a:t> </a:t>
+            </a:r>
+            <a:r>
+              <a:rPr kumimoji="1" lang="en-US" altLang="zh-TW" sz="3200" dirty="0">
+                <a:effectLst>
+                  <a:outerShdw blurRad="38100" dist="38100" dir="2700000" algn="tl">
+                    <a:srgbClr val="000000">
+                      <a:alpha val="43137"/>
+                    </a:srgbClr>
+                  </a:outerShdw>
+                </a:effectLst>
                 <a:latin typeface="微軟正黑體" panose="020B0604030504040204" pitchFamily="34" charset="-120"/>
                 <a:ea typeface="微軟正黑體" panose="020B0604030504040204" pitchFamily="34" charset="-120"/>
-              </a:rPr>
-              <a:t>方式將產品 </a:t>
-            </a:r>
-            <a:r>
-              <a:rPr lang="en-US" altLang="zh-TW" sz="2800" b="0" i="0" dirty="0">
-                <a:solidFill>
-                  <a:srgbClr val="FFFF00"/>
-                </a:solidFill>
-                <a:effectLst/>
+                <a:cs typeface="Heiti TC Light"/>
+              </a:rPr>
+              <a:t>txt,</a:t>
+            </a:r>
+            <a:r>
+              <a:rPr kumimoji="1" lang="zh-TW" altLang="en-US" sz="3200" dirty="0">
+                <a:effectLst>
+                  <a:outerShdw blurRad="38100" dist="38100" dir="2700000" algn="tl">
+                    <a:srgbClr val="000000">
+                      <a:alpha val="43137"/>
+                    </a:srgbClr>
+                  </a:outerShdw>
+                </a:effectLst>
                 <a:latin typeface="微軟正黑體" panose="020B0604030504040204" pitchFamily="34" charset="-120"/>
                 <a:ea typeface="微軟正黑體" panose="020B0604030504040204" pitchFamily="34" charset="-120"/>
-              </a:rPr>
-              <a:t>ID </a:t>
-            </a:r>
-            <a:r>
-              <a:rPr lang="zh-TW" altLang="en-US" sz="2800" b="0" i="0" dirty="0">
-                <a:solidFill>
-                  <a:srgbClr val="FFFF00"/>
-                </a:solidFill>
-                <a:effectLst/>
+                <a:cs typeface="Heiti TC Light"/>
+              </a:rPr>
+              <a:t> </a:t>
+            </a:r>
+            <a:r>
+              <a:rPr kumimoji="1" lang="en-US" altLang="zh-TW" sz="3200" dirty="0">
+                <a:effectLst>
+                  <a:outerShdw blurRad="38100" dist="38100" dir="2700000" algn="tl">
+                    <a:srgbClr val="000000">
+                      <a:alpha val="43137"/>
+                    </a:srgbClr>
+                  </a:outerShdw>
+                </a:effectLst>
                 <a:latin typeface="微軟正黑體" panose="020B0604030504040204" pitchFamily="34" charset="-120"/>
                 <a:ea typeface="微軟正黑體" panose="020B0604030504040204" pitchFamily="34" charset="-120"/>
-              </a:rPr>
-              <a:t>傳送給伺服器端</a:t>
-            </a:r>
-          </a:p>
-          <a:p>
-            <a:pPr marL="914400" lvl="1" indent="-457200">
+                <a:cs typeface="Heiti TC Light"/>
+              </a:rPr>
+              <a:t>xml</a:t>
+            </a:r>
+            <a:r>
+              <a:rPr kumimoji="1" lang="zh-TW" altLang="en-US" sz="3200" dirty="0">
+                <a:effectLst>
+                  <a:outerShdw blurRad="38100" dist="38100" dir="2700000" algn="tl">
+                    <a:srgbClr val="000000">
+                      <a:alpha val="43137"/>
+                    </a:srgbClr>
+                  </a:outerShdw>
+                </a:effectLst>
+                <a:latin typeface="微軟正黑體" panose="020B0604030504040204" pitchFamily="34" charset="-120"/>
+                <a:ea typeface="微軟正黑體" panose="020B0604030504040204" pitchFamily="34" charset="-120"/>
+                <a:cs typeface="Heiti TC Light"/>
+              </a:rPr>
+              <a:t>等。</a:t>
+            </a:r>
+            <a:endParaRPr kumimoji="1" lang="en-US" altLang="zh-TW" sz="3200" dirty="0">
+              <a:effectLst>
+                <a:outerShdw blurRad="38100" dist="38100" dir="2700000" algn="tl">
+                  <a:srgbClr val="000000">
+                    <a:alpha val="43137"/>
+                  </a:srgbClr>
+                </a:outerShdw>
+              </a:effectLst>
+              <a:latin typeface="微軟正黑體" panose="020B0604030504040204" pitchFamily="34" charset="-120"/>
+              <a:ea typeface="微軟正黑體" panose="020B0604030504040204" pitchFamily="34" charset="-120"/>
+              <a:cs typeface="Heiti TC Light"/>
+            </a:endParaRPr>
+          </a:p>
+          <a:p>
+            <a:pPr marL="358775" indent="-358775">
               <a:buFont typeface="Arial" panose="020B0604020202020204" pitchFamily="34" charset="0"/>
               <a:buChar char="•"/>
             </a:pPr>
             <a:r>
-              <a:rPr lang="zh-TW" altLang="en-US" sz="2800" b="0" i="0" dirty="0">
-                <a:solidFill>
-                  <a:srgbClr val="FFFF00"/>
-                </a:solidFill>
-                <a:effectLst/>
+              <a:rPr kumimoji="1" lang="en-US" altLang="zh-TW" sz="3200" dirty="0">
+                <a:effectLst>
+                  <a:outerShdw blurRad="38100" dist="38100" dir="2700000" algn="tl">
+                    <a:srgbClr val="000000">
+                      <a:alpha val="43137"/>
+                    </a:srgbClr>
+                  </a:outerShdw>
+                </a:effectLst>
                 <a:latin typeface="微軟正黑體" panose="020B0604030504040204" pitchFamily="34" charset="-120"/>
                 <a:ea typeface="微軟正黑體" panose="020B0604030504040204" pitchFamily="34" charset="-120"/>
-              </a:rPr>
-              <a:t>伺服器端收到 </a:t>
-            </a:r>
-            <a:r>
-              <a:rPr lang="en-US" altLang="zh-TW" sz="2800" b="0" i="0" dirty="0">
-                <a:solidFill>
-                  <a:srgbClr val="FFFF00"/>
-                </a:solidFill>
-                <a:effectLst/>
+                <a:cs typeface="Heiti TC Light"/>
+              </a:rPr>
+              <a:t>Webhook</a:t>
+            </a:r>
+            <a:r>
+              <a:rPr kumimoji="1" lang="zh-TW" altLang="en-US" sz="3200" dirty="0">
+                <a:effectLst>
+                  <a:outerShdw blurRad="38100" dist="38100" dir="2700000" algn="tl">
+                    <a:srgbClr val="000000">
+                      <a:alpha val="43137"/>
+                    </a:srgbClr>
+                  </a:outerShdw>
+                </a:effectLst>
                 <a:latin typeface="微軟正黑體" panose="020B0604030504040204" pitchFamily="34" charset="-120"/>
                 <a:ea typeface="微軟正黑體" panose="020B0604030504040204" pitchFamily="34" charset="-120"/>
-              </a:rPr>
-              <a:t>ID</a:t>
-            </a:r>
-            <a:r>
-              <a:rPr lang="zh-TW" altLang="en-US" sz="2800" b="0" i="0" dirty="0">
-                <a:solidFill>
-                  <a:srgbClr val="FFFF00"/>
-                </a:solidFill>
-                <a:effectLst/>
-                <a:latin typeface="微軟正黑體" panose="020B0604030504040204" pitchFamily="34" charset="-120"/>
-                <a:ea typeface="微軟正黑體" panose="020B0604030504040204" pitchFamily="34" charset="-120"/>
-              </a:rPr>
-              <a:t>，將產品資料 </a:t>
-            </a:r>
-            <a:r>
-              <a:rPr lang="en-US" altLang="zh-TW" sz="2800" b="0" i="0" dirty="0">
-                <a:solidFill>
-                  <a:srgbClr val="FFFF00"/>
-                </a:solidFill>
-                <a:effectLst/>
-                <a:latin typeface="微軟正黑體" panose="020B0604030504040204" pitchFamily="34" charset="-120"/>
-                <a:ea typeface="微軟正黑體" panose="020B0604030504040204" pitchFamily="34" charset="-120"/>
-              </a:rPr>
-              <a:t>(ex </a:t>
-            </a:r>
-            <a:r>
-              <a:rPr lang="zh-TW" altLang="en-US" sz="2800" b="0" i="0" dirty="0">
-                <a:solidFill>
-                  <a:srgbClr val="FFFF00"/>
-                </a:solidFill>
-                <a:effectLst/>
-                <a:latin typeface="微軟正黑體" panose="020B0604030504040204" pitchFamily="34" charset="-120"/>
-                <a:ea typeface="微軟正黑體" panose="020B0604030504040204" pitchFamily="34" charset="-120"/>
-              </a:rPr>
-              <a:t>價格</a:t>
-            </a:r>
-            <a:r>
-              <a:rPr lang="en-US" altLang="zh-TW" sz="2800" b="0" i="0" dirty="0">
-                <a:solidFill>
-                  <a:srgbClr val="FFFF00"/>
-                </a:solidFill>
-                <a:effectLst/>
-                <a:latin typeface="微軟正黑體" panose="020B0604030504040204" pitchFamily="34" charset="-120"/>
-                <a:ea typeface="微軟正黑體" panose="020B0604030504040204" pitchFamily="34" charset="-120"/>
-              </a:rPr>
-              <a:t>,</a:t>
-            </a:r>
-            <a:r>
-              <a:rPr lang="zh-TW" altLang="en-US" sz="2800" b="0" i="0" dirty="0">
-                <a:solidFill>
-                  <a:srgbClr val="FFFF00"/>
-                </a:solidFill>
-                <a:effectLst/>
-                <a:latin typeface="微軟正黑體" panose="020B0604030504040204" pitchFamily="34" charset="-120"/>
-                <a:ea typeface="微軟正黑體" panose="020B0604030504040204" pitchFamily="34" charset="-120"/>
-              </a:rPr>
-              <a:t>描述</a:t>
-            </a:r>
-            <a:r>
-              <a:rPr lang="en-US" altLang="zh-TW" sz="2800" b="0" i="0" dirty="0">
-                <a:solidFill>
-                  <a:srgbClr val="FFFF00"/>
-                </a:solidFill>
-                <a:effectLst/>
-                <a:latin typeface="微軟正黑體" panose="020B0604030504040204" pitchFamily="34" charset="-120"/>
-                <a:ea typeface="微軟正黑體" panose="020B0604030504040204" pitchFamily="34" charset="-120"/>
-              </a:rPr>
-              <a:t>) </a:t>
-            </a:r>
-            <a:r>
-              <a:rPr lang="zh-TW" altLang="en-US" sz="2800" b="0" i="0" dirty="0">
-                <a:solidFill>
-                  <a:srgbClr val="FFFF00"/>
-                </a:solidFill>
-                <a:effectLst/>
-                <a:latin typeface="微軟正黑體" panose="020B0604030504040204" pitchFamily="34" charset="-120"/>
-                <a:ea typeface="微軟正黑體" panose="020B0604030504040204" pitchFamily="34" charset="-120"/>
-              </a:rPr>
-              <a:t>編碼成 </a:t>
-            </a:r>
-            <a:r>
-              <a:rPr lang="en-US" altLang="zh-TW" sz="2800" b="0" i="0" dirty="0">
-                <a:solidFill>
-                  <a:srgbClr val="FFFF00"/>
-                </a:solidFill>
-                <a:effectLst/>
-                <a:latin typeface="微軟正黑體" panose="020B0604030504040204" pitchFamily="34" charset="-120"/>
-                <a:ea typeface="微軟正黑體" panose="020B0604030504040204" pitchFamily="34" charset="-120"/>
-              </a:rPr>
-              <a:t>JSON </a:t>
-            </a:r>
-            <a:r>
-              <a:rPr lang="zh-TW" altLang="en-US" sz="2800" b="0" i="0" dirty="0">
-                <a:solidFill>
-                  <a:srgbClr val="FFFF00"/>
-                </a:solidFill>
-                <a:effectLst/>
-                <a:latin typeface="微軟正黑體" panose="020B0604030504040204" pitchFamily="34" charset="-120"/>
-                <a:ea typeface="微軟正黑體" panose="020B0604030504040204" pitchFamily="34" charset="-120"/>
-              </a:rPr>
-              <a:t>資料，並且回傳給瀏覽器</a:t>
-            </a:r>
-          </a:p>
-          <a:p>
-            <a:pPr marL="914400" lvl="1" indent="-457200">
+                <a:cs typeface="Heiti TC Light"/>
+              </a:rPr>
+              <a:t>是程式，通常不需要有表現層，方便網路資料交換即可</a:t>
+            </a:r>
+            <a:endParaRPr kumimoji="1" lang="en-US" altLang="zh-TW" sz="3200" dirty="0">
+              <a:effectLst>
+                <a:outerShdw blurRad="38100" dist="38100" dir="2700000" algn="tl">
+                  <a:srgbClr val="000000">
+                    <a:alpha val="43137"/>
+                  </a:srgbClr>
+                </a:outerShdw>
+              </a:effectLst>
+              <a:latin typeface="微軟正黑體" panose="020B0604030504040204" pitchFamily="34" charset="-120"/>
+              <a:ea typeface="微軟正黑體" panose="020B0604030504040204" pitchFamily="34" charset="-120"/>
+              <a:cs typeface="Heiti TC Light"/>
+            </a:endParaRPr>
+          </a:p>
+          <a:p>
+            <a:pPr marL="358775" indent="-358775">
               <a:buFont typeface="Arial" panose="020B0604020202020204" pitchFamily="34" charset="0"/>
               <a:buChar char="•"/>
             </a:pPr>
             <a:r>
-              <a:rPr lang="en-US" altLang="zh-TW" sz="2800" b="0" i="0" dirty="0">
-                <a:solidFill>
-                  <a:srgbClr val="FFFF00"/>
-                </a:solidFill>
-                <a:effectLst/>
+              <a:rPr kumimoji="1" lang="zh-TW" altLang="en-US" sz="3200" dirty="0">
+                <a:effectLst>
+                  <a:outerShdw blurRad="38100" dist="38100" dir="2700000" algn="tl">
+                    <a:srgbClr val="000000">
+                      <a:alpha val="43137"/>
+                    </a:srgbClr>
+                  </a:outerShdw>
+                </a:effectLst>
                 <a:latin typeface="微軟正黑體" panose="020B0604030504040204" pitchFamily="34" charset="-120"/>
                 <a:ea typeface="微軟正黑體" panose="020B0604030504040204" pitchFamily="34" charset="-120"/>
-              </a:rPr>
-              <a:t>JavaScript </a:t>
-            </a:r>
-            <a:r>
-              <a:rPr lang="zh-TW" altLang="en-US" sz="2800" b="0" i="0" dirty="0">
-                <a:solidFill>
-                  <a:srgbClr val="FFFF00"/>
-                </a:solidFill>
-                <a:effectLst/>
+                <a:cs typeface="Heiti TC Light"/>
+              </a:rPr>
+              <a:t>最常用的</a:t>
+            </a:r>
+            <a:r>
+              <a:rPr kumimoji="1" lang="zh-TW" altLang="en-US" sz="3200">
+                <a:effectLst>
+                  <a:outerShdw blurRad="38100" dist="38100" dir="2700000" algn="tl">
+                    <a:srgbClr val="000000">
+                      <a:alpha val="43137"/>
+                    </a:srgbClr>
+                  </a:outerShdw>
+                </a:effectLst>
                 <a:latin typeface="微軟正黑體" panose="020B0604030504040204" pitchFamily="34" charset="-120"/>
                 <a:ea typeface="微軟正黑體" panose="020B0604030504040204" pitchFamily="34" charset="-120"/>
-              </a:rPr>
-              <a:t>收到 </a:t>
-            </a:r>
-            <a:r>
-              <a:rPr lang="en-US" altLang="zh-TW" sz="2800" b="0" i="0" dirty="0">
-                <a:solidFill>
-                  <a:srgbClr val="FFFF00"/>
-                </a:solidFill>
-                <a:effectLst/>
+                <a:cs typeface="Heiti TC Light"/>
+              </a:rPr>
+              <a:t>伺服器和伺服器之間</a:t>
+            </a:r>
+            <a:r>
+              <a:rPr kumimoji="1" lang="zh-TW" altLang="en-US" sz="3200" dirty="0">
+                <a:effectLst>
+                  <a:outerShdw blurRad="38100" dist="38100" dir="2700000" algn="tl">
+                    <a:srgbClr val="000000">
+                      <a:alpha val="43137"/>
+                    </a:srgbClr>
+                  </a:outerShdw>
+                </a:effectLst>
                 <a:latin typeface="微軟正黑體" panose="020B0604030504040204" pitchFamily="34" charset="-120"/>
                 <a:ea typeface="微軟正黑體" panose="020B0604030504040204" pitchFamily="34" charset="-120"/>
-              </a:rPr>
-              <a:t>JSON </a:t>
-            </a:r>
-            <a:r>
-              <a:rPr lang="zh-TW" altLang="en-US" sz="2800" b="0" i="0" dirty="0">
-                <a:solidFill>
-                  <a:srgbClr val="FFFF00"/>
-                </a:solidFill>
-                <a:effectLst/>
+                <a:cs typeface="Heiti TC Light"/>
+              </a:rPr>
+              <a:t>交換資料的格式是使用</a:t>
+            </a:r>
+            <a:r>
+              <a:rPr kumimoji="1" lang="en-US" altLang="zh-TW" sz="3200" dirty="0">
+                <a:effectLst>
+                  <a:outerShdw blurRad="38100" dist="38100" dir="2700000" algn="tl">
+                    <a:srgbClr val="000000">
+                      <a:alpha val="43137"/>
+                    </a:srgbClr>
+                  </a:outerShdw>
+                </a:effectLst>
                 <a:latin typeface="微軟正黑體" panose="020B0604030504040204" pitchFamily="34" charset="-120"/>
                 <a:ea typeface="微軟正黑體" panose="020B0604030504040204" pitchFamily="34" charset="-120"/>
-              </a:rPr>
-              <a:t>資料，將其解碼 </a:t>
-            </a:r>
-            <a:r>
-              <a:rPr lang="en-US" altLang="zh-TW" sz="2800" b="0" i="0" dirty="0">
-                <a:solidFill>
-                  <a:srgbClr val="FFFF00"/>
-                </a:solidFill>
-                <a:effectLst/>
-                <a:latin typeface="微軟正黑體" panose="020B0604030504040204" pitchFamily="34" charset="-120"/>
-                <a:ea typeface="微軟正黑體" panose="020B0604030504040204" pitchFamily="34" charset="-120"/>
-              </a:rPr>
-              <a:t>(decode) </a:t>
-            </a:r>
-            <a:r>
-              <a:rPr lang="zh-TW" altLang="en-US" sz="2800" b="0" i="0" dirty="0">
-                <a:solidFill>
-                  <a:srgbClr val="FFFF00"/>
-                </a:solidFill>
-                <a:effectLst/>
-                <a:latin typeface="微軟正黑體" panose="020B0604030504040204" pitchFamily="34" charset="-120"/>
-                <a:ea typeface="微軟正黑體" panose="020B0604030504040204" pitchFamily="34" charset="-120"/>
-              </a:rPr>
-              <a:t>並且將資料顯示在網頁上</a:t>
-            </a:r>
+                <a:cs typeface="Heiti TC Light"/>
+              </a:rPr>
+              <a:t>JSON</a:t>
+            </a:r>
+          </a:p>
+          <a:p>
+            <a:pPr marL="358775" indent="-358775">
+              <a:buFont typeface="Arial" panose="020B0604020202020204" pitchFamily="34" charset="0"/>
+              <a:buChar char="•"/>
+            </a:pPr>
+            <a:endParaRPr kumimoji="1" lang="en-US" altLang="zh-TW" sz="3200" dirty="0">
+              <a:effectLst>
+                <a:outerShdw blurRad="38100" dist="38100" dir="2700000" algn="tl">
+                  <a:srgbClr val="000000">
+                    <a:alpha val="43137"/>
+                  </a:srgbClr>
+                </a:outerShdw>
+              </a:effectLst>
+              <a:latin typeface="微軟正黑體" panose="020B0604030504040204" pitchFamily="34" charset="-120"/>
+              <a:ea typeface="微軟正黑體" panose="020B0604030504040204" pitchFamily="34" charset="-120"/>
+              <a:cs typeface="Heiti TC Light"/>
+            </a:endParaRPr>
           </a:p>
         </p:txBody>
       </p:sp>
     </p:spTree>
     <p:extLst>
       <p:ext uri="{BB962C8B-B14F-4D97-AF65-F5344CB8AC3E}">
-        <p14:creationId xmlns:p14="http://schemas.microsoft.com/office/powerpoint/2010/main" val="3979454481"/>
+        <p14:creationId xmlns:p14="http://schemas.microsoft.com/office/powerpoint/2010/main" val="1206237531"/>
       </p:ext>
     </p:extLst>
   </p:cSld>
@@ -20169,40 +19794,612 @@
           <a:chExt cx="0" cy="0"/>
         </a:xfrm>
       </p:grpSpPr>
-      <p:pic>
-        <p:nvPicPr>
-          <p:cNvPr id="7" name="圖片 6">
-            <a:extLst>
-              <a:ext uri="{FF2B5EF4-FFF2-40B4-BE49-F238E27FC236}">
-                <a16:creationId xmlns:a16="http://schemas.microsoft.com/office/drawing/2014/main" id="{D855CC84-4E5B-B7FC-9DA7-4535DFEAFDA7}"/>
-              </a:ext>
-            </a:extLst>
-          </p:cNvPr>
-          <p:cNvPicPr>
-            <a:picLocks noChangeAspect="1"/>
-          </p:cNvPicPr>
+      <p:sp>
+        <p:nvSpPr>
+          <p:cNvPr id="4" name="文字版面配置區 2"/>
+          <p:cNvSpPr txBox="1">
+            <a:spLocks/>
+          </p:cNvSpPr>
           <p:nvPr/>
-        </p:nvPicPr>
-        <p:blipFill>
-          <a:blip r:embed="rId2"/>
-          <a:stretch>
-            <a:fillRect/>
-          </a:stretch>
-        </p:blipFill>
+        </p:nvSpPr>
         <p:spPr>
           <a:xfrm>
-            <a:off x="1600200" y="1066800"/>
-            <a:ext cx="6378575" cy="3733800"/>
+            <a:off x="2362200" y="228600"/>
+            <a:ext cx="5867400" cy="990600"/>
           </a:xfrm>
           <a:prstGeom prst="rect">
             <a:avLst/>
           </a:prstGeom>
         </p:spPr>
-      </p:pic>
+        <p:txBody>
+          <a:bodyPr tIns="91440" bIns="91440" anchor="b" anchorCtr="0">
+            <a:noAutofit/>
+          </a:bodyPr>
+          <a:lstStyle/>
+          <a:p>
+            <a:pPr marL="0" marR="0" lvl="0" indent="0" algn="just" defTabSz="914400" rtl="0" eaLnBrk="1" fontAlgn="auto" latinLnBrk="0" hangingPunct="1">
+              <a:lnSpc>
+                <a:spcPct val="100000"/>
+              </a:lnSpc>
+              <a:spcBef>
+                <a:spcPct val="20000"/>
+              </a:spcBef>
+              <a:spcAft>
+                <a:spcPts val="0"/>
+              </a:spcAft>
+              <a:buClrTx/>
+              <a:buSzTx/>
+              <a:buFontTx/>
+              <a:buNone/>
+              <a:tabLst/>
+              <a:defRPr/>
+            </a:pPr>
+            <a:r>
+              <a:rPr kumimoji="0" lang="en-US" altLang="zh-TW" sz="4800" b="1" i="0" u="none" strike="noStrike" kern="0" cap="none" spc="0" normalizeH="0" baseline="0" noProof="0" dirty="0">
+                <a:ln>
+                  <a:noFill/>
+                </a:ln>
+                <a:solidFill>
+                  <a:srgbClr val="00B0F0"/>
+                </a:solidFill>
+                <a:effectLst>
+                  <a:outerShdw blurRad="38100" dist="38100" dir="2700000" algn="tl">
+                    <a:srgbClr val="000000">
+                      <a:alpha val="43137"/>
+                    </a:srgbClr>
+                  </a:outerShdw>
+                </a:effectLst>
+                <a:uLnTx/>
+                <a:uFillTx/>
+                <a:latin typeface="微軟正黑體" panose="020B0604030504040204" pitchFamily="34" charset="-120"/>
+                <a:ea typeface="微軟正黑體" panose="020B0604030504040204" pitchFamily="34" charset="-120"/>
+                <a:cs typeface="+mn-cs"/>
+              </a:rPr>
+              <a:t>JSON</a:t>
+            </a:r>
+            <a:r>
+              <a:rPr kumimoji="0" lang="zh-TW" altLang="en-US" sz="4800" b="1" i="0" u="none" strike="noStrike" kern="0" cap="none" spc="0" normalizeH="0" baseline="0" noProof="0" dirty="0">
+                <a:ln>
+                  <a:noFill/>
+                </a:ln>
+                <a:solidFill>
+                  <a:srgbClr val="00B0F0"/>
+                </a:solidFill>
+                <a:effectLst>
+                  <a:outerShdw blurRad="38100" dist="38100" dir="2700000" algn="tl">
+                    <a:srgbClr val="000000">
+                      <a:alpha val="43137"/>
+                    </a:srgbClr>
+                  </a:outerShdw>
+                </a:effectLst>
+                <a:uLnTx/>
+                <a:uFillTx/>
+                <a:latin typeface="微軟正黑體" panose="020B0604030504040204" pitchFamily="34" charset="-120"/>
+                <a:ea typeface="微軟正黑體" panose="020B0604030504040204" pitchFamily="34" charset="-120"/>
+                <a:cs typeface="+mn-cs"/>
+              </a:rPr>
+              <a:t>資料格式</a:t>
+            </a:r>
+          </a:p>
+        </p:txBody>
+      </p:sp>
+      <p:sp>
+        <p:nvSpPr>
+          <p:cNvPr id="3" name="日期版面配置區 2">
+            <a:extLst>
+              <a:ext uri="{FF2B5EF4-FFF2-40B4-BE49-F238E27FC236}">
+                <a16:creationId xmlns:a16="http://schemas.microsoft.com/office/drawing/2014/main" id="{1C536CB5-3C58-6CF1-767E-952B76F12DEE}"/>
+              </a:ext>
+            </a:extLst>
+          </p:cNvPr>
+          <p:cNvSpPr>
+            <a:spLocks noGrp="1"/>
+          </p:cNvSpPr>
+          <p:nvPr>
+            <p:ph type="dt" sz="half" idx="12"/>
+          </p:nvPr>
+        </p:nvSpPr>
+        <p:spPr/>
+        <p:txBody>
+          <a:bodyPr/>
+          <a:lstStyle/>
+          <a:p>
+            <a:fld id="{0B520B05-2240-4566-BE2A-9338980FE8EB}" type="datetime1">
+              <a:rPr kumimoji="0" lang="en-US" altLang="zh-TW" sz="1200" smtClean="0">
+                <a:solidFill>
+                  <a:schemeClr val="tx2"/>
+                </a:solidFill>
+                <a:latin typeface="Arial" panose="020B0604020202020204" pitchFamily="34" charset="0"/>
+                <a:cs typeface="Arial" panose="020B0604020202020204" pitchFamily="34" charset="0"/>
+              </a:rPr>
+              <a:t>5/14/2024</a:t>
+            </a:fld>
+            <a:endParaRPr kumimoji="0" lang="en-US" dirty="0">
+              <a:latin typeface="Arial" panose="020B0604020202020204" pitchFamily="34" charset="0"/>
+              <a:cs typeface="Arial" panose="020B0604020202020204" pitchFamily="34" charset="0"/>
+            </a:endParaRPr>
+          </a:p>
+        </p:txBody>
+      </p:sp>
+      <p:sp>
+        <p:nvSpPr>
+          <p:cNvPr id="7" name="投影片編號版面配置區 6">
+            <a:extLst>
+              <a:ext uri="{FF2B5EF4-FFF2-40B4-BE49-F238E27FC236}">
+                <a16:creationId xmlns:a16="http://schemas.microsoft.com/office/drawing/2014/main" id="{DA316F56-AF12-D872-611F-78AE7ACCBF93}"/>
+              </a:ext>
+            </a:extLst>
+          </p:cNvPr>
+          <p:cNvSpPr>
+            <a:spLocks noGrp="1"/>
+          </p:cNvSpPr>
+          <p:nvPr>
+            <p:ph type="sldNum" sz="quarter" idx="13"/>
+          </p:nvPr>
+        </p:nvSpPr>
+        <p:spPr/>
+        <p:txBody>
+          <a:bodyPr/>
+          <a:lstStyle/>
+          <a:p>
+            <a:pPr algn="r"/>
+            <a:fld id="{F99EC173-99AE-4773-AB25-02E469A13EAE}" type="slidenum">
+              <a:rPr kumimoji="0" lang="en-US" sz="1200" smtClean="0">
+                <a:solidFill>
+                  <a:schemeClr val="tx2"/>
+                </a:solidFill>
+              </a:rPr>
+              <a:pPr algn="r"/>
+              <a:t>38</a:t>
+            </a:fld>
+            <a:endParaRPr kumimoji="0" lang="en-US" dirty="0"/>
+          </a:p>
+        </p:txBody>
+      </p:sp>
+      <p:sp>
+        <p:nvSpPr>
+          <p:cNvPr id="2" name="文字方塊 1">
+            <a:extLst>
+              <a:ext uri="{FF2B5EF4-FFF2-40B4-BE49-F238E27FC236}">
+                <a16:creationId xmlns:a16="http://schemas.microsoft.com/office/drawing/2014/main" id="{54D51629-6478-40B0-266D-C39EAC81C327}"/>
+              </a:ext>
+            </a:extLst>
+          </p:cNvPr>
+          <p:cNvSpPr txBox="1"/>
+          <p:nvPr/>
+        </p:nvSpPr>
+        <p:spPr>
+          <a:xfrm>
+            <a:off x="533400" y="1447800"/>
+            <a:ext cx="8305800" cy="5016758"/>
+          </a:xfrm>
+          <a:prstGeom prst="rect">
+            <a:avLst/>
+          </a:prstGeom>
+          <a:noFill/>
+        </p:spPr>
+        <p:txBody>
+          <a:bodyPr wrap="square" rtlCol="0">
+            <a:spAutoFit/>
+          </a:bodyPr>
+          <a:lstStyle/>
+          <a:p>
+            <a:pPr marL="358775" indent="-358775">
+              <a:buFont typeface="Arial" panose="020B0604020202020204" pitchFamily="34" charset="0"/>
+              <a:buChar char="•"/>
+            </a:pPr>
+            <a:r>
+              <a:rPr kumimoji="1" lang="en-US" altLang="zh-TW" sz="3200" dirty="0">
+                <a:effectLst>
+                  <a:outerShdw blurRad="38100" dist="38100" dir="2700000" algn="tl">
+                    <a:srgbClr val="000000">
+                      <a:alpha val="43137"/>
+                    </a:srgbClr>
+                  </a:outerShdw>
+                </a:effectLst>
+                <a:latin typeface="微軟正黑體" panose="020B0604030504040204" pitchFamily="34" charset="-120"/>
+                <a:ea typeface="微軟正黑體" panose="020B0604030504040204" pitchFamily="34" charset="-120"/>
+                <a:cs typeface="Heiti TC Light"/>
+              </a:rPr>
+              <a:t>JavaScript Object Notion</a:t>
+            </a:r>
+            <a:r>
+              <a:rPr kumimoji="1" lang="zh-TW" altLang="en-US" sz="3200" dirty="0">
+                <a:effectLst>
+                  <a:outerShdw blurRad="38100" dist="38100" dir="2700000" algn="tl">
+                    <a:srgbClr val="000000">
+                      <a:alpha val="43137"/>
+                    </a:srgbClr>
+                  </a:outerShdw>
+                </a:effectLst>
+                <a:latin typeface="微軟正黑體" panose="020B0604030504040204" pitchFamily="34" charset="-120"/>
+                <a:ea typeface="微軟正黑體" panose="020B0604030504040204" pitchFamily="34" charset="-120"/>
+                <a:cs typeface="Heiti TC Light"/>
+              </a:rPr>
+              <a:t>為全稱</a:t>
+            </a:r>
+            <a:endParaRPr kumimoji="1" lang="en-US" altLang="zh-TW" sz="3200" dirty="0">
+              <a:effectLst>
+                <a:outerShdw blurRad="38100" dist="38100" dir="2700000" algn="tl">
+                  <a:srgbClr val="000000">
+                    <a:alpha val="43137"/>
+                  </a:srgbClr>
+                </a:outerShdw>
+              </a:effectLst>
+              <a:latin typeface="微軟正黑體" panose="020B0604030504040204" pitchFamily="34" charset="-120"/>
+              <a:ea typeface="微軟正黑體" panose="020B0604030504040204" pitchFamily="34" charset="-120"/>
+              <a:cs typeface="Heiti TC Light"/>
+            </a:endParaRPr>
+          </a:p>
+          <a:p>
+            <a:pPr marL="358775" indent="-358775">
+              <a:buFont typeface="Arial" panose="020B0604020202020204" pitchFamily="34" charset="0"/>
+              <a:buChar char="•"/>
+            </a:pPr>
+            <a:r>
+              <a:rPr kumimoji="1" lang="zh-TW" altLang="en-US" sz="3200" dirty="0">
+                <a:effectLst>
+                  <a:outerShdw blurRad="38100" dist="38100" dir="2700000" algn="tl">
+                    <a:srgbClr val="000000">
+                      <a:alpha val="43137"/>
+                    </a:srgbClr>
+                  </a:outerShdw>
+                </a:effectLst>
+                <a:latin typeface="微軟正黑體" panose="020B0604030504040204" pitchFamily="34" charset="-120"/>
+                <a:ea typeface="微軟正黑體" panose="020B0604030504040204" pitchFamily="34" charset="-120"/>
+                <a:cs typeface="Heiti TC Light"/>
+              </a:rPr>
+              <a:t>讀音為「</a:t>
+            </a:r>
+            <a:r>
+              <a:rPr kumimoji="1" lang="en-US" altLang="zh-TW" sz="3200" dirty="0">
+                <a:effectLst>
+                  <a:outerShdw blurRad="38100" dist="38100" dir="2700000" algn="tl">
+                    <a:srgbClr val="000000">
+                      <a:alpha val="43137"/>
+                    </a:srgbClr>
+                  </a:outerShdw>
+                </a:effectLst>
+                <a:latin typeface="微軟正黑體" panose="020B0604030504040204" pitchFamily="34" charset="-120"/>
+                <a:ea typeface="微軟正黑體" panose="020B0604030504040204" pitchFamily="34" charset="-120"/>
+                <a:cs typeface="Heiti TC Light"/>
+              </a:rPr>
+              <a:t>Jason(</a:t>
+            </a:r>
+            <a:r>
+              <a:rPr kumimoji="1" lang="zh-TW" altLang="en-US" sz="3200" dirty="0">
+                <a:effectLst>
+                  <a:outerShdw blurRad="38100" dist="38100" dir="2700000" algn="tl">
+                    <a:srgbClr val="000000">
+                      <a:alpha val="43137"/>
+                    </a:srgbClr>
+                  </a:outerShdw>
+                </a:effectLst>
+                <a:latin typeface="微軟正黑體" panose="020B0604030504040204" pitchFamily="34" charset="-120"/>
+                <a:ea typeface="微軟正黑體" panose="020B0604030504040204" pitchFamily="34" charset="-120"/>
+                <a:cs typeface="Heiti TC Light"/>
+              </a:rPr>
+              <a:t>街喪</a:t>
+            </a:r>
+            <a:r>
+              <a:rPr kumimoji="1" lang="en-US" altLang="zh-TW" sz="3200" dirty="0">
+                <a:effectLst>
+                  <a:outerShdw blurRad="38100" dist="38100" dir="2700000" algn="tl">
+                    <a:srgbClr val="000000">
+                      <a:alpha val="43137"/>
+                    </a:srgbClr>
+                  </a:outerShdw>
+                </a:effectLst>
+                <a:latin typeface="微軟正黑體" panose="020B0604030504040204" pitchFamily="34" charset="-120"/>
+                <a:ea typeface="微軟正黑體" panose="020B0604030504040204" pitchFamily="34" charset="-120"/>
+                <a:cs typeface="Heiti TC Light"/>
+              </a:rPr>
+              <a:t>)</a:t>
+            </a:r>
+            <a:r>
+              <a:rPr kumimoji="1" lang="zh-TW" altLang="en-US" sz="3200" dirty="0">
+                <a:effectLst>
+                  <a:outerShdw blurRad="38100" dist="38100" dir="2700000" algn="tl">
+                    <a:srgbClr val="000000">
+                      <a:alpha val="43137"/>
+                    </a:srgbClr>
+                  </a:outerShdw>
+                </a:effectLst>
+                <a:latin typeface="微軟正黑體" panose="020B0604030504040204" pitchFamily="34" charset="-120"/>
+                <a:ea typeface="微軟正黑體" panose="020B0604030504040204" pitchFamily="34" charset="-120"/>
+                <a:cs typeface="Heiti TC Light"/>
+              </a:rPr>
+              <a:t>」</a:t>
+            </a:r>
+            <a:endParaRPr kumimoji="1" lang="en-US" altLang="zh-TW" sz="3200" dirty="0">
+              <a:effectLst>
+                <a:outerShdw blurRad="38100" dist="38100" dir="2700000" algn="tl">
+                  <a:srgbClr val="000000">
+                    <a:alpha val="43137"/>
+                  </a:srgbClr>
+                </a:outerShdw>
+              </a:effectLst>
+              <a:latin typeface="微軟正黑體" panose="020B0604030504040204" pitchFamily="34" charset="-120"/>
+              <a:ea typeface="微軟正黑體" panose="020B0604030504040204" pitchFamily="34" charset="-120"/>
+              <a:cs typeface="Heiti TC Light"/>
+            </a:endParaRPr>
+          </a:p>
+          <a:p>
+            <a:pPr marL="358775" indent="-358775">
+              <a:buFont typeface="Arial" panose="020B0604020202020204" pitchFamily="34" charset="0"/>
+              <a:buChar char="•"/>
+            </a:pPr>
+            <a:r>
+              <a:rPr kumimoji="1" lang="zh-TW" altLang="en-US" sz="3200" dirty="0">
+                <a:effectLst>
+                  <a:outerShdw blurRad="38100" dist="38100" dir="2700000" algn="tl">
+                    <a:srgbClr val="000000">
+                      <a:alpha val="43137"/>
+                    </a:srgbClr>
+                  </a:outerShdw>
+                </a:effectLst>
+                <a:latin typeface="微軟正黑體" panose="020B0604030504040204" pitchFamily="34" charset="-120"/>
+                <a:ea typeface="微軟正黑體" panose="020B0604030504040204" pitchFamily="34" charset="-120"/>
+                <a:cs typeface="Heiti TC Light"/>
+              </a:rPr>
+              <a:t>不需要有</a:t>
+            </a:r>
+            <a:r>
+              <a:rPr kumimoji="1" lang="en-US" altLang="zh-TW" sz="3200" dirty="0">
+                <a:effectLst>
+                  <a:outerShdw blurRad="38100" dist="38100" dir="2700000" algn="tl">
+                    <a:srgbClr val="000000">
+                      <a:alpha val="43137"/>
+                    </a:srgbClr>
+                  </a:outerShdw>
+                </a:effectLst>
+                <a:latin typeface="微軟正黑體" panose="020B0604030504040204" pitchFamily="34" charset="-120"/>
+                <a:ea typeface="微軟正黑體" panose="020B0604030504040204" pitchFamily="34" charset="-120"/>
+                <a:cs typeface="Heiti TC Light"/>
+              </a:rPr>
+              <a:t>JavaScript</a:t>
+            </a:r>
+            <a:r>
+              <a:rPr kumimoji="1" lang="zh-TW" altLang="en-US" sz="3200" dirty="0">
+                <a:effectLst>
+                  <a:outerShdw blurRad="38100" dist="38100" dir="2700000" algn="tl">
+                    <a:srgbClr val="000000">
+                      <a:alpha val="43137"/>
+                    </a:srgbClr>
+                  </a:outerShdw>
+                </a:effectLst>
+                <a:latin typeface="微軟正黑體" panose="020B0604030504040204" pitchFamily="34" charset="-120"/>
+                <a:ea typeface="微軟正黑體" panose="020B0604030504040204" pitchFamily="34" charset="-120"/>
+                <a:cs typeface="Heiti TC Light"/>
+              </a:rPr>
+              <a:t>，本身即為一種常用的資料格式</a:t>
+            </a:r>
+            <a:endParaRPr kumimoji="1" lang="en-US" altLang="zh-TW" sz="3200" dirty="0">
+              <a:effectLst>
+                <a:outerShdw blurRad="38100" dist="38100" dir="2700000" algn="tl">
+                  <a:srgbClr val="000000">
+                    <a:alpha val="43137"/>
+                  </a:srgbClr>
+                </a:outerShdw>
+              </a:effectLst>
+              <a:latin typeface="微軟正黑體" panose="020B0604030504040204" pitchFamily="34" charset="-120"/>
+              <a:ea typeface="微軟正黑體" panose="020B0604030504040204" pitchFamily="34" charset="-120"/>
+              <a:cs typeface="Heiti TC Light"/>
+            </a:endParaRPr>
+          </a:p>
+          <a:p>
+            <a:pPr marL="358775" indent="-358775">
+              <a:buFont typeface="Arial" panose="020B0604020202020204" pitchFamily="34" charset="0"/>
+              <a:buChar char="•"/>
+            </a:pPr>
+            <a:r>
+              <a:rPr kumimoji="1" lang="zh-TW" altLang="en-US" sz="3200" dirty="0">
+                <a:effectLst>
+                  <a:outerShdw blurRad="38100" dist="38100" dir="2700000" algn="tl">
+                    <a:srgbClr val="000000">
+                      <a:alpha val="43137"/>
+                    </a:srgbClr>
+                  </a:outerShdw>
+                </a:effectLst>
+                <a:latin typeface="微軟正黑體" panose="020B0604030504040204" pitchFamily="34" charset="-120"/>
+                <a:ea typeface="微軟正黑體" panose="020B0604030504040204" pitchFamily="34" charset="-120"/>
+                <a:cs typeface="Heiti TC Light"/>
+              </a:rPr>
+              <a:t>用於程式之間</a:t>
+            </a:r>
+            <a:r>
+              <a:rPr kumimoji="1" lang="en-US" altLang="zh-TW" sz="3200" dirty="0">
+                <a:effectLst>
+                  <a:outerShdw blurRad="38100" dist="38100" dir="2700000" algn="tl">
+                    <a:srgbClr val="000000">
+                      <a:alpha val="43137"/>
+                    </a:srgbClr>
+                  </a:outerShdw>
+                </a:effectLst>
+                <a:latin typeface="微軟正黑體" panose="020B0604030504040204" pitchFamily="34" charset="-120"/>
+                <a:ea typeface="微軟正黑體" panose="020B0604030504040204" pitchFamily="34" charset="-120"/>
+                <a:cs typeface="Heiti TC Light"/>
+              </a:rPr>
+              <a:t>(</a:t>
+            </a:r>
+            <a:r>
+              <a:rPr kumimoji="1" lang="zh-TW" altLang="en-US" sz="3200" dirty="0">
+                <a:effectLst>
+                  <a:outerShdw blurRad="38100" dist="38100" dir="2700000" algn="tl">
+                    <a:srgbClr val="000000">
+                      <a:alpha val="43137"/>
+                    </a:srgbClr>
+                  </a:outerShdw>
+                </a:effectLst>
+                <a:latin typeface="微軟正黑體" panose="020B0604030504040204" pitchFamily="34" charset="-120"/>
+                <a:ea typeface="微軟正黑體" panose="020B0604030504040204" pitchFamily="34" charset="-120"/>
+                <a:cs typeface="Heiti TC Light"/>
+              </a:rPr>
+              <a:t>伺服器之間、伺服器和客戶端之間，客戶端之間</a:t>
+            </a:r>
+            <a:r>
+              <a:rPr kumimoji="1" lang="en-US" altLang="zh-TW" sz="3200" dirty="0">
+                <a:effectLst>
+                  <a:outerShdw blurRad="38100" dist="38100" dir="2700000" algn="tl">
+                    <a:srgbClr val="000000">
+                      <a:alpha val="43137"/>
+                    </a:srgbClr>
+                  </a:outerShdw>
+                </a:effectLst>
+                <a:latin typeface="微軟正黑體" panose="020B0604030504040204" pitchFamily="34" charset="-120"/>
+                <a:ea typeface="微軟正黑體" panose="020B0604030504040204" pitchFamily="34" charset="-120"/>
+                <a:cs typeface="Heiti TC Light"/>
+              </a:rPr>
+              <a:t>)</a:t>
+            </a:r>
+            <a:r>
+              <a:rPr kumimoji="1" lang="zh-TW" altLang="en-US" sz="3200" dirty="0">
+                <a:effectLst>
+                  <a:outerShdw blurRad="38100" dist="38100" dir="2700000" algn="tl">
+                    <a:srgbClr val="000000">
+                      <a:alpha val="43137"/>
+                    </a:srgbClr>
+                  </a:outerShdw>
+                </a:effectLst>
+                <a:latin typeface="微軟正黑體" panose="020B0604030504040204" pitchFamily="34" charset="-120"/>
+                <a:ea typeface="微軟正黑體" panose="020B0604030504040204" pitchFamily="34" charset="-120"/>
+                <a:cs typeface="Heiti TC Light"/>
+              </a:rPr>
+              <a:t>的資料交換</a:t>
+            </a:r>
+            <a:endParaRPr kumimoji="1" lang="en-US" altLang="zh-TW" sz="3200" dirty="0">
+              <a:effectLst>
+                <a:outerShdw blurRad="38100" dist="38100" dir="2700000" algn="tl">
+                  <a:srgbClr val="000000">
+                    <a:alpha val="43137"/>
+                  </a:srgbClr>
+                </a:outerShdw>
+              </a:effectLst>
+              <a:latin typeface="微軟正黑體" panose="020B0604030504040204" pitchFamily="34" charset="-120"/>
+              <a:ea typeface="微軟正黑體" panose="020B0604030504040204" pitchFamily="34" charset="-120"/>
+              <a:cs typeface="Heiti TC Light"/>
+            </a:endParaRPr>
+          </a:p>
+          <a:p>
+            <a:pPr marL="358775" indent="-358775">
+              <a:buFont typeface="Arial" panose="020B0604020202020204" pitchFamily="34" charset="0"/>
+              <a:buChar char="•"/>
+            </a:pPr>
+            <a:r>
+              <a:rPr kumimoji="1" lang="zh-TW" altLang="en-US" sz="3200" dirty="0">
+                <a:effectLst>
+                  <a:outerShdw blurRad="38100" dist="38100" dir="2700000" algn="tl">
+                    <a:srgbClr val="000000">
+                      <a:alpha val="43137"/>
+                    </a:srgbClr>
+                  </a:outerShdw>
+                </a:effectLst>
+                <a:latin typeface="微軟正黑體" panose="020B0604030504040204" pitchFamily="34" charset="-120"/>
+                <a:ea typeface="微軟正黑體" panose="020B0604030504040204" pitchFamily="34" charset="-120"/>
+                <a:cs typeface="Heiti TC Light"/>
+              </a:rPr>
+              <a:t>有些網站會準備</a:t>
+            </a:r>
+            <a:r>
+              <a:rPr kumimoji="1" lang="en-US" altLang="zh-TW" sz="3200" dirty="0">
+                <a:effectLst>
+                  <a:outerShdw blurRad="38100" dist="38100" dir="2700000" algn="tl">
+                    <a:srgbClr val="000000">
+                      <a:alpha val="43137"/>
+                    </a:srgbClr>
+                  </a:outerShdw>
+                </a:effectLst>
+                <a:latin typeface="微軟正黑體" panose="020B0604030504040204" pitchFamily="34" charset="-120"/>
+                <a:ea typeface="微軟正黑體" panose="020B0604030504040204" pitchFamily="34" charset="-120"/>
+                <a:cs typeface="Heiti TC Light"/>
+              </a:rPr>
+              <a:t>JSON</a:t>
+            </a:r>
+            <a:r>
+              <a:rPr kumimoji="1" lang="zh-TW" altLang="en-US" sz="3200" dirty="0">
+                <a:effectLst>
+                  <a:outerShdw blurRad="38100" dist="38100" dir="2700000" algn="tl">
+                    <a:srgbClr val="000000">
+                      <a:alpha val="43137"/>
+                    </a:srgbClr>
+                  </a:outerShdw>
+                </a:effectLst>
+                <a:latin typeface="微軟正黑體" panose="020B0604030504040204" pitchFamily="34" charset="-120"/>
+                <a:ea typeface="微軟正黑體" panose="020B0604030504040204" pitchFamily="34" charset="-120"/>
+                <a:cs typeface="Heiti TC Light"/>
+              </a:rPr>
+              <a:t>資料格式專門給網路爬蟲使用</a:t>
+            </a:r>
+            <a:endParaRPr kumimoji="1" lang="en-US" altLang="zh-TW" sz="3200" dirty="0">
+              <a:effectLst>
+                <a:outerShdw blurRad="38100" dist="38100" dir="2700000" algn="tl">
+                  <a:srgbClr val="000000">
+                    <a:alpha val="43137"/>
+                  </a:srgbClr>
+                </a:outerShdw>
+              </a:effectLst>
+              <a:latin typeface="微軟正黑體" panose="020B0604030504040204" pitchFamily="34" charset="-120"/>
+              <a:ea typeface="微軟正黑體" panose="020B0604030504040204" pitchFamily="34" charset="-120"/>
+              <a:cs typeface="Heiti TC Light"/>
+            </a:endParaRPr>
+          </a:p>
+          <a:p>
+            <a:pPr marL="358775" indent="-358775">
+              <a:buFont typeface="Arial" panose="020B0604020202020204" pitchFamily="34" charset="0"/>
+              <a:buChar char="•"/>
+            </a:pPr>
+            <a:r>
+              <a:rPr kumimoji="1" lang="zh-TW" altLang="en-US" sz="3200" dirty="0">
+                <a:effectLst>
+                  <a:outerShdw blurRad="38100" dist="38100" dir="2700000" algn="tl">
+                    <a:srgbClr val="000000">
+                      <a:alpha val="43137"/>
+                    </a:srgbClr>
+                  </a:outerShdw>
+                </a:effectLst>
+                <a:latin typeface="微軟正黑體" panose="020B0604030504040204" pitchFamily="34" charset="-120"/>
+                <a:ea typeface="微軟正黑體" panose="020B0604030504040204" pitchFamily="34" charset="-120"/>
+                <a:cs typeface="Heiti TC Light"/>
+              </a:rPr>
+              <a:t>也可做為平常資料儲存的格式</a:t>
+            </a:r>
+            <a:endParaRPr kumimoji="1" lang="en-US" altLang="zh-TW" sz="3200" dirty="0">
+              <a:effectLst>
+                <a:outerShdw blurRad="38100" dist="38100" dir="2700000" algn="tl">
+                  <a:srgbClr val="000000">
+                    <a:alpha val="43137"/>
+                  </a:srgbClr>
+                </a:outerShdw>
+              </a:effectLst>
+              <a:latin typeface="微軟正黑體" panose="020B0604030504040204" pitchFamily="34" charset="-120"/>
+              <a:ea typeface="微軟正黑體" panose="020B0604030504040204" pitchFamily="34" charset="-120"/>
+              <a:cs typeface="Heiti TC Light"/>
+            </a:endParaRPr>
+          </a:p>
+          <a:p>
+            <a:pPr marL="358775" indent="-358775">
+              <a:buFont typeface="Arial" panose="020B0604020202020204" pitchFamily="34" charset="0"/>
+              <a:buChar char="•"/>
+            </a:pPr>
+            <a:endParaRPr kumimoji="1" lang="en-US" altLang="zh-TW" sz="3200" dirty="0">
+              <a:effectLst>
+                <a:outerShdw blurRad="38100" dist="38100" dir="2700000" algn="tl">
+                  <a:srgbClr val="000000">
+                    <a:alpha val="43137"/>
+                  </a:srgbClr>
+                </a:outerShdw>
+              </a:effectLst>
+              <a:latin typeface="微軟正黑體" panose="020B0604030504040204" pitchFamily="34" charset="-120"/>
+              <a:ea typeface="微軟正黑體" panose="020B0604030504040204" pitchFamily="34" charset="-120"/>
+              <a:cs typeface="Heiti TC Light"/>
+            </a:endParaRPr>
+          </a:p>
+        </p:txBody>
+      </p:sp>
     </p:spTree>
     <p:extLst>
       <p:ext uri="{BB962C8B-B14F-4D97-AF65-F5344CB8AC3E}">
-        <p14:creationId xmlns:p14="http://schemas.microsoft.com/office/powerpoint/2010/main" val="1820095058"/>
+        <p14:creationId xmlns:p14="http://schemas.microsoft.com/office/powerpoint/2010/main" val="2621955823"/>
       </p:ext>
     </p:extLst>
   </p:cSld>
@@ -20232,40 +20429,649 @@
           <a:chExt cx="0" cy="0"/>
         </a:xfrm>
       </p:grpSpPr>
-      <p:pic>
-        <p:nvPicPr>
-          <p:cNvPr id="7" name="圖片 6">
-            <a:extLst>
-              <a:ext uri="{FF2B5EF4-FFF2-40B4-BE49-F238E27FC236}">
-                <a16:creationId xmlns:a16="http://schemas.microsoft.com/office/drawing/2014/main" id="{4B2BF193-BA8F-083E-220E-9CA14765A8A0}"/>
-              </a:ext>
-            </a:extLst>
-          </p:cNvPr>
-          <p:cNvPicPr>
-            <a:picLocks noChangeAspect="1"/>
-          </p:cNvPicPr>
+      <p:sp>
+        <p:nvSpPr>
+          <p:cNvPr id="4" name="文字版面配置區 2"/>
+          <p:cNvSpPr txBox="1">
+            <a:spLocks/>
+          </p:cNvSpPr>
           <p:nvPr/>
-        </p:nvPicPr>
-        <p:blipFill>
-          <a:blip r:embed="rId2"/>
-          <a:stretch>
-            <a:fillRect/>
-          </a:stretch>
-        </p:blipFill>
+        </p:nvSpPr>
         <p:spPr>
           <a:xfrm>
-            <a:off x="2528887" y="2047875"/>
-            <a:ext cx="4086225" cy="2762250"/>
+            <a:off x="2362200" y="228600"/>
+            <a:ext cx="5867400" cy="990600"/>
           </a:xfrm>
           <a:prstGeom prst="rect">
             <a:avLst/>
           </a:prstGeom>
         </p:spPr>
-      </p:pic>
+        <p:txBody>
+          <a:bodyPr tIns="91440" bIns="91440" anchor="b" anchorCtr="0">
+            <a:noAutofit/>
+          </a:bodyPr>
+          <a:lstStyle/>
+          <a:p>
+            <a:pPr marL="0" marR="0" lvl="0" indent="0" algn="just" defTabSz="914400" rtl="0" eaLnBrk="1" fontAlgn="auto" latinLnBrk="0" hangingPunct="1">
+              <a:lnSpc>
+                <a:spcPct val="100000"/>
+              </a:lnSpc>
+              <a:spcBef>
+                <a:spcPct val="20000"/>
+              </a:spcBef>
+              <a:spcAft>
+                <a:spcPts val="0"/>
+              </a:spcAft>
+              <a:buClrTx/>
+              <a:buSzTx/>
+              <a:buFontTx/>
+              <a:buNone/>
+              <a:tabLst/>
+              <a:defRPr/>
+            </a:pPr>
+            <a:r>
+              <a:rPr kumimoji="0" lang="zh-TW" altLang="en-US" sz="4800" b="1" i="0" u="none" strike="noStrike" kern="0" cap="none" spc="0" normalizeH="0" baseline="0" noProof="0" dirty="0">
+                <a:ln>
+                  <a:noFill/>
+                </a:ln>
+                <a:solidFill>
+                  <a:srgbClr val="00B0F0"/>
+                </a:solidFill>
+                <a:effectLst>
+                  <a:outerShdw blurRad="38100" dist="38100" dir="2700000" algn="tl">
+                    <a:srgbClr val="000000">
+                      <a:alpha val="43137"/>
+                    </a:srgbClr>
+                  </a:outerShdw>
+                </a:effectLst>
+                <a:uLnTx/>
+                <a:uFillTx/>
+                <a:latin typeface="微軟正黑體" panose="020B0604030504040204" pitchFamily="34" charset="-120"/>
+                <a:ea typeface="微軟正黑體" panose="020B0604030504040204" pitchFamily="34" charset="-120"/>
+                <a:cs typeface="+mn-cs"/>
+              </a:rPr>
+              <a:t>一個</a:t>
+            </a:r>
+            <a:r>
+              <a:rPr kumimoji="0" lang="en-US" altLang="zh-TW" sz="4800" b="1" i="0" u="none" strike="noStrike" kern="0" cap="none" spc="0" normalizeH="0" baseline="0" noProof="0" dirty="0">
+                <a:ln>
+                  <a:noFill/>
+                </a:ln>
+                <a:solidFill>
+                  <a:srgbClr val="00B0F0"/>
+                </a:solidFill>
+                <a:effectLst>
+                  <a:outerShdw blurRad="38100" dist="38100" dir="2700000" algn="tl">
+                    <a:srgbClr val="000000">
+                      <a:alpha val="43137"/>
+                    </a:srgbClr>
+                  </a:outerShdw>
+                </a:effectLst>
+                <a:uLnTx/>
+                <a:uFillTx/>
+                <a:latin typeface="微軟正黑體" panose="020B0604030504040204" pitchFamily="34" charset="-120"/>
+                <a:ea typeface="微軟正黑體" panose="020B0604030504040204" pitchFamily="34" charset="-120"/>
+                <a:cs typeface="+mn-cs"/>
+              </a:rPr>
+              <a:t>JSON</a:t>
+            </a:r>
+            <a:r>
+              <a:rPr kumimoji="0" lang="zh-TW" altLang="en-US" sz="4800" b="1" i="0" u="none" strike="noStrike" kern="0" cap="none" spc="0" normalizeH="0" baseline="0" noProof="0" dirty="0">
+                <a:ln>
+                  <a:noFill/>
+                </a:ln>
+                <a:solidFill>
+                  <a:srgbClr val="00B0F0"/>
+                </a:solidFill>
+                <a:effectLst>
+                  <a:outerShdw blurRad="38100" dist="38100" dir="2700000" algn="tl">
+                    <a:srgbClr val="000000">
+                      <a:alpha val="43137"/>
+                    </a:srgbClr>
+                  </a:outerShdw>
+                </a:effectLst>
+                <a:uLnTx/>
+                <a:uFillTx/>
+                <a:latin typeface="微軟正黑體" panose="020B0604030504040204" pitchFamily="34" charset="-120"/>
+                <a:ea typeface="微軟正黑體" panose="020B0604030504040204" pitchFamily="34" charset="-120"/>
+                <a:cs typeface="+mn-cs"/>
+              </a:rPr>
+              <a:t>應用範例</a:t>
+            </a:r>
+          </a:p>
+        </p:txBody>
+      </p:sp>
+      <p:sp>
+        <p:nvSpPr>
+          <p:cNvPr id="3" name="日期版面配置區 2">
+            <a:extLst>
+              <a:ext uri="{FF2B5EF4-FFF2-40B4-BE49-F238E27FC236}">
+                <a16:creationId xmlns:a16="http://schemas.microsoft.com/office/drawing/2014/main" id="{1C536CB5-3C58-6CF1-767E-952B76F12DEE}"/>
+              </a:ext>
+            </a:extLst>
+          </p:cNvPr>
+          <p:cNvSpPr>
+            <a:spLocks noGrp="1"/>
+          </p:cNvSpPr>
+          <p:nvPr>
+            <p:ph type="dt" sz="half" idx="12"/>
+          </p:nvPr>
+        </p:nvSpPr>
+        <p:spPr/>
+        <p:txBody>
+          <a:bodyPr/>
+          <a:lstStyle/>
+          <a:p>
+            <a:fld id="{0B520B05-2240-4566-BE2A-9338980FE8EB}" type="datetime1">
+              <a:rPr kumimoji="0" lang="en-US" altLang="zh-TW" sz="1200" smtClean="0">
+                <a:solidFill>
+                  <a:schemeClr val="tx2"/>
+                </a:solidFill>
+                <a:latin typeface="Arial" panose="020B0604020202020204" pitchFamily="34" charset="0"/>
+                <a:cs typeface="Arial" panose="020B0604020202020204" pitchFamily="34" charset="0"/>
+              </a:rPr>
+              <a:t>5/14/2024</a:t>
+            </a:fld>
+            <a:endParaRPr kumimoji="0" lang="en-US" dirty="0">
+              <a:latin typeface="Arial" panose="020B0604020202020204" pitchFamily="34" charset="0"/>
+              <a:cs typeface="Arial" panose="020B0604020202020204" pitchFamily="34" charset="0"/>
+            </a:endParaRPr>
+          </a:p>
+        </p:txBody>
+      </p:sp>
+      <p:sp>
+        <p:nvSpPr>
+          <p:cNvPr id="7" name="投影片編號版面配置區 6">
+            <a:extLst>
+              <a:ext uri="{FF2B5EF4-FFF2-40B4-BE49-F238E27FC236}">
+                <a16:creationId xmlns:a16="http://schemas.microsoft.com/office/drawing/2014/main" id="{DA316F56-AF12-D872-611F-78AE7ACCBF93}"/>
+              </a:ext>
+            </a:extLst>
+          </p:cNvPr>
+          <p:cNvSpPr>
+            <a:spLocks noGrp="1"/>
+          </p:cNvSpPr>
+          <p:nvPr>
+            <p:ph type="sldNum" sz="quarter" idx="13"/>
+          </p:nvPr>
+        </p:nvSpPr>
+        <p:spPr/>
+        <p:txBody>
+          <a:bodyPr/>
+          <a:lstStyle/>
+          <a:p>
+            <a:pPr algn="r"/>
+            <a:fld id="{F99EC173-99AE-4773-AB25-02E469A13EAE}" type="slidenum">
+              <a:rPr kumimoji="0" lang="en-US" sz="1200" smtClean="0">
+                <a:solidFill>
+                  <a:schemeClr val="tx2"/>
+                </a:solidFill>
+              </a:rPr>
+              <a:pPr algn="r"/>
+              <a:t>39</a:t>
+            </a:fld>
+            <a:endParaRPr kumimoji="0" lang="en-US" dirty="0"/>
+          </a:p>
+        </p:txBody>
+      </p:sp>
+      <p:sp>
+        <p:nvSpPr>
+          <p:cNvPr id="2" name="文字方塊 1">
+            <a:extLst>
+              <a:ext uri="{FF2B5EF4-FFF2-40B4-BE49-F238E27FC236}">
+                <a16:creationId xmlns:a16="http://schemas.microsoft.com/office/drawing/2014/main" id="{54D51629-6478-40B0-266D-C39EAC81C327}"/>
+              </a:ext>
+            </a:extLst>
+          </p:cNvPr>
+          <p:cNvSpPr txBox="1"/>
+          <p:nvPr/>
+        </p:nvSpPr>
+        <p:spPr>
+          <a:xfrm>
+            <a:off x="533400" y="1447800"/>
+            <a:ext cx="8305800" cy="5078313"/>
+          </a:xfrm>
+          <a:prstGeom prst="rect">
+            <a:avLst/>
+          </a:prstGeom>
+          <a:noFill/>
+        </p:spPr>
+        <p:txBody>
+          <a:bodyPr wrap="square" rtlCol="0">
+            <a:spAutoFit/>
+          </a:bodyPr>
+          <a:lstStyle/>
+          <a:p>
+            <a:pPr marL="457200" indent="-457200" algn="l">
+              <a:buFont typeface="Arial" panose="020B0604020202020204" pitchFamily="34" charset="0"/>
+              <a:buChar char="•"/>
+            </a:pPr>
+            <a:r>
+              <a:rPr lang="en-US" altLang="zh-TW" sz="3200" b="0" i="0" dirty="0">
+                <a:effectLst/>
+                <a:latin typeface="微軟正黑體" panose="020B0604030504040204" pitchFamily="34" charset="-120"/>
+                <a:ea typeface="微軟正黑體" panose="020B0604030504040204" pitchFamily="34" charset="-120"/>
+              </a:rPr>
+              <a:t>JSON </a:t>
+            </a:r>
+            <a:r>
+              <a:rPr lang="zh-TW" altLang="en-US" sz="3200" b="0" i="0" dirty="0">
+                <a:effectLst/>
+                <a:latin typeface="微軟正黑體" panose="020B0604030504040204" pitchFamily="34" charset="-120"/>
+                <a:ea typeface="微軟正黑體" panose="020B0604030504040204" pitchFamily="34" charset="-120"/>
+              </a:rPr>
+              <a:t>最常用用在 </a:t>
+            </a:r>
+            <a:r>
+              <a:rPr lang="en-US" altLang="zh-TW" sz="3200" b="0" i="0" dirty="0">
+                <a:effectLst/>
+                <a:latin typeface="微軟正黑體" panose="020B0604030504040204" pitchFamily="34" charset="-120"/>
+                <a:ea typeface="微軟正黑體" panose="020B0604030504040204" pitchFamily="34" charset="-120"/>
+              </a:rPr>
+              <a:t>Web </a:t>
+            </a:r>
+            <a:r>
+              <a:rPr lang="zh-TW" altLang="en-US" sz="3200" b="0" i="0" dirty="0">
+                <a:effectLst/>
+                <a:latin typeface="微軟正黑體" panose="020B0604030504040204" pitchFamily="34" charset="-120"/>
+                <a:ea typeface="微軟正黑體" panose="020B0604030504040204" pitchFamily="34" charset="-120"/>
+              </a:rPr>
+              <a:t>網頁程式從 </a:t>
+            </a:r>
+            <a:r>
+              <a:rPr lang="en-US" altLang="zh-TW" sz="3200" b="0" i="0" dirty="0">
+                <a:effectLst/>
+                <a:latin typeface="微軟正黑體" panose="020B0604030504040204" pitchFamily="34" charset="-120"/>
+                <a:ea typeface="微軟正黑體" panose="020B0604030504040204" pitchFamily="34" charset="-120"/>
+              </a:rPr>
+              <a:t>Server </a:t>
+            </a:r>
+            <a:r>
+              <a:rPr lang="zh-TW" altLang="en-US" sz="3200" b="0" i="0" dirty="0">
+                <a:effectLst/>
+                <a:latin typeface="微軟正黑體" panose="020B0604030504040204" pitchFamily="34" charset="-120"/>
+                <a:ea typeface="微軟正黑體" panose="020B0604030504040204" pitchFamily="34" charset="-120"/>
+              </a:rPr>
+              <a:t>端傳送資料給 </a:t>
+            </a:r>
+            <a:r>
+              <a:rPr lang="en-US" altLang="zh-TW" sz="3200" b="0" i="0" dirty="0">
+                <a:effectLst/>
+                <a:latin typeface="微軟正黑體" panose="020B0604030504040204" pitchFamily="34" charset="-120"/>
+                <a:ea typeface="微軟正黑體" panose="020B0604030504040204" pitchFamily="34" charset="-120"/>
+              </a:rPr>
+              <a:t>browser</a:t>
+            </a:r>
+          </a:p>
+          <a:p>
+            <a:pPr marL="457200" indent="-457200" algn="l">
+              <a:buFont typeface="Arial" panose="020B0604020202020204" pitchFamily="34" charset="0"/>
+              <a:buChar char="•"/>
+            </a:pPr>
+            <a:r>
+              <a:rPr lang="zh-TW" altLang="en-US" sz="3200" b="0" i="0" dirty="0">
+                <a:effectLst/>
+                <a:latin typeface="微軟正黑體" panose="020B0604030504040204" pitchFamily="34" charset="-120"/>
+                <a:ea typeface="微軟正黑體" panose="020B0604030504040204" pitchFamily="34" charset="-120"/>
+              </a:rPr>
+              <a:t>典型範例就是透過 </a:t>
+            </a:r>
+            <a:r>
+              <a:rPr lang="en-US" altLang="zh-TW" sz="3200" b="0" i="0" dirty="0">
+                <a:effectLst/>
+                <a:latin typeface="微軟正黑體" panose="020B0604030504040204" pitchFamily="34" charset="-120"/>
+                <a:ea typeface="微軟正黑體" panose="020B0604030504040204" pitchFamily="34" charset="-120"/>
+              </a:rPr>
+              <a:t>AJAX </a:t>
+            </a:r>
+            <a:r>
+              <a:rPr lang="zh-TW" altLang="en-US" sz="3200" b="0" i="0" dirty="0">
+                <a:effectLst/>
+                <a:latin typeface="微軟正黑體" panose="020B0604030504040204" pitchFamily="34" charset="-120"/>
+                <a:ea typeface="微軟正黑體" panose="020B0604030504040204" pitchFamily="34" charset="-120"/>
+              </a:rPr>
+              <a:t>方式交換 </a:t>
+            </a:r>
+            <a:r>
+              <a:rPr lang="en-US" altLang="zh-TW" sz="3200" b="0" i="0" dirty="0">
+                <a:effectLst/>
+                <a:latin typeface="微軟正黑體" panose="020B0604030504040204" pitchFamily="34" charset="-120"/>
+                <a:ea typeface="微軟正黑體" panose="020B0604030504040204" pitchFamily="34" charset="-120"/>
+              </a:rPr>
+              <a:t>JSON </a:t>
+            </a:r>
+            <a:r>
+              <a:rPr lang="zh-TW" altLang="en-US" sz="3200" b="0" i="0" dirty="0">
+                <a:effectLst/>
+                <a:latin typeface="微軟正黑體" panose="020B0604030504040204" pitchFamily="34" charset="-120"/>
+                <a:ea typeface="微軟正黑體" panose="020B0604030504040204" pitchFamily="34" charset="-120"/>
+              </a:rPr>
+              <a:t>資料</a:t>
+            </a:r>
+            <a:r>
+              <a:rPr lang="en-US" altLang="zh-TW" sz="3200" b="0" i="0" dirty="0">
+                <a:effectLst/>
+                <a:latin typeface="微軟正黑體" panose="020B0604030504040204" pitchFamily="34" charset="-120"/>
+                <a:ea typeface="微軟正黑體" panose="020B0604030504040204" pitchFamily="34" charset="-120"/>
+              </a:rPr>
+              <a:t>(</a:t>
+            </a:r>
+            <a:r>
+              <a:rPr lang="zh-TW" altLang="en-US" sz="3200" b="0" i="0" dirty="0">
+                <a:effectLst/>
+                <a:latin typeface="微軟正黑體" panose="020B0604030504040204" pitchFamily="34" charset="-120"/>
+                <a:ea typeface="微軟正黑體" panose="020B0604030504040204" pitchFamily="34" charset="-120"/>
+              </a:rPr>
+              <a:t>動態更新頁面</a:t>
+            </a:r>
+            <a:r>
+              <a:rPr lang="en-US" altLang="zh-TW" sz="3200" b="0" i="0" dirty="0">
+                <a:effectLst/>
+                <a:latin typeface="微軟正黑體" panose="020B0604030504040204" pitchFamily="34" charset="-120"/>
+                <a:ea typeface="微軟正黑體" panose="020B0604030504040204" pitchFamily="34" charset="-120"/>
+              </a:rPr>
+              <a:t>)</a:t>
+            </a:r>
+            <a:endParaRPr lang="zh-TW" altLang="en-US" sz="3200" b="0" i="0" dirty="0">
+              <a:effectLst/>
+              <a:latin typeface="微軟正黑體" panose="020B0604030504040204" pitchFamily="34" charset="-120"/>
+              <a:ea typeface="微軟正黑體" panose="020B0604030504040204" pitchFamily="34" charset="-120"/>
+            </a:endParaRPr>
+          </a:p>
+          <a:p>
+            <a:pPr marL="914400" lvl="1" indent="-457200">
+              <a:buFont typeface="Arial" panose="020B0604020202020204" pitchFamily="34" charset="0"/>
+              <a:buChar char="•"/>
+            </a:pPr>
+            <a:r>
+              <a:rPr lang="zh-TW" altLang="en-US" sz="2800" b="0" i="0" dirty="0">
+                <a:solidFill>
+                  <a:srgbClr val="FFFF00"/>
+                </a:solidFill>
+                <a:effectLst/>
+                <a:latin typeface="微軟正黑體" panose="020B0604030504040204" pitchFamily="34" charset="-120"/>
+                <a:ea typeface="微軟正黑體" panose="020B0604030504040204" pitchFamily="34" charset="-120"/>
+              </a:rPr>
+              <a:t>使用者點選了線上產品縮圖</a:t>
+            </a:r>
+          </a:p>
+          <a:p>
+            <a:pPr marL="914400" lvl="1" indent="-457200">
+              <a:buFont typeface="Arial" panose="020B0604020202020204" pitchFamily="34" charset="0"/>
+              <a:buChar char="•"/>
+            </a:pPr>
+            <a:r>
+              <a:rPr lang="en-US" altLang="zh-TW" sz="2800" b="0" i="0" dirty="0">
+                <a:solidFill>
+                  <a:srgbClr val="FFFF00"/>
+                </a:solidFill>
+                <a:effectLst/>
+                <a:latin typeface="微軟正黑體" panose="020B0604030504040204" pitchFamily="34" charset="-120"/>
+                <a:ea typeface="微軟正黑體" panose="020B0604030504040204" pitchFamily="34" charset="-120"/>
+              </a:rPr>
+              <a:t>JavaScript </a:t>
+            </a:r>
+            <a:r>
+              <a:rPr lang="zh-TW" altLang="en-US" sz="2800" b="0" i="0" dirty="0">
+                <a:solidFill>
+                  <a:srgbClr val="FFFF00"/>
+                </a:solidFill>
+                <a:effectLst/>
+                <a:latin typeface="微軟正黑體" panose="020B0604030504040204" pitchFamily="34" charset="-120"/>
+                <a:ea typeface="微軟正黑體" panose="020B0604030504040204" pitchFamily="34" charset="-120"/>
+              </a:rPr>
+              <a:t>透過 </a:t>
+            </a:r>
+            <a:r>
+              <a:rPr lang="en-US" altLang="zh-TW" sz="2800" b="0" i="0" dirty="0">
+                <a:solidFill>
+                  <a:srgbClr val="FFFF00"/>
+                </a:solidFill>
+                <a:effectLst/>
+                <a:latin typeface="微軟正黑體" panose="020B0604030504040204" pitchFamily="34" charset="-120"/>
+                <a:ea typeface="微軟正黑體" panose="020B0604030504040204" pitchFamily="34" charset="-120"/>
+              </a:rPr>
+              <a:t>AJAX </a:t>
+            </a:r>
+            <a:r>
+              <a:rPr lang="zh-TW" altLang="en-US" sz="2800" b="0" i="0" dirty="0">
+                <a:solidFill>
+                  <a:srgbClr val="FFFF00"/>
+                </a:solidFill>
+                <a:effectLst/>
+                <a:latin typeface="微軟正黑體" panose="020B0604030504040204" pitchFamily="34" charset="-120"/>
+                <a:ea typeface="微軟正黑體" panose="020B0604030504040204" pitchFamily="34" charset="-120"/>
+              </a:rPr>
+              <a:t>方式將產品 </a:t>
+            </a:r>
+            <a:r>
+              <a:rPr lang="en-US" altLang="zh-TW" sz="2800" b="0" i="0" dirty="0">
+                <a:solidFill>
+                  <a:srgbClr val="FFFF00"/>
+                </a:solidFill>
+                <a:effectLst/>
+                <a:latin typeface="微軟正黑體" panose="020B0604030504040204" pitchFamily="34" charset="-120"/>
+                <a:ea typeface="微軟正黑體" panose="020B0604030504040204" pitchFamily="34" charset="-120"/>
+              </a:rPr>
+              <a:t>ID </a:t>
+            </a:r>
+            <a:r>
+              <a:rPr lang="zh-TW" altLang="en-US" sz="2800" b="0" i="0" dirty="0">
+                <a:solidFill>
+                  <a:srgbClr val="FFFF00"/>
+                </a:solidFill>
+                <a:effectLst/>
+                <a:latin typeface="微軟正黑體" panose="020B0604030504040204" pitchFamily="34" charset="-120"/>
+                <a:ea typeface="微軟正黑體" panose="020B0604030504040204" pitchFamily="34" charset="-120"/>
+              </a:rPr>
+              <a:t>傳送給伺服器端</a:t>
+            </a:r>
+          </a:p>
+          <a:p>
+            <a:pPr marL="914400" lvl="1" indent="-457200">
+              <a:buFont typeface="Arial" panose="020B0604020202020204" pitchFamily="34" charset="0"/>
+              <a:buChar char="•"/>
+            </a:pPr>
+            <a:r>
+              <a:rPr lang="zh-TW" altLang="en-US" sz="2800" b="0" i="0" dirty="0">
+                <a:solidFill>
+                  <a:srgbClr val="FFFF00"/>
+                </a:solidFill>
+                <a:effectLst/>
+                <a:latin typeface="微軟正黑體" panose="020B0604030504040204" pitchFamily="34" charset="-120"/>
+                <a:ea typeface="微軟正黑體" panose="020B0604030504040204" pitchFamily="34" charset="-120"/>
+              </a:rPr>
+              <a:t>伺服器端收到 </a:t>
+            </a:r>
+            <a:r>
+              <a:rPr lang="en-US" altLang="zh-TW" sz="2800" b="0" i="0" dirty="0">
+                <a:solidFill>
+                  <a:srgbClr val="FFFF00"/>
+                </a:solidFill>
+                <a:effectLst/>
+                <a:latin typeface="微軟正黑體" panose="020B0604030504040204" pitchFamily="34" charset="-120"/>
+                <a:ea typeface="微軟正黑體" panose="020B0604030504040204" pitchFamily="34" charset="-120"/>
+              </a:rPr>
+              <a:t>ID</a:t>
+            </a:r>
+            <a:r>
+              <a:rPr lang="zh-TW" altLang="en-US" sz="2800" b="0" i="0" dirty="0">
+                <a:solidFill>
+                  <a:srgbClr val="FFFF00"/>
+                </a:solidFill>
+                <a:effectLst/>
+                <a:latin typeface="微軟正黑體" panose="020B0604030504040204" pitchFamily="34" charset="-120"/>
+                <a:ea typeface="微軟正黑體" panose="020B0604030504040204" pitchFamily="34" charset="-120"/>
+              </a:rPr>
+              <a:t>，將產品資料 </a:t>
+            </a:r>
+            <a:r>
+              <a:rPr lang="en-US" altLang="zh-TW" sz="2800" b="0" i="0" dirty="0">
+                <a:solidFill>
+                  <a:srgbClr val="FFFF00"/>
+                </a:solidFill>
+                <a:effectLst/>
+                <a:latin typeface="微軟正黑體" panose="020B0604030504040204" pitchFamily="34" charset="-120"/>
+                <a:ea typeface="微軟正黑體" panose="020B0604030504040204" pitchFamily="34" charset="-120"/>
+              </a:rPr>
+              <a:t>(ex </a:t>
+            </a:r>
+            <a:r>
+              <a:rPr lang="zh-TW" altLang="en-US" sz="2800" b="0" i="0" dirty="0">
+                <a:solidFill>
+                  <a:srgbClr val="FFFF00"/>
+                </a:solidFill>
+                <a:effectLst/>
+                <a:latin typeface="微軟正黑體" panose="020B0604030504040204" pitchFamily="34" charset="-120"/>
+                <a:ea typeface="微軟正黑體" panose="020B0604030504040204" pitchFamily="34" charset="-120"/>
+              </a:rPr>
+              <a:t>價格</a:t>
+            </a:r>
+            <a:r>
+              <a:rPr lang="en-US" altLang="zh-TW" sz="2800" b="0" i="0" dirty="0">
+                <a:solidFill>
+                  <a:srgbClr val="FFFF00"/>
+                </a:solidFill>
+                <a:effectLst/>
+                <a:latin typeface="微軟正黑體" panose="020B0604030504040204" pitchFamily="34" charset="-120"/>
+                <a:ea typeface="微軟正黑體" panose="020B0604030504040204" pitchFamily="34" charset="-120"/>
+              </a:rPr>
+              <a:t>,</a:t>
+            </a:r>
+            <a:r>
+              <a:rPr lang="zh-TW" altLang="en-US" sz="2800" b="0" i="0" dirty="0">
+                <a:solidFill>
+                  <a:srgbClr val="FFFF00"/>
+                </a:solidFill>
+                <a:effectLst/>
+                <a:latin typeface="微軟正黑體" panose="020B0604030504040204" pitchFamily="34" charset="-120"/>
+                <a:ea typeface="微軟正黑體" panose="020B0604030504040204" pitchFamily="34" charset="-120"/>
+              </a:rPr>
+              <a:t>描述</a:t>
+            </a:r>
+            <a:r>
+              <a:rPr lang="en-US" altLang="zh-TW" sz="2800" b="0" i="0" dirty="0">
+                <a:solidFill>
+                  <a:srgbClr val="FFFF00"/>
+                </a:solidFill>
+                <a:effectLst/>
+                <a:latin typeface="微軟正黑體" panose="020B0604030504040204" pitchFamily="34" charset="-120"/>
+                <a:ea typeface="微軟正黑體" panose="020B0604030504040204" pitchFamily="34" charset="-120"/>
+              </a:rPr>
+              <a:t>) </a:t>
+            </a:r>
+            <a:r>
+              <a:rPr lang="zh-TW" altLang="en-US" sz="2800" b="0" i="0" dirty="0">
+                <a:solidFill>
+                  <a:srgbClr val="FFFF00"/>
+                </a:solidFill>
+                <a:effectLst/>
+                <a:latin typeface="微軟正黑體" panose="020B0604030504040204" pitchFamily="34" charset="-120"/>
+                <a:ea typeface="微軟正黑體" panose="020B0604030504040204" pitchFamily="34" charset="-120"/>
+              </a:rPr>
+              <a:t>編碼成 </a:t>
+            </a:r>
+            <a:r>
+              <a:rPr lang="en-US" altLang="zh-TW" sz="2800" b="0" i="0" dirty="0">
+                <a:solidFill>
+                  <a:srgbClr val="FFFF00"/>
+                </a:solidFill>
+                <a:effectLst/>
+                <a:latin typeface="微軟正黑體" panose="020B0604030504040204" pitchFamily="34" charset="-120"/>
+                <a:ea typeface="微軟正黑體" panose="020B0604030504040204" pitchFamily="34" charset="-120"/>
+              </a:rPr>
+              <a:t>JSON </a:t>
+            </a:r>
+            <a:r>
+              <a:rPr lang="zh-TW" altLang="en-US" sz="2800" b="0" i="0" dirty="0">
+                <a:solidFill>
+                  <a:srgbClr val="FFFF00"/>
+                </a:solidFill>
+                <a:effectLst/>
+                <a:latin typeface="微軟正黑體" panose="020B0604030504040204" pitchFamily="34" charset="-120"/>
+                <a:ea typeface="微軟正黑體" panose="020B0604030504040204" pitchFamily="34" charset="-120"/>
+              </a:rPr>
+              <a:t>資料，並且回傳給瀏覽器</a:t>
+            </a:r>
+          </a:p>
+          <a:p>
+            <a:pPr marL="914400" lvl="1" indent="-457200">
+              <a:buFont typeface="Arial" panose="020B0604020202020204" pitchFamily="34" charset="0"/>
+              <a:buChar char="•"/>
+            </a:pPr>
+            <a:r>
+              <a:rPr lang="en-US" altLang="zh-TW" sz="2800" b="0" i="0" dirty="0">
+                <a:solidFill>
+                  <a:srgbClr val="FFFF00"/>
+                </a:solidFill>
+                <a:effectLst/>
+                <a:latin typeface="微軟正黑體" panose="020B0604030504040204" pitchFamily="34" charset="-120"/>
+                <a:ea typeface="微軟正黑體" panose="020B0604030504040204" pitchFamily="34" charset="-120"/>
+              </a:rPr>
+              <a:t>JavaScript </a:t>
+            </a:r>
+            <a:r>
+              <a:rPr lang="zh-TW" altLang="en-US" sz="2800" b="0" i="0" dirty="0">
+                <a:solidFill>
+                  <a:srgbClr val="FFFF00"/>
+                </a:solidFill>
+                <a:effectLst/>
+                <a:latin typeface="微軟正黑體" panose="020B0604030504040204" pitchFamily="34" charset="-120"/>
+                <a:ea typeface="微軟正黑體" panose="020B0604030504040204" pitchFamily="34" charset="-120"/>
+              </a:rPr>
+              <a:t>收到 </a:t>
+            </a:r>
+            <a:r>
+              <a:rPr lang="en-US" altLang="zh-TW" sz="2800" b="0" i="0" dirty="0">
+                <a:solidFill>
+                  <a:srgbClr val="FFFF00"/>
+                </a:solidFill>
+                <a:effectLst/>
+                <a:latin typeface="微軟正黑體" panose="020B0604030504040204" pitchFamily="34" charset="-120"/>
+                <a:ea typeface="微軟正黑體" panose="020B0604030504040204" pitchFamily="34" charset="-120"/>
+              </a:rPr>
+              <a:t>JSON </a:t>
+            </a:r>
+            <a:r>
+              <a:rPr lang="zh-TW" altLang="en-US" sz="2800" b="0" i="0" dirty="0">
+                <a:solidFill>
+                  <a:srgbClr val="FFFF00"/>
+                </a:solidFill>
+                <a:effectLst/>
+                <a:latin typeface="微軟正黑體" panose="020B0604030504040204" pitchFamily="34" charset="-120"/>
+                <a:ea typeface="微軟正黑體" panose="020B0604030504040204" pitchFamily="34" charset="-120"/>
+              </a:rPr>
+              <a:t>資料，將其解碼 </a:t>
+            </a:r>
+            <a:r>
+              <a:rPr lang="en-US" altLang="zh-TW" sz="2800" b="0" i="0" dirty="0">
+                <a:solidFill>
+                  <a:srgbClr val="FFFF00"/>
+                </a:solidFill>
+                <a:effectLst/>
+                <a:latin typeface="微軟正黑體" panose="020B0604030504040204" pitchFamily="34" charset="-120"/>
+                <a:ea typeface="微軟正黑體" panose="020B0604030504040204" pitchFamily="34" charset="-120"/>
+              </a:rPr>
+              <a:t>(decode) </a:t>
+            </a:r>
+            <a:r>
+              <a:rPr lang="zh-TW" altLang="en-US" sz="2800" b="0" i="0" dirty="0">
+                <a:solidFill>
+                  <a:srgbClr val="FFFF00"/>
+                </a:solidFill>
+                <a:effectLst/>
+                <a:latin typeface="微軟正黑體" panose="020B0604030504040204" pitchFamily="34" charset="-120"/>
+                <a:ea typeface="微軟正黑體" panose="020B0604030504040204" pitchFamily="34" charset="-120"/>
+              </a:rPr>
+              <a:t>並且將資料顯示在網頁上</a:t>
+            </a:r>
+          </a:p>
+        </p:txBody>
+      </p:sp>
     </p:spTree>
     <p:extLst>
       <p:ext uri="{BB962C8B-B14F-4D97-AF65-F5344CB8AC3E}">
-        <p14:creationId xmlns:p14="http://schemas.microsoft.com/office/powerpoint/2010/main" val="1717113817"/>
+        <p14:creationId xmlns:p14="http://schemas.microsoft.com/office/powerpoint/2010/main" val="3979454481"/>
       </p:ext>
     </p:extLst>
   </p:cSld>
@@ -20693,6 +21499,132 @@
           <p:cNvPr id="7" name="圖片 6">
             <a:extLst>
               <a:ext uri="{FF2B5EF4-FFF2-40B4-BE49-F238E27FC236}">
+                <a16:creationId xmlns:a16="http://schemas.microsoft.com/office/drawing/2014/main" id="{D855CC84-4E5B-B7FC-9DA7-4535DFEAFDA7}"/>
+              </a:ext>
+            </a:extLst>
+          </p:cNvPr>
+          <p:cNvPicPr>
+            <a:picLocks noChangeAspect="1"/>
+          </p:cNvPicPr>
+          <p:nvPr/>
+        </p:nvPicPr>
+        <p:blipFill>
+          <a:blip r:embed="rId2"/>
+          <a:stretch>
+            <a:fillRect/>
+          </a:stretch>
+        </p:blipFill>
+        <p:spPr>
+          <a:xfrm>
+            <a:off x="1600200" y="1066800"/>
+            <a:ext cx="6378575" cy="3733800"/>
+          </a:xfrm>
+          <a:prstGeom prst="rect">
+            <a:avLst/>
+          </a:prstGeom>
+        </p:spPr>
+      </p:pic>
+    </p:spTree>
+    <p:extLst>
+      <p:ext uri="{BB962C8B-B14F-4D97-AF65-F5344CB8AC3E}">
+        <p14:creationId xmlns:p14="http://schemas.microsoft.com/office/powerpoint/2010/main" val="1820095058"/>
+      </p:ext>
+    </p:extLst>
+  </p:cSld>
+  <p:clrMapOvr>
+    <a:masterClrMapping/>
+  </p:clrMapOvr>
+  <p:transition>
+    <p:fade/>
+  </p:transition>
+</p:sld>
+</file>
+
+<file path=ppt/slides/slide41.xml><?xml version="1.0" encoding="utf-8"?>
+<p:sld xmlns:a="http://schemas.openxmlformats.org/drawingml/2006/main" xmlns:r="http://schemas.openxmlformats.org/officeDocument/2006/relationships" xmlns:p="http://schemas.openxmlformats.org/presentationml/2006/main">
+  <p:cSld>
+    <p:spTree>
+      <p:nvGrpSpPr>
+        <p:cNvPr id="1" name=""/>
+        <p:cNvGrpSpPr/>
+        <p:nvPr/>
+      </p:nvGrpSpPr>
+      <p:grpSpPr>
+        <a:xfrm>
+          <a:off x="0" y="0"/>
+          <a:ext cx="0" cy="0"/>
+          <a:chOff x="0" y="0"/>
+          <a:chExt cx="0" cy="0"/>
+        </a:xfrm>
+      </p:grpSpPr>
+      <p:pic>
+        <p:nvPicPr>
+          <p:cNvPr id="7" name="圖片 6">
+            <a:extLst>
+              <a:ext uri="{FF2B5EF4-FFF2-40B4-BE49-F238E27FC236}">
+                <a16:creationId xmlns:a16="http://schemas.microsoft.com/office/drawing/2014/main" id="{4B2BF193-BA8F-083E-220E-9CA14765A8A0}"/>
+              </a:ext>
+            </a:extLst>
+          </p:cNvPr>
+          <p:cNvPicPr>
+            <a:picLocks noChangeAspect="1"/>
+          </p:cNvPicPr>
+          <p:nvPr/>
+        </p:nvPicPr>
+        <p:blipFill>
+          <a:blip r:embed="rId2"/>
+          <a:stretch>
+            <a:fillRect/>
+          </a:stretch>
+        </p:blipFill>
+        <p:spPr>
+          <a:xfrm>
+            <a:off x="2528887" y="2047875"/>
+            <a:ext cx="4086225" cy="2762250"/>
+          </a:xfrm>
+          <a:prstGeom prst="rect">
+            <a:avLst/>
+          </a:prstGeom>
+        </p:spPr>
+      </p:pic>
+    </p:spTree>
+    <p:extLst>
+      <p:ext uri="{BB962C8B-B14F-4D97-AF65-F5344CB8AC3E}">
+        <p14:creationId xmlns:p14="http://schemas.microsoft.com/office/powerpoint/2010/main" val="1717113817"/>
+      </p:ext>
+    </p:extLst>
+  </p:cSld>
+  <p:clrMapOvr>
+    <a:masterClrMapping/>
+  </p:clrMapOvr>
+  <p:transition>
+    <p:fade/>
+  </p:transition>
+</p:sld>
+</file>
+
+<file path=ppt/slides/slide42.xml><?xml version="1.0" encoding="utf-8"?>
+<p:sld xmlns:a="http://schemas.openxmlformats.org/drawingml/2006/main" xmlns:r="http://schemas.openxmlformats.org/officeDocument/2006/relationships" xmlns:p="http://schemas.openxmlformats.org/presentationml/2006/main">
+  <p:cSld>
+    <p:spTree>
+      <p:nvGrpSpPr>
+        <p:cNvPr id="1" name=""/>
+        <p:cNvGrpSpPr/>
+        <p:nvPr/>
+      </p:nvGrpSpPr>
+      <p:grpSpPr>
+        <a:xfrm>
+          <a:off x="0" y="0"/>
+          <a:ext cx="0" cy="0"/>
+          <a:chOff x="0" y="0"/>
+          <a:chExt cx="0" cy="0"/>
+        </a:xfrm>
+      </p:grpSpPr>
+      <p:pic>
+        <p:nvPicPr>
+          <p:cNvPr id="7" name="圖片 6">
+            <a:extLst>
+              <a:ext uri="{FF2B5EF4-FFF2-40B4-BE49-F238E27FC236}">
                 <a16:creationId xmlns:a16="http://schemas.microsoft.com/office/drawing/2014/main" id="{287C963F-2997-F4CF-AF2F-351038FECF91}"/>
               </a:ext>
             </a:extLst>
@@ -20734,7 +21666,7 @@
 </p:sld>
 </file>
 
-<file path=ppt/slides/slide41.xml><?xml version="1.0" encoding="utf-8"?>
+<file path=ppt/slides/slide43.xml><?xml version="1.0" encoding="utf-8"?>
 <p:sld xmlns:a="http://schemas.openxmlformats.org/drawingml/2006/main" xmlns:r="http://schemas.openxmlformats.org/officeDocument/2006/relationships" xmlns:p="http://schemas.openxmlformats.org/presentationml/2006/main">
   <p:cSld>
     <p:spTree>
@@ -20797,7 +21729,7 @@
 </p:sld>
 </file>
 
-<file path=ppt/slides/slide42.xml><?xml version="1.0" encoding="utf-8"?>
+<file path=ppt/slides/slide44.xml><?xml version="1.0" encoding="utf-8"?>
 <p:sld xmlns:a="http://schemas.openxmlformats.org/drawingml/2006/main" xmlns:r="http://schemas.openxmlformats.org/officeDocument/2006/relationships" xmlns:p="http://schemas.openxmlformats.org/presentationml/2006/main">
   <p:cSld>
     <p:spTree>
@@ -20860,7 +21792,7 @@
 </p:sld>
 </file>
 
-<file path=ppt/slides/slide43.xml><?xml version="1.0" encoding="utf-8"?>
+<file path=ppt/slides/slide45.xml><?xml version="1.0" encoding="utf-8"?>
 <p:sld xmlns:a="http://schemas.openxmlformats.org/drawingml/2006/main" xmlns:r="http://schemas.openxmlformats.org/officeDocument/2006/relationships" xmlns:p="http://schemas.openxmlformats.org/presentationml/2006/main">
   <p:cSld>
     <p:spTree>
@@ -20923,7 +21855,7 @@
 </p:sld>
 </file>
 
-<file path=ppt/slides/slide44.xml><?xml version="1.0" encoding="utf-8"?>
+<file path=ppt/slides/slide46.xml><?xml version="1.0" encoding="utf-8"?>
 <p:sld xmlns:a="http://schemas.openxmlformats.org/drawingml/2006/main" xmlns:r="http://schemas.openxmlformats.org/officeDocument/2006/relationships" xmlns:p="http://schemas.openxmlformats.org/presentationml/2006/main">
   <p:cSld>
     <p:spTree>
@@ -20986,7 +21918,7 @@
 </p:sld>
 </file>
 
-<file path=ppt/slides/slide45.xml><?xml version="1.0" encoding="utf-8"?>
+<file path=ppt/slides/slide47.xml><?xml version="1.0" encoding="utf-8"?>
 <p:sld xmlns:a="http://schemas.openxmlformats.org/drawingml/2006/main" xmlns:r="http://schemas.openxmlformats.org/officeDocument/2006/relationships" xmlns:p="http://schemas.openxmlformats.org/presentationml/2006/main">
   <p:cSld>
     <p:spTree>
@@ -21049,6 +21981,229 @@
 </p:sld>
 </file>
 
+<file path=ppt/slides/slide48.xml><?xml version="1.0" encoding="utf-8"?>
+<p:sld xmlns:a="http://schemas.openxmlformats.org/drawingml/2006/main" xmlns:r="http://schemas.openxmlformats.org/officeDocument/2006/relationships" xmlns:p="http://schemas.openxmlformats.org/presentationml/2006/main">
+  <p:cSld>
+    <p:spTree>
+      <p:nvGrpSpPr>
+        <p:cNvPr id="1" name=""/>
+        <p:cNvGrpSpPr/>
+        <p:nvPr/>
+      </p:nvGrpSpPr>
+      <p:grpSpPr>
+        <a:xfrm>
+          <a:off x="0" y="0"/>
+          <a:ext cx="0" cy="0"/>
+          <a:chOff x="0" y="0"/>
+          <a:chExt cx="0" cy="0"/>
+        </a:xfrm>
+      </p:grpSpPr>
+      <p:sp>
+        <p:nvSpPr>
+          <p:cNvPr id="4" name="文字方塊 3"/>
+          <p:cNvSpPr txBox="1"/>
+          <p:nvPr/>
+        </p:nvSpPr>
+        <p:spPr>
+          <a:xfrm>
+            <a:off x="685800" y="3124337"/>
+            <a:ext cx="7772400" cy="830997"/>
+          </a:xfrm>
+          <a:prstGeom prst="rect">
+            <a:avLst/>
+          </a:prstGeom>
+          <a:noFill/>
+        </p:spPr>
+        <p:txBody>
+          <a:bodyPr wrap="square" rtlCol="0">
+            <a:spAutoFit/>
+          </a:bodyPr>
+          <a:lstStyle/>
+          <a:p>
+            <a:pPr algn="ctr"/>
+            <a:r>
+              <a:rPr kumimoji="1" lang="zh-TW" altLang="en-US" sz="4800" b="1" dirty="0">
+                <a:solidFill>
+                  <a:srgbClr val="FFFF00"/>
+                </a:solidFill>
+                <a:effectLst>
+                  <a:outerShdw blurRad="38100" dist="38100" dir="2700000" algn="tl">
+                    <a:srgbClr val="000000">
+                      <a:alpha val="43137"/>
+                    </a:srgbClr>
+                  </a:outerShdw>
+                </a:effectLst>
+                <a:latin typeface="微軟正黑體" panose="020B0604030504040204" pitchFamily="34" charset="-120"/>
+                <a:ea typeface="微軟正黑體" panose="020B0604030504040204" pitchFamily="34" charset="-120"/>
+                <a:cs typeface="Arial"/>
+              </a:rPr>
+              <a:t>物件導向基礎及</a:t>
+            </a:r>
+            <a:r>
+              <a:rPr kumimoji="1" lang="en-US" altLang="zh-TW" sz="4800" b="1" dirty="0">
+                <a:solidFill>
+                  <a:srgbClr val="FFFF00"/>
+                </a:solidFill>
+                <a:effectLst>
+                  <a:outerShdw blurRad="38100" dist="38100" dir="2700000" algn="tl">
+                    <a:srgbClr val="000000">
+                      <a:alpha val="43137"/>
+                    </a:srgbClr>
+                  </a:outerShdw>
+                </a:effectLst>
+                <a:latin typeface="微軟正黑體" panose="020B0604030504040204" pitchFamily="34" charset="-120"/>
+                <a:ea typeface="微軟正黑體" panose="020B0604030504040204" pitchFamily="34" charset="-120"/>
+                <a:cs typeface="Arial"/>
+              </a:rPr>
+              <a:t>Decorator</a:t>
+            </a:r>
+          </a:p>
+        </p:txBody>
+      </p:sp>
+    </p:spTree>
+    <p:extLst>
+      <p:ext uri="{BB962C8B-B14F-4D97-AF65-F5344CB8AC3E}">
+        <p14:creationId xmlns:p14="http://schemas.microsoft.com/office/powerpoint/2010/main" val="1182243261"/>
+      </p:ext>
+    </p:extLst>
+  </p:cSld>
+  <p:clrMapOvr>
+    <a:masterClrMapping/>
+  </p:clrMapOvr>
+  <p:transition>
+    <p:fade/>
+  </p:transition>
+</p:sld>
+</file>
+
+<file path=ppt/slides/slide49.xml><?xml version="1.0" encoding="utf-8"?>
+<p:sld xmlns:a="http://schemas.openxmlformats.org/drawingml/2006/main" xmlns:r="http://schemas.openxmlformats.org/officeDocument/2006/relationships" xmlns:p="http://schemas.openxmlformats.org/presentationml/2006/main">
+  <p:cSld>
+    <p:spTree>
+      <p:nvGrpSpPr>
+        <p:cNvPr id="1" name=""/>
+        <p:cNvGrpSpPr/>
+        <p:nvPr/>
+      </p:nvGrpSpPr>
+      <p:grpSpPr>
+        <a:xfrm>
+          <a:off x="0" y="0"/>
+          <a:ext cx="0" cy="0"/>
+          <a:chOff x="0" y="0"/>
+          <a:chExt cx="0" cy="0"/>
+        </a:xfrm>
+      </p:grpSpPr>
+      <p:sp>
+        <p:nvSpPr>
+          <p:cNvPr id="4" name="文字方塊 3"/>
+          <p:cNvSpPr txBox="1"/>
+          <p:nvPr/>
+        </p:nvSpPr>
+        <p:spPr>
+          <a:xfrm>
+            <a:off x="796931" y="3152046"/>
+            <a:ext cx="7772400" cy="830997"/>
+          </a:xfrm>
+          <a:prstGeom prst="rect">
+            <a:avLst/>
+          </a:prstGeom>
+          <a:noFill/>
+        </p:spPr>
+        <p:txBody>
+          <a:bodyPr wrap="square" rtlCol="0">
+            <a:spAutoFit/>
+          </a:bodyPr>
+          <a:lstStyle/>
+          <a:p>
+            <a:pPr algn="ctr"/>
+            <a:r>
+              <a:rPr kumimoji="1" lang="en-US" altLang="zh-TW" sz="4800" b="1">
+                <a:solidFill>
+                  <a:srgbClr val="FFFF00"/>
+                </a:solidFill>
+                <a:effectLst>
+                  <a:outerShdw blurRad="38100" dist="38100" dir="2700000" algn="tl">
+                    <a:srgbClr val="000000">
+                      <a:alpha val="43137"/>
+                    </a:srgbClr>
+                  </a:outerShdw>
+                </a:effectLst>
+                <a:latin typeface="微軟正黑體" panose="020B0604030504040204" pitchFamily="34" charset="-120"/>
+                <a:ea typeface="微軟正黑體" panose="020B0604030504040204" pitchFamily="34" charset="-120"/>
+                <a:cs typeface="Arial"/>
+              </a:rPr>
+              <a:t>Web</a:t>
+            </a:r>
+            <a:r>
+              <a:rPr kumimoji="1" lang="zh-TW" altLang="en-US" sz="4800" b="1">
+                <a:solidFill>
+                  <a:srgbClr val="FFFF00"/>
+                </a:solidFill>
+                <a:effectLst>
+                  <a:outerShdw blurRad="38100" dist="38100" dir="2700000" algn="tl">
+                    <a:srgbClr val="000000">
+                      <a:alpha val="43137"/>
+                    </a:srgbClr>
+                  </a:outerShdw>
+                </a:effectLst>
+                <a:latin typeface="微軟正黑體" panose="020B0604030504040204" pitchFamily="34" charset="-120"/>
+                <a:ea typeface="微軟正黑體" panose="020B0604030504040204" pitchFamily="34" charset="-120"/>
+                <a:cs typeface="Arial"/>
+              </a:rPr>
+              <a:t>開發框架</a:t>
+            </a:r>
+            <a:r>
+              <a:rPr kumimoji="1" lang="en-US" altLang="zh-TW" sz="4800" b="1">
+                <a:solidFill>
+                  <a:srgbClr val="FFFF00"/>
+                </a:solidFill>
+                <a:effectLst>
+                  <a:outerShdw blurRad="38100" dist="38100" dir="2700000" algn="tl">
+                    <a:srgbClr val="000000">
+                      <a:alpha val="43137"/>
+                    </a:srgbClr>
+                  </a:outerShdw>
+                </a:effectLst>
+                <a:latin typeface="微軟正黑體" panose="020B0604030504040204" pitchFamily="34" charset="-120"/>
+                <a:ea typeface="微軟正黑體" panose="020B0604030504040204" pitchFamily="34" charset="-120"/>
+                <a:cs typeface="Arial"/>
+              </a:rPr>
+              <a:t>Flask</a:t>
+            </a:r>
+            <a:endParaRPr kumimoji="1" lang="zh-TW" altLang="en-US" sz="4800" b="1" dirty="0">
+              <a:solidFill>
+                <a:srgbClr val="FFFF00"/>
+              </a:solidFill>
+              <a:effectLst>
+                <a:outerShdw blurRad="38100" dist="38100" dir="2700000" algn="tl">
+                  <a:srgbClr val="000000">
+                    <a:alpha val="43137"/>
+                  </a:srgbClr>
+                </a:outerShdw>
+              </a:effectLst>
+              <a:latin typeface="微軟正黑體" panose="020B0604030504040204" pitchFamily="34" charset="-120"/>
+              <a:ea typeface="微軟正黑體" panose="020B0604030504040204" pitchFamily="34" charset="-120"/>
+              <a:cs typeface="Arial"/>
+            </a:endParaRPr>
+          </a:p>
+        </p:txBody>
+      </p:sp>
+    </p:spTree>
+    <p:extLst>
+      <p:ext uri="{BB962C8B-B14F-4D97-AF65-F5344CB8AC3E}">
+        <p14:creationId xmlns:p14="http://schemas.microsoft.com/office/powerpoint/2010/main" val="1527961625"/>
+      </p:ext>
+    </p:extLst>
+  </p:cSld>
+  <p:clrMapOvr>
+    <a:masterClrMapping/>
+  </p:clrMapOvr>
+  <p:transition>
+    <p:fade/>
+  </p:transition>
+</p:sld>
+</file>
+
 <file path=ppt/slides/slide5.xml><?xml version="1.0" encoding="utf-8"?>
 <p:sld xmlns:a="http://schemas.openxmlformats.org/drawingml/2006/main" xmlns:r="http://schemas.openxmlformats.org/officeDocument/2006/relationships" xmlns:p="http://schemas.openxmlformats.org/presentationml/2006/main">
   <p:cSld>
@@ -21250,6 +22405,134 @@
     <p:extLst>
       <p:ext uri="{BB962C8B-B14F-4D97-AF65-F5344CB8AC3E}">
         <p14:creationId xmlns:p14="http://schemas.microsoft.com/office/powerpoint/2010/main" val="742966471"/>
+      </p:ext>
+    </p:extLst>
+  </p:cSld>
+  <p:clrMapOvr>
+    <a:masterClrMapping/>
+  </p:clrMapOvr>
+  <p:transition>
+    <p:fade/>
+  </p:transition>
+</p:sld>
+</file>
+
+<file path=ppt/slides/slide50.xml><?xml version="1.0" encoding="utf-8"?>
+<p:sld xmlns:a="http://schemas.openxmlformats.org/drawingml/2006/main" xmlns:r="http://schemas.openxmlformats.org/officeDocument/2006/relationships" xmlns:p="http://schemas.openxmlformats.org/presentationml/2006/main">
+  <p:cSld>
+    <p:spTree>
+      <p:nvGrpSpPr>
+        <p:cNvPr id="1" name=""/>
+        <p:cNvGrpSpPr/>
+        <p:nvPr/>
+      </p:nvGrpSpPr>
+      <p:grpSpPr>
+        <a:xfrm>
+          <a:off x="0" y="0"/>
+          <a:ext cx="0" cy="0"/>
+          <a:chOff x="0" y="0"/>
+          <a:chExt cx="0" cy="0"/>
+        </a:xfrm>
+      </p:grpSpPr>
+      <p:sp>
+        <p:nvSpPr>
+          <p:cNvPr id="4" name="文字方塊 3"/>
+          <p:cNvSpPr txBox="1"/>
+          <p:nvPr/>
+        </p:nvSpPr>
+        <p:spPr>
+          <a:xfrm>
+            <a:off x="796931" y="3152046"/>
+            <a:ext cx="7772400" cy="830997"/>
+          </a:xfrm>
+          <a:prstGeom prst="rect">
+            <a:avLst/>
+          </a:prstGeom>
+          <a:noFill/>
+        </p:spPr>
+        <p:txBody>
+          <a:bodyPr wrap="square" rtlCol="0">
+            <a:spAutoFit/>
+          </a:bodyPr>
+          <a:lstStyle/>
+          <a:p>
+            <a:pPr algn="ctr"/>
+            <a:r>
+              <a:rPr kumimoji="1" lang="zh-TW" altLang="en-US" sz="4800" b="1">
+                <a:solidFill>
+                  <a:srgbClr val="FFFF00"/>
+                </a:solidFill>
+                <a:effectLst>
+                  <a:outerShdw blurRad="38100" dist="38100" dir="2700000" algn="tl">
+                    <a:srgbClr val="000000">
+                      <a:alpha val="43137"/>
+                    </a:srgbClr>
+                  </a:outerShdw>
+                </a:effectLst>
+                <a:latin typeface="微軟正黑體" panose="020B0604030504040204" pitchFamily="34" charset="-120"/>
+                <a:ea typeface="微軟正黑體" panose="020B0604030504040204" pitchFamily="34" charset="-120"/>
+                <a:cs typeface="Arial"/>
+              </a:rPr>
+              <a:t>利用</a:t>
+            </a:r>
+            <a:r>
+              <a:rPr kumimoji="1" lang="en-US" altLang="zh-TW" sz="4800" b="1">
+                <a:solidFill>
+                  <a:srgbClr val="FFFF00"/>
+                </a:solidFill>
+                <a:effectLst>
+                  <a:outerShdw blurRad="38100" dist="38100" dir="2700000" algn="tl">
+                    <a:srgbClr val="000000">
+                      <a:alpha val="43137"/>
+                    </a:srgbClr>
+                  </a:outerShdw>
+                </a:effectLst>
+                <a:latin typeface="微軟正黑體" panose="020B0604030504040204" pitchFamily="34" charset="-120"/>
+                <a:ea typeface="微軟正黑體" panose="020B0604030504040204" pitchFamily="34" charset="-120"/>
+                <a:cs typeface="Arial"/>
+              </a:rPr>
+              <a:t>ssh</a:t>
+            </a:r>
+            <a:r>
+              <a:rPr kumimoji="1" lang="zh-TW" altLang="en-US" sz="4800" b="1">
+                <a:solidFill>
+                  <a:srgbClr val="FFFF00"/>
+                </a:solidFill>
+                <a:effectLst>
+                  <a:outerShdw blurRad="38100" dist="38100" dir="2700000" algn="tl">
+                    <a:srgbClr val="000000">
+                      <a:alpha val="43137"/>
+                    </a:srgbClr>
+                  </a:outerShdw>
+                </a:effectLst>
+                <a:latin typeface="微軟正黑體" panose="020B0604030504040204" pitchFamily="34" charset="-120"/>
+                <a:ea typeface="微軟正黑體" panose="020B0604030504040204" pitchFamily="34" charset="-120"/>
+                <a:cs typeface="Arial"/>
+              </a:rPr>
+              <a:t>通道轉址</a:t>
+            </a:r>
+            <a:endParaRPr kumimoji="1" lang="zh-TW" altLang="en-US" sz="4800" b="1" dirty="0">
+              <a:solidFill>
+                <a:srgbClr val="FFFF00"/>
+              </a:solidFill>
+              <a:effectLst>
+                <a:outerShdw blurRad="38100" dist="38100" dir="2700000" algn="tl">
+                  <a:srgbClr val="000000">
+                    <a:alpha val="43137"/>
+                  </a:srgbClr>
+                </a:outerShdw>
+              </a:effectLst>
+              <a:latin typeface="微軟正黑體" panose="020B0604030504040204" pitchFamily="34" charset="-120"/>
+              <a:ea typeface="微軟正黑體" panose="020B0604030504040204" pitchFamily="34" charset="-120"/>
+              <a:cs typeface="Arial"/>
+            </a:endParaRPr>
+          </a:p>
+        </p:txBody>
+      </p:sp>
+    </p:spTree>
+    <p:extLst>
+      <p:ext uri="{BB962C8B-B14F-4D97-AF65-F5344CB8AC3E}">
+        <p14:creationId xmlns:p14="http://schemas.microsoft.com/office/powerpoint/2010/main" val="4223455842"/>
       </p:ext>
     </p:extLst>
   </p:cSld>

--- a/Slides/05. 基礎觀念及知識.pptx
+++ b/Slides/05. 基礎觀念及知識.pptx
@@ -241,7 +241,7 @@
           <a:p>
             <a:fld id="{90CC8E63-1016-4C78-A51D-85D69DBCD8EF}" type="datetimeFigureOut">
               <a:rPr lang="zh-TW" altLang="en-US" smtClean="0"/>
-              <a:t>2024/5/20</a:t>
+              <a:t>2024/5/28</a:t>
             </a:fld>
             <a:endParaRPr lang="zh-TW" altLang="en-US"/>
           </a:p>
@@ -4282,7 +4282,7 @@
           <a:p>
             <a:fld id="{2E29796B-F55F-40BA-947E-19D03180300F}" type="datetimeFigureOut">
               <a:rPr lang="zh-TW" altLang="en-US" smtClean="0"/>
-              <a:t>2024/5/20</a:t>
+              <a:t>2024/5/28</a:t>
             </a:fld>
             <a:endParaRPr lang="zh-TW" altLang="en-US"/>
           </a:p>
@@ -4480,7 +4480,7 @@
           <a:p>
             <a:fld id="{2E29796B-F55F-40BA-947E-19D03180300F}" type="datetimeFigureOut">
               <a:rPr lang="zh-TW" altLang="en-US" smtClean="0"/>
-              <a:t>2024/5/20</a:t>
+              <a:t>2024/5/28</a:t>
             </a:fld>
             <a:endParaRPr lang="zh-TW" altLang="en-US"/>
           </a:p>
@@ -4688,7 +4688,7 @@
           <a:p>
             <a:fld id="{2E29796B-F55F-40BA-947E-19D03180300F}" type="datetimeFigureOut">
               <a:rPr lang="zh-TW" altLang="en-US" smtClean="0"/>
-              <a:t>2024/5/20</a:t>
+              <a:t>2024/5/28</a:t>
             </a:fld>
             <a:endParaRPr lang="zh-TW" altLang="en-US"/>
           </a:p>
@@ -5069,7 +5069,7 @@
                 </a:solidFill>
               </a:rPr>
               <a:pPr/>
-              <a:t>5/20/2024</a:t>
+              <a:t>5/28/2024</a:t>
             </a:fld>
             <a:endParaRPr kumimoji="0" lang="en-US" dirty="0"/>
           </a:p>
@@ -5300,7 +5300,7 @@
                 </a:solidFill>
               </a:rPr>
               <a:pPr/>
-              <a:t>5/20/2024</a:t>
+              <a:t>5/28/2024</a:t>
             </a:fld>
             <a:endParaRPr kumimoji="0" lang="en-US" dirty="0"/>
           </a:p>
@@ -5533,7 +5533,7 @@
                 </a:solidFill>
               </a:rPr>
               <a:pPr/>
-              <a:t>5/20/2024</a:t>
+              <a:t>5/28/2024</a:t>
             </a:fld>
             <a:endParaRPr kumimoji="0" lang="en-US" dirty="0"/>
           </a:p>
@@ -6015,7 +6015,7 @@
                 </a:solidFill>
               </a:rPr>
               <a:pPr/>
-              <a:t>5/20/2024</a:t>
+              <a:t>5/28/2024</a:t>
             </a:fld>
             <a:endParaRPr kumimoji="0" lang="en-US" dirty="0"/>
           </a:p>
@@ -6372,7 +6372,7 @@
                 </a:solidFill>
               </a:rPr>
               <a:pPr/>
-              <a:t>5/20/2024</a:t>
+              <a:t>5/28/2024</a:t>
             </a:fld>
             <a:endParaRPr kumimoji="0" lang="en-US" dirty="0"/>
           </a:p>
@@ -6735,7 +6735,7 @@
                 </a:solidFill>
               </a:rPr>
               <a:pPr/>
-              <a:t>5/20/2024</a:t>
+              <a:t>5/28/2024</a:t>
             </a:fld>
             <a:endParaRPr kumimoji="0" lang="en-US" dirty="0"/>
           </a:p>
@@ -7045,7 +7045,7 @@
                 </a:solidFill>
               </a:rPr>
               <a:pPr/>
-              <a:t>5/20/2024</a:t>
+              <a:t>5/28/2024</a:t>
             </a:fld>
             <a:endParaRPr kumimoji="0" lang="en-US" dirty="0"/>
           </a:p>
@@ -7240,7 +7240,7 @@
           <a:p>
             <a:fld id="{2E29796B-F55F-40BA-947E-19D03180300F}" type="datetimeFigureOut">
               <a:rPr lang="zh-TW" altLang="en-US" smtClean="0"/>
-              <a:t>2024/5/20</a:t>
+              <a:t>2024/5/28</a:t>
             </a:fld>
             <a:endParaRPr lang="zh-TW" altLang="en-US"/>
           </a:p>
@@ -7724,7 +7724,7 @@
                 </a:solidFill>
               </a:rPr>
               <a:pPr/>
-              <a:t>5/20/2024</a:t>
+              <a:t>5/28/2024</a:t>
             </a:fld>
             <a:endParaRPr kumimoji="0" lang="en-US" dirty="0"/>
           </a:p>
@@ -8120,7 +8120,7 @@
                 </a:solidFill>
               </a:rPr>
               <a:pPr/>
-              <a:t>5/20/2024</a:t>
+              <a:t>5/28/2024</a:t>
             </a:fld>
             <a:endParaRPr kumimoji="0" lang="en-US" dirty="0"/>
           </a:p>
@@ -8460,7 +8460,7 @@
                 </a:solidFill>
               </a:rPr>
               <a:pPr/>
-              <a:t>5/20/2024</a:t>
+              <a:t>5/28/2024</a:t>
             </a:fld>
             <a:endParaRPr kumimoji="0" lang="en-US" dirty="0"/>
           </a:p>
@@ -9041,7 +9041,7 @@
                 </a:solidFill>
               </a:rPr>
               <a:pPr/>
-              <a:t>5/20/2024</a:t>
+              <a:t>5/28/2024</a:t>
             </a:fld>
             <a:endParaRPr kumimoji="0" lang="en-US" dirty="0"/>
           </a:p>
@@ -9610,7 +9610,7 @@
                 </a:solidFill>
               </a:rPr>
               <a:pPr/>
-              <a:t>5/20/2024</a:t>
+              <a:t>5/28/2024</a:t>
             </a:fld>
             <a:endParaRPr kumimoji="0" lang="en-US" dirty="0"/>
           </a:p>
@@ -10074,7 +10074,7 @@
                 </a:solidFill>
               </a:rPr>
               <a:pPr/>
-              <a:t>5/20/2024</a:t>
+              <a:t>5/28/2024</a:t>
             </a:fld>
             <a:endParaRPr kumimoji="0" lang="en-US" dirty="0"/>
           </a:p>
@@ -10503,7 +10503,7 @@
                 </a:solidFill>
               </a:rPr>
               <a:pPr/>
-              <a:t>5/20/2024</a:t>
+              <a:t>5/28/2024</a:t>
             </a:fld>
             <a:endParaRPr kumimoji="0" lang="en-US" dirty="0"/>
           </a:p>
@@ -11012,7 +11012,7 @@
                 </a:solidFill>
               </a:rPr>
               <a:pPr/>
-              <a:t>5/20/2024</a:t>
+              <a:t>5/28/2024</a:t>
             </a:fld>
             <a:endParaRPr kumimoji="0" lang="en-US" dirty="0"/>
           </a:p>
@@ -11521,7 +11521,7 @@
                 </a:solidFill>
               </a:rPr>
               <a:pPr/>
-              <a:t>5/20/2024</a:t>
+              <a:t>5/28/2024</a:t>
             </a:fld>
             <a:endParaRPr kumimoji="0" lang="en-US" dirty="0"/>
           </a:p>
@@ -11742,7 +11742,7 @@
                 </a:solidFill>
               </a:rPr>
               <a:pPr/>
-              <a:t>5/20/2024</a:t>
+              <a:t>5/28/2024</a:t>
             </a:fld>
             <a:endParaRPr kumimoji="0" lang="en-US" dirty="0"/>
           </a:p>
@@ -12014,7 +12014,7 @@
           <a:p>
             <a:fld id="{2E29796B-F55F-40BA-947E-19D03180300F}" type="datetimeFigureOut">
               <a:rPr lang="zh-TW" altLang="en-US" smtClean="0"/>
-              <a:t>2024/5/20</a:t>
+              <a:t>2024/5/28</a:t>
             </a:fld>
             <a:endParaRPr lang="zh-TW" altLang="en-US"/>
           </a:p>
@@ -12350,7 +12350,7 @@
                 </a:solidFill>
               </a:rPr>
               <a:pPr/>
-              <a:t>5/20/2024</a:t>
+              <a:t>5/28/2024</a:t>
             </a:fld>
             <a:endParaRPr kumimoji="0" lang="en-US" dirty="0"/>
           </a:p>
@@ -12574,7 +12574,7 @@
                 </a:solidFill>
               </a:rPr>
               <a:pPr/>
-              <a:t>5/20/2024</a:t>
+              <a:t>5/28/2024</a:t>
             </a:fld>
             <a:endParaRPr kumimoji="0" lang="en-US" dirty="0"/>
           </a:p>
@@ -12755,7 +12755,7 @@
             <a:fld id="{ACB2EC6F-6501-4E04-BD6C-A8A6CABB2C5B}" type="datetimeFigureOut">
               <a:rPr kumimoji="0" lang="en-US" smtClean="0"/>
               <a:pPr/>
-              <a:t>5/20/2024</a:t>
+              <a:t>5/28/2024</a:t>
             </a:fld>
             <a:endParaRPr kumimoji="0" lang="en-US" dirty="0"/>
           </a:p>
@@ -13039,7 +13039,7 @@
           <a:p>
             <a:fld id="{2E29796B-F55F-40BA-947E-19D03180300F}" type="datetimeFigureOut">
               <a:rPr lang="zh-TW" altLang="en-US" smtClean="0"/>
-              <a:t>2024/5/20</a:t>
+              <a:t>2024/5/28</a:t>
             </a:fld>
             <a:endParaRPr lang="zh-TW" altLang="en-US"/>
           </a:p>
@@ -13451,7 +13451,7 @@
           <a:p>
             <a:fld id="{2E29796B-F55F-40BA-947E-19D03180300F}" type="datetimeFigureOut">
               <a:rPr lang="zh-TW" altLang="en-US" smtClean="0"/>
-              <a:t>2024/5/20</a:t>
+              <a:t>2024/5/28</a:t>
             </a:fld>
             <a:endParaRPr lang="zh-TW" altLang="en-US"/>
           </a:p>
@@ -13592,7 +13592,7 @@
           <a:p>
             <a:fld id="{2E29796B-F55F-40BA-947E-19D03180300F}" type="datetimeFigureOut">
               <a:rPr lang="zh-TW" altLang="en-US" smtClean="0"/>
-              <a:t>2024/5/20</a:t>
+              <a:t>2024/5/28</a:t>
             </a:fld>
             <a:endParaRPr lang="zh-TW" altLang="en-US"/>
           </a:p>
@@ -13705,7 +13705,7 @@
           <a:p>
             <a:fld id="{2E29796B-F55F-40BA-947E-19D03180300F}" type="datetimeFigureOut">
               <a:rPr lang="zh-TW" altLang="en-US" smtClean="0"/>
-              <a:t>2024/5/20</a:t>
+              <a:t>2024/5/28</a:t>
             </a:fld>
             <a:endParaRPr lang="zh-TW" altLang="en-US"/>
           </a:p>
@@ -14016,7 +14016,7 @@
           <a:p>
             <a:fld id="{2E29796B-F55F-40BA-947E-19D03180300F}" type="datetimeFigureOut">
               <a:rPr lang="zh-TW" altLang="en-US" smtClean="0"/>
-              <a:t>2024/5/20</a:t>
+              <a:t>2024/5/28</a:t>
             </a:fld>
             <a:endParaRPr lang="zh-TW" altLang="en-US"/>
           </a:p>
@@ -14304,7 +14304,7 @@
           <a:p>
             <a:fld id="{2E29796B-F55F-40BA-947E-19D03180300F}" type="datetimeFigureOut">
               <a:rPr lang="zh-TW" altLang="en-US" smtClean="0"/>
-              <a:t>2024/5/20</a:t>
+              <a:t>2024/5/28</a:t>
             </a:fld>
             <a:endParaRPr lang="zh-TW" altLang="en-US"/>
           </a:p>
@@ -14545,7 +14545,7 @@
           <a:p>
             <a:fld id="{2E29796B-F55F-40BA-947E-19D03180300F}" type="datetimeFigureOut">
               <a:rPr lang="zh-TW" altLang="en-US" smtClean="0"/>
-              <a:t>2024/5/20</a:t>
+              <a:t>2024/5/28</a:t>
             </a:fld>
             <a:endParaRPr lang="zh-TW" altLang="en-US"/>
           </a:p>
@@ -15117,7 +15117,7 @@
                 </a:solidFill>
               </a:rPr>
               <a:pPr/>
-              <a:t>5/20/2024</a:t>
+              <a:t>5/28/2024</a:t>
             </a:fld>
             <a:endParaRPr kumimoji="0" lang="en-US" sz="1200" dirty="0">
               <a:solidFill>
@@ -18076,7 +18076,7 @@
                   <a:schemeClr val="tx2"/>
                 </a:solidFill>
               </a:rPr>
-              <a:t>5/20/2024</a:t>
+              <a:t>5/28/2024</a:t>
             </a:fld>
             <a:endParaRPr kumimoji="0" lang="en-US" dirty="0"/>
           </a:p>
@@ -18268,7 +18268,7 @@
                 <a:latin typeface="Arial" panose="020B0604020202020204" pitchFamily="34" charset="0"/>
                 <a:cs typeface="Arial" panose="020B0604020202020204" pitchFamily="34" charset="0"/>
               </a:rPr>
-              <a:t>5/20/2024</a:t>
+              <a:t>5/28/2024</a:t>
             </a:fld>
             <a:endParaRPr kumimoji="0" lang="en-US" dirty="0">
               <a:latin typeface="Arial" panose="020B0604020202020204" pitchFamily="34" charset="0"/>
@@ -18831,7 +18831,7 @@
                 <a:latin typeface="Arial" panose="020B0604020202020204" pitchFamily="34" charset="0"/>
                 <a:cs typeface="Arial" panose="020B0604020202020204" pitchFamily="34" charset="0"/>
               </a:rPr>
-              <a:t>5/20/2024</a:t>
+              <a:t>5/28/2024</a:t>
             </a:fld>
             <a:endParaRPr kumimoji="0" lang="en-US" dirty="0">
               <a:latin typeface="Arial" panose="020B0604020202020204" pitchFamily="34" charset="0"/>
@@ -19489,7 +19489,7 @@
                 <a:latin typeface="Arial" panose="020B0604020202020204" pitchFamily="34" charset="0"/>
                 <a:cs typeface="Arial" panose="020B0604020202020204" pitchFamily="34" charset="0"/>
               </a:rPr>
-              <a:t>5/20/2024</a:t>
+              <a:t>5/28/2024</a:t>
             </a:fld>
             <a:endParaRPr kumimoji="0" lang="en-US" dirty="0">
               <a:latin typeface="Arial" panose="020B0604020202020204" pitchFamily="34" charset="0"/>
@@ -19611,16 +19611,21 @@
                 <a:latin typeface="微軟正黑體" panose="020B0604030504040204" pitchFamily="34" charset="-120"/>
                 <a:ea typeface="微軟正黑體" panose="020B0604030504040204" pitchFamily="34" charset="-120"/>
               </a:rPr>
-              <a:t>端傳送資料給 </a:t>
-            </a:r>
-            <a:r>
-              <a:rPr lang="en-US" altLang="zh-TW" sz="3200" b="0" i="0" dirty="0">
+              <a:t>端傳送</a:t>
+            </a:r>
+            <a:r>
+              <a:rPr lang="zh-TW" altLang="en-US" sz="3200" b="0" i="0">
                 <a:effectLst/>
                 <a:latin typeface="微軟正黑體" panose="020B0604030504040204" pitchFamily="34" charset="-120"/>
                 <a:ea typeface="微軟正黑體" panose="020B0604030504040204" pitchFamily="34" charset="-120"/>
               </a:rPr>
-              <a:t>browser</a:t>
-            </a:r>
+              <a:t>資料給客戶端</a:t>
+            </a:r>
+            <a:endParaRPr lang="en-US" altLang="zh-TW" sz="3200" b="0" i="0" dirty="0">
+              <a:effectLst/>
+              <a:latin typeface="微軟正黑體" panose="020B0604030504040204" pitchFamily="34" charset="-120"/>
+              <a:ea typeface="微軟正黑體" panose="020B0604030504040204" pitchFamily="34" charset="-120"/>
+            </a:endParaRPr>
           </a:p>
           <a:p>
             <a:pPr marL="457200" indent="-457200" algn="l">
@@ -20824,7 +20829,7 @@
                 <a:latin typeface="Arial" panose="020B0604020202020204" pitchFamily="34" charset="0"/>
                 <a:cs typeface="Arial" panose="020B0604020202020204" pitchFamily="34" charset="0"/>
               </a:rPr>
-              <a:t>5/20/2024</a:t>
+              <a:t>5/28/2024</a:t>
             </a:fld>
             <a:endParaRPr kumimoji="0" lang="en-US" dirty="0">
               <a:latin typeface="Arial" panose="020B0604020202020204" pitchFamily="34" charset="0"/>
@@ -21424,7 +21429,7 @@
                 <a:latin typeface="Arial" panose="020B0604020202020204" pitchFamily="34" charset="0"/>
                 <a:cs typeface="Arial" panose="020B0604020202020204" pitchFamily="34" charset="0"/>
               </a:rPr>
-              <a:t>5/20/2024</a:t>
+              <a:t>5/28/2024</a:t>
             </a:fld>
             <a:endParaRPr kumimoji="0" lang="en-US" dirty="0">
               <a:latin typeface="Arial" panose="020B0604020202020204" pitchFamily="34" charset="0"/>
@@ -21626,7 +21631,7 @@
                 <a:latin typeface="Arial" panose="020B0604020202020204" pitchFamily="34" charset="0"/>
                 <a:cs typeface="Arial" panose="020B0604020202020204" pitchFamily="34" charset="0"/>
               </a:rPr>
-              <a:t>5/20/2024</a:t>
+              <a:t>5/28/2024</a:t>
             </a:fld>
             <a:endParaRPr kumimoji="0" lang="en-US" dirty="0">
               <a:latin typeface="Arial" panose="020B0604020202020204" pitchFamily="34" charset="0"/>
@@ -21828,7 +21833,7 @@
                 <a:latin typeface="Arial" panose="020B0604020202020204" pitchFamily="34" charset="0"/>
                 <a:cs typeface="Arial" panose="020B0604020202020204" pitchFamily="34" charset="0"/>
               </a:rPr>
-              <a:t>5/20/2024</a:t>
+              <a:t>5/28/2024</a:t>
             </a:fld>
             <a:endParaRPr kumimoji="0" lang="en-US" dirty="0">
               <a:latin typeface="Arial" panose="020B0604020202020204" pitchFamily="34" charset="0"/>
@@ -22030,7 +22035,7 @@
                 <a:latin typeface="Arial" panose="020B0604020202020204" pitchFamily="34" charset="0"/>
                 <a:cs typeface="Arial" panose="020B0604020202020204" pitchFamily="34" charset="0"/>
               </a:rPr>
-              <a:t>5/20/2024</a:t>
+              <a:t>5/28/2024</a:t>
             </a:fld>
             <a:endParaRPr kumimoji="0" lang="en-US" dirty="0">
               <a:latin typeface="Arial" panose="020B0604020202020204" pitchFamily="34" charset="0"/>
@@ -22816,7 +22821,7 @@
                 <a:latin typeface="Arial" panose="020B0604020202020204" pitchFamily="34" charset="0"/>
                 <a:cs typeface="Arial" panose="020B0604020202020204" pitchFamily="34" charset="0"/>
               </a:rPr>
-              <a:t>5/20/2024</a:t>
+              <a:t>5/28/2024</a:t>
             </a:fld>
             <a:endParaRPr kumimoji="0" lang="en-US" dirty="0">
               <a:latin typeface="Arial" panose="020B0604020202020204" pitchFamily="34" charset="0"/>
@@ -23484,7 +23489,7 @@
                 <a:latin typeface="Arial" panose="020B0604020202020204" pitchFamily="34" charset="0"/>
                 <a:cs typeface="Arial" panose="020B0604020202020204" pitchFamily="34" charset="0"/>
               </a:rPr>
-              <a:t>5/20/2024</a:t>
+              <a:t>5/28/2024</a:t>
             </a:fld>
             <a:endParaRPr kumimoji="0" lang="en-US" dirty="0">
               <a:latin typeface="Arial" panose="020B0604020202020204" pitchFamily="34" charset="0"/>
